--- a/Break out.pptx
+++ b/Break out.pptx
@@ -2,10 +2,11 @@
 <file path=ppt/presentation.xml><?xml version="1.0" encoding="utf-8"?>
 <p:presentation xmlns:a="http://schemas.openxmlformats.org/drawingml/2006/main" xmlns:r="http://schemas.openxmlformats.org/officeDocument/2006/relationships" xmlns:p="http://schemas.openxmlformats.org/presentationml/2006/main" saveSubsetFonts="1">
   <p:sldMasterIdLst>
-    <p:sldMasterId id="2147483648" r:id="rId1"/>
+    <p:sldMasterId id="2147483764" r:id="rId1"/>
   </p:sldMasterIdLst>
   <p:sldIdLst>
     <p:sldId id="256" r:id="rId2"/>
+    <p:sldId id="257" r:id="rId3"/>
   </p:sldIdLst>
   <p:sldSz cx="12192000" cy="6858000"/>
   <p:notesSz cx="6858000" cy="9144000"/>
@@ -104,6 +105,11 @@
       </a:defRPr>
     </a:lvl9pPr>
   </p:defaultTextStyle>
+  <p:extLst>
+    <p:ext uri="{EFAFB233-063F-42B5-8137-9DF3F51BA10A}">
+      <p15:sldGuideLst xmlns:p15="http://schemas.microsoft.com/office/powerpoint/2012/main"/>
+    </p:ext>
+  </p:extLst>
 </p:presentation>
 </file>
 
@@ -129,7 +135,7 @@
           <p:cNvPr id="2" name="Title 1">
             <a:extLst>
               <a:ext uri="{FF2B5EF4-FFF2-40B4-BE49-F238E27FC236}">
-                <a16:creationId xmlns:a16="http://schemas.microsoft.com/office/drawing/2014/main" id="{7F53EE78-C3EB-876E-1267-BCE7A4772577}"/>
+                <a16:creationId xmlns:a16="http://schemas.microsoft.com/office/drawing/2014/main" id="{E0EB8136-4330-4480-80D9-0F6FD970617C}"/>
               </a:ext>
             </a:extLst>
           </p:cNvPr>
@@ -142,23 +148,24 @@
         </p:nvSpPr>
         <p:spPr>
           <a:xfrm>
-            <a:off x="1524000" y="1122363"/>
-            <a:ext cx="9144000" cy="2387600"/>
-          </a:xfrm>
-        </p:spPr>
-        <p:txBody>
-          <a:bodyPr anchor="b"/>
+            <a:off x="576072" y="1124712"/>
+            <a:ext cx="11036808" cy="3172968"/>
+          </a:xfrm>
+        </p:spPr>
+        <p:txBody>
+          <a:bodyPr anchor="b">
+            <a:normAutofit/>
+          </a:bodyPr>
           <a:lstStyle>
-            <a:lvl1pPr algn="ctr">
-              <a:defRPr sz="6000"/>
+            <a:lvl1pPr algn="l">
+              <a:defRPr sz="8000"/>
             </a:lvl1pPr>
           </a:lstStyle>
           <a:p>
             <a:r>
-              <a:rPr lang="en-US"/>
+              <a:rPr lang="en-US" dirty="0"/>
               <a:t>Click to edit Master title style</a:t>
             </a:r>
-            <a:endParaRPr lang="en-GB"/>
           </a:p>
         </p:txBody>
       </p:sp>
@@ -167,7 +174,7 @@
           <p:cNvPr id="3" name="Subtitle 2">
             <a:extLst>
               <a:ext uri="{FF2B5EF4-FFF2-40B4-BE49-F238E27FC236}">
-                <a16:creationId xmlns:a16="http://schemas.microsoft.com/office/drawing/2014/main" id="{9BF8451D-C1C7-888B-B77F-BB9EC88B47A3}"/>
+                <a16:creationId xmlns:a16="http://schemas.microsoft.com/office/drawing/2014/main" id="{566E5739-DD96-45FB-B609-3E3447A52FED}"/>
               </a:ext>
             </a:extLst>
           </p:cNvPr>
@@ -180,16 +187,18 @@
         </p:nvSpPr>
         <p:spPr>
           <a:xfrm>
-            <a:off x="1524000" y="3602038"/>
-            <a:ext cx="9144000" cy="1655762"/>
-          </a:xfrm>
-        </p:spPr>
-        <p:txBody>
-          <a:bodyPr/>
+            <a:off x="576072" y="4727448"/>
+            <a:ext cx="11036808" cy="1481328"/>
+          </a:xfrm>
+        </p:spPr>
+        <p:txBody>
+          <a:bodyPr>
+            <a:normAutofit/>
+          </a:bodyPr>
           <a:lstStyle>
-            <a:lvl1pPr marL="0" indent="0" algn="ctr">
-              <a:buNone/>
-              <a:defRPr sz="2400"/>
+            <a:lvl1pPr marL="0" indent="0" algn="l">
+              <a:buNone/>
+              <a:defRPr sz="2800"/>
             </a:lvl1pPr>
             <a:lvl2pPr marL="457200" indent="0" algn="ctr">
               <a:buNone/>
@@ -226,10 +235,9 @@
           </a:lstStyle>
           <a:p>
             <a:r>
-              <a:rPr lang="en-US"/>
+              <a:rPr lang="en-US" dirty="0"/>
               <a:t>Click to edit Master subtitle style</a:t>
             </a:r>
-            <a:endParaRPr lang="en-GB"/>
           </a:p>
         </p:txBody>
       </p:sp>
@@ -238,7 +246,7 @@
           <p:cNvPr id="4" name="Date Placeholder 3">
             <a:extLst>
               <a:ext uri="{FF2B5EF4-FFF2-40B4-BE49-F238E27FC236}">
-                <a16:creationId xmlns:a16="http://schemas.microsoft.com/office/drawing/2014/main" id="{807DC721-D38E-D9C6-B860-AB7225B0D37C}"/>
+                <a16:creationId xmlns:a16="http://schemas.microsoft.com/office/drawing/2014/main" id="{1B9FF558-51F9-42A2-9944-DBE23DA8B224}"/>
               </a:ext>
             </a:extLst>
           </p:cNvPr>
@@ -249,77 +257,253 @@
             <p:ph type="dt" sz="half" idx="10"/>
           </p:nvPr>
         </p:nvSpPr>
+        <p:spPr>
+          <a:xfrm>
+            <a:off x="576072" y="6356350"/>
+            <a:ext cx="2743200" cy="365125"/>
+          </a:xfrm>
+        </p:spPr>
+        <p:txBody>
+          <a:bodyPr/>
+          <a:lstStyle/>
+          <a:p>
+            <a:fld id="{02AC24A9-CCB6-4F8D-B8DB-C2F3692CFA5A}" type="datetimeFigureOut">
+              <a:rPr lang="en-US" smtClean="0"/>
+              <a:t>6/11/2024</a:t>
+            </a:fld>
+            <a:endParaRPr lang="en-US" dirty="0"/>
+          </a:p>
+        </p:txBody>
+      </p:sp>
+      <p:sp>
+        <p:nvSpPr>
+          <p:cNvPr id="5" name="Footer Placeholder 4">
+            <a:extLst>
+              <a:ext uri="{FF2B5EF4-FFF2-40B4-BE49-F238E27FC236}">
+                <a16:creationId xmlns:a16="http://schemas.microsoft.com/office/drawing/2014/main" id="{8B8C0E86-A7F7-4BDC-A637-254E5252DED5}"/>
+              </a:ext>
+            </a:extLst>
+          </p:cNvPr>
+          <p:cNvSpPr>
+            <a:spLocks noGrp="1"/>
+          </p:cNvSpPr>
+          <p:nvPr>
+            <p:ph type="ftr" sz="quarter" idx="11"/>
+          </p:nvPr>
+        </p:nvSpPr>
         <p:spPr/>
         <p:txBody>
           <a:bodyPr/>
           <a:lstStyle/>
           <a:p>
-            <a:fld id="{4A189AED-545C-49FC-B1A0-A2EE2FF6A84B}" type="datetimeFigureOut">
-              <a:rPr lang="en-GB" smtClean="0"/>
-              <a:t>10/06/2024</a:t>
-            </a:fld>
-            <a:endParaRPr lang="en-GB"/>
-          </a:p>
-        </p:txBody>
-      </p:sp>
-      <p:sp>
-        <p:nvSpPr>
-          <p:cNvPr id="5" name="Footer Placeholder 4">
-            <a:extLst>
-              <a:ext uri="{FF2B5EF4-FFF2-40B4-BE49-F238E27FC236}">
-                <a16:creationId xmlns:a16="http://schemas.microsoft.com/office/drawing/2014/main" id="{0837A2A5-22B9-B376-958A-AD7086EFD23B}"/>
-              </a:ext>
-            </a:extLst>
-          </p:cNvPr>
-          <p:cNvSpPr>
-            <a:spLocks noGrp="1"/>
-          </p:cNvSpPr>
-          <p:nvPr>
-            <p:ph type="ftr" sz="quarter" idx="11"/>
-          </p:nvPr>
-        </p:nvSpPr>
-        <p:spPr/>
+            <a:endParaRPr lang="en-US" dirty="0"/>
+          </a:p>
+        </p:txBody>
+      </p:sp>
+      <p:sp>
+        <p:nvSpPr>
+          <p:cNvPr id="6" name="Slide Number Placeholder 5">
+            <a:extLst>
+              <a:ext uri="{FF2B5EF4-FFF2-40B4-BE49-F238E27FC236}">
+                <a16:creationId xmlns:a16="http://schemas.microsoft.com/office/drawing/2014/main" id="{C3D10ADE-E9DA-4E57-BF57-1CCB65219839}"/>
+              </a:ext>
+            </a:extLst>
+          </p:cNvPr>
+          <p:cNvSpPr>
+            <a:spLocks noGrp="1"/>
+          </p:cNvSpPr>
+          <p:nvPr>
+            <p:ph type="sldNum" sz="quarter" idx="12"/>
+          </p:nvPr>
+        </p:nvSpPr>
+        <p:spPr>
+          <a:xfrm>
+            <a:off x="8869680" y="6356350"/>
+            <a:ext cx="2743200" cy="365125"/>
+          </a:xfrm>
+        </p:spPr>
         <p:txBody>
           <a:bodyPr/>
           <a:lstStyle/>
           <a:p>
-            <a:endParaRPr lang="en-GB"/>
-          </a:p>
-        </p:txBody>
-      </p:sp>
-      <p:sp>
-        <p:nvSpPr>
-          <p:cNvPr id="6" name="Slide Number Placeholder 5">
-            <a:extLst>
-              <a:ext uri="{FF2B5EF4-FFF2-40B4-BE49-F238E27FC236}">
-                <a16:creationId xmlns:a16="http://schemas.microsoft.com/office/drawing/2014/main" id="{3B6A350A-89B1-27DD-699E-13650CDABCD4}"/>
-              </a:ext>
-            </a:extLst>
-          </p:cNvPr>
-          <p:cNvSpPr>
-            <a:spLocks noGrp="1"/>
-          </p:cNvSpPr>
-          <p:nvPr>
-            <p:ph type="sldNum" sz="quarter" idx="12"/>
-          </p:nvPr>
-        </p:nvSpPr>
-        <p:spPr/>
-        <p:txBody>
-          <a:bodyPr/>
-          <a:lstStyle/>
-          <a:p>
-            <a:fld id="{6A54BB81-1D11-4914-ABC9-854FDD7008E8}" type="slidenum">
-              <a:rPr lang="en-GB" smtClean="0"/>
+            <a:fld id="{B2DC25EE-239B-4C5F-AAD1-255A7D5F1EE2}" type="slidenum">
+              <a:rPr lang="en-US" smtClean="0"/>
               <a:t>‹#›</a:t>
             </a:fld>
-            <a:endParaRPr lang="en-GB"/>
+            <a:endParaRPr lang="en-US" dirty="0"/>
+          </a:p>
+        </p:txBody>
+      </p:sp>
+      <p:sp>
+        <p:nvSpPr>
+          <p:cNvPr id="8" name="Rectangle 7">
+            <a:extLst>
+              <a:ext uri="{FF2B5EF4-FFF2-40B4-BE49-F238E27FC236}">
+                <a16:creationId xmlns:a16="http://schemas.microsoft.com/office/drawing/2014/main" id="{8D06CE56-3881-4ADA-8CEF-D18B02C242A3}"/>
+              </a:ext>
+            </a:extLst>
+          </p:cNvPr>
+          <p:cNvSpPr/>
+          <p:nvPr/>
+        </p:nvSpPr>
+        <p:spPr>
+          <a:xfrm rot="5400000">
+            <a:off x="857544" y="346791"/>
+            <a:ext cx="146304" cy="704088"/>
+          </a:xfrm>
+          <a:prstGeom prst="rect">
+            <a:avLst/>
+          </a:prstGeom>
+          <a:solidFill>
+            <a:schemeClr val="accent1"/>
+          </a:solidFill>
+          <a:ln>
+            <a:noFill/>
+          </a:ln>
+        </p:spPr>
+        <p:style>
+          <a:lnRef idx="2">
+            <a:schemeClr val="accent1">
+              <a:shade val="50000"/>
+            </a:schemeClr>
+          </a:lnRef>
+          <a:fillRef idx="1">
+            <a:schemeClr val="accent1"/>
+          </a:fillRef>
+          <a:effectRef idx="0">
+            <a:schemeClr val="accent1"/>
+          </a:effectRef>
+          <a:fontRef idx="minor">
+            <a:schemeClr val="lt1"/>
+          </a:fontRef>
+        </p:style>
+        <p:txBody>
+          <a:bodyPr rtlCol="0" anchor="ctr"/>
+          <a:lstStyle/>
+          <a:p>
+            <a:pPr marL="0" marR="0" lvl="0" indent="0" algn="ctr" defTabSz="914400" rtl="0" eaLnBrk="1" fontAlgn="auto" latinLnBrk="0" hangingPunct="1">
+              <a:lnSpc>
+                <a:spcPct val="100000"/>
+              </a:lnSpc>
+              <a:spcBef>
+                <a:spcPts val="0"/>
+              </a:spcBef>
+              <a:spcAft>
+                <a:spcPts val="0"/>
+              </a:spcAft>
+              <a:buClrTx/>
+              <a:buSzTx/>
+              <a:buFontTx/>
+              <a:buNone/>
+              <a:tabLst/>
+              <a:defRPr/>
+            </a:pPr>
+            <a:endParaRPr kumimoji="0" lang="en-US" sz="1800" b="0" i="0" u="none" strike="noStrike" kern="1200" cap="none" spc="0" normalizeH="0" baseline="0" noProof="0">
+              <a:ln>
+                <a:noFill/>
+              </a:ln>
+              <a:solidFill>
+                <a:prstClr val="white"/>
+              </a:solidFill>
+              <a:effectLst/>
+              <a:uLnTx/>
+              <a:uFillTx/>
+              <a:latin typeface="Calibri" panose="020F0502020204030204"/>
+              <a:ea typeface="+mn-ea"/>
+              <a:cs typeface="+mn-cs"/>
+            </a:endParaRPr>
+          </a:p>
+        </p:txBody>
+      </p:sp>
+      <p:sp>
+        <p:nvSpPr>
+          <p:cNvPr id="10" name="Rectangle 9">
+            <a:extLst>
+              <a:ext uri="{FF2B5EF4-FFF2-40B4-BE49-F238E27FC236}">
+                <a16:creationId xmlns:a16="http://schemas.microsoft.com/office/drawing/2014/main" id="{79F3C543-62EC-4433-9C93-A2CD8764E9B4}"/>
+              </a:ext>
+            </a:extLst>
+          </p:cNvPr>
+          <p:cNvSpPr/>
+          <p:nvPr/>
+        </p:nvSpPr>
+        <p:spPr>
+          <a:xfrm flipV="1">
+            <a:off x="578652" y="4501201"/>
+            <a:ext cx="11034696" cy="18288"/>
+          </a:xfrm>
+          <a:prstGeom prst="rect">
+            <a:avLst/>
+          </a:prstGeom>
+          <a:solidFill>
+            <a:schemeClr val="tx2">
+              <a:lumMod val="25000"/>
+              <a:lumOff val="75000"/>
+            </a:schemeClr>
+          </a:solidFill>
+          <a:ln w="3175">
+            <a:noFill/>
+          </a:ln>
+          <a:effectLst/>
+        </p:spPr>
+        <p:style>
+          <a:lnRef idx="2">
+            <a:schemeClr val="accent1">
+              <a:shade val="50000"/>
+            </a:schemeClr>
+          </a:lnRef>
+          <a:fillRef idx="1">
+            <a:schemeClr val="accent1"/>
+          </a:fillRef>
+          <a:effectRef idx="0">
+            <a:schemeClr val="accent1"/>
+          </a:effectRef>
+          <a:fontRef idx="minor">
+            <a:schemeClr val="lt1"/>
+          </a:fontRef>
+        </p:style>
+        <p:txBody>
+          <a:bodyPr rtlCol="0" anchor="ctr"/>
+          <a:lstStyle/>
+          <a:p>
+            <a:pPr marL="0" marR="0" lvl="0" indent="0" algn="ctr" defTabSz="914400" rtl="0" eaLnBrk="1" fontAlgn="auto" latinLnBrk="0" hangingPunct="1">
+              <a:lnSpc>
+                <a:spcPct val="100000"/>
+              </a:lnSpc>
+              <a:spcBef>
+                <a:spcPts val="0"/>
+              </a:spcBef>
+              <a:spcAft>
+                <a:spcPts val="0"/>
+              </a:spcAft>
+              <a:buClrTx/>
+              <a:buSzTx/>
+              <a:buFontTx/>
+              <a:buNone/>
+              <a:tabLst/>
+              <a:defRPr/>
+            </a:pPr>
+            <a:endParaRPr kumimoji="0" lang="en-US" sz="1800" b="0" i="0" u="none" strike="noStrike" kern="1200" cap="none" spc="0" normalizeH="0" baseline="0" noProof="0">
+              <a:ln>
+                <a:noFill/>
+              </a:ln>
+              <a:solidFill>
+                <a:prstClr val="white"/>
+              </a:solidFill>
+              <a:effectLst/>
+              <a:uLnTx/>
+              <a:uFillTx/>
+              <a:latin typeface="Calibri" panose="020F0502020204030204"/>
+              <a:ea typeface="+mn-ea"/>
+              <a:cs typeface="+mn-cs"/>
+            </a:endParaRPr>
           </a:p>
         </p:txBody>
       </p:sp>
     </p:spTree>
     <p:extLst>
       <p:ext uri="{BB962C8B-B14F-4D97-AF65-F5344CB8AC3E}">
-        <p14:creationId xmlns:p14="http://schemas.microsoft.com/office/powerpoint/2010/main" val="1065847710"/>
+        <p14:creationId xmlns:p14="http://schemas.microsoft.com/office/powerpoint/2010/main" val="4273517431"/>
       </p:ext>
     </p:extLst>
   </p:cSld>
@@ -351,7 +535,7 @@
           <p:cNvPr id="2" name="Title 1">
             <a:extLst>
               <a:ext uri="{FF2B5EF4-FFF2-40B4-BE49-F238E27FC236}">
-                <a16:creationId xmlns:a16="http://schemas.microsoft.com/office/drawing/2014/main" id="{3CEC8A4C-5F21-8764-7338-414B484038BF}"/>
+                <a16:creationId xmlns:a16="http://schemas.microsoft.com/office/drawing/2014/main" id="{90B32C18-E430-4EC7-BD7C-99D86D012231}"/>
               </a:ext>
             </a:extLst>
           </p:cNvPr>
@@ -371,7 +555,7 @@
               <a:rPr lang="en-US"/>
               <a:t>Click to edit Master title style</a:t>
             </a:r>
-            <a:endParaRPr lang="en-GB"/>
+            <a:endParaRPr lang="en-US" dirty="0"/>
           </a:p>
         </p:txBody>
       </p:sp>
@@ -380,7 +564,7 @@
           <p:cNvPr id="3" name="Vertical Text Placeholder 2">
             <a:extLst>
               <a:ext uri="{FF2B5EF4-FFF2-40B4-BE49-F238E27FC236}">
-                <a16:creationId xmlns:a16="http://schemas.microsoft.com/office/drawing/2014/main" id="{273D519E-7055-405E-3804-5FDF3466FF09}"/>
+                <a16:creationId xmlns:a16="http://schemas.microsoft.com/office/drawing/2014/main" id="{8FC5012F-7119-4D94-9717-3862E1C9384E}"/>
               </a:ext>
             </a:extLst>
           </p:cNvPr>
@@ -429,7 +613,6 @@
               <a:rPr lang="en-US"/>
               <a:t>Fifth level</a:t>
             </a:r>
-            <a:endParaRPr lang="en-GB"/>
           </a:p>
         </p:txBody>
       </p:sp>
@@ -438,7 +621,7 @@
           <p:cNvPr id="4" name="Date Placeholder 3">
             <a:extLst>
               <a:ext uri="{FF2B5EF4-FFF2-40B4-BE49-F238E27FC236}">
-                <a16:creationId xmlns:a16="http://schemas.microsoft.com/office/drawing/2014/main" id="{2549B063-AFDF-246B-8894-4C011ADF1B09}"/>
+                <a16:creationId xmlns:a16="http://schemas.microsoft.com/office/drawing/2014/main" id="{19ED9A4A-D287-4207-9037-70DB007A1707}"/>
               </a:ext>
             </a:extLst>
           </p:cNvPr>
@@ -454,11 +637,11 @@
           <a:bodyPr/>
           <a:lstStyle/>
           <a:p>
-            <a:fld id="{4A189AED-545C-49FC-B1A0-A2EE2FF6A84B}" type="datetimeFigureOut">
-              <a:rPr lang="en-GB" smtClean="0"/>
-              <a:t>10/06/2024</a:t>
+            <a:fld id="{02AC24A9-CCB6-4F8D-B8DB-C2F3692CFA5A}" type="datetimeFigureOut">
+              <a:rPr lang="en-US" smtClean="0"/>
+              <a:t>6/11/2024</a:t>
             </a:fld>
-            <a:endParaRPr lang="en-GB"/>
+            <a:endParaRPr lang="en-US"/>
           </a:p>
         </p:txBody>
       </p:sp>
@@ -467,7 +650,7 @@
           <p:cNvPr id="5" name="Footer Placeholder 4">
             <a:extLst>
               <a:ext uri="{FF2B5EF4-FFF2-40B4-BE49-F238E27FC236}">
-                <a16:creationId xmlns:a16="http://schemas.microsoft.com/office/drawing/2014/main" id="{E0B1AF2E-04B4-C490-A4D9-7D2DD6A1C00E}"/>
+                <a16:creationId xmlns:a16="http://schemas.microsoft.com/office/drawing/2014/main" id="{61ECFCAC-80DB-43BB-B3F1-AC22BACEE360}"/>
               </a:ext>
             </a:extLst>
           </p:cNvPr>
@@ -483,7 +666,7 @@
           <a:bodyPr/>
           <a:lstStyle/>
           <a:p>
-            <a:endParaRPr lang="en-GB"/>
+            <a:endParaRPr lang="en-US"/>
           </a:p>
         </p:txBody>
       </p:sp>
@@ -492,7 +675,7 @@
           <p:cNvPr id="6" name="Slide Number Placeholder 5">
             <a:extLst>
               <a:ext uri="{FF2B5EF4-FFF2-40B4-BE49-F238E27FC236}">
-                <a16:creationId xmlns:a16="http://schemas.microsoft.com/office/drawing/2014/main" id="{8A6BE95E-9E66-8962-817A-58C7BF989298}"/>
+                <a16:creationId xmlns:a16="http://schemas.microsoft.com/office/drawing/2014/main" id="{D7679730-3487-4D94-A0DC-C21684963AB3}"/>
               </a:ext>
             </a:extLst>
           </p:cNvPr>
@@ -508,18 +691,18 @@
           <a:bodyPr/>
           <a:lstStyle/>
           <a:p>
-            <a:fld id="{6A54BB81-1D11-4914-ABC9-854FDD7008E8}" type="slidenum">
-              <a:rPr lang="en-GB" smtClean="0"/>
+            <a:fld id="{B2DC25EE-239B-4C5F-AAD1-255A7D5F1EE2}" type="slidenum">
+              <a:rPr lang="en-US" smtClean="0"/>
               <a:t>‹#›</a:t>
             </a:fld>
-            <a:endParaRPr lang="en-GB"/>
+            <a:endParaRPr lang="en-US"/>
           </a:p>
         </p:txBody>
       </p:sp>
     </p:spTree>
     <p:extLst>
       <p:ext uri="{BB962C8B-B14F-4D97-AF65-F5344CB8AC3E}">
-        <p14:creationId xmlns:p14="http://schemas.microsoft.com/office/powerpoint/2010/main" val="1424571572"/>
+        <p14:creationId xmlns:p14="http://schemas.microsoft.com/office/powerpoint/2010/main" val="463016694"/>
       </p:ext>
     </p:extLst>
   </p:cSld>
@@ -551,7 +734,7 @@
           <p:cNvPr id="2" name="Vertical Title 1">
             <a:extLst>
               <a:ext uri="{FF2B5EF4-FFF2-40B4-BE49-F238E27FC236}">
-                <a16:creationId xmlns:a16="http://schemas.microsoft.com/office/drawing/2014/main" id="{907A5DDD-E332-9402-E8C2-A7F4BB388318}"/>
+                <a16:creationId xmlns:a16="http://schemas.microsoft.com/office/drawing/2014/main" id="{B543C89D-929E-4CD1-BCCC-72A14C0335D6}"/>
               </a:ext>
             </a:extLst>
           </p:cNvPr>
@@ -576,7 +759,7 @@
               <a:rPr lang="en-US"/>
               <a:t>Click to edit Master title style</a:t>
             </a:r>
-            <a:endParaRPr lang="en-GB"/>
+            <a:endParaRPr lang="en-US" dirty="0"/>
           </a:p>
         </p:txBody>
       </p:sp>
@@ -585,7 +768,7 @@
           <p:cNvPr id="3" name="Vertical Text Placeholder 2">
             <a:extLst>
               <a:ext uri="{FF2B5EF4-FFF2-40B4-BE49-F238E27FC236}">
-                <a16:creationId xmlns:a16="http://schemas.microsoft.com/office/drawing/2014/main" id="{54D56C30-062D-C574-78FB-BDF39087A734}"/>
+                <a16:creationId xmlns:a16="http://schemas.microsoft.com/office/drawing/2014/main" id="{FED450EA-A577-4B76-A12F-650BEB20FD8D}"/>
               </a:ext>
             </a:extLst>
           </p:cNvPr>
@@ -639,7 +822,6 @@
               <a:rPr lang="en-US"/>
               <a:t>Fifth level</a:t>
             </a:r>
-            <a:endParaRPr lang="en-GB"/>
           </a:p>
         </p:txBody>
       </p:sp>
@@ -648,7 +830,7 @@
           <p:cNvPr id="4" name="Date Placeholder 3">
             <a:extLst>
               <a:ext uri="{FF2B5EF4-FFF2-40B4-BE49-F238E27FC236}">
-                <a16:creationId xmlns:a16="http://schemas.microsoft.com/office/drawing/2014/main" id="{834C201F-8BB9-79A6-881C-F927187D02E2}"/>
+                <a16:creationId xmlns:a16="http://schemas.microsoft.com/office/drawing/2014/main" id="{41D2603B-9ACE-4FA9-805B-9B91EB63DF7D}"/>
               </a:ext>
             </a:extLst>
           </p:cNvPr>
@@ -664,11 +846,11 @@
           <a:bodyPr/>
           <a:lstStyle/>
           <a:p>
-            <a:fld id="{4A189AED-545C-49FC-B1A0-A2EE2FF6A84B}" type="datetimeFigureOut">
-              <a:rPr lang="en-GB" smtClean="0"/>
-              <a:t>10/06/2024</a:t>
+            <a:fld id="{02AC24A9-CCB6-4F8D-B8DB-C2F3692CFA5A}" type="datetimeFigureOut">
+              <a:rPr lang="en-US" smtClean="0"/>
+              <a:t>6/11/2024</a:t>
             </a:fld>
-            <a:endParaRPr lang="en-GB"/>
+            <a:endParaRPr lang="en-US"/>
           </a:p>
         </p:txBody>
       </p:sp>
@@ -677,7 +859,7 @@
           <p:cNvPr id="5" name="Footer Placeholder 4">
             <a:extLst>
               <a:ext uri="{FF2B5EF4-FFF2-40B4-BE49-F238E27FC236}">
-                <a16:creationId xmlns:a16="http://schemas.microsoft.com/office/drawing/2014/main" id="{05870EBD-29A8-E3D5-3B80-1DE72007506E}"/>
+                <a16:creationId xmlns:a16="http://schemas.microsoft.com/office/drawing/2014/main" id="{7ECE18AC-D6A9-4A61-885D-68E2B684A438}"/>
               </a:ext>
             </a:extLst>
           </p:cNvPr>
@@ -693,7 +875,7 @@
           <a:bodyPr/>
           <a:lstStyle/>
           <a:p>
-            <a:endParaRPr lang="en-GB"/>
+            <a:endParaRPr lang="en-US"/>
           </a:p>
         </p:txBody>
       </p:sp>
@@ -702,7 +884,7 @@
           <p:cNvPr id="6" name="Slide Number Placeholder 5">
             <a:extLst>
               <a:ext uri="{FF2B5EF4-FFF2-40B4-BE49-F238E27FC236}">
-                <a16:creationId xmlns:a16="http://schemas.microsoft.com/office/drawing/2014/main" id="{30F2F581-CBA2-C11B-A49E-220DB2BA405A}"/>
+                <a16:creationId xmlns:a16="http://schemas.microsoft.com/office/drawing/2014/main" id="{75197AE4-AA47-4E14-8FFE-171FAE47F49E}"/>
               </a:ext>
             </a:extLst>
           </p:cNvPr>
@@ -718,18 +900,18 @@
           <a:bodyPr/>
           <a:lstStyle/>
           <a:p>
-            <a:fld id="{6A54BB81-1D11-4914-ABC9-854FDD7008E8}" type="slidenum">
-              <a:rPr lang="en-GB" smtClean="0"/>
+            <a:fld id="{B2DC25EE-239B-4C5F-AAD1-255A7D5F1EE2}" type="slidenum">
+              <a:rPr lang="en-US" smtClean="0"/>
               <a:t>‹#›</a:t>
             </a:fld>
-            <a:endParaRPr lang="en-GB"/>
+            <a:endParaRPr lang="en-US"/>
           </a:p>
         </p:txBody>
       </p:sp>
     </p:spTree>
     <p:extLst>
       <p:ext uri="{BB962C8B-B14F-4D97-AF65-F5344CB8AC3E}">
-        <p14:creationId xmlns:p14="http://schemas.microsoft.com/office/powerpoint/2010/main" val="2722751279"/>
+        <p14:creationId xmlns:p14="http://schemas.microsoft.com/office/powerpoint/2010/main" val="381539266"/>
       </p:ext>
     </p:extLst>
   </p:cSld>
@@ -756,12 +938,263 @@
           <a:chExt cx="0" cy="0"/>
         </a:xfrm>
       </p:grpSpPr>
+      <p:sp useBgFill="1">
+        <p:nvSpPr>
+          <p:cNvPr id="8" name="Rectangle 7">
+            <a:extLst>
+              <a:ext uri="{FF2B5EF4-FFF2-40B4-BE49-F238E27FC236}">
+                <a16:creationId xmlns:a16="http://schemas.microsoft.com/office/drawing/2014/main" id="{2D6FBB9D-1CAA-4D05-AB33-BABDFE17B843}"/>
+              </a:ext>
+            </a:extLst>
+          </p:cNvPr>
+          <p:cNvSpPr/>
+          <p:nvPr/>
+        </p:nvSpPr>
+        <p:spPr>
+          <a:xfrm>
+            <a:off x="558209" y="0"/>
+            <a:ext cx="11167447" cy="2018806"/>
+          </a:xfrm>
+          <a:prstGeom prst="rect">
+            <a:avLst/>
+          </a:prstGeom>
+          <a:ln w="9525">
+            <a:solidFill>
+              <a:schemeClr val="tx2">
+                <a:lumMod val="10000"/>
+                <a:lumOff val="90000"/>
+              </a:schemeClr>
+            </a:solidFill>
+          </a:ln>
+          <a:effectLst>
+            <a:outerShdw blurRad="50800" dist="38100" dir="2700000" algn="tl" rotWithShape="0">
+              <a:schemeClr val="bg1">
+                <a:lumMod val="85000"/>
+                <a:alpha val="30000"/>
+              </a:schemeClr>
+            </a:outerShdw>
+          </a:effectLst>
+        </p:spPr>
+        <p:style>
+          <a:lnRef idx="2">
+            <a:schemeClr val="accent1">
+              <a:shade val="50000"/>
+            </a:schemeClr>
+          </a:lnRef>
+          <a:fillRef idx="1">
+            <a:schemeClr val="accent1"/>
+          </a:fillRef>
+          <a:effectRef idx="0">
+            <a:schemeClr val="accent1"/>
+          </a:effectRef>
+          <a:fontRef idx="minor">
+            <a:schemeClr val="lt1"/>
+          </a:fontRef>
+        </p:style>
+        <p:txBody>
+          <a:bodyPr rtlCol="0" anchor="ctr"/>
+          <a:lstStyle/>
+          <a:p>
+            <a:pPr marL="0" marR="0" lvl="0" indent="0" algn="ctr" defTabSz="914400" rtl="0" eaLnBrk="1" fontAlgn="auto" latinLnBrk="0" hangingPunct="1">
+              <a:lnSpc>
+                <a:spcPct val="100000"/>
+              </a:lnSpc>
+              <a:spcBef>
+                <a:spcPts val="0"/>
+              </a:spcBef>
+              <a:spcAft>
+                <a:spcPts val="0"/>
+              </a:spcAft>
+              <a:buClrTx/>
+              <a:buSzTx/>
+              <a:buFontTx/>
+              <a:buNone/>
+              <a:tabLst/>
+              <a:defRPr/>
+            </a:pPr>
+            <a:endParaRPr kumimoji="0" lang="en-US" sz="1800" b="0" i="0" u="none" strike="noStrike" kern="1200" cap="none" spc="0" normalizeH="0" baseline="0" noProof="0">
+              <a:ln>
+                <a:noFill/>
+              </a:ln>
+              <a:solidFill>
+                <a:prstClr val="white"/>
+              </a:solidFill>
+              <a:effectLst/>
+              <a:uLnTx/>
+              <a:uFillTx/>
+              <a:latin typeface="Calibri" panose="020F0502020204030204"/>
+              <a:ea typeface="+mn-ea"/>
+              <a:cs typeface="+mn-cs"/>
+            </a:endParaRPr>
+          </a:p>
+        </p:txBody>
+      </p:sp>
+      <p:sp useBgFill="1">
+        <p:nvSpPr>
+          <p:cNvPr id="10" name="Rectangle 9">
+            <a:extLst>
+              <a:ext uri="{FF2B5EF4-FFF2-40B4-BE49-F238E27FC236}">
+                <a16:creationId xmlns:a16="http://schemas.microsoft.com/office/drawing/2014/main" id="{04727B71-B4B6-4823-80A1-68C40B475118}"/>
+              </a:ext>
+            </a:extLst>
+          </p:cNvPr>
+          <p:cNvSpPr/>
+          <p:nvPr/>
+        </p:nvSpPr>
+        <p:spPr>
+          <a:xfrm>
+            <a:off x="566928" y="0"/>
+            <a:ext cx="11155680" cy="2011680"/>
+          </a:xfrm>
+          <a:prstGeom prst="rect">
+            <a:avLst/>
+          </a:prstGeom>
+          <a:ln w="9525">
+            <a:noFill/>
+          </a:ln>
+          <a:effectLst/>
+        </p:spPr>
+        <p:style>
+          <a:lnRef idx="2">
+            <a:schemeClr val="accent1">
+              <a:shade val="50000"/>
+            </a:schemeClr>
+          </a:lnRef>
+          <a:fillRef idx="1">
+            <a:schemeClr val="accent1"/>
+          </a:fillRef>
+          <a:effectRef idx="0">
+            <a:schemeClr val="accent1"/>
+          </a:effectRef>
+          <a:fontRef idx="minor">
+            <a:schemeClr val="lt1"/>
+          </a:fontRef>
+        </p:style>
+        <p:txBody>
+          <a:bodyPr rtlCol="0" anchor="ctr"/>
+          <a:lstStyle/>
+          <a:p>
+            <a:pPr marL="0" marR="0" lvl="0" indent="0" algn="ctr" defTabSz="914400" rtl="0" eaLnBrk="1" fontAlgn="auto" latinLnBrk="0" hangingPunct="1">
+              <a:lnSpc>
+                <a:spcPct val="100000"/>
+              </a:lnSpc>
+              <a:spcBef>
+                <a:spcPts val="0"/>
+              </a:spcBef>
+              <a:spcAft>
+                <a:spcPts val="0"/>
+              </a:spcAft>
+              <a:buClrTx/>
+              <a:buSzTx/>
+              <a:buFontTx/>
+              <a:buNone/>
+              <a:tabLst/>
+              <a:defRPr/>
+            </a:pPr>
+            <a:endParaRPr kumimoji="0" lang="en-US" sz="1800" b="0" i="0" u="none" strike="noStrike" kern="1200" cap="none" spc="0" normalizeH="0" baseline="0" noProof="0">
+              <a:ln>
+                <a:noFill/>
+              </a:ln>
+              <a:solidFill>
+                <a:prstClr val="white"/>
+              </a:solidFill>
+              <a:effectLst/>
+              <a:uLnTx/>
+              <a:uFillTx/>
+              <a:latin typeface="Calibri" panose="020F0502020204030204"/>
+              <a:ea typeface="+mn-ea"/>
+              <a:cs typeface="+mn-cs"/>
+            </a:endParaRPr>
+          </a:p>
+        </p:txBody>
+      </p:sp>
+      <p:sp>
+        <p:nvSpPr>
+          <p:cNvPr id="12" name="Rectangle 11">
+            <a:extLst>
+              <a:ext uri="{FF2B5EF4-FFF2-40B4-BE49-F238E27FC236}">
+                <a16:creationId xmlns:a16="http://schemas.microsoft.com/office/drawing/2014/main" id="{79A6DB05-9FB5-4B07-8675-74C23D4FD89D}"/>
+              </a:ext>
+            </a:extLst>
+          </p:cNvPr>
+          <p:cNvSpPr/>
+          <p:nvPr/>
+        </p:nvSpPr>
+        <p:spPr>
+          <a:xfrm>
+            <a:off x="498834" y="787352"/>
+            <a:ext cx="128016" cy="704088"/>
+          </a:xfrm>
+          <a:prstGeom prst="rect">
+            <a:avLst/>
+          </a:prstGeom>
+          <a:solidFill>
+            <a:schemeClr val="accent1"/>
+          </a:solidFill>
+          <a:ln>
+            <a:noFill/>
+          </a:ln>
+        </p:spPr>
+        <p:style>
+          <a:lnRef idx="2">
+            <a:schemeClr val="accent1">
+              <a:shade val="50000"/>
+            </a:schemeClr>
+          </a:lnRef>
+          <a:fillRef idx="1">
+            <a:schemeClr val="accent1"/>
+          </a:fillRef>
+          <a:effectRef idx="0">
+            <a:schemeClr val="accent1"/>
+          </a:effectRef>
+          <a:fontRef idx="minor">
+            <a:schemeClr val="lt1"/>
+          </a:fontRef>
+        </p:style>
+        <p:txBody>
+          <a:bodyPr rtlCol="0" anchor="ctr"/>
+          <a:lstStyle/>
+          <a:p>
+            <a:pPr marL="0" marR="0" lvl="0" indent="0" algn="ctr" defTabSz="914400" rtl="0" eaLnBrk="1" fontAlgn="auto" latinLnBrk="0" hangingPunct="1">
+              <a:lnSpc>
+                <a:spcPct val="100000"/>
+              </a:lnSpc>
+              <a:spcBef>
+                <a:spcPts val="0"/>
+              </a:spcBef>
+              <a:spcAft>
+                <a:spcPts val="0"/>
+              </a:spcAft>
+              <a:buClrTx/>
+              <a:buSzTx/>
+              <a:buFontTx/>
+              <a:buNone/>
+              <a:tabLst/>
+              <a:defRPr/>
+            </a:pPr>
+            <a:endParaRPr kumimoji="0" lang="en-US" sz="1800" b="0" i="0" u="none" strike="noStrike" kern="1200" cap="none" spc="0" normalizeH="0" baseline="0" noProof="0">
+              <a:ln>
+                <a:noFill/>
+              </a:ln>
+              <a:solidFill>
+                <a:prstClr val="white"/>
+              </a:solidFill>
+              <a:effectLst/>
+              <a:uLnTx/>
+              <a:uFillTx/>
+              <a:latin typeface="Calibri" panose="020F0502020204030204"/>
+              <a:ea typeface="+mn-ea"/>
+              <a:cs typeface="+mn-cs"/>
+            </a:endParaRPr>
+          </a:p>
+        </p:txBody>
+      </p:sp>
       <p:sp>
         <p:nvSpPr>
           <p:cNvPr id="2" name="Title 1">
             <a:extLst>
               <a:ext uri="{FF2B5EF4-FFF2-40B4-BE49-F238E27FC236}">
-                <a16:creationId xmlns:a16="http://schemas.microsoft.com/office/drawing/2014/main" id="{DD1A02E4-FE31-3F84-9109-8B9DFA54D3C1}"/>
+                <a16:creationId xmlns:a16="http://schemas.microsoft.com/office/drawing/2014/main" id="{48D358CF-0758-490A-A084-C46443B9ABE8}"/>
               </a:ext>
             </a:extLst>
           </p:cNvPr>
@@ -772,164 +1205,188 @@
             <p:ph type="title"/>
           </p:nvPr>
         </p:nvSpPr>
+        <p:spPr>
+          <a:xfrm>
+            <a:off x="1115568" y="548640"/>
+            <a:ext cx="10168128" cy="1179576"/>
+          </a:xfrm>
+        </p:spPr>
+        <p:txBody>
+          <a:bodyPr>
+            <a:normAutofit/>
+          </a:bodyPr>
+          <a:lstStyle>
+            <a:lvl1pPr>
+              <a:defRPr sz="4000"/>
+            </a:lvl1pPr>
+          </a:lstStyle>
+          <a:p>
+            <a:r>
+              <a:rPr lang="en-US" dirty="0"/>
+              <a:t>Click to edit Master title style</a:t>
+            </a:r>
+          </a:p>
+        </p:txBody>
+      </p:sp>
+      <p:sp>
+        <p:nvSpPr>
+          <p:cNvPr id="3" name="Content Placeholder 2">
+            <a:extLst>
+              <a:ext uri="{FF2B5EF4-FFF2-40B4-BE49-F238E27FC236}">
+                <a16:creationId xmlns:a16="http://schemas.microsoft.com/office/drawing/2014/main" id="{21671183-B3CE-4F45-92FB-98290CA0E2CA}"/>
+              </a:ext>
+            </a:extLst>
+          </p:cNvPr>
+          <p:cNvSpPr>
+            <a:spLocks noGrp="1"/>
+          </p:cNvSpPr>
+          <p:nvPr>
+            <p:ph idx="1"/>
+          </p:nvPr>
+        </p:nvSpPr>
+        <p:spPr>
+          <a:xfrm>
+            <a:off x="1115568" y="2478024"/>
+            <a:ext cx="10168128" cy="3694176"/>
+          </a:xfrm>
+        </p:spPr>
+        <p:txBody>
+          <a:bodyPr/>
+          <a:lstStyle/>
+          <a:p>
+            <a:pPr lvl="0"/>
+            <a:r>
+              <a:rPr lang="en-US" dirty="0"/>
+              <a:t>Click to edit Master text styles</a:t>
+            </a:r>
+          </a:p>
+          <a:p>
+            <a:pPr lvl="1"/>
+            <a:r>
+              <a:rPr lang="en-US" dirty="0"/>
+              <a:t>Second level</a:t>
+            </a:r>
+          </a:p>
+          <a:p>
+            <a:pPr lvl="2"/>
+            <a:r>
+              <a:rPr lang="en-US" dirty="0"/>
+              <a:t>Third level</a:t>
+            </a:r>
+          </a:p>
+          <a:p>
+            <a:pPr lvl="3"/>
+            <a:r>
+              <a:rPr lang="en-US" dirty="0"/>
+              <a:t>Fourth level</a:t>
+            </a:r>
+          </a:p>
+          <a:p>
+            <a:pPr lvl="4"/>
+            <a:r>
+              <a:rPr lang="en-US" dirty="0"/>
+              <a:t>Fifth level</a:t>
+            </a:r>
+          </a:p>
+        </p:txBody>
+      </p:sp>
+      <p:sp>
+        <p:nvSpPr>
+          <p:cNvPr id="4" name="Date Placeholder 3">
+            <a:extLst>
+              <a:ext uri="{FF2B5EF4-FFF2-40B4-BE49-F238E27FC236}">
+                <a16:creationId xmlns:a16="http://schemas.microsoft.com/office/drawing/2014/main" id="{3D7DED67-27EC-4D43-A21C-093C1DB04813}"/>
+              </a:ext>
+            </a:extLst>
+          </p:cNvPr>
+          <p:cNvSpPr>
+            <a:spLocks noGrp="1"/>
+          </p:cNvSpPr>
+          <p:nvPr>
+            <p:ph type="dt" sz="half" idx="10"/>
+          </p:nvPr>
+        </p:nvSpPr>
+        <p:spPr>
+          <a:xfrm>
+            <a:off x="1115568" y="6356350"/>
+            <a:ext cx="2743200" cy="365125"/>
+          </a:xfrm>
+        </p:spPr>
+        <p:txBody>
+          <a:bodyPr/>
+          <a:lstStyle/>
+          <a:p>
+            <a:fld id="{02AC24A9-CCB6-4F8D-B8DB-C2F3692CFA5A}" type="datetimeFigureOut">
+              <a:rPr lang="en-US" smtClean="0"/>
+              <a:t>6/11/2024</a:t>
+            </a:fld>
+            <a:endParaRPr lang="en-US"/>
+          </a:p>
+        </p:txBody>
+      </p:sp>
+      <p:sp>
+        <p:nvSpPr>
+          <p:cNvPr id="5" name="Footer Placeholder 4">
+            <a:extLst>
+              <a:ext uri="{FF2B5EF4-FFF2-40B4-BE49-F238E27FC236}">
+                <a16:creationId xmlns:a16="http://schemas.microsoft.com/office/drawing/2014/main" id="{36747CE3-4890-4BC1-94DB-5D49D02C9933}"/>
+              </a:ext>
+            </a:extLst>
+          </p:cNvPr>
+          <p:cNvSpPr>
+            <a:spLocks noGrp="1"/>
+          </p:cNvSpPr>
+          <p:nvPr>
+            <p:ph type="ftr" sz="quarter" idx="11"/>
+          </p:nvPr>
+        </p:nvSpPr>
         <p:spPr/>
         <p:txBody>
           <a:bodyPr/>
           <a:lstStyle/>
           <a:p>
-            <a:r>
-              <a:rPr lang="en-US"/>
-              <a:t>Click to edit Master title style</a:t>
-            </a:r>
-            <a:endParaRPr lang="en-GB"/>
-          </a:p>
-        </p:txBody>
-      </p:sp>
-      <p:sp>
-        <p:nvSpPr>
-          <p:cNvPr id="3" name="Content Placeholder 2">
-            <a:extLst>
-              <a:ext uri="{FF2B5EF4-FFF2-40B4-BE49-F238E27FC236}">
-                <a16:creationId xmlns:a16="http://schemas.microsoft.com/office/drawing/2014/main" id="{AD31C29A-B01C-03E7-8180-28231CC771FD}"/>
-              </a:ext>
-            </a:extLst>
-          </p:cNvPr>
-          <p:cNvSpPr>
-            <a:spLocks noGrp="1"/>
-          </p:cNvSpPr>
-          <p:nvPr>
-            <p:ph idx="1"/>
-          </p:nvPr>
-        </p:nvSpPr>
-        <p:spPr/>
+            <a:endParaRPr lang="en-US"/>
+          </a:p>
+        </p:txBody>
+      </p:sp>
+      <p:sp>
+        <p:nvSpPr>
+          <p:cNvPr id="6" name="Slide Number Placeholder 5">
+            <a:extLst>
+              <a:ext uri="{FF2B5EF4-FFF2-40B4-BE49-F238E27FC236}">
+                <a16:creationId xmlns:a16="http://schemas.microsoft.com/office/drawing/2014/main" id="{093C5AD3-D79A-4D46-B25B-822FE0252511}"/>
+              </a:ext>
+            </a:extLst>
+          </p:cNvPr>
+          <p:cNvSpPr>
+            <a:spLocks noGrp="1"/>
+          </p:cNvSpPr>
+          <p:nvPr>
+            <p:ph type="sldNum" sz="quarter" idx="12"/>
+          </p:nvPr>
+        </p:nvSpPr>
+        <p:spPr>
+          <a:xfrm>
+            <a:off x="8540496" y="6356350"/>
+            <a:ext cx="2743200" cy="365125"/>
+          </a:xfrm>
+        </p:spPr>
         <p:txBody>
           <a:bodyPr/>
           <a:lstStyle/>
           <a:p>
-            <a:pPr lvl="0"/>
-            <a:r>
-              <a:rPr lang="en-US"/>
-              <a:t>Click to edit Master text styles</a:t>
-            </a:r>
-          </a:p>
-          <a:p>
-            <a:pPr lvl="1"/>
-            <a:r>
-              <a:rPr lang="en-US"/>
-              <a:t>Second level</a:t>
-            </a:r>
-          </a:p>
-          <a:p>
-            <a:pPr lvl="2"/>
-            <a:r>
-              <a:rPr lang="en-US"/>
-              <a:t>Third level</a:t>
-            </a:r>
-          </a:p>
-          <a:p>
-            <a:pPr lvl="3"/>
-            <a:r>
-              <a:rPr lang="en-US"/>
-              <a:t>Fourth level</a:t>
-            </a:r>
-          </a:p>
-          <a:p>
-            <a:pPr lvl="4"/>
-            <a:r>
-              <a:rPr lang="en-US"/>
-              <a:t>Fifth level</a:t>
-            </a:r>
-            <a:endParaRPr lang="en-GB"/>
-          </a:p>
-        </p:txBody>
-      </p:sp>
-      <p:sp>
-        <p:nvSpPr>
-          <p:cNvPr id="4" name="Date Placeholder 3">
-            <a:extLst>
-              <a:ext uri="{FF2B5EF4-FFF2-40B4-BE49-F238E27FC236}">
-                <a16:creationId xmlns:a16="http://schemas.microsoft.com/office/drawing/2014/main" id="{EB3A19D3-5789-E414-7C1A-3219DC94EE98}"/>
-              </a:ext>
-            </a:extLst>
-          </p:cNvPr>
-          <p:cNvSpPr>
-            <a:spLocks noGrp="1"/>
-          </p:cNvSpPr>
-          <p:nvPr>
-            <p:ph type="dt" sz="half" idx="10"/>
-          </p:nvPr>
-        </p:nvSpPr>
-        <p:spPr/>
-        <p:txBody>
-          <a:bodyPr/>
-          <a:lstStyle/>
-          <a:p>
-            <a:fld id="{4A189AED-545C-49FC-B1A0-A2EE2FF6A84B}" type="datetimeFigureOut">
-              <a:rPr lang="en-GB" smtClean="0"/>
-              <a:t>10/06/2024</a:t>
-            </a:fld>
-            <a:endParaRPr lang="en-GB"/>
-          </a:p>
-        </p:txBody>
-      </p:sp>
-      <p:sp>
-        <p:nvSpPr>
-          <p:cNvPr id="5" name="Footer Placeholder 4">
-            <a:extLst>
-              <a:ext uri="{FF2B5EF4-FFF2-40B4-BE49-F238E27FC236}">
-                <a16:creationId xmlns:a16="http://schemas.microsoft.com/office/drawing/2014/main" id="{81B3A8A7-40A8-5ABD-4E0C-CEDC416D0E5F}"/>
-              </a:ext>
-            </a:extLst>
-          </p:cNvPr>
-          <p:cNvSpPr>
-            <a:spLocks noGrp="1"/>
-          </p:cNvSpPr>
-          <p:nvPr>
-            <p:ph type="ftr" sz="quarter" idx="11"/>
-          </p:nvPr>
-        </p:nvSpPr>
-        <p:spPr/>
-        <p:txBody>
-          <a:bodyPr/>
-          <a:lstStyle/>
-          <a:p>
-            <a:endParaRPr lang="en-GB"/>
-          </a:p>
-        </p:txBody>
-      </p:sp>
-      <p:sp>
-        <p:nvSpPr>
-          <p:cNvPr id="6" name="Slide Number Placeholder 5">
-            <a:extLst>
-              <a:ext uri="{FF2B5EF4-FFF2-40B4-BE49-F238E27FC236}">
-                <a16:creationId xmlns:a16="http://schemas.microsoft.com/office/drawing/2014/main" id="{F1149649-5B0A-A899-6178-E6A973CA5F44}"/>
-              </a:ext>
-            </a:extLst>
-          </p:cNvPr>
-          <p:cNvSpPr>
-            <a:spLocks noGrp="1"/>
-          </p:cNvSpPr>
-          <p:nvPr>
-            <p:ph type="sldNum" sz="quarter" idx="12"/>
-          </p:nvPr>
-        </p:nvSpPr>
-        <p:spPr/>
-        <p:txBody>
-          <a:bodyPr/>
-          <a:lstStyle/>
-          <a:p>
-            <a:fld id="{6A54BB81-1D11-4914-ABC9-854FDD7008E8}" type="slidenum">
-              <a:rPr lang="en-GB" smtClean="0"/>
+            <a:fld id="{B2DC25EE-239B-4C5F-AAD1-255A7D5F1EE2}" type="slidenum">
+              <a:rPr lang="en-US" smtClean="0"/>
               <a:t>‹#›</a:t>
             </a:fld>
-            <a:endParaRPr lang="en-GB"/>
+            <a:endParaRPr lang="en-US"/>
           </a:p>
         </p:txBody>
       </p:sp>
     </p:spTree>
     <p:extLst>
       <p:ext uri="{BB962C8B-B14F-4D97-AF65-F5344CB8AC3E}">
-        <p14:creationId xmlns:p14="http://schemas.microsoft.com/office/powerpoint/2010/main" val="1214185387"/>
+        <p14:creationId xmlns:p14="http://schemas.microsoft.com/office/powerpoint/2010/main" val="2694186087"/>
       </p:ext>
     </p:extLst>
   </p:cSld>
@@ -956,12 +1413,184 @@
           <a:chExt cx="0" cy="0"/>
         </a:xfrm>
       </p:grpSpPr>
+      <p:sp useBgFill="1">
+        <p:nvSpPr>
+          <p:cNvPr id="8" name="Rectangle 7">
+            <a:extLst>
+              <a:ext uri="{FF2B5EF4-FFF2-40B4-BE49-F238E27FC236}">
+                <a16:creationId xmlns:a16="http://schemas.microsoft.com/office/drawing/2014/main" id="{85AEDC5C-2E87-49C6-AB07-A95E5F39ED8E}"/>
+              </a:ext>
+            </a:extLst>
+          </p:cNvPr>
+          <p:cNvSpPr/>
+          <p:nvPr/>
+        </p:nvSpPr>
+        <p:spPr>
+          <a:xfrm>
+            <a:off x="558210" y="4981421"/>
+            <a:ext cx="11134956" cy="822960"/>
+          </a:xfrm>
+          <a:prstGeom prst="rect">
+            <a:avLst/>
+          </a:prstGeom>
+          <a:ln w="12700">
+            <a:solidFill>
+              <a:schemeClr val="tx2">
+                <a:lumMod val="10000"/>
+                <a:lumOff val="90000"/>
+              </a:schemeClr>
+            </a:solidFill>
+          </a:ln>
+          <a:effectLst>
+            <a:outerShdw blurRad="50800" dist="38100" dir="2700000" algn="tl" rotWithShape="0">
+              <a:schemeClr val="bg1">
+                <a:lumMod val="85000"/>
+                <a:alpha val="30000"/>
+              </a:schemeClr>
+            </a:outerShdw>
+          </a:effectLst>
+        </p:spPr>
+        <p:style>
+          <a:lnRef idx="2">
+            <a:schemeClr val="accent1">
+              <a:shade val="50000"/>
+            </a:schemeClr>
+          </a:lnRef>
+          <a:fillRef idx="1">
+            <a:schemeClr val="accent1"/>
+          </a:fillRef>
+          <a:effectRef idx="0">
+            <a:schemeClr val="accent1"/>
+          </a:effectRef>
+          <a:fontRef idx="minor">
+            <a:schemeClr val="lt1"/>
+          </a:fontRef>
+        </p:style>
+        <p:txBody>
+          <a:bodyPr rtlCol="0" anchor="ctr"/>
+          <a:lstStyle/>
+          <a:p>
+            <a:pPr marL="0" marR="0" lvl="0" indent="0" algn="ctr" defTabSz="914400" rtl="0" eaLnBrk="1" fontAlgn="auto" latinLnBrk="0" hangingPunct="1">
+              <a:lnSpc>
+                <a:spcPct val="100000"/>
+              </a:lnSpc>
+              <a:spcBef>
+                <a:spcPts val="0"/>
+              </a:spcBef>
+              <a:spcAft>
+                <a:spcPts val="0"/>
+              </a:spcAft>
+              <a:buClrTx/>
+              <a:buSzTx/>
+              <a:buFontTx/>
+              <a:buNone/>
+              <a:tabLst/>
+              <a:defRPr/>
+            </a:pPr>
+            <a:endParaRPr kumimoji="0" lang="en-US" sz="1800" b="0" i="0" u="none" strike="noStrike" kern="1200" cap="none" spc="0" normalizeH="0" baseline="0" noProof="0" dirty="0">
+              <a:ln>
+                <a:noFill/>
+              </a:ln>
+              <a:solidFill>
+                <a:prstClr val="white"/>
+              </a:solidFill>
+              <a:effectLst/>
+              <a:uLnTx/>
+              <a:uFillTx/>
+              <a:latin typeface="Calibri" panose="020F0502020204030204"/>
+              <a:ea typeface="+mn-ea"/>
+              <a:cs typeface="+mn-cs"/>
+            </a:endParaRPr>
+          </a:p>
+        </p:txBody>
+      </p:sp>
+      <p:sp>
+        <p:nvSpPr>
+          <p:cNvPr id="10" name="Rectangle 9">
+            <a:extLst>
+              <a:ext uri="{FF2B5EF4-FFF2-40B4-BE49-F238E27FC236}">
+                <a16:creationId xmlns:a16="http://schemas.microsoft.com/office/drawing/2014/main" id="{A57D88DE-E462-4C8A-BF99-609390DFB781}"/>
+              </a:ext>
+            </a:extLst>
+          </p:cNvPr>
+          <p:cNvSpPr/>
+          <p:nvPr/>
+        </p:nvSpPr>
+        <p:spPr>
+          <a:xfrm>
+            <a:off x="498834" y="5118581"/>
+            <a:ext cx="146304" cy="548640"/>
+          </a:xfrm>
+          <a:prstGeom prst="rect">
+            <a:avLst/>
+          </a:prstGeom>
+          <a:solidFill>
+            <a:schemeClr val="accent1"/>
+          </a:solidFill>
+          <a:ln>
+            <a:noFill/>
+          </a:ln>
+        </p:spPr>
+        <p:style>
+          <a:lnRef idx="2">
+            <a:schemeClr val="accent1">
+              <a:shade val="50000"/>
+            </a:schemeClr>
+          </a:lnRef>
+          <a:fillRef idx="1">
+            <a:schemeClr val="accent1"/>
+          </a:fillRef>
+          <a:effectRef idx="0">
+            <a:schemeClr val="accent1"/>
+          </a:effectRef>
+          <a:fontRef idx="minor">
+            <a:schemeClr val="lt1"/>
+          </a:fontRef>
+        </p:style>
+        <p:txBody>
+          <a:bodyPr rtlCol="0" anchor="ctr"/>
+          <a:lstStyle/>
+          <a:p>
+            <a:pPr marL="0" marR="0" lvl="0" indent="0" algn="ctr" defTabSz="914400" rtl="0" eaLnBrk="1" fontAlgn="auto" latinLnBrk="0" hangingPunct="1">
+              <a:lnSpc>
+                <a:spcPct val="100000"/>
+              </a:lnSpc>
+              <a:spcBef>
+                <a:spcPts val="0"/>
+              </a:spcBef>
+              <a:spcAft>
+                <a:spcPts val="0"/>
+              </a:spcAft>
+              <a:buClrTx/>
+              <a:buSzTx/>
+              <a:buFontTx/>
+              <a:buNone/>
+              <a:tabLst/>
+              <a:defRPr/>
+            </a:pPr>
+            <a:endParaRPr kumimoji="0" lang="en-US" sz="1800" b="0" i="0" u="none" strike="noStrike" kern="1200" cap="none" spc="0" normalizeH="0" baseline="0" noProof="0">
+              <a:ln>
+                <a:noFill/>
+              </a:ln>
+              <a:solidFill>
+                <a:prstClr val="white"/>
+              </a:solidFill>
+              <a:effectLst/>
+              <a:uLnTx/>
+              <a:uFillTx/>
+              <a:latin typeface="Calibri" panose="020F0502020204030204"/>
+              <a:ea typeface="+mn-ea"/>
+              <a:cs typeface="+mn-cs"/>
+            </a:endParaRPr>
+          </a:p>
+        </p:txBody>
+      </p:sp>
       <p:sp>
         <p:nvSpPr>
           <p:cNvPr id="2" name="Title 1">
             <a:extLst>
               <a:ext uri="{FF2B5EF4-FFF2-40B4-BE49-F238E27FC236}">
-                <a16:creationId xmlns:a16="http://schemas.microsoft.com/office/drawing/2014/main" id="{EF20C617-D13B-EA0E-775F-A9996AAC88A4}"/>
+                <a16:creationId xmlns:a16="http://schemas.microsoft.com/office/drawing/2014/main" id="{B8E44900-E8BF-4B12-8BCB-41076E2B68C7}"/>
               </a:ext>
             </a:extLst>
           </p:cNvPr>
@@ -974,23 +1603,24 @@
         </p:nvSpPr>
         <p:spPr>
           <a:xfrm>
-            <a:off x="831850" y="1709738"/>
-            <a:ext cx="10515600" cy="2852737"/>
-          </a:xfrm>
-        </p:spPr>
-        <p:txBody>
-          <a:bodyPr anchor="b"/>
+            <a:off x="557784" y="640080"/>
+            <a:ext cx="10890504" cy="4114800"/>
+          </a:xfrm>
+        </p:spPr>
+        <p:txBody>
+          <a:bodyPr anchor="b">
+            <a:normAutofit/>
+          </a:bodyPr>
           <a:lstStyle>
             <a:lvl1pPr>
-              <a:defRPr sz="6000"/>
+              <a:defRPr sz="6600"/>
             </a:lvl1pPr>
           </a:lstStyle>
           <a:p>
             <a:r>
-              <a:rPr lang="en-US"/>
+              <a:rPr lang="en-US" dirty="0"/>
               <a:t>Click to edit Master title style</a:t>
             </a:r>
-            <a:endParaRPr lang="en-GB"/>
           </a:p>
         </p:txBody>
       </p:sp>
@@ -999,7 +1629,7 @@
           <p:cNvPr id="3" name="Text Placeholder 2">
             <a:extLst>
               <a:ext uri="{FF2B5EF4-FFF2-40B4-BE49-F238E27FC236}">
-                <a16:creationId xmlns:a16="http://schemas.microsoft.com/office/drawing/2014/main" id="{3991CF66-6338-7112-7AE1-8E7A9298816F}"/>
+                <a16:creationId xmlns:a16="http://schemas.microsoft.com/office/drawing/2014/main" id="{917741F9-B00F-4463-A257-6B66DABD9B4E}"/>
               </a:ext>
             </a:extLst>
           </p:cNvPr>
@@ -1012,20 +1642,20 @@
         </p:nvSpPr>
         <p:spPr>
           <a:xfrm>
-            <a:off x="831850" y="4589463"/>
-            <a:ext cx="10515600" cy="1500187"/>
-          </a:xfrm>
-        </p:spPr>
-        <p:txBody>
-          <a:bodyPr/>
+            <a:off x="841248" y="5102352"/>
+            <a:ext cx="10607040" cy="585216"/>
+          </a:xfrm>
+        </p:spPr>
+        <p:txBody>
+          <a:bodyPr anchor="ctr">
+            <a:normAutofit/>
+          </a:bodyPr>
           <a:lstStyle>
             <a:lvl1pPr marL="0" indent="0">
               <a:buNone/>
-              <a:defRPr sz="2400">
+              <a:defRPr sz="2000">
                 <a:solidFill>
-                  <a:schemeClr val="tx1">
-                    <a:tint val="82000"/>
-                  </a:schemeClr>
+                  <a:schemeClr val="tx1"/>
                 </a:solidFill>
               </a:defRPr>
             </a:lvl1pPr>
@@ -1034,7 +1664,7 @@
               <a:defRPr sz="2000">
                 <a:solidFill>
                   <a:schemeClr val="tx1">
-                    <a:tint val="82000"/>
+                    <a:tint val="75000"/>
                   </a:schemeClr>
                 </a:solidFill>
               </a:defRPr>
@@ -1044,7 +1674,7 @@
               <a:defRPr sz="1800">
                 <a:solidFill>
                   <a:schemeClr val="tx1">
-                    <a:tint val="82000"/>
+                    <a:tint val="75000"/>
                   </a:schemeClr>
                 </a:solidFill>
               </a:defRPr>
@@ -1054,7 +1684,7 @@
               <a:defRPr sz="1600">
                 <a:solidFill>
                   <a:schemeClr val="tx1">
-                    <a:tint val="82000"/>
+                    <a:tint val="75000"/>
                   </a:schemeClr>
                 </a:solidFill>
               </a:defRPr>
@@ -1064,7 +1694,7 @@
               <a:defRPr sz="1600">
                 <a:solidFill>
                   <a:schemeClr val="tx1">
-                    <a:tint val="82000"/>
+                    <a:tint val="75000"/>
                   </a:schemeClr>
                 </a:solidFill>
               </a:defRPr>
@@ -1074,7 +1704,7 @@
               <a:defRPr sz="1600">
                 <a:solidFill>
                   <a:schemeClr val="tx1">
-                    <a:tint val="82000"/>
+                    <a:tint val="75000"/>
                   </a:schemeClr>
                 </a:solidFill>
               </a:defRPr>
@@ -1084,7 +1714,7 @@
               <a:defRPr sz="1600">
                 <a:solidFill>
                   <a:schemeClr val="tx1">
-                    <a:tint val="82000"/>
+                    <a:tint val="75000"/>
                   </a:schemeClr>
                 </a:solidFill>
               </a:defRPr>
@@ -1094,7 +1724,7 @@
               <a:defRPr sz="1600">
                 <a:solidFill>
                   <a:schemeClr val="tx1">
-                    <a:tint val="82000"/>
+                    <a:tint val="75000"/>
                   </a:schemeClr>
                 </a:solidFill>
               </a:defRPr>
@@ -1104,7 +1734,7 @@
               <a:defRPr sz="1600">
                 <a:solidFill>
                   <a:schemeClr val="tx1">
-                    <a:tint val="82000"/>
+                    <a:tint val="75000"/>
                   </a:schemeClr>
                 </a:solidFill>
               </a:defRPr>
@@ -1113,7 +1743,7 @@
           <a:p>
             <a:pPr lvl="0"/>
             <a:r>
-              <a:rPr lang="en-US"/>
+              <a:rPr lang="en-US" dirty="0"/>
               <a:t>Click to edit Master text styles</a:t>
             </a:r>
           </a:p>
@@ -1124,7 +1754,7 @@
           <p:cNvPr id="4" name="Date Placeholder 3">
             <a:extLst>
               <a:ext uri="{FF2B5EF4-FFF2-40B4-BE49-F238E27FC236}">
-                <a16:creationId xmlns:a16="http://schemas.microsoft.com/office/drawing/2014/main" id="{D3781493-BFA7-DE7B-3F1E-6667AC76D64B}"/>
+                <a16:creationId xmlns:a16="http://schemas.microsoft.com/office/drawing/2014/main" id="{D48BFA7D-4401-4285-802B-1579165F0D6D}"/>
               </a:ext>
             </a:extLst>
           </p:cNvPr>
@@ -1140,11 +1770,11 @@
           <a:bodyPr/>
           <a:lstStyle/>
           <a:p>
-            <a:fld id="{4A189AED-545C-49FC-B1A0-A2EE2FF6A84B}" type="datetimeFigureOut">
-              <a:rPr lang="en-GB" smtClean="0"/>
-              <a:t>10/06/2024</a:t>
+            <a:fld id="{02AC24A9-CCB6-4F8D-B8DB-C2F3692CFA5A}" type="datetimeFigureOut">
+              <a:rPr lang="en-US" smtClean="0"/>
+              <a:t>6/11/2024</a:t>
             </a:fld>
-            <a:endParaRPr lang="en-GB"/>
+            <a:endParaRPr lang="en-US"/>
           </a:p>
         </p:txBody>
       </p:sp>
@@ -1153,7 +1783,7 @@
           <p:cNvPr id="5" name="Footer Placeholder 4">
             <a:extLst>
               <a:ext uri="{FF2B5EF4-FFF2-40B4-BE49-F238E27FC236}">
-                <a16:creationId xmlns:a16="http://schemas.microsoft.com/office/drawing/2014/main" id="{19096F08-5788-51DB-38EC-9AA27315ECCB}"/>
+                <a16:creationId xmlns:a16="http://schemas.microsoft.com/office/drawing/2014/main" id="{49A909C5-AA19-4195-8376-9002D5DF4651}"/>
               </a:ext>
             </a:extLst>
           </p:cNvPr>
@@ -1169,7 +1799,7 @@
           <a:bodyPr/>
           <a:lstStyle/>
           <a:p>
-            <a:endParaRPr lang="en-GB"/>
+            <a:endParaRPr lang="en-US"/>
           </a:p>
         </p:txBody>
       </p:sp>
@@ -1178,7 +1808,7 @@
           <p:cNvPr id="6" name="Slide Number Placeholder 5">
             <a:extLst>
               <a:ext uri="{FF2B5EF4-FFF2-40B4-BE49-F238E27FC236}">
-                <a16:creationId xmlns:a16="http://schemas.microsoft.com/office/drawing/2014/main" id="{ED072CAD-FFF1-9CF1-1E25-CA3BD3EA9F5E}"/>
+                <a16:creationId xmlns:a16="http://schemas.microsoft.com/office/drawing/2014/main" id="{53AC3F32-46E0-47C8-8565-5969A475FDB0}"/>
               </a:ext>
             </a:extLst>
           </p:cNvPr>
@@ -1194,18 +1824,18 @@
           <a:bodyPr/>
           <a:lstStyle/>
           <a:p>
-            <a:fld id="{6A54BB81-1D11-4914-ABC9-854FDD7008E8}" type="slidenum">
-              <a:rPr lang="en-GB" smtClean="0"/>
+            <a:fld id="{B2DC25EE-239B-4C5F-AAD1-255A7D5F1EE2}" type="slidenum">
+              <a:rPr lang="en-US" smtClean="0"/>
               <a:t>‹#›</a:t>
             </a:fld>
-            <a:endParaRPr lang="en-GB"/>
+            <a:endParaRPr lang="en-US"/>
           </a:p>
         </p:txBody>
       </p:sp>
     </p:spTree>
     <p:extLst>
       <p:ext uri="{BB962C8B-B14F-4D97-AF65-F5344CB8AC3E}">
-        <p14:creationId xmlns:p14="http://schemas.microsoft.com/office/powerpoint/2010/main" val="2558156720"/>
+        <p14:creationId xmlns:p14="http://schemas.microsoft.com/office/powerpoint/2010/main" val="3372470848"/>
       </p:ext>
     </p:extLst>
   </p:cSld>
@@ -1232,12 +1862,263 @@
           <a:chExt cx="0" cy="0"/>
         </a:xfrm>
       </p:grpSpPr>
+      <p:sp useBgFill="1">
+        <p:nvSpPr>
+          <p:cNvPr id="9" name="Rectangle 8">
+            <a:extLst>
+              <a:ext uri="{FF2B5EF4-FFF2-40B4-BE49-F238E27FC236}">
+                <a16:creationId xmlns:a16="http://schemas.microsoft.com/office/drawing/2014/main" id="{2076262E-36A0-40C6-ADE6-90CD9FB9B9EA}"/>
+              </a:ext>
+            </a:extLst>
+          </p:cNvPr>
+          <p:cNvSpPr/>
+          <p:nvPr/>
+        </p:nvSpPr>
+        <p:spPr>
+          <a:xfrm>
+            <a:off x="558209" y="0"/>
+            <a:ext cx="11167447" cy="2018806"/>
+          </a:xfrm>
+          <a:prstGeom prst="rect">
+            <a:avLst/>
+          </a:prstGeom>
+          <a:ln w="9525">
+            <a:solidFill>
+              <a:schemeClr val="tx2">
+                <a:lumMod val="10000"/>
+                <a:lumOff val="90000"/>
+              </a:schemeClr>
+            </a:solidFill>
+          </a:ln>
+          <a:effectLst>
+            <a:outerShdw blurRad="50800" dist="38100" dir="2700000" algn="tl" rotWithShape="0">
+              <a:schemeClr val="bg1">
+                <a:lumMod val="85000"/>
+                <a:alpha val="30000"/>
+              </a:schemeClr>
+            </a:outerShdw>
+          </a:effectLst>
+        </p:spPr>
+        <p:style>
+          <a:lnRef idx="2">
+            <a:schemeClr val="accent1">
+              <a:shade val="50000"/>
+            </a:schemeClr>
+          </a:lnRef>
+          <a:fillRef idx="1">
+            <a:schemeClr val="accent1"/>
+          </a:fillRef>
+          <a:effectRef idx="0">
+            <a:schemeClr val="accent1"/>
+          </a:effectRef>
+          <a:fontRef idx="minor">
+            <a:schemeClr val="lt1"/>
+          </a:fontRef>
+        </p:style>
+        <p:txBody>
+          <a:bodyPr rtlCol="0" anchor="ctr"/>
+          <a:lstStyle/>
+          <a:p>
+            <a:pPr marL="0" marR="0" lvl="0" indent="0" algn="ctr" defTabSz="914400" rtl="0" eaLnBrk="1" fontAlgn="auto" latinLnBrk="0" hangingPunct="1">
+              <a:lnSpc>
+                <a:spcPct val="100000"/>
+              </a:lnSpc>
+              <a:spcBef>
+                <a:spcPts val="0"/>
+              </a:spcBef>
+              <a:spcAft>
+                <a:spcPts val="0"/>
+              </a:spcAft>
+              <a:buClrTx/>
+              <a:buSzTx/>
+              <a:buFontTx/>
+              <a:buNone/>
+              <a:tabLst/>
+              <a:defRPr/>
+            </a:pPr>
+            <a:endParaRPr kumimoji="0" lang="en-US" sz="1800" b="0" i="0" u="none" strike="noStrike" kern="1200" cap="none" spc="0" normalizeH="0" baseline="0" noProof="0">
+              <a:ln>
+                <a:noFill/>
+              </a:ln>
+              <a:solidFill>
+                <a:prstClr val="white"/>
+              </a:solidFill>
+              <a:effectLst/>
+              <a:uLnTx/>
+              <a:uFillTx/>
+              <a:latin typeface="Calibri" panose="020F0502020204030204"/>
+              <a:ea typeface="+mn-ea"/>
+              <a:cs typeface="+mn-cs"/>
+            </a:endParaRPr>
+          </a:p>
+        </p:txBody>
+      </p:sp>
+      <p:sp useBgFill="1">
+        <p:nvSpPr>
+          <p:cNvPr id="11" name="Rectangle 10">
+            <a:extLst>
+              <a:ext uri="{FF2B5EF4-FFF2-40B4-BE49-F238E27FC236}">
+                <a16:creationId xmlns:a16="http://schemas.microsoft.com/office/drawing/2014/main" id="{42677A9B-4D1D-4D80-912C-24570140A650}"/>
+              </a:ext>
+            </a:extLst>
+          </p:cNvPr>
+          <p:cNvSpPr/>
+          <p:nvPr/>
+        </p:nvSpPr>
+        <p:spPr>
+          <a:xfrm>
+            <a:off x="566928" y="0"/>
+            <a:ext cx="11155680" cy="2011680"/>
+          </a:xfrm>
+          <a:prstGeom prst="rect">
+            <a:avLst/>
+          </a:prstGeom>
+          <a:ln w="9525">
+            <a:noFill/>
+          </a:ln>
+          <a:effectLst/>
+        </p:spPr>
+        <p:style>
+          <a:lnRef idx="2">
+            <a:schemeClr val="accent1">
+              <a:shade val="50000"/>
+            </a:schemeClr>
+          </a:lnRef>
+          <a:fillRef idx="1">
+            <a:schemeClr val="accent1"/>
+          </a:fillRef>
+          <a:effectRef idx="0">
+            <a:schemeClr val="accent1"/>
+          </a:effectRef>
+          <a:fontRef idx="minor">
+            <a:schemeClr val="lt1"/>
+          </a:fontRef>
+        </p:style>
+        <p:txBody>
+          <a:bodyPr rtlCol="0" anchor="ctr"/>
+          <a:lstStyle/>
+          <a:p>
+            <a:pPr marL="0" marR="0" lvl="0" indent="0" algn="ctr" defTabSz="914400" rtl="0" eaLnBrk="1" fontAlgn="auto" latinLnBrk="0" hangingPunct="1">
+              <a:lnSpc>
+                <a:spcPct val="100000"/>
+              </a:lnSpc>
+              <a:spcBef>
+                <a:spcPts val="0"/>
+              </a:spcBef>
+              <a:spcAft>
+                <a:spcPts val="0"/>
+              </a:spcAft>
+              <a:buClrTx/>
+              <a:buSzTx/>
+              <a:buFontTx/>
+              <a:buNone/>
+              <a:tabLst/>
+              <a:defRPr/>
+            </a:pPr>
+            <a:endParaRPr kumimoji="0" lang="en-US" sz="1800" b="0" i="0" u="none" strike="noStrike" kern="1200" cap="none" spc="0" normalizeH="0" baseline="0" noProof="0">
+              <a:ln>
+                <a:noFill/>
+              </a:ln>
+              <a:solidFill>
+                <a:prstClr val="white"/>
+              </a:solidFill>
+              <a:effectLst/>
+              <a:uLnTx/>
+              <a:uFillTx/>
+              <a:latin typeface="Calibri" panose="020F0502020204030204"/>
+              <a:ea typeface="+mn-ea"/>
+              <a:cs typeface="+mn-cs"/>
+            </a:endParaRPr>
+          </a:p>
+        </p:txBody>
+      </p:sp>
+      <p:sp>
+        <p:nvSpPr>
+          <p:cNvPr id="13" name="Rectangle 12">
+            <a:extLst>
+              <a:ext uri="{FF2B5EF4-FFF2-40B4-BE49-F238E27FC236}">
+                <a16:creationId xmlns:a16="http://schemas.microsoft.com/office/drawing/2014/main" id="{03DC8C98-510F-48C9-82B2-9E4F760A68DF}"/>
+              </a:ext>
+            </a:extLst>
+          </p:cNvPr>
+          <p:cNvSpPr/>
+          <p:nvPr/>
+        </p:nvSpPr>
+        <p:spPr>
+          <a:xfrm>
+            <a:off x="498834" y="787352"/>
+            <a:ext cx="128016" cy="704088"/>
+          </a:xfrm>
+          <a:prstGeom prst="rect">
+            <a:avLst/>
+          </a:prstGeom>
+          <a:solidFill>
+            <a:schemeClr val="accent1"/>
+          </a:solidFill>
+          <a:ln>
+            <a:noFill/>
+          </a:ln>
+        </p:spPr>
+        <p:style>
+          <a:lnRef idx="2">
+            <a:schemeClr val="accent1">
+              <a:shade val="50000"/>
+            </a:schemeClr>
+          </a:lnRef>
+          <a:fillRef idx="1">
+            <a:schemeClr val="accent1"/>
+          </a:fillRef>
+          <a:effectRef idx="0">
+            <a:schemeClr val="accent1"/>
+          </a:effectRef>
+          <a:fontRef idx="minor">
+            <a:schemeClr val="lt1"/>
+          </a:fontRef>
+        </p:style>
+        <p:txBody>
+          <a:bodyPr rtlCol="0" anchor="ctr"/>
+          <a:lstStyle/>
+          <a:p>
+            <a:pPr marL="0" marR="0" lvl="0" indent="0" algn="ctr" defTabSz="914400" rtl="0" eaLnBrk="1" fontAlgn="auto" latinLnBrk="0" hangingPunct="1">
+              <a:lnSpc>
+                <a:spcPct val="100000"/>
+              </a:lnSpc>
+              <a:spcBef>
+                <a:spcPts val="0"/>
+              </a:spcBef>
+              <a:spcAft>
+                <a:spcPts val="0"/>
+              </a:spcAft>
+              <a:buClrTx/>
+              <a:buSzTx/>
+              <a:buFontTx/>
+              <a:buNone/>
+              <a:tabLst/>
+              <a:defRPr/>
+            </a:pPr>
+            <a:endParaRPr kumimoji="0" lang="en-US" sz="1800" b="0" i="0" u="none" strike="noStrike" kern="1200" cap="none" spc="0" normalizeH="0" baseline="0" noProof="0">
+              <a:ln>
+                <a:noFill/>
+              </a:ln>
+              <a:solidFill>
+                <a:prstClr val="white"/>
+              </a:solidFill>
+              <a:effectLst/>
+              <a:uLnTx/>
+              <a:uFillTx/>
+              <a:latin typeface="Calibri" panose="020F0502020204030204"/>
+              <a:ea typeface="+mn-ea"/>
+              <a:cs typeface="+mn-cs"/>
+            </a:endParaRPr>
+          </a:p>
+        </p:txBody>
+      </p:sp>
       <p:sp>
         <p:nvSpPr>
           <p:cNvPr id="2" name="Title 1">
             <a:extLst>
               <a:ext uri="{FF2B5EF4-FFF2-40B4-BE49-F238E27FC236}">
-                <a16:creationId xmlns:a16="http://schemas.microsoft.com/office/drawing/2014/main" id="{7A1D9CE8-A7A2-8421-7831-616C9C60E762}"/>
+                <a16:creationId xmlns:a16="http://schemas.microsoft.com/office/drawing/2014/main" id="{17A078AE-0BC3-48F9-87EC-2DB0CCE7E2AE}"/>
               </a:ext>
             </a:extLst>
           </p:cNvPr>
@@ -1248,232 +2129,250 @@
             <p:ph type="title"/>
           </p:nvPr>
         </p:nvSpPr>
+        <p:spPr>
+          <a:xfrm>
+            <a:off x="1115568" y="548640"/>
+            <a:ext cx="10168128" cy="1179576"/>
+          </a:xfrm>
+        </p:spPr>
+        <p:txBody>
+          <a:bodyPr>
+            <a:normAutofit/>
+          </a:bodyPr>
+          <a:lstStyle>
+            <a:lvl1pPr>
+              <a:defRPr sz="4000"/>
+            </a:lvl1pPr>
+          </a:lstStyle>
+          <a:p>
+            <a:r>
+              <a:rPr lang="en-US" dirty="0"/>
+              <a:t>Click to edit Master title style</a:t>
+            </a:r>
+          </a:p>
+        </p:txBody>
+      </p:sp>
+      <p:sp>
+        <p:nvSpPr>
+          <p:cNvPr id="3" name="Content Placeholder 2">
+            <a:extLst>
+              <a:ext uri="{FF2B5EF4-FFF2-40B4-BE49-F238E27FC236}">
+                <a16:creationId xmlns:a16="http://schemas.microsoft.com/office/drawing/2014/main" id="{292A20DF-0829-4336-B59F-FF9D7AA9D8B6}"/>
+              </a:ext>
+            </a:extLst>
+          </p:cNvPr>
+          <p:cNvSpPr>
+            <a:spLocks noGrp="1"/>
+          </p:cNvSpPr>
+          <p:nvPr>
+            <p:ph sz="half" idx="1"/>
+          </p:nvPr>
+        </p:nvSpPr>
+        <p:spPr>
+          <a:xfrm>
+            <a:off x="1115568" y="2478024"/>
+            <a:ext cx="4937760" cy="3694176"/>
+          </a:xfrm>
+        </p:spPr>
+        <p:txBody>
+          <a:bodyPr/>
+          <a:lstStyle/>
+          <a:p>
+            <a:pPr lvl="0"/>
+            <a:r>
+              <a:rPr lang="en-US" dirty="0"/>
+              <a:t>Click to edit Master text styles</a:t>
+            </a:r>
+          </a:p>
+          <a:p>
+            <a:pPr lvl="1"/>
+            <a:r>
+              <a:rPr lang="en-US" dirty="0"/>
+              <a:t>Second level</a:t>
+            </a:r>
+          </a:p>
+          <a:p>
+            <a:pPr lvl="2"/>
+            <a:r>
+              <a:rPr lang="en-US" dirty="0"/>
+              <a:t>Third level</a:t>
+            </a:r>
+          </a:p>
+          <a:p>
+            <a:pPr lvl="3"/>
+            <a:r>
+              <a:rPr lang="en-US" dirty="0"/>
+              <a:t>Fourth level</a:t>
+            </a:r>
+          </a:p>
+          <a:p>
+            <a:pPr lvl="4"/>
+            <a:r>
+              <a:rPr lang="en-US" dirty="0"/>
+              <a:t>Fifth level</a:t>
+            </a:r>
+          </a:p>
+        </p:txBody>
+      </p:sp>
+      <p:sp>
+        <p:nvSpPr>
+          <p:cNvPr id="4" name="Content Placeholder 3">
+            <a:extLst>
+              <a:ext uri="{FF2B5EF4-FFF2-40B4-BE49-F238E27FC236}">
+                <a16:creationId xmlns:a16="http://schemas.microsoft.com/office/drawing/2014/main" id="{7935D01C-CF67-4DF6-B96C-FFC9D5BF847B}"/>
+              </a:ext>
+            </a:extLst>
+          </p:cNvPr>
+          <p:cNvSpPr>
+            <a:spLocks noGrp="1"/>
+          </p:cNvSpPr>
+          <p:nvPr>
+            <p:ph sz="half" idx="2"/>
+          </p:nvPr>
+        </p:nvSpPr>
+        <p:spPr>
+          <a:xfrm>
+            <a:off x="6345936" y="2478024"/>
+            <a:ext cx="4937760" cy="3694176"/>
+          </a:xfrm>
+        </p:spPr>
+        <p:txBody>
+          <a:bodyPr/>
+          <a:lstStyle/>
+          <a:p>
+            <a:pPr lvl="0"/>
+            <a:r>
+              <a:rPr lang="en-US" dirty="0"/>
+              <a:t>Click to edit Master text styles</a:t>
+            </a:r>
+          </a:p>
+          <a:p>
+            <a:pPr lvl="1"/>
+            <a:r>
+              <a:rPr lang="en-US" dirty="0"/>
+              <a:t>Second level</a:t>
+            </a:r>
+          </a:p>
+          <a:p>
+            <a:pPr lvl="2"/>
+            <a:r>
+              <a:rPr lang="en-US" dirty="0"/>
+              <a:t>Third level</a:t>
+            </a:r>
+          </a:p>
+          <a:p>
+            <a:pPr lvl="3"/>
+            <a:r>
+              <a:rPr lang="en-US" dirty="0"/>
+              <a:t>Fourth level</a:t>
+            </a:r>
+          </a:p>
+          <a:p>
+            <a:pPr lvl="4"/>
+            <a:r>
+              <a:rPr lang="en-US" dirty="0"/>
+              <a:t>Fifth level</a:t>
+            </a:r>
+          </a:p>
+        </p:txBody>
+      </p:sp>
+      <p:sp>
+        <p:nvSpPr>
+          <p:cNvPr id="5" name="Date Placeholder 4">
+            <a:extLst>
+              <a:ext uri="{FF2B5EF4-FFF2-40B4-BE49-F238E27FC236}">
+                <a16:creationId xmlns:a16="http://schemas.microsoft.com/office/drawing/2014/main" id="{29BBD797-6031-4F82-8726-EAB757027FF5}"/>
+              </a:ext>
+            </a:extLst>
+          </p:cNvPr>
+          <p:cNvSpPr>
+            <a:spLocks noGrp="1"/>
+          </p:cNvSpPr>
+          <p:nvPr>
+            <p:ph type="dt" sz="half" idx="10"/>
+          </p:nvPr>
+        </p:nvSpPr>
+        <p:spPr>
+          <a:xfrm>
+            <a:off x="1115568" y="6356350"/>
+            <a:ext cx="2743200" cy="365125"/>
+          </a:xfrm>
+        </p:spPr>
+        <p:txBody>
+          <a:bodyPr/>
+          <a:lstStyle/>
+          <a:p>
+            <a:fld id="{02AC24A9-CCB6-4F8D-B8DB-C2F3692CFA5A}" type="datetimeFigureOut">
+              <a:rPr lang="en-US" smtClean="0"/>
+              <a:t>6/11/2024</a:t>
+            </a:fld>
+            <a:endParaRPr lang="en-US"/>
+          </a:p>
+        </p:txBody>
+      </p:sp>
+      <p:sp>
+        <p:nvSpPr>
+          <p:cNvPr id="6" name="Footer Placeholder 5">
+            <a:extLst>
+              <a:ext uri="{FF2B5EF4-FFF2-40B4-BE49-F238E27FC236}">
+                <a16:creationId xmlns:a16="http://schemas.microsoft.com/office/drawing/2014/main" id="{76B3F71C-B897-4909-A75E-8716AD49C156}"/>
+              </a:ext>
+            </a:extLst>
+          </p:cNvPr>
+          <p:cNvSpPr>
+            <a:spLocks noGrp="1"/>
+          </p:cNvSpPr>
+          <p:nvPr>
+            <p:ph type="ftr" sz="quarter" idx="11"/>
+          </p:nvPr>
+        </p:nvSpPr>
         <p:spPr/>
         <p:txBody>
           <a:bodyPr/>
           <a:lstStyle/>
           <a:p>
-            <a:r>
-              <a:rPr lang="en-US"/>
-              <a:t>Click to edit Master title style</a:t>
-            </a:r>
-            <a:endParaRPr lang="en-GB"/>
-          </a:p>
-        </p:txBody>
-      </p:sp>
-      <p:sp>
-        <p:nvSpPr>
-          <p:cNvPr id="3" name="Content Placeholder 2">
-            <a:extLst>
-              <a:ext uri="{FF2B5EF4-FFF2-40B4-BE49-F238E27FC236}">
-                <a16:creationId xmlns:a16="http://schemas.microsoft.com/office/drawing/2014/main" id="{8D003912-B69C-3026-75F3-1F502B291C3C}"/>
-              </a:ext>
-            </a:extLst>
-          </p:cNvPr>
-          <p:cNvSpPr>
-            <a:spLocks noGrp="1"/>
-          </p:cNvSpPr>
-          <p:nvPr>
-            <p:ph sz="half" idx="1"/>
+            <a:endParaRPr lang="en-US"/>
+          </a:p>
+        </p:txBody>
+      </p:sp>
+      <p:sp>
+        <p:nvSpPr>
+          <p:cNvPr id="7" name="Slide Number Placeholder 6">
+            <a:extLst>
+              <a:ext uri="{FF2B5EF4-FFF2-40B4-BE49-F238E27FC236}">
+                <a16:creationId xmlns:a16="http://schemas.microsoft.com/office/drawing/2014/main" id="{4F78BC14-5BB1-405F-A6F3-C07230F085C8}"/>
+              </a:ext>
+            </a:extLst>
+          </p:cNvPr>
+          <p:cNvSpPr>
+            <a:spLocks noGrp="1"/>
+          </p:cNvSpPr>
+          <p:nvPr>
+            <p:ph type="sldNum" sz="quarter" idx="12"/>
           </p:nvPr>
         </p:nvSpPr>
         <p:spPr>
           <a:xfrm>
-            <a:off x="838200" y="1825625"/>
-            <a:ext cx="5181600" cy="4351338"/>
+            <a:off x="8540496" y="6356350"/>
+            <a:ext cx="2743200" cy="365125"/>
           </a:xfrm>
         </p:spPr>
         <p:txBody>
           <a:bodyPr/>
           <a:lstStyle/>
           <a:p>
-            <a:pPr lvl="0"/>
-            <a:r>
-              <a:rPr lang="en-US"/>
-              <a:t>Click to edit Master text styles</a:t>
-            </a:r>
-          </a:p>
-          <a:p>
-            <a:pPr lvl="1"/>
-            <a:r>
-              <a:rPr lang="en-US"/>
-              <a:t>Second level</a:t>
-            </a:r>
-          </a:p>
-          <a:p>
-            <a:pPr lvl="2"/>
-            <a:r>
-              <a:rPr lang="en-US"/>
-              <a:t>Third level</a:t>
-            </a:r>
-          </a:p>
-          <a:p>
-            <a:pPr lvl="3"/>
-            <a:r>
-              <a:rPr lang="en-US"/>
-              <a:t>Fourth level</a:t>
-            </a:r>
-          </a:p>
-          <a:p>
-            <a:pPr lvl="4"/>
-            <a:r>
-              <a:rPr lang="en-US"/>
-              <a:t>Fifth level</a:t>
-            </a:r>
-            <a:endParaRPr lang="en-GB"/>
-          </a:p>
-        </p:txBody>
-      </p:sp>
-      <p:sp>
-        <p:nvSpPr>
-          <p:cNvPr id="4" name="Content Placeholder 3">
-            <a:extLst>
-              <a:ext uri="{FF2B5EF4-FFF2-40B4-BE49-F238E27FC236}">
-                <a16:creationId xmlns:a16="http://schemas.microsoft.com/office/drawing/2014/main" id="{CBF1D6C9-0782-C3D5-9D93-1DF565E7E672}"/>
-              </a:ext>
-            </a:extLst>
-          </p:cNvPr>
-          <p:cNvSpPr>
-            <a:spLocks noGrp="1"/>
-          </p:cNvSpPr>
-          <p:nvPr>
-            <p:ph sz="half" idx="2"/>
-          </p:nvPr>
-        </p:nvSpPr>
-        <p:spPr>
-          <a:xfrm>
-            <a:off x="6172200" y="1825625"/>
-            <a:ext cx="5181600" cy="4351338"/>
-          </a:xfrm>
-        </p:spPr>
-        <p:txBody>
-          <a:bodyPr/>
-          <a:lstStyle/>
-          <a:p>
-            <a:pPr lvl="0"/>
-            <a:r>
-              <a:rPr lang="en-US"/>
-              <a:t>Click to edit Master text styles</a:t>
-            </a:r>
-          </a:p>
-          <a:p>
-            <a:pPr lvl="1"/>
-            <a:r>
-              <a:rPr lang="en-US"/>
-              <a:t>Second level</a:t>
-            </a:r>
-          </a:p>
-          <a:p>
-            <a:pPr lvl="2"/>
-            <a:r>
-              <a:rPr lang="en-US"/>
-              <a:t>Third level</a:t>
-            </a:r>
-          </a:p>
-          <a:p>
-            <a:pPr lvl="3"/>
-            <a:r>
-              <a:rPr lang="en-US"/>
-              <a:t>Fourth level</a:t>
-            </a:r>
-          </a:p>
-          <a:p>
-            <a:pPr lvl="4"/>
-            <a:r>
-              <a:rPr lang="en-US"/>
-              <a:t>Fifth level</a:t>
-            </a:r>
-            <a:endParaRPr lang="en-GB"/>
-          </a:p>
-        </p:txBody>
-      </p:sp>
-      <p:sp>
-        <p:nvSpPr>
-          <p:cNvPr id="5" name="Date Placeholder 4">
-            <a:extLst>
-              <a:ext uri="{FF2B5EF4-FFF2-40B4-BE49-F238E27FC236}">
-                <a16:creationId xmlns:a16="http://schemas.microsoft.com/office/drawing/2014/main" id="{9C5AC4C0-9F47-EEE8-5FA0-A8A859A7C778}"/>
-              </a:ext>
-            </a:extLst>
-          </p:cNvPr>
-          <p:cNvSpPr>
-            <a:spLocks noGrp="1"/>
-          </p:cNvSpPr>
-          <p:nvPr>
-            <p:ph type="dt" sz="half" idx="10"/>
-          </p:nvPr>
-        </p:nvSpPr>
-        <p:spPr/>
-        <p:txBody>
-          <a:bodyPr/>
-          <a:lstStyle/>
-          <a:p>
-            <a:fld id="{4A189AED-545C-49FC-B1A0-A2EE2FF6A84B}" type="datetimeFigureOut">
-              <a:rPr lang="en-GB" smtClean="0"/>
-              <a:t>10/06/2024</a:t>
-            </a:fld>
-            <a:endParaRPr lang="en-GB"/>
-          </a:p>
-        </p:txBody>
-      </p:sp>
-      <p:sp>
-        <p:nvSpPr>
-          <p:cNvPr id="6" name="Footer Placeholder 5">
-            <a:extLst>
-              <a:ext uri="{FF2B5EF4-FFF2-40B4-BE49-F238E27FC236}">
-                <a16:creationId xmlns:a16="http://schemas.microsoft.com/office/drawing/2014/main" id="{AF86E422-FA72-EFBF-3DD0-398562CC7DEE}"/>
-              </a:ext>
-            </a:extLst>
-          </p:cNvPr>
-          <p:cNvSpPr>
-            <a:spLocks noGrp="1"/>
-          </p:cNvSpPr>
-          <p:nvPr>
-            <p:ph type="ftr" sz="quarter" idx="11"/>
-          </p:nvPr>
-        </p:nvSpPr>
-        <p:spPr/>
-        <p:txBody>
-          <a:bodyPr/>
-          <a:lstStyle/>
-          <a:p>
-            <a:endParaRPr lang="en-GB"/>
-          </a:p>
-        </p:txBody>
-      </p:sp>
-      <p:sp>
-        <p:nvSpPr>
-          <p:cNvPr id="7" name="Slide Number Placeholder 6">
-            <a:extLst>
-              <a:ext uri="{FF2B5EF4-FFF2-40B4-BE49-F238E27FC236}">
-                <a16:creationId xmlns:a16="http://schemas.microsoft.com/office/drawing/2014/main" id="{9C07D7F3-4AF7-9BDD-E136-4102BB3096F3}"/>
-              </a:ext>
-            </a:extLst>
-          </p:cNvPr>
-          <p:cNvSpPr>
-            <a:spLocks noGrp="1"/>
-          </p:cNvSpPr>
-          <p:nvPr>
-            <p:ph type="sldNum" sz="quarter" idx="12"/>
-          </p:nvPr>
-        </p:nvSpPr>
-        <p:spPr/>
-        <p:txBody>
-          <a:bodyPr/>
-          <a:lstStyle/>
-          <a:p>
-            <a:fld id="{6A54BB81-1D11-4914-ABC9-854FDD7008E8}" type="slidenum">
-              <a:rPr lang="en-GB" smtClean="0"/>
+            <a:fld id="{B2DC25EE-239B-4C5F-AAD1-255A7D5F1EE2}" type="slidenum">
+              <a:rPr lang="en-US" smtClean="0"/>
               <a:t>‹#›</a:t>
             </a:fld>
-            <a:endParaRPr lang="en-GB"/>
+            <a:endParaRPr lang="en-US"/>
           </a:p>
         </p:txBody>
       </p:sp>
     </p:spTree>
     <p:extLst>
       <p:ext uri="{BB962C8B-B14F-4D97-AF65-F5344CB8AC3E}">
-        <p14:creationId xmlns:p14="http://schemas.microsoft.com/office/powerpoint/2010/main" val="579476543"/>
+        <p14:creationId xmlns:p14="http://schemas.microsoft.com/office/powerpoint/2010/main" val="1468084464"/>
       </p:ext>
     </p:extLst>
   </p:cSld>
@@ -1500,12 +2399,263 @@
           <a:chExt cx="0" cy="0"/>
         </a:xfrm>
       </p:grpSpPr>
+      <p:sp useBgFill="1">
+        <p:nvSpPr>
+          <p:cNvPr id="11" name="Rectangle 10">
+            <a:extLst>
+              <a:ext uri="{FF2B5EF4-FFF2-40B4-BE49-F238E27FC236}">
+                <a16:creationId xmlns:a16="http://schemas.microsoft.com/office/drawing/2014/main" id="{6B671BDE-E45C-41A1-9B98-4A607D703855}"/>
+              </a:ext>
+            </a:extLst>
+          </p:cNvPr>
+          <p:cNvSpPr/>
+          <p:nvPr/>
+        </p:nvSpPr>
+        <p:spPr>
+          <a:xfrm>
+            <a:off x="558209" y="0"/>
+            <a:ext cx="11167447" cy="2018806"/>
+          </a:xfrm>
+          <a:prstGeom prst="rect">
+            <a:avLst/>
+          </a:prstGeom>
+          <a:ln w="9525">
+            <a:solidFill>
+              <a:schemeClr val="tx2">
+                <a:lumMod val="10000"/>
+                <a:lumOff val="90000"/>
+              </a:schemeClr>
+            </a:solidFill>
+          </a:ln>
+          <a:effectLst>
+            <a:outerShdw blurRad="50800" dist="38100" dir="2700000" algn="tl" rotWithShape="0">
+              <a:schemeClr val="bg1">
+                <a:lumMod val="85000"/>
+                <a:alpha val="30000"/>
+              </a:schemeClr>
+            </a:outerShdw>
+          </a:effectLst>
+        </p:spPr>
+        <p:style>
+          <a:lnRef idx="2">
+            <a:schemeClr val="accent1">
+              <a:shade val="50000"/>
+            </a:schemeClr>
+          </a:lnRef>
+          <a:fillRef idx="1">
+            <a:schemeClr val="accent1"/>
+          </a:fillRef>
+          <a:effectRef idx="0">
+            <a:schemeClr val="accent1"/>
+          </a:effectRef>
+          <a:fontRef idx="minor">
+            <a:schemeClr val="lt1"/>
+          </a:fontRef>
+        </p:style>
+        <p:txBody>
+          <a:bodyPr rtlCol="0" anchor="ctr"/>
+          <a:lstStyle/>
+          <a:p>
+            <a:pPr marL="0" marR="0" lvl="0" indent="0" algn="ctr" defTabSz="914400" rtl="0" eaLnBrk="1" fontAlgn="auto" latinLnBrk="0" hangingPunct="1">
+              <a:lnSpc>
+                <a:spcPct val="100000"/>
+              </a:lnSpc>
+              <a:spcBef>
+                <a:spcPts val="0"/>
+              </a:spcBef>
+              <a:spcAft>
+                <a:spcPts val="0"/>
+              </a:spcAft>
+              <a:buClrTx/>
+              <a:buSzTx/>
+              <a:buFontTx/>
+              <a:buNone/>
+              <a:tabLst/>
+              <a:defRPr/>
+            </a:pPr>
+            <a:endParaRPr kumimoji="0" lang="en-US" sz="1800" b="0" i="0" u="none" strike="noStrike" kern="1200" cap="none" spc="0" normalizeH="0" baseline="0" noProof="0">
+              <a:ln>
+                <a:noFill/>
+              </a:ln>
+              <a:solidFill>
+                <a:prstClr val="white"/>
+              </a:solidFill>
+              <a:effectLst/>
+              <a:uLnTx/>
+              <a:uFillTx/>
+              <a:latin typeface="Calibri" panose="020F0502020204030204"/>
+              <a:ea typeface="+mn-ea"/>
+              <a:cs typeface="+mn-cs"/>
+            </a:endParaRPr>
+          </a:p>
+        </p:txBody>
+      </p:sp>
+      <p:sp useBgFill="1">
+        <p:nvSpPr>
+          <p:cNvPr id="13" name="Rectangle 12">
+            <a:extLst>
+              <a:ext uri="{FF2B5EF4-FFF2-40B4-BE49-F238E27FC236}">
+                <a16:creationId xmlns:a16="http://schemas.microsoft.com/office/drawing/2014/main" id="{299500CE-917A-4D03-A7DF-71D8EBBC1537}"/>
+              </a:ext>
+            </a:extLst>
+          </p:cNvPr>
+          <p:cNvSpPr/>
+          <p:nvPr/>
+        </p:nvSpPr>
+        <p:spPr>
+          <a:xfrm>
+            <a:off x="566928" y="0"/>
+            <a:ext cx="11155680" cy="2011680"/>
+          </a:xfrm>
+          <a:prstGeom prst="rect">
+            <a:avLst/>
+          </a:prstGeom>
+          <a:ln w="9525">
+            <a:noFill/>
+          </a:ln>
+          <a:effectLst/>
+        </p:spPr>
+        <p:style>
+          <a:lnRef idx="2">
+            <a:schemeClr val="accent1">
+              <a:shade val="50000"/>
+            </a:schemeClr>
+          </a:lnRef>
+          <a:fillRef idx="1">
+            <a:schemeClr val="accent1"/>
+          </a:fillRef>
+          <a:effectRef idx="0">
+            <a:schemeClr val="accent1"/>
+          </a:effectRef>
+          <a:fontRef idx="minor">
+            <a:schemeClr val="lt1"/>
+          </a:fontRef>
+        </p:style>
+        <p:txBody>
+          <a:bodyPr rtlCol="0" anchor="ctr"/>
+          <a:lstStyle/>
+          <a:p>
+            <a:pPr marL="0" marR="0" lvl="0" indent="0" algn="ctr" defTabSz="914400" rtl="0" eaLnBrk="1" fontAlgn="auto" latinLnBrk="0" hangingPunct="1">
+              <a:lnSpc>
+                <a:spcPct val="100000"/>
+              </a:lnSpc>
+              <a:spcBef>
+                <a:spcPts val="0"/>
+              </a:spcBef>
+              <a:spcAft>
+                <a:spcPts val="0"/>
+              </a:spcAft>
+              <a:buClrTx/>
+              <a:buSzTx/>
+              <a:buFontTx/>
+              <a:buNone/>
+              <a:tabLst/>
+              <a:defRPr/>
+            </a:pPr>
+            <a:endParaRPr kumimoji="0" lang="en-US" sz="1800" b="0" i="0" u="none" strike="noStrike" kern="1200" cap="none" spc="0" normalizeH="0" baseline="0" noProof="0" dirty="0">
+              <a:ln>
+                <a:noFill/>
+              </a:ln>
+              <a:solidFill>
+                <a:prstClr val="white"/>
+              </a:solidFill>
+              <a:effectLst/>
+              <a:uLnTx/>
+              <a:uFillTx/>
+              <a:latin typeface="Calibri" panose="020F0502020204030204"/>
+              <a:ea typeface="+mn-ea"/>
+              <a:cs typeface="+mn-cs"/>
+            </a:endParaRPr>
+          </a:p>
+        </p:txBody>
+      </p:sp>
+      <p:sp>
+        <p:nvSpPr>
+          <p:cNvPr id="15" name="Rectangle 14">
+            <a:extLst>
+              <a:ext uri="{FF2B5EF4-FFF2-40B4-BE49-F238E27FC236}">
+                <a16:creationId xmlns:a16="http://schemas.microsoft.com/office/drawing/2014/main" id="{C3D0D377-28B0-417D-886B-9483AF064975}"/>
+              </a:ext>
+            </a:extLst>
+          </p:cNvPr>
+          <p:cNvSpPr/>
+          <p:nvPr/>
+        </p:nvSpPr>
+        <p:spPr>
+          <a:xfrm>
+            <a:off x="498834" y="787352"/>
+            <a:ext cx="128016" cy="704088"/>
+          </a:xfrm>
+          <a:prstGeom prst="rect">
+            <a:avLst/>
+          </a:prstGeom>
+          <a:solidFill>
+            <a:schemeClr val="accent1"/>
+          </a:solidFill>
+          <a:ln>
+            <a:noFill/>
+          </a:ln>
+        </p:spPr>
+        <p:style>
+          <a:lnRef idx="2">
+            <a:schemeClr val="accent1">
+              <a:shade val="50000"/>
+            </a:schemeClr>
+          </a:lnRef>
+          <a:fillRef idx="1">
+            <a:schemeClr val="accent1"/>
+          </a:fillRef>
+          <a:effectRef idx="0">
+            <a:schemeClr val="accent1"/>
+          </a:effectRef>
+          <a:fontRef idx="minor">
+            <a:schemeClr val="lt1"/>
+          </a:fontRef>
+        </p:style>
+        <p:txBody>
+          <a:bodyPr rtlCol="0" anchor="ctr"/>
+          <a:lstStyle/>
+          <a:p>
+            <a:pPr marL="0" marR="0" lvl="0" indent="0" algn="ctr" defTabSz="914400" rtl="0" eaLnBrk="1" fontAlgn="auto" latinLnBrk="0" hangingPunct="1">
+              <a:lnSpc>
+                <a:spcPct val="100000"/>
+              </a:lnSpc>
+              <a:spcBef>
+                <a:spcPts val="0"/>
+              </a:spcBef>
+              <a:spcAft>
+                <a:spcPts val="0"/>
+              </a:spcAft>
+              <a:buClrTx/>
+              <a:buSzTx/>
+              <a:buFontTx/>
+              <a:buNone/>
+              <a:tabLst/>
+              <a:defRPr/>
+            </a:pPr>
+            <a:endParaRPr kumimoji="0" lang="en-US" sz="1800" b="0" i="0" u="none" strike="noStrike" kern="1200" cap="none" spc="0" normalizeH="0" baseline="0" noProof="0">
+              <a:ln>
+                <a:noFill/>
+              </a:ln>
+              <a:solidFill>
+                <a:prstClr val="white"/>
+              </a:solidFill>
+              <a:effectLst/>
+              <a:uLnTx/>
+              <a:uFillTx/>
+              <a:latin typeface="Calibri" panose="020F0502020204030204"/>
+              <a:ea typeface="+mn-ea"/>
+              <a:cs typeface="+mn-cs"/>
+            </a:endParaRPr>
+          </a:p>
+        </p:txBody>
+      </p:sp>
       <p:sp>
         <p:nvSpPr>
           <p:cNvPr id="2" name="Title 1">
             <a:extLst>
               <a:ext uri="{FF2B5EF4-FFF2-40B4-BE49-F238E27FC236}">
-                <a16:creationId xmlns:a16="http://schemas.microsoft.com/office/drawing/2014/main" id="{D2E16173-53A9-77A9-3951-3362C64571FE}"/>
+                <a16:creationId xmlns:a16="http://schemas.microsoft.com/office/drawing/2014/main" id="{0F8F91F8-0767-40B5-A3AA-72931FC192EA}"/>
               </a:ext>
             </a:extLst>
           </p:cNvPr>
@@ -1518,19 +2668,24 @@
         </p:nvSpPr>
         <p:spPr>
           <a:xfrm>
-            <a:off x="839788" y="365125"/>
-            <a:ext cx="10515600" cy="1325563"/>
-          </a:xfrm>
-        </p:spPr>
-        <p:txBody>
-          <a:bodyPr/>
-          <a:lstStyle/>
-          <a:p>
-            <a:r>
-              <a:rPr lang="en-US"/>
+            <a:off x="1115568" y="548640"/>
+            <a:ext cx="10168128" cy="1179576"/>
+          </a:xfrm>
+        </p:spPr>
+        <p:txBody>
+          <a:bodyPr>
+            <a:normAutofit/>
+          </a:bodyPr>
+          <a:lstStyle>
+            <a:lvl1pPr>
+              <a:defRPr sz="4000"/>
+            </a:lvl1pPr>
+          </a:lstStyle>
+          <a:p>
+            <a:r>
+              <a:rPr lang="en-US" dirty="0"/>
               <a:t>Click to edit Master title style</a:t>
             </a:r>
-            <a:endParaRPr lang="en-GB"/>
           </a:p>
         </p:txBody>
       </p:sp>
@@ -1539,7 +2694,7 @@
           <p:cNvPr id="3" name="Text Placeholder 2">
             <a:extLst>
               <a:ext uri="{FF2B5EF4-FFF2-40B4-BE49-F238E27FC236}">
-                <a16:creationId xmlns:a16="http://schemas.microsoft.com/office/drawing/2014/main" id="{239BFB47-B76C-569B-049B-143A4B65B1DA}"/>
+                <a16:creationId xmlns:a16="http://schemas.microsoft.com/office/drawing/2014/main" id="{AAAE0554-8BEE-4BF6-9519-51B8475D35E1}"/>
               </a:ext>
             </a:extLst>
           </p:cNvPr>
@@ -1552,8 +2707,8 @@
         </p:nvSpPr>
         <p:spPr>
           <a:xfrm>
-            <a:off x="839788" y="1681163"/>
-            <a:ext cx="5157787" cy="823912"/>
+            <a:off x="1115568" y="2372650"/>
+            <a:ext cx="4937760" cy="823912"/>
           </a:xfrm>
         </p:spPr>
         <p:txBody>
@@ -1561,7 +2716,7 @@
           <a:lstStyle>
             <a:lvl1pPr marL="0" indent="0">
               <a:buNone/>
-              <a:defRPr sz="2400" b="1"/>
+              <a:defRPr sz="2400" b="1" cap="none" baseline="0"/>
             </a:lvl1pPr>
             <a:lvl2pPr marL="457200" indent="0">
               <a:buNone/>
@@ -1599,7 +2754,7 @@
           <a:p>
             <a:pPr lvl="0"/>
             <a:r>
-              <a:rPr lang="en-US"/>
+              <a:rPr lang="en-US" dirty="0"/>
               <a:t>Click to edit Master text styles</a:t>
             </a:r>
           </a:p>
@@ -1610,7 +2765,7 @@
           <p:cNvPr id="4" name="Content Placeholder 3">
             <a:extLst>
               <a:ext uri="{FF2B5EF4-FFF2-40B4-BE49-F238E27FC236}">
-                <a16:creationId xmlns:a16="http://schemas.microsoft.com/office/drawing/2014/main" id="{9498DD0F-0A9C-7221-3B7D-CEE192FC3882}"/>
+                <a16:creationId xmlns:a16="http://schemas.microsoft.com/office/drawing/2014/main" id="{FD4A358D-C930-48E0-B372-06A826B74C47}"/>
               </a:ext>
             </a:extLst>
           </p:cNvPr>
@@ -1623,48 +2778,57 @@
         </p:nvSpPr>
         <p:spPr>
           <a:xfrm>
-            <a:off x="839788" y="2505075"/>
-            <a:ext cx="5157787" cy="3684588"/>
+            <a:off x="1115568" y="3203688"/>
+            <a:ext cx="4937760" cy="2968512"/>
           </a:xfrm>
         </p:spPr>
         <p:txBody>
           <a:bodyPr/>
-          <a:lstStyle/>
+          <a:lstStyle>
+            <a:lvl1pPr>
+              <a:defRPr sz="2400"/>
+            </a:lvl1pPr>
+            <a:lvl2pPr>
+              <a:defRPr sz="2000"/>
+            </a:lvl2pPr>
+            <a:lvl3pPr>
+              <a:defRPr sz="1800"/>
+            </a:lvl3pPr>
+          </a:lstStyle>
           <a:p>
             <a:pPr lvl="0"/>
             <a:r>
-              <a:rPr lang="en-US"/>
+              <a:rPr lang="en-US" dirty="0"/>
               <a:t>Click to edit Master text styles</a:t>
             </a:r>
           </a:p>
           <a:p>
             <a:pPr lvl="1"/>
             <a:r>
-              <a:rPr lang="en-US"/>
+              <a:rPr lang="en-US" dirty="0"/>
               <a:t>Second level</a:t>
             </a:r>
           </a:p>
           <a:p>
             <a:pPr lvl="2"/>
             <a:r>
-              <a:rPr lang="en-US"/>
+              <a:rPr lang="en-US" dirty="0"/>
               <a:t>Third level</a:t>
             </a:r>
           </a:p>
           <a:p>
             <a:pPr lvl="3"/>
             <a:r>
-              <a:rPr lang="en-US"/>
+              <a:rPr lang="en-US" dirty="0"/>
               <a:t>Fourth level</a:t>
             </a:r>
           </a:p>
           <a:p>
             <a:pPr lvl="4"/>
             <a:r>
-              <a:rPr lang="en-US"/>
+              <a:rPr lang="en-US" dirty="0"/>
               <a:t>Fifth level</a:t>
             </a:r>
-            <a:endParaRPr lang="en-GB"/>
           </a:p>
         </p:txBody>
       </p:sp>
@@ -1673,7 +2837,7 @@
           <p:cNvPr id="5" name="Text Placeholder 4">
             <a:extLst>
               <a:ext uri="{FF2B5EF4-FFF2-40B4-BE49-F238E27FC236}">
-                <a16:creationId xmlns:a16="http://schemas.microsoft.com/office/drawing/2014/main" id="{3780F77A-DC44-9034-6D66-3CFEA7F4CBEC}"/>
+                <a16:creationId xmlns:a16="http://schemas.microsoft.com/office/drawing/2014/main" id="{83B6615E-4966-4150-83B6-C47591B36383}"/>
               </a:ext>
             </a:extLst>
           </p:cNvPr>
@@ -1686,8 +2850,8 @@
         </p:nvSpPr>
         <p:spPr>
           <a:xfrm>
-            <a:off x="6172200" y="1681163"/>
-            <a:ext cx="5183188" cy="823912"/>
+            <a:off x="6345936" y="2372650"/>
+            <a:ext cx="4937760" cy="823912"/>
           </a:xfrm>
         </p:spPr>
         <p:txBody>
@@ -1695,7 +2859,7 @@
           <a:lstStyle>
             <a:lvl1pPr marL="0" indent="0">
               <a:buNone/>
-              <a:defRPr sz="2400" b="1"/>
+              <a:defRPr sz="2400" b="1" cap="none" baseline="0"/>
             </a:lvl1pPr>
             <a:lvl2pPr marL="457200" indent="0">
               <a:buNone/>
@@ -1733,7 +2897,7 @@
           <a:p>
             <a:pPr lvl="0"/>
             <a:r>
-              <a:rPr lang="en-US"/>
+              <a:rPr lang="en-US" dirty="0"/>
               <a:t>Click to edit Master text styles</a:t>
             </a:r>
           </a:p>
@@ -1744,7 +2908,7 @@
           <p:cNvPr id="6" name="Content Placeholder 5">
             <a:extLst>
               <a:ext uri="{FF2B5EF4-FFF2-40B4-BE49-F238E27FC236}">
-                <a16:creationId xmlns:a16="http://schemas.microsoft.com/office/drawing/2014/main" id="{EE61C84A-446B-0377-F4FA-7D2C8CCC22FB}"/>
+                <a16:creationId xmlns:a16="http://schemas.microsoft.com/office/drawing/2014/main" id="{BD409F6B-C17B-4B4F-9F35-5068BDC4E2FD}"/>
               </a:ext>
             </a:extLst>
           </p:cNvPr>
@@ -1757,48 +2921,57 @@
         </p:nvSpPr>
         <p:spPr>
           <a:xfrm>
-            <a:off x="6172200" y="2505075"/>
-            <a:ext cx="5183188" cy="3684588"/>
+            <a:off x="6345936" y="3203687"/>
+            <a:ext cx="4937760" cy="2968511"/>
           </a:xfrm>
         </p:spPr>
         <p:txBody>
           <a:bodyPr/>
-          <a:lstStyle/>
+          <a:lstStyle>
+            <a:lvl1pPr>
+              <a:defRPr sz="2400"/>
+            </a:lvl1pPr>
+            <a:lvl2pPr>
+              <a:defRPr sz="2000"/>
+            </a:lvl2pPr>
+            <a:lvl3pPr>
+              <a:defRPr sz="1800"/>
+            </a:lvl3pPr>
+          </a:lstStyle>
           <a:p>
             <a:pPr lvl="0"/>
             <a:r>
-              <a:rPr lang="en-US"/>
+              <a:rPr lang="en-US" dirty="0"/>
               <a:t>Click to edit Master text styles</a:t>
             </a:r>
           </a:p>
           <a:p>
             <a:pPr lvl="1"/>
             <a:r>
-              <a:rPr lang="en-US"/>
+              <a:rPr lang="en-US" dirty="0"/>
               <a:t>Second level</a:t>
             </a:r>
           </a:p>
           <a:p>
             <a:pPr lvl="2"/>
             <a:r>
-              <a:rPr lang="en-US"/>
+              <a:rPr lang="en-US" dirty="0"/>
               <a:t>Third level</a:t>
             </a:r>
           </a:p>
           <a:p>
             <a:pPr lvl="3"/>
             <a:r>
-              <a:rPr lang="en-US"/>
+              <a:rPr lang="en-US" dirty="0"/>
               <a:t>Fourth level</a:t>
             </a:r>
           </a:p>
           <a:p>
             <a:pPr lvl="4"/>
             <a:r>
-              <a:rPr lang="en-US"/>
+              <a:rPr lang="en-US" dirty="0"/>
               <a:t>Fifth level</a:t>
             </a:r>
-            <a:endParaRPr lang="en-GB"/>
           </a:p>
         </p:txBody>
       </p:sp>
@@ -1807,7 +2980,7 @@
           <p:cNvPr id="7" name="Date Placeholder 6">
             <a:extLst>
               <a:ext uri="{FF2B5EF4-FFF2-40B4-BE49-F238E27FC236}">
-                <a16:creationId xmlns:a16="http://schemas.microsoft.com/office/drawing/2014/main" id="{D69A122F-57AC-D2C9-BF68-0D69C828C88F}"/>
+                <a16:creationId xmlns:a16="http://schemas.microsoft.com/office/drawing/2014/main" id="{C8BC356D-052B-4A9B-8B2F-6665FD325AB3}"/>
               </a:ext>
             </a:extLst>
           </p:cNvPr>
@@ -1818,77 +2991,87 @@
             <p:ph type="dt" sz="half" idx="10"/>
           </p:nvPr>
         </p:nvSpPr>
+        <p:spPr>
+          <a:xfrm>
+            <a:off x="1115568" y="6356350"/>
+            <a:ext cx="2743200" cy="365125"/>
+          </a:xfrm>
+        </p:spPr>
+        <p:txBody>
+          <a:bodyPr/>
+          <a:lstStyle/>
+          <a:p>
+            <a:fld id="{02AC24A9-CCB6-4F8D-B8DB-C2F3692CFA5A}" type="datetimeFigureOut">
+              <a:rPr lang="en-US" smtClean="0"/>
+              <a:t>6/11/2024</a:t>
+            </a:fld>
+            <a:endParaRPr lang="en-US"/>
+          </a:p>
+        </p:txBody>
+      </p:sp>
+      <p:sp>
+        <p:nvSpPr>
+          <p:cNvPr id="8" name="Footer Placeholder 7">
+            <a:extLst>
+              <a:ext uri="{FF2B5EF4-FFF2-40B4-BE49-F238E27FC236}">
+                <a16:creationId xmlns:a16="http://schemas.microsoft.com/office/drawing/2014/main" id="{69C5E5FA-26A9-467C-93E3-8476142D1D46}"/>
+              </a:ext>
+            </a:extLst>
+          </p:cNvPr>
+          <p:cNvSpPr>
+            <a:spLocks noGrp="1"/>
+          </p:cNvSpPr>
+          <p:nvPr>
+            <p:ph type="ftr" sz="quarter" idx="11"/>
+          </p:nvPr>
+        </p:nvSpPr>
         <p:spPr/>
         <p:txBody>
           <a:bodyPr/>
           <a:lstStyle/>
           <a:p>
-            <a:fld id="{4A189AED-545C-49FC-B1A0-A2EE2FF6A84B}" type="datetimeFigureOut">
-              <a:rPr lang="en-GB" smtClean="0"/>
-              <a:t>10/06/2024</a:t>
-            </a:fld>
-            <a:endParaRPr lang="en-GB"/>
-          </a:p>
-        </p:txBody>
-      </p:sp>
-      <p:sp>
-        <p:nvSpPr>
-          <p:cNvPr id="8" name="Footer Placeholder 7">
-            <a:extLst>
-              <a:ext uri="{FF2B5EF4-FFF2-40B4-BE49-F238E27FC236}">
-                <a16:creationId xmlns:a16="http://schemas.microsoft.com/office/drawing/2014/main" id="{97225896-CA55-5061-E84D-B1796E862813}"/>
-              </a:ext>
-            </a:extLst>
-          </p:cNvPr>
-          <p:cNvSpPr>
-            <a:spLocks noGrp="1"/>
-          </p:cNvSpPr>
-          <p:nvPr>
-            <p:ph type="ftr" sz="quarter" idx="11"/>
-          </p:nvPr>
-        </p:nvSpPr>
-        <p:spPr/>
+            <a:endParaRPr lang="en-US"/>
+          </a:p>
+        </p:txBody>
+      </p:sp>
+      <p:sp>
+        <p:nvSpPr>
+          <p:cNvPr id="9" name="Slide Number Placeholder 8">
+            <a:extLst>
+              <a:ext uri="{FF2B5EF4-FFF2-40B4-BE49-F238E27FC236}">
+                <a16:creationId xmlns:a16="http://schemas.microsoft.com/office/drawing/2014/main" id="{D279E50C-1E40-4B48-871B-E392428D20A3}"/>
+              </a:ext>
+            </a:extLst>
+          </p:cNvPr>
+          <p:cNvSpPr>
+            <a:spLocks noGrp="1"/>
+          </p:cNvSpPr>
+          <p:nvPr>
+            <p:ph type="sldNum" sz="quarter" idx="12"/>
+          </p:nvPr>
+        </p:nvSpPr>
+        <p:spPr>
+          <a:xfrm>
+            <a:off x="8540496" y="6356350"/>
+            <a:ext cx="2743200" cy="365125"/>
+          </a:xfrm>
+        </p:spPr>
         <p:txBody>
           <a:bodyPr/>
           <a:lstStyle/>
           <a:p>
-            <a:endParaRPr lang="en-GB"/>
-          </a:p>
-        </p:txBody>
-      </p:sp>
-      <p:sp>
-        <p:nvSpPr>
-          <p:cNvPr id="9" name="Slide Number Placeholder 8">
-            <a:extLst>
-              <a:ext uri="{FF2B5EF4-FFF2-40B4-BE49-F238E27FC236}">
-                <a16:creationId xmlns:a16="http://schemas.microsoft.com/office/drawing/2014/main" id="{907C9CE4-8807-D454-7BEF-A120DB2F0F7B}"/>
-              </a:ext>
-            </a:extLst>
-          </p:cNvPr>
-          <p:cNvSpPr>
-            <a:spLocks noGrp="1"/>
-          </p:cNvSpPr>
-          <p:nvPr>
-            <p:ph type="sldNum" sz="quarter" idx="12"/>
-          </p:nvPr>
-        </p:nvSpPr>
-        <p:spPr/>
-        <p:txBody>
-          <a:bodyPr/>
-          <a:lstStyle/>
-          <a:p>
-            <a:fld id="{6A54BB81-1D11-4914-ABC9-854FDD7008E8}" type="slidenum">
-              <a:rPr lang="en-GB" smtClean="0"/>
+            <a:fld id="{B2DC25EE-239B-4C5F-AAD1-255A7D5F1EE2}" type="slidenum">
+              <a:rPr lang="en-US" smtClean="0"/>
               <a:t>‹#›</a:t>
             </a:fld>
-            <a:endParaRPr lang="en-GB"/>
+            <a:endParaRPr lang="en-US"/>
           </a:p>
         </p:txBody>
       </p:sp>
     </p:spTree>
     <p:extLst>
       <p:ext uri="{BB962C8B-B14F-4D97-AF65-F5344CB8AC3E}">
-        <p14:creationId xmlns:p14="http://schemas.microsoft.com/office/powerpoint/2010/main" val="2240160949"/>
+        <p14:creationId xmlns:p14="http://schemas.microsoft.com/office/powerpoint/2010/main" val="2661886538"/>
       </p:ext>
     </p:extLst>
   </p:cSld>
@@ -1915,12 +3098,184 @@
           <a:chExt cx="0" cy="0"/>
         </a:xfrm>
       </p:grpSpPr>
+      <p:sp useBgFill="1">
+        <p:nvSpPr>
+          <p:cNvPr id="7" name="Rectangle 6">
+            <a:extLst>
+              <a:ext uri="{FF2B5EF4-FFF2-40B4-BE49-F238E27FC236}">
+                <a16:creationId xmlns:a16="http://schemas.microsoft.com/office/drawing/2014/main" id="{8C0689C4-0DB3-408B-A956-40326B4AE4C4}"/>
+              </a:ext>
+            </a:extLst>
+          </p:cNvPr>
+          <p:cNvSpPr/>
+          <p:nvPr/>
+        </p:nvSpPr>
+        <p:spPr>
+          <a:xfrm>
+            <a:off x="665853" y="1533525"/>
+            <a:ext cx="10917063" cy="3790950"/>
+          </a:xfrm>
+          <a:prstGeom prst="rect">
+            <a:avLst/>
+          </a:prstGeom>
+          <a:ln w="12700">
+            <a:solidFill>
+              <a:schemeClr val="tx2">
+                <a:lumMod val="10000"/>
+                <a:lumOff val="90000"/>
+              </a:schemeClr>
+            </a:solidFill>
+          </a:ln>
+          <a:effectLst>
+            <a:outerShdw blurRad="50800" dist="38100" dir="2700000" algn="tl" rotWithShape="0">
+              <a:schemeClr val="bg2">
+                <a:lumMod val="85000"/>
+                <a:alpha val="30000"/>
+              </a:schemeClr>
+            </a:outerShdw>
+          </a:effectLst>
+        </p:spPr>
+        <p:style>
+          <a:lnRef idx="2">
+            <a:schemeClr val="accent1">
+              <a:shade val="50000"/>
+            </a:schemeClr>
+          </a:lnRef>
+          <a:fillRef idx="1">
+            <a:schemeClr val="accent1"/>
+          </a:fillRef>
+          <a:effectRef idx="0">
+            <a:schemeClr val="accent1"/>
+          </a:effectRef>
+          <a:fontRef idx="minor">
+            <a:schemeClr val="lt1"/>
+          </a:fontRef>
+        </p:style>
+        <p:txBody>
+          <a:bodyPr rtlCol="0" anchor="ctr"/>
+          <a:lstStyle/>
+          <a:p>
+            <a:pPr marL="0" marR="0" lvl="0" indent="0" algn="ctr" defTabSz="914400" rtl="0" eaLnBrk="1" fontAlgn="auto" latinLnBrk="0" hangingPunct="1">
+              <a:lnSpc>
+                <a:spcPct val="100000"/>
+              </a:lnSpc>
+              <a:spcBef>
+                <a:spcPts val="0"/>
+              </a:spcBef>
+              <a:spcAft>
+                <a:spcPts val="0"/>
+              </a:spcAft>
+              <a:buClrTx/>
+              <a:buSzTx/>
+              <a:buFontTx/>
+              <a:buNone/>
+              <a:tabLst/>
+              <a:defRPr/>
+            </a:pPr>
+            <a:endParaRPr kumimoji="0" lang="en-US" sz="1800" b="0" i="0" u="none" strike="noStrike" kern="1200" cap="none" spc="0" normalizeH="0" baseline="0" noProof="0">
+              <a:ln>
+                <a:noFill/>
+              </a:ln>
+              <a:solidFill>
+                <a:prstClr val="white"/>
+              </a:solidFill>
+              <a:effectLst/>
+              <a:uLnTx/>
+              <a:uFillTx/>
+              <a:latin typeface="Calibri" panose="020F0502020204030204"/>
+              <a:ea typeface="+mn-ea"/>
+              <a:cs typeface="+mn-cs"/>
+            </a:endParaRPr>
+          </a:p>
+        </p:txBody>
+      </p:sp>
+      <p:sp>
+        <p:nvSpPr>
+          <p:cNvPr id="9" name="Rectangle 8">
+            <a:extLst>
+              <a:ext uri="{FF2B5EF4-FFF2-40B4-BE49-F238E27FC236}">
+                <a16:creationId xmlns:a16="http://schemas.microsoft.com/office/drawing/2014/main" id="{56E1D10E-1C30-41BF-8C3B-C460C9B5597B}"/>
+              </a:ext>
+            </a:extLst>
+          </p:cNvPr>
+          <p:cNvSpPr/>
+          <p:nvPr/>
+        </p:nvSpPr>
+        <p:spPr>
+          <a:xfrm>
+            <a:off x="609084" y="2971798"/>
+            <a:ext cx="128016" cy="914400"/>
+          </a:xfrm>
+          <a:prstGeom prst="rect">
+            <a:avLst/>
+          </a:prstGeom>
+          <a:solidFill>
+            <a:schemeClr val="accent1"/>
+          </a:solidFill>
+          <a:ln>
+            <a:noFill/>
+          </a:ln>
+        </p:spPr>
+        <p:style>
+          <a:lnRef idx="2">
+            <a:schemeClr val="accent1">
+              <a:shade val="50000"/>
+            </a:schemeClr>
+          </a:lnRef>
+          <a:fillRef idx="1">
+            <a:schemeClr val="accent1"/>
+          </a:fillRef>
+          <a:effectRef idx="0">
+            <a:schemeClr val="accent1"/>
+          </a:effectRef>
+          <a:fontRef idx="minor">
+            <a:schemeClr val="lt1"/>
+          </a:fontRef>
+        </p:style>
+        <p:txBody>
+          <a:bodyPr rtlCol="0" anchor="ctr"/>
+          <a:lstStyle/>
+          <a:p>
+            <a:pPr marL="0" marR="0" lvl="0" indent="0" algn="ctr" defTabSz="914400" rtl="0" eaLnBrk="1" fontAlgn="auto" latinLnBrk="0" hangingPunct="1">
+              <a:lnSpc>
+                <a:spcPct val="100000"/>
+              </a:lnSpc>
+              <a:spcBef>
+                <a:spcPts val="0"/>
+              </a:spcBef>
+              <a:spcAft>
+                <a:spcPts val="0"/>
+              </a:spcAft>
+              <a:buClrTx/>
+              <a:buSzTx/>
+              <a:buFontTx/>
+              <a:buNone/>
+              <a:tabLst/>
+              <a:defRPr/>
+            </a:pPr>
+            <a:endParaRPr kumimoji="0" lang="en-US" sz="1800" b="0" i="0" u="none" strike="noStrike" kern="1200" cap="none" spc="0" normalizeH="0" baseline="0" noProof="0">
+              <a:ln>
+                <a:noFill/>
+              </a:ln>
+              <a:solidFill>
+                <a:prstClr val="white"/>
+              </a:solidFill>
+              <a:effectLst/>
+              <a:uLnTx/>
+              <a:uFillTx/>
+              <a:latin typeface="Calibri" panose="020F0502020204030204"/>
+              <a:ea typeface="+mn-ea"/>
+              <a:cs typeface="+mn-cs"/>
+            </a:endParaRPr>
+          </a:p>
+        </p:txBody>
+      </p:sp>
       <p:sp>
         <p:nvSpPr>
           <p:cNvPr id="2" name="Title 1">
             <a:extLst>
               <a:ext uri="{FF2B5EF4-FFF2-40B4-BE49-F238E27FC236}">
-                <a16:creationId xmlns:a16="http://schemas.microsoft.com/office/drawing/2014/main" id="{BE5FFB05-9E63-F101-643A-75C268EFB0B1}"/>
+                <a16:creationId xmlns:a16="http://schemas.microsoft.com/office/drawing/2014/main" id="{779454F2-0EE5-4888-AF4C-82F825E6226E}"/>
               </a:ext>
             </a:extLst>
           </p:cNvPr>
@@ -1931,33 +3286,72 @@
             <p:ph type="title"/>
           </p:nvPr>
         </p:nvSpPr>
+        <p:spPr>
+          <a:xfrm>
+            <a:off x="1078992" y="1938528"/>
+            <a:ext cx="10177272" cy="2990088"/>
+          </a:xfrm>
+        </p:spPr>
+        <p:txBody>
+          <a:bodyPr>
+            <a:normAutofit/>
+          </a:bodyPr>
+          <a:lstStyle>
+            <a:lvl1pPr>
+              <a:defRPr sz="5400"/>
+            </a:lvl1pPr>
+          </a:lstStyle>
+          <a:p>
+            <a:r>
+              <a:rPr lang="en-US" dirty="0"/>
+              <a:t>Click to edit Master title style</a:t>
+            </a:r>
+          </a:p>
+        </p:txBody>
+      </p:sp>
+      <p:sp>
+        <p:nvSpPr>
+          <p:cNvPr id="3" name="Date Placeholder 2">
+            <a:extLst>
+              <a:ext uri="{FF2B5EF4-FFF2-40B4-BE49-F238E27FC236}">
+                <a16:creationId xmlns:a16="http://schemas.microsoft.com/office/drawing/2014/main" id="{67C91241-A315-4643-91E5-CF2C25CC903A}"/>
+              </a:ext>
+            </a:extLst>
+          </p:cNvPr>
+          <p:cNvSpPr>
+            <a:spLocks noGrp="1"/>
+          </p:cNvSpPr>
+          <p:nvPr>
+            <p:ph type="dt" sz="half" idx="10"/>
+          </p:nvPr>
+        </p:nvSpPr>
         <p:spPr/>
         <p:txBody>
           <a:bodyPr/>
           <a:lstStyle/>
           <a:p>
-            <a:r>
-              <a:rPr lang="en-US"/>
-              <a:t>Click to edit Master title style</a:t>
-            </a:r>
-            <a:endParaRPr lang="en-GB"/>
-          </a:p>
-        </p:txBody>
-      </p:sp>
-      <p:sp>
-        <p:nvSpPr>
-          <p:cNvPr id="3" name="Date Placeholder 2">
-            <a:extLst>
-              <a:ext uri="{FF2B5EF4-FFF2-40B4-BE49-F238E27FC236}">
-                <a16:creationId xmlns:a16="http://schemas.microsoft.com/office/drawing/2014/main" id="{16D04FBD-BD17-81FA-4F3C-F19F3E1A67DE}"/>
-              </a:ext>
-            </a:extLst>
-          </p:cNvPr>
-          <p:cNvSpPr>
-            <a:spLocks noGrp="1"/>
-          </p:cNvSpPr>
-          <p:nvPr>
-            <p:ph type="dt" sz="half" idx="10"/>
+            <a:fld id="{02AC24A9-CCB6-4F8D-B8DB-C2F3692CFA5A}" type="datetimeFigureOut">
+              <a:rPr lang="en-US" smtClean="0"/>
+              <a:t>6/11/2024</a:t>
+            </a:fld>
+            <a:endParaRPr lang="en-US"/>
+          </a:p>
+        </p:txBody>
+      </p:sp>
+      <p:sp>
+        <p:nvSpPr>
+          <p:cNvPr id="4" name="Footer Placeholder 3">
+            <a:extLst>
+              <a:ext uri="{FF2B5EF4-FFF2-40B4-BE49-F238E27FC236}">
+                <a16:creationId xmlns:a16="http://schemas.microsoft.com/office/drawing/2014/main" id="{22706D86-5479-487D-94C8-76093D84F377}"/>
+              </a:ext>
+            </a:extLst>
+          </p:cNvPr>
+          <p:cNvSpPr>
+            <a:spLocks noGrp="1"/>
+          </p:cNvSpPr>
+          <p:nvPr>
+            <p:ph type="ftr" sz="quarter" idx="11"/>
           </p:nvPr>
         </p:nvSpPr>
         <p:spPr/>
@@ -1965,28 +3359,24 @@
           <a:bodyPr/>
           <a:lstStyle/>
           <a:p>
-            <a:fld id="{4A189AED-545C-49FC-B1A0-A2EE2FF6A84B}" type="datetimeFigureOut">
-              <a:rPr lang="en-GB" smtClean="0"/>
-              <a:t>10/06/2024</a:t>
-            </a:fld>
-            <a:endParaRPr lang="en-GB"/>
-          </a:p>
-        </p:txBody>
-      </p:sp>
-      <p:sp>
-        <p:nvSpPr>
-          <p:cNvPr id="4" name="Footer Placeholder 3">
-            <a:extLst>
-              <a:ext uri="{FF2B5EF4-FFF2-40B4-BE49-F238E27FC236}">
-                <a16:creationId xmlns:a16="http://schemas.microsoft.com/office/drawing/2014/main" id="{1D65E150-D98E-8A56-2D84-028A6D4C6F12}"/>
-              </a:ext>
-            </a:extLst>
-          </p:cNvPr>
-          <p:cNvSpPr>
-            <a:spLocks noGrp="1"/>
-          </p:cNvSpPr>
-          <p:nvPr>
-            <p:ph type="ftr" sz="quarter" idx="11"/>
+            <a:endParaRPr lang="en-US"/>
+          </a:p>
+        </p:txBody>
+      </p:sp>
+      <p:sp>
+        <p:nvSpPr>
+          <p:cNvPr id="5" name="Slide Number Placeholder 4">
+            <a:extLst>
+              <a:ext uri="{FF2B5EF4-FFF2-40B4-BE49-F238E27FC236}">
+                <a16:creationId xmlns:a16="http://schemas.microsoft.com/office/drawing/2014/main" id="{A7739411-CED6-43D4-868D-A65C4161A72B}"/>
+              </a:ext>
+            </a:extLst>
+          </p:cNvPr>
+          <p:cNvSpPr>
+            <a:spLocks noGrp="1"/>
+          </p:cNvSpPr>
+          <p:nvPr>
+            <p:ph type="sldNum" sz="quarter" idx="12"/>
           </p:nvPr>
         </p:nvSpPr>
         <p:spPr/>
@@ -1994,43 +3384,18 @@
           <a:bodyPr/>
           <a:lstStyle/>
           <a:p>
-            <a:endParaRPr lang="en-GB"/>
-          </a:p>
-        </p:txBody>
-      </p:sp>
-      <p:sp>
-        <p:nvSpPr>
-          <p:cNvPr id="5" name="Slide Number Placeholder 4">
-            <a:extLst>
-              <a:ext uri="{FF2B5EF4-FFF2-40B4-BE49-F238E27FC236}">
-                <a16:creationId xmlns:a16="http://schemas.microsoft.com/office/drawing/2014/main" id="{35BB075D-FFE6-E8D9-56BF-205F32FF4BF1}"/>
-              </a:ext>
-            </a:extLst>
-          </p:cNvPr>
-          <p:cNvSpPr>
-            <a:spLocks noGrp="1"/>
-          </p:cNvSpPr>
-          <p:nvPr>
-            <p:ph type="sldNum" sz="quarter" idx="12"/>
-          </p:nvPr>
-        </p:nvSpPr>
-        <p:spPr/>
-        <p:txBody>
-          <a:bodyPr/>
-          <a:lstStyle/>
-          <a:p>
-            <a:fld id="{6A54BB81-1D11-4914-ABC9-854FDD7008E8}" type="slidenum">
-              <a:rPr lang="en-GB" smtClean="0"/>
+            <a:fld id="{B2DC25EE-239B-4C5F-AAD1-255A7D5F1EE2}" type="slidenum">
+              <a:rPr lang="en-US" smtClean="0"/>
               <a:t>‹#›</a:t>
             </a:fld>
-            <a:endParaRPr lang="en-GB"/>
+            <a:endParaRPr lang="en-US"/>
           </a:p>
         </p:txBody>
       </p:sp>
     </p:spTree>
     <p:extLst>
       <p:ext uri="{BB962C8B-B14F-4D97-AF65-F5344CB8AC3E}">
-        <p14:creationId xmlns:p14="http://schemas.microsoft.com/office/powerpoint/2010/main" val="201217544"/>
+        <p14:creationId xmlns:p14="http://schemas.microsoft.com/office/powerpoint/2010/main" val="3323013874"/>
       </p:ext>
     </p:extLst>
   </p:cSld>
@@ -2062,7 +3427,7 @@
           <p:cNvPr id="2" name="Date Placeholder 1">
             <a:extLst>
               <a:ext uri="{FF2B5EF4-FFF2-40B4-BE49-F238E27FC236}">
-                <a16:creationId xmlns:a16="http://schemas.microsoft.com/office/drawing/2014/main" id="{10DAD5FF-F29F-038B-E5B0-C21C09D7EE27}"/>
+                <a16:creationId xmlns:a16="http://schemas.microsoft.com/office/drawing/2014/main" id="{EAC447E0-1D4D-4EF2-B81B-4B2400EE3EDB}"/>
               </a:ext>
             </a:extLst>
           </p:cNvPr>
@@ -2078,11 +3443,11 @@
           <a:bodyPr/>
           <a:lstStyle/>
           <a:p>
-            <a:fld id="{4A189AED-545C-49FC-B1A0-A2EE2FF6A84B}" type="datetimeFigureOut">
-              <a:rPr lang="en-GB" smtClean="0"/>
-              <a:t>10/06/2024</a:t>
+            <a:fld id="{02AC24A9-CCB6-4F8D-B8DB-C2F3692CFA5A}" type="datetimeFigureOut">
+              <a:rPr lang="en-US" smtClean="0"/>
+              <a:t>6/11/2024</a:t>
             </a:fld>
-            <a:endParaRPr lang="en-GB"/>
+            <a:endParaRPr lang="en-US"/>
           </a:p>
         </p:txBody>
       </p:sp>
@@ -2091,7 +3456,7 @@
           <p:cNvPr id="3" name="Footer Placeholder 2">
             <a:extLst>
               <a:ext uri="{FF2B5EF4-FFF2-40B4-BE49-F238E27FC236}">
-                <a16:creationId xmlns:a16="http://schemas.microsoft.com/office/drawing/2014/main" id="{E143DE37-0E5D-80AC-3AE3-96036EECC64B}"/>
+                <a16:creationId xmlns:a16="http://schemas.microsoft.com/office/drawing/2014/main" id="{C9984CA0-2A78-4600-9F3D-19B09E790FE8}"/>
               </a:ext>
             </a:extLst>
           </p:cNvPr>
@@ -2107,7 +3472,7 @@
           <a:bodyPr/>
           <a:lstStyle/>
           <a:p>
-            <a:endParaRPr lang="en-GB"/>
+            <a:endParaRPr lang="en-US"/>
           </a:p>
         </p:txBody>
       </p:sp>
@@ -2116,7 +3481,7 @@
           <p:cNvPr id="4" name="Slide Number Placeholder 3">
             <a:extLst>
               <a:ext uri="{FF2B5EF4-FFF2-40B4-BE49-F238E27FC236}">
-                <a16:creationId xmlns:a16="http://schemas.microsoft.com/office/drawing/2014/main" id="{B2812A69-6F90-29C8-8B52-DAB83D207363}"/>
+                <a16:creationId xmlns:a16="http://schemas.microsoft.com/office/drawing/2014/main" id="{38440955-B18E-49D3-AE7B-B331200E34C5}"/>
               </a:ext>
             </a:extLst>
           </p:cNvPr>
@@ -2132,18 +3497,18 @@
           <a:bodyPr/>
           <a:lstStyle/>
           <a:p>
-            <a:fld id="{6A54BB81-1D11-4914-ABC9-854FDD7008E8}" type="slidenum">
-              <a:rPr lang="en-GB" smtClean="0"/>
+            <a:fld id="{B2DC25EE-239B-4C5F-AAD1-255A7D5F1EE2}" type="slidenum">
+              <a:rPr lang="en-US" smtClean="0"/>
               <a:t>‹#›</a:t>
             </a:fld>
-            <a:endParaRPr lang="en-GB"/>
+            <a:endParaRPr lang="en-US"/>
           </a:p>
         </p:txBody>
       </p:sp>
     </p:spTree>
     <p:extLst>
       <p:ext uri="{BB962C8B-B14F-4D97-AF65-F5344CB8AC3E}">
-        <p14:creationId xmlns:p14="http://schemas.microsoft.com/office/powerpoint/2010/main" val="3308950479"/>
+        <p14:creationId xmlns:p14="http://schemas.microsoft.com/office/powerpoint/2010/main" val="3246206121"/>
       </p:ext>
     </p:extLst>
   </p:cSld>
@@ -2170,12 +3535,184 @@
           <a:chExt cx="0" cy="0"/>
         </a:xfrm>
       </p:grpSpPr>
+      <p:sp useBgFill="1">
+        <p:nvSpPr>
+          <p:cNvPr id="9" name="Rectangle 8">
+            <a:extLst>
+              <a:ext uri="{FF2B5EF4-FFF2-40B4-BE49-F238E27FC236}">
+                <a16:creationId xmlns:a16="http://schemas.microsoft.com/office/drawing/2014/main" id="{1FA417FE-CD1A-486F-A4AC-E4000A2FB18E}"/>
+              </a:ext>
+            </a:extLst>
+          </p:cNvPr>
+          <p:cNvSpPr/>
+          <p:nvPr/>
+        </p:nvSpPr>
+        <p:spPr>
+          <a:xfrm>
+            <a:off x="558210" y="1162033"/>
+            <a:ext cx="3740740" cy="4643344"/>
+          </a:xfrm>
+          <a:prstGeom prst="rect">
+            <a:avLst/>
+          </a:prstGeom>
+          <a:ln w="12700">
+            <a:solidFill>
+              <a:schemeClr val="tx2">
+                <a:lumMod val="10000"/>
+                <a:lumOff val="90000"/>
+              </a:schemeClr>
+            </a:solidFill>
+          </a:ln>
+          <a:effectLst>
+            <a:outerShdw blurRad="50800" dist="38100" dir="2700000" algn="tl" rotWithShape="0">
+              <a:schemeClr val="bg1">
+                <a:lumMod val="85000"/>
+                <a:alpha val="30000"/>
+              </a:schemeClr>
+            </a:outerShdw>
+          </a:effectLst>
+        </p:spPr>
+        <p:style>
+          <a:lnRef idx="2">
+            <a:schemeClr val="accent1">
+              <a:shade val="50000"/>
+            </a:schemeClr>
+          </a:lnRef>
+          <a:fillRef idx="1">
+            <a:schemeClr val="accent1"/>
+          </a:fillRef>
+          <a:effectRef idx="0">
+            <a:schemeClr val="accent1"/>
+          </a:effectRef>
+          <a:fontRef idx="minor">
+            <a:schemeClr val="lt1"/>
+          </a:fontRef>
+        </p:style>
+        <p:txBody>
+          <a:bodyPr rtlCol="0" anchor="ctr"/>
+          <a:lstStyle/>
+          <a:p>
+            <a:pPr marL="0" marR="0" lvl="0" indent="0" algn="ctr" defTabSz="914400" rtl="0" eaLnBrk="1" fontAlgn="auto" latinLnBrk="0" hangingPunct="1">
+              <a:lnSpc>
+                <a:spcPct val="100000"/>
+              </a:lnSpc>
+              <a:spcBef>
+                <a:spcPts val="0"/>
+              </a:spcBef>
+              <a:spcAft>
+                <a:spcPts val="0"/>
+              </a:spcAft>
+              <a:buClrTx/>
+              <a:buSzTx/>
+              <a:buFontTx/>
+              <a:buNone/>
+              <a:tabLst/>
+              <a:defRPr/>
+            </a:pPr>
+            <a:endParaRPr kumimoji="0" lang="en-US" sz="1800" b="0" i="0" u="none" strike="noStrike" kern="1200" cap="none" spc="0" normalizeH="0" baseline="0" noProof="0">
+              <a:ln>
+                <a:noFill/>
+              </a:ln>
+              <a:solidFill>
+                <a:prstClr val="white"/>
+              </a:solidFill>
+              <a:effectLst/>
+              <a:uLnTx/>
+              <a:uFillTx/>
+              <a:latin typeface="Calibri" panose="020F0502020204030204"/>
+              <a:ea typeface="+mn-ea"/>
+              <a:cs typeface="+mn-cs"/>
+            </a:endParaRPr>
+          </a:p>
+        </p:txBody>
+      </p:sp>
+      <p:sp>
+        <p:nvSpPr>
+          <p:cNvPr id="11" name="Rectangle 10">
+            <a:extLst>
+              <a:ext uri="{FF2B5EF4-FFF2-40B4-BE49-F238E27FC236}">
+                <a16:creationId xmlns:a16="http://schemas.microsoft.com/office/drawing/2014/main" id="{1318F0F5-812B-472C-9408-B80F2553F5E0}"/>
+              </a:ext>
+            </a:extLst>
+          </p:cNvPr>
+          <p:cNvSpPr/>
+          <p:nvPr/>
+        </p:nvSpPr>
+        <p:spPr>
+          <a:xfrm>
+            <a:off x="498834" y="1618375"/>
+            <a:ext cx="146304" cy="822960"/>
+          </a:xfrm>
+          <a:prstGeom prst="rect">
+            <a:avLst/>
+          </a:prstGeom>
+          <a:solidFill>
+            <a:schemeClr val="accent1"/>
+          </a:solidFill>
+          <a:ln>
+            <a:noFill/>
+          </a:ln>
+        </p:spPr>
+        <p:style>
+          <a:lnRef idx="2">
+            <a:schemeClr val="accent1">
+              <a:shade val="50000"/>
+            </a:schemeClr>
+          </a:lnRef>
+          <a:fillRef idx="1">
+            <a:schemeClr val="accent1"/>
+          </a:fillRef>
+          <a:effectRef idx="0">
+            <a:schemeClr val="accent1"/>
+          </a:effectRef>
+          <a:fontRef idx="minor">
+            <a:schemeClr val="lt1"/>
+          </a:fontRef>
+        </p:style>
+        <p:txBody>
+          <a:bodyPr rtlCol="0" anchor="ctr"/>
+          <a:lstStyle/>
+          <a:p>
+            <a:pPr marL="0" marR="0" lvl="0" indent="0" algn="ctr" defTabSz="914400" rtl="0" eaLnBrk="1" fontAlgn="auto" latinLnBrk="0" hangingPunct="1">
+              <a:lnSpc>
+                <a:spcPct val="100000"/>
+              </a:lnSpc>
+              <a:spcBef>
+                <a:spcPts val="0"/>
+              </a:spcBef>
+              <a:spcAft>
+                <a:spcPts val="0"/>
+              </a:spcAft>
+              <a:buClrTx/>
+              <a:buSzTx/>
+              <a:buFontTx/>
+              <a:buNone/>
+              <a:tabLst/>
+              <a:defRPr/>
+            </a:pPr>
+            <a:endParaRPr kumimoji="0" lang="en-US" sz="1800" b="0" i="0" u="none" strike="noStrike" kern="1200" cap="none" spc="0" normalizeH="0" baseline="0" noProof="0">
+              <a:ln>
+                <a:noFill/>
+              </a:ln>
+              <a:solidFill>
+                <a:prstClr val="white"/>
+              </a:solidFill>
+              <a:effectLst/>
+              <a:uLnTx/>
+              <a:uFillTx/>
+              <a:latin typeface="Calibri" panose="020F0502020204030204"/>
+              <a:ea typeface="+mn-ea"/>
+              <a:cs typeface="+mn-cs"/>
+            </a:endParaRPr>
+          </a:p>
+        </p:txBody>
+      </p:sp>
       <p:sp>
         <p:nvSpPr>
           <p:cNvPr id="2" name="Title 1">
             <a:extLst>
               <a:ext uri="{FF2B5EF4-FFF2-40B4-BE49-F238E27FC236}">
-                <a16:creationId xmlns:a16="http://schemas.microsoft.com/office/drawing/2014/main" id="{CB17D88B-CC65-10CF-BE1C-93D040336650}"/>
+                <a16:creationId xmlns:a16="http://schemas.microsoft.com/office/drawing/2014/main" id="{47F7751B-CD8F-4F5B-A903-1DCE5D1E8306}"/>
               </a:ext>
             </a:extLst>
           </p:cNvPr>
@@ -2188,23 +3725,27 @@
         </p:nvSpPr>
         <p:spPr>
           <a:xfrm>
-            <a:off x="839788" y="457200"/>
-            <a:ext cx="3932237" cy="1600200"/>
-          </a:xfrm>
-        </p:spPr>
-        <p:txBody>
-          <a:bodyPr anchor="b"/>
+            <a:off x="868680" y="1709928"/>
+            <a:ext cx="3099816" cy="1709928"/>
+          </a:xfrm>
+        </p:spPr>
+        <p:txBody>
+          <a:bodyPr tIns="45720" anchor="t">
+            <a:normAutofit/>
+          </a:bodyPr>
           <a:lstStyle>
             <a:lvl1pPr>
-              <a:defRPr sz="3200"/>
+              <a:lnSpc>
+                <a:spcPct val="100000"/>
+              </a:lnSpc>
+              <a:defRPr sz="3400"/>
             </a:lvl1pPr>
           </a:lstStyle>
           <a:p>
             <a:r>
-              <a:rPr lang="en-US"/>
+              <a:rPr lang="en-US" dirty="0"/>
               <a:t>Click to edit Master title style</a:t>
             </a:r>
-            <a:endParaRPr lang="en-GB"/>
           </a:p>
         </p:txBody>
       </p:sp>
@@ -2213,7 +3754,7 @@
           <p:cNvPr id="3" name="Content Placeholder 2">
             <a:extLst>
               <a:ext uri="{FF2B5EF4-FFF2-40B4-BE49-F238E27FC236}">
-                <a16:creationId xmlns:a16="http://schemas.microsoft.com/office/drawing/2014/main" id="{84CD8F94-4F74-29A9-8414-556AEE910E42}"/>
+                <a16:creationId xmlns:a16="http://schemas.microsoft.com/office/drawing/2014/main" id="{EFA55C8A-A0BB-441D-976F-EB56D4382DB6}"/>
               </a:ext>
             </a:extLst>
           </p:cNvPr>
@@ -2226,21 +3767,21 @@
         </p:nvSpPr>
         <p:spPr>
           <a:xfrm>
-            <a:off x="5183188" y="987425"/>
-            <a:ext cx="6172200" cy="4873625"/>
+            <a:off x="4965192" y="1709928"/>
+            <a:ext cx="6729984" cy="4096512"/>
           </a:xfrm>
         </p:spPr>
         <p:txBody>
           <a:bodyPr/>
           <a:lstStyle>
             <a:lvl1pPr>
-              <a:defRPr sz="3200"/>
+              <a:defRPr sz="2800"/>
             </a:lvl1pPr>
             <a:lvl2pPr>
-              <a:defRPr sz="2800"/>
+              <a:defRPr sz="2400"/>
             </a:lvl2pPr>
             <a:lvl3pPr>
-              <a:defRPr sz="2400"/>
+              <a:defRPr sz="2000"/>
             </a:lvl3pPr>
             <a:lvl4pPr>
               <a:defRPr sz="2000"/>
@@ -2264,38 +3805,37 @@
           <a:p>
             <a:pPr lvl="0"/>
             <a:r>
-              <a:rPr lang="en-US"/>
+              <a:rPr lang="en-US" dirty="0"/>
               <a:t>Click to edit Master text styles</a:t>
             </a:r>
           </a:p>
           <a:p>
             <a:pPr lvl="1"/>
             <a:r>
-              <a:rPr lang="en-US"/>
+              <a:rPr lang="en-US" dirty="0"/>
               <a:t>Second level</a:t>
             </a:r>
           </a:p>
           <a:p>
             <a:pPr lvl="2"/>
             <a:r>
-              <a:rPr lang="en-US"/>
+              <a:rPr lang="en-US" dirty="0"/>
               <a:t>Third level</a:t>
             </a:r>
           </a:p>
           <a:p>
             <a:pPr lvl="3"/>
             <a:r>
-              <a:rPr lang="en-US"/>
+              <a:rPr lang="en-US" dirty="0"/>
               <a:t>Fourth level</a:t>
             </a:r>
           </a:p>
           <a:p>
             <a:pPr lvl="4"/>
             <a:r>
-              <a:rPr lang="en-US"/>
+              <a:rPr lang="en-US" dirty="0"/>
               <a:t>Fifth level</a:t>
             </a:r>
-            <a:endParaRPr lang="en-GB"/>
           </a:p>
         </p:txBody>
       </p:sp>
@@ -2304,7 +3844,7 @@
           <p:cNvPr id="4" name="Text Placeholder 3">
             <a:extLst>
               <a:ext uri="{FF2B5EF4-FFF2-40B4-BE49-F238E27FC236}">
-                <a16:creationId xmlns:a16="http://schemas.microsoft.com/office/drawing/2014/main" id="{5C932338-8706-0A23-B027-A1B94BA46C65}"/>
+                <a16:creationId xmlns:a16="http://schemas.microsoft.com/office/drawing/2014/main" id="{37DE6A51-A2E5-4BFA-B571-9FDFE1BBFB44}"/>
               </a:ext>
             </a:extLst>
           </p:cNvPr>
@@ -2317,16 +3857,18 @@
         </p:nvSpPr>
         <p:spPr>
           <a:xfrm>
-            <a:off x="839788" y="2057400"/>
-            <a:ext cx="3932237" cy="3811588"/>
-          </a:xfrm>
-        </p:spPr>
-        <p:txBody>
-          <a:bodyPr/>
+            <a:off x="868680" y="3429000"/>
+            <a:ext cx="3099816" cy="2066544"/>
+          </a:xfrm>
+        </p:spPr>
+        <p:txBody>
+          <a:bodyPr>
+            <a:normAutofit/>
+          </a:bodyPr>
           <a:lstStyle>
             <a:lvl1pPr marL="0" indent="0">
               <a:buNone/>
-              <a:defRPr sz="1600"/>
+              <a:defRPr sz="1800"/>
             </a:lvl1pPr>
             <a:lvl2pPr marL="457200" indent="0">
               <a:buNone/>
@@ -2364,7 +3906,7 @@
           <a:p>
             <a:pPr lvl="0"/>
             <a:r>
-              <a:rPr lang="en-US"/>
+              <a:rPr lang="en-US" dirty="0"/>
               <a:t>Click to edit Master text styles</a:t>
             </a:r>
           </a:p>
@@ -2375,7 +3917,7 @@
           <p:cNvPr id="5" name="Date Placeholder 4">
             <a:extLst>
               <a:ext uri="{FF2B5EF4-FFF2-40B4-BE49-F238E27FC236}">
-                <a16:creationId xmlns:a16="http://schemas.microsoft.com/office/drawing/2014/main" id="{474B23FD-A26D-048D-2BF5-E07310D35215}"/>
+                <a16:creationId xmlns:a16="http://schemas.microsoft.com/office/drawing/2014/main" id="{3D92778A-DD4C-4651-9C53-8B0C44CD8805}"/>
               </a:ext>
             </a:extLst>
           </p:cNvPr>
@@ -2386,33 +3928,63 @@
             <p:ph type="dt" sz="half" idx="10"/>
           </p:nvPr>
         </p:nvSpPr>
+        <p:spPr>
+          <a:xfrm>
+            <a:off x="868680" y="6356350"/>
+            <a:ext cx="2743200" cy="365125"/>
+          </a:xfrm>
+        </p:spPr>
+        <p:txBody>
+          <a:bodyPr/>
+          <a:lstStyle/>
+          <a:p>
+            <a:fld id="{02AC24A9-CCB6-4F8D-B8DB-C2F3692CFA5A}" type="datetimeFigureOut">
+              <a:rPr lang="en-US" smtClean="0"/>
+              <a:t>6/11/2024</a:t>
+            </a:fld>
+            <a:endParaRPr lang="en-US" dirty="0"/>
+          </a:p>
+        </p:txBody>
+      </p:sp>
+      <p:sp>
+        <p:nvSpPr>
+          <p:cNvPr id="6" name="Footer Placeholder 5">
+            <a:extLst>
+              <a:ext uri="{FF2B5EF4-FFF2-40B4-BE49-F238E27FC236}">
+                <a16:creationId xmlns:a16="http://schemas.microsoft.com/office/drawing/2014/main" id="{9D6C7F66-2DFA-4146-BE1A-CE2890FE45E2}"/>
+              </a:ext>
+            </a:extLst>
+          </p:cNvPr>
+          <p:cNvSpPr>
+            <a:spLocks noGrp="1"/>
+          </p:cNvSpPr>
+          <p:nvPr>
+            <p:ph type="ftr" sz="quarter" idx="11"/>
+          </p:nvPr>
+        </p:nvSpPr>
         <p:spPr/>
         <p:txBody>
           <a:bodyPr/>
           <a:lstStyle/>
           <a:p>
-            <a:fld id="{4A189AED-545C-49FC-B1A0-A2EE2FF6A84B}" type="datetimeFigureOut">
-              <a:rPr lang="en-GB" smtClean="0"/>
-              <a:t>10/06/2024</a:t>
-            </a:fld>
-            <a:endParaRPr lang="en-GB"/>
-          </a:p>
-        </p:txBody>
-      </p:sp>
-      <p:sp>
-        <p:nvSpPr>
-          <p:cNvPr id="6" name="Footer Placeholder 5">
-            <a:extLst>
-              <a:ext uri="{FF2B5EF4-FFF2-40B4-BE49-F238E27FC236}">
-                <a16:creationId xmlns:a16="http://schemas.microsoft.com/office/drawing/2014/main" id="{C6826DBA-5B34-29B6-B007-5F86F03B0BE3}"/>
-              </a:ext>
-            </a:extLst>
-          </p:cNvPr>
-          <p:cNvSpPr>
-            <a:spLocks noGrp="1"/>
-          </p:cNvSpPr>
-          <p:nvPr>
-            <p:ph type="ftr" sz="quarter" idx="11"/>
+            <a:endParaRPr lang="en-US"/>
+          </a:p>
+        </p:txBody>
+      </p:sp>
+      <p:sp>
+        <p:nvSpPr>
+          <p:cNvPr id="7" name="Slide Number Placeholder 6">
+            <a:extLst>
+              <a:ext uri="{FF2B5EF4-FFF2-40B4-BE49-F238E27FC236}">
+                <a16:creationId xmlns:a16="http://schemas.microsoft.com/office/drawing/2014/main" id="{D285D185-B1B6-4D62-81BE-BE82C80ACA6C}"/>
+              </a:ext>
+            </a:extLst>
+          </p:cNvPr>
+          <p:cNvSpPr>
+            <a:spLocks noGrp="1"/>
+          </p:cNvSpPr>
+          <p:nvPr>
+            <p:ph type="sldNum" sz="quarter" idx="12"/>
           </p:nvPr>
         </p:nvSpPr>
         <p:spPr/>
@@ -2420,43 +3992,18 @@
           <a:bodyPr/>
           <a:lstStyle/>
           <a:p>
-            <a:endParaRPr lang="en-GB"/>
-          </a:p>
-        </p:txBody>
-      </p:sp>
-      <p:sp>
-        <p:nvSpPr>
-          <p:cNvPr id="7" name="Slide Number Placeholder 6">
-            <a:extLst>
-              <a:ext uri="{FF2B5EF4-FFF2-40B4-BE49-F238E27FC236}">
-                <a16:creationId xmlns:a16="http://schemas.microsoft.com/office/drawing/2014/main" id="{E59FFFB7-40C7-B546-2A8E-1CA580CDBE19}"/>
-              </a:ext>
-            </a:extLst>
-          </p:cNvPr>
-          <p:cNvSpPr>
-            <a:spLocks noGrp="1"/>
-          </p:cNvSpPr>
-          <p:nvPr>
-            <p:ph type="sldNum" sz="quarter" idx="12"/>
-          </p:nvPr>
-        </p:nvSpPr>
-        <p:spPr/>
-        <p:txBody>
-          <a:bodyPr/>
-          <a:lstStyle/>
-          <a:p>
-            <a:fld id="{6A54BB81-1D11-4914-ABC9-854FDD7008E8}" type="slidenum">
-              <a:rPr lang="en-GB" smtClean="0"/>
+            <a:fld id="{B2DC25EE-239B-4C5F-AAD1-255A7D5F1EE2}" type="slidenum">
+              <a:rPr lang="en-US" smtClean="0"/>
               <a:t>‹#›</a:t>
             </a:fld>
-            <a:endParaRPr lang="en-GB"/>
+            <a:endParaRPr lang="en-US"/>
           </a:p>
         </p:txBody>
       </p:sp>
     </p:spTree>
     <p:extLst>
       <p:ext uri="{BB962C8B-B14F-4D97-AF65-F5344CB8AC3E}">
-        <p14:creationId xmlns:p14="http://schemas.microsoft.com/office/powerpoint/2010/main" val="1826522730"/>
+        <p14:creationId xmlns:p14="http://schemas.microsoft.com/office/powerpoint/2010/main" val="49085716"/>
       </p:ext>
     </p:extLst>
   </p:cSld>
@@ -2483,12 +4030,184 @@
           <a:chExt cx="0" cy="0"/>
         </a:xfrm>
       </p:grpSpPr>
+      <p:sp useBgFill="1">
+        <p:nvSpPr>
+          <p:cNvPr id="9" name="Rectangle 8">
+            <a:extLst>
+              <a:ext uri="{FF2B5EF4-FFF2-40B4-BE49-F238E27FC236}">
+                <a16:creationId xmlns:a16="http://schemas.microsoft.com/office/drawing/2014/main" id="{168B77B5-211C-456E-B79F-306CC3619347}"/>
+              </a:ext>
+            </a:extLst>
+          </p:cNvPr>
+          <p:cNvSpPr/>
+          <p:nvPr/>
+        </p:nvSpPr>
+        <p:spPr>
+          <a:xfrm>
+            <a:off x="558210" y="1162033"/>
+            <a:ext cx="3740740" cy="4643344"/>
+          </a:xfrm>
+          <a:prstGeom prst="rect">
+            <a:avLst/>
+          </a:prstGeom>
+          <a:ln w="12700">
+            <a:solidFill>
+              <a:schemeClr val="tx2">
+                <a:lumMod val="10000"/>
+                <a:lumOff val="90000"/>
+              </a:schemeClr>
+            </a:solidFill>
+          </a:ln>
+          <a:effectLst>
+            <a:outerShdw blurRad="50800" dist="38100" dir="2700000" algn="tl" rotWithShape="0">
+              <a:schemeClr val="bg1">
+                <a:lumMod val="85000"/>
+                <a:alpha val="30000"/>
+              </a:schemeClr>
+            </a:outerShdw>
+          </a:effectLst>
+        </p:spPr>
+        <p:style>
+          <a:lnRef idx="2">
+            <a:schemeClr val="accent1">
+              <a:shade val="50000"/>
+            </a:schemeClr>
+          </a:lnRef>
+          <a:fillRef idx="1">
+            <a:schemeClr val="accent1"/>
+          </a:fillRef>
+          <a:effectRef idx="0">
+            <a:schemeClr val="accent1"/>
+          </a:effectRef>
+          <a:fontRef idx="minor">
+            <a:schemeClr val="lt1"/>
+          </a:fontRef>
+        </p:style>
+        <p:txBody>
+          <a:bodyPr rtlCol="0" anchor="ctr"/>
+          <a:lstStyle/>
+          <a:p>
+            <a:pPr marL="0" marR="0" lvl="0" indent="0" algn="ctr" defTabSz="914400" rtl="0" eaLnBrk="1" fontAlgn="auto" latinLnBrk="0" hangingPunct="1">
+              <a:lnSpc>
+                <a:spcPct val="100000"/>
+              </a:lnSpc>
+              <a:spcBef>
+                <a:spcPts val="0"/>
+              </a:spcBef>
+              <a:spcAft>
+                <a:spcPts val="0"/>
+              </a:spcAft>
+              <a:buClrTx/>
+              <a:buSzTx/>
+              <a:buFontTx/>
+              <a:buNone/>
+              <a:tabLst/>
+              <a:defRPr/>
+            </a:pPr>
+            <a:endParaRPr kumimoji="0" lang="en-US" sz="1800" b="0" i="0" u="none" strike="noStrike" kern="1200" cap="none" spc="0" normalizeH="0" baseline="0" noProof="0">
+              <a:ln>
+                <a:noFill/>
+              </a:ln>
+              <a:solidFill>
+                <a:prstClr val="white"/>
+              </a:solidFill>
+              <a:effectLst/>
+              <a:uLnTx/>
+              <a:uFillTx/>
+              <a:latin typeface="Calibri" panose="020F0502020204030204"/>
+              <a:ea typeface="+mn-ea"/>
+              <a:cs typeface="+mn-cs"/>
+            </a:endParaRPr>
+          </a:p>
+        </p:txBody>
+      </p:sp>
+      <p:sp>
+        <p:nvSpPr>
+          <p:cNvPr id="11" name="Rectangle 10">
+            <a:extLst>
+              <a:ext uri="{FF2B5EF4-FFF2-40B4-BE49-F238E27FC236}">
+                <a16:creationId xmlns:a16="http://schemas.microsoft.com/office/drawing/2014/main" id="{3B63C338-194D-4F23-ABEC-60A7EA96F302}"/>
+              </a:ext>
+            </a:extLst>
+          </p:cNvPr>
+          <p:cNvSpPr/>
+          <p:nvPr/>
+        </p:nvSpPr>
+        <p:spPr>
+          <a:xfrm>
+            <a:off x="498834" y="1618375"/>
+            <a:ext cx="146304" cy="822960"/>
+          </a:xfrm>
+          <a:prstGeom prst="rect">
+            <a:avLst/>
+          </a:prstGeom>
+          <a:solidFill>
+            <a:schemeClr val="accent1"/>
+          </a:solidFill>
+          <a:ln>
+            <a:noFill/>
+          </a:ln>
+        </p:spPr>
+        <p:style>
+          <a:lnRef idx="2">
+            <a:schemeClr val="accent1">
+              <a:shade val="50000"/>
+            </a:schemeClr>
+          </a:lnRef>
+          <a:fillRef idx="1">
+            <a:schemeClr val="accent1"/>
+          </a:fillRef>
+          <a:effectRef idx="0">
+            <a:schemeClr val="accent1"/>
+          </a:effectRef>
+          <a:fontRef idx="minor">
+            <a:schemeClr val="lt1"/>
+          </a:fontRef>
+        </p:style>
+        <p:txBody>
+          <a:bodyPr rtlCol="0" anchor="ctr"/>
+          <a:lstStyle/>
+          <a:p>
+            <a:pPr marL="0" marR="0" lvl="0" indent="0" algn="ctr" defTabSz="914400" rtl="0" eaLnBrk="1" fontAlgn="auto" latinLnBrk="0" hangingPunct="1">
+              <a:lnSpc>
+                <a:spcPct val="100000"/>
+              </a:lnSpc>
+              <a:spcBef>
+                <a:spcPts val="0"/>
+              </a:spcBef>
+              <a:spcAft>
+                <a:spcPts val="0"/>
+              </a:spcAft>
+              <a:buClrTx/>
+              <a:buSzTx/>
+              <a:buFontTx/>
+              <a:buNone/>
+              <a:tabLst/>
+              <a:defRPr/>
+            </a:pPr>
+            <a:endParaRPr kumimoji="0" lang="en-US" sz="1800" b="0" i="0" u="none" strike="noStrike" kern="1200" cap="none" spc="0" normalizeH="0" baseline="0" noProof="0">
+              <a:ln>
+                <a:noFill/>
+              </a:ln>
+              <a:solidFill>
+                <a:prstClr val="white"/>
+              </a:solidFill>
+              <a:effectLst/>
+              <a:uLnTx/>
+              <a:uFillTx/>
+              <a:latin typeface="Calibri" panose="020F0502020204030204"/>
+              <a:ea typeface="+mn-ea"/>
+              <a:cs typeface="+mn-cs"/>
+            </a:endParaRPr>
+          </a:p>
+        </p:txBody>
+      </p:sp>
       <p:sp>
         <p:nvSpPr>
           <p:cNvPr id="2" name="Title 1">
             <a:extLst>
               <a:ext uri="{FF2B5EF4-FFF2-40B4-BE49-F238E27FC236}">
-                <a16:creationId xmlns:a16="http://schemas.microsoft.com/office/drawing/2014/main" id="{7B14D6BB-D940-C52F-9BD6-5FBB0B1E5276}"/>
+                <a16:creationId xmlns:a16="http://schemas.microsoft.com/office/drawing/2014/main" id="{A0C04DCC-0E3E-4F05-9FAC-9FA6CA4B2BAE}"/>
               </a:ext>
             </a:extLst>
           </p:cNvPr>
@@ -2501,23 +4220,27 @@
         </p:nvSpPr>
         <p:spPr>
           <a:xfrm>
-            <a:off x="839788" y="457200"/>
-            <a:ext cx="3932237" cy="1600200"/>
-          </a:xfrm>
-        </p:spPr>
-        <p:txBody>
-          <a:bodyPr anchor="b"/>
+            <a:off x="868680" y="1709928"/>
+            <a:ext cx="3099816" cy="1709928"/>
+          </a:xfrm>
+        </p:spPr>
+        <p:txBody>
+          <a:bodyPr tIns="45720" anchor="t">
+            <a:normAutofit/>
+          </a:bodyPr>
           <a:lstStyle>
             <a:lvl1pPr>
-              <a:defRPr sz="3200"/>
+              <a:lnSpc>
+                <a:spcPct val="100000"/>
+              </a:lnSpc>
+              <a:defRPr sz="3400"/>
             </a:lvl1pPr>
           </a:lstStyle>
           <a:p>
             <a:r>
-              <a:rPr lang="en-US"/>
+              <a:rPr lang="en-US" dirty="0"/>
               <a:t>Click to edit Master title style</a:t>
             </a:r>
-            <a:endParaRPr lang="en-GB"/>
           </a:p>
         </p:txBody>
       </p:sp>
@@ -2526,7 +4249,7 @@
           <p:cNvPr id="3" name="Picture Placeholder 2">
             <a:extLst>
               <a:ext uri="{FF2B5EF4-FFF2-40B4-BE49-F238E27FC236}">
-                <a16:creationId xmlns:a16="http://schemas.microsoft.com/office/drawing/2014/main" id="{66AF8615-5F8A-5BDB-96F2-638012425CA6}"/>
+                <a16:creationId xmlns:a16="http://schemas.microsoft.com/office/drawing/2014/main" id="{EBA29649-B19F-499E-8E9A-3577EAC8F031}"/>
               </a:ext>
             </a:extLst>
           </p:cNvPr>
@@ -2539,16 +4262,18 @@
         </p:nvSpPr>
         <p:spPr>
           <a:xfrm>
-            <a:off x="5183188" y="987425"/>
-            <a:ext cx="6172200" cy="4873625"/>
-          </a:xfrm>
-        </p:spPr>
-        <p:txBody>
-          <a:bodyPr/>
+            <a:off x="4965192" y="1161288"/>
+            <a:ext cx="6729984" cy="4645152"/>
+          </a:xfrm>
+        </p:spPr>
+        <p:txBody>
+          <a:bodyPr>
+            <a:normAutofit/>
+          </a:bodyPr>
           <a:lstStyle>
             <a:lvl1pPr marL="0" indent="0">
               <a:buNone/>
-              <a:defRPr sz="3200"/>
+              <a:defRPr sz="2800"/>
             </a:lvl1pPr>
             <a:lvl2pPr marL="457200" indent="0">
               <a:buNone/>
@@ -2584,7 +4309,10 @@
             </a:lvl9pPr>
           </a:lstStyle>
           <a:p>
-            <a:endParaRPr lang="en-GB"/>
+            <a:r>
+              <a:rPr lang="en-US" dirty="0"/>
+              <a:t>Click icon to add picture</a:t>
+            </a:r>
           </a:p>
         </p:txBody>
       </p:sp>
@@ -2593,7 +4321,7 @@
           <p:cNvPr id="4" name="Text Placeholder 3">
             <a:extLst>
               <a:ext uri="{FF2B5EF4-FFF2-40B4-BE49-F238E27FC236}">
-                <a16:creationId xmlns:a16="http://schemas.microsoft.com/office/drawing/2014/main" id="{1C7DBD3B-1C35-23A9-1EB7-3F5C80E87AB6}"/>
+                <a16:creationId xmlns:a16="http://schemas.microsoft.com/office/drawing/2014/main" id="{1BC9EF2E-A8CD-41A1-B11A-0D8842797A98}"/>
               </a:ext>
             </a:extLst>
           </p:cNvPr>
@@ -2606,16 +4334,18 @@
         </p:nvSpPr>
         <p:spPr>
           <a:xfrm>
-            <a:off x="839788" y="2057400"/>
-            <a:ext cx="3932237" cy="3811588"/>
-          </a:xfrm>
-        </p:spPr>
-        <p:txBody>
-          <a:bodyPr/>
+            <a:off x="868680" y="3438144"/>
+            <a:ext cx="3099816" cy="2057400"/>
+          </a:xfrm>
+        </p:spPr>
+        <p:txBody>
+          <a:bodyPr>
+            <a:normAutofit/>
+          </a:bodyPr>
           <a:lstStyle>
             <a:lvl1pPr marL="0" indent="0">
               <a:buNone/>
-              <a:defRPr sz="1600"/>
+              <a:defRPr sz="1800"/>
             </a:lvl1pPr>
             <a:lvl2pPr marL="457200" indent="0">
               <a:buNone/>
@@ -2653,7 +4383,7 @@
           <a:p>
             <a:pPr lvl="0"/>
             <a:r>
-              <a:rPr lang="en-US"/>
+              <a:rPr lang="en-US" dirty="0"/>
               <a:t>Click to edit Master text styles</a:t>
             </a:r>
           </a:p>
@@ -2664,7 +4394,7 @@
           <p:cNvPr id="5" name="Date Placeholder 4">
             <a:extLst>
               <a:ext uri="{FF2B5EF4-FFF2-40B4-BE49-F238E27FC236}">
-                <a16:creationId xmlns:a16="http://schemas.microsoft.com/office/drawing/2014/main" id="{CD32FC2D-2641-8476-C315-E80B777C0730}"/>
+                <a16:creationId xmlns:a16="http://schemas.microsoft.com/office/drawing/2014/main" id="{B44257B5-0DE0-401F-9171-E8687A97DBA7}"/>
               </a:ext>
             </a:extLst>
           </p:cNvPr>
@@ -2675,33 +4405,63 @@
             <p:ph type="dt" sz="half" idx="10"/>
           </p:nvPr>
         </p:nvSpPr>
+        <p:spPr>
+          <a:xfrm>
+            <a:off x="868680" y="6356350"/>
+            <a:ext cx="2743200" cy="365125"/>
+          </a:xfrm>
+        </p:spPr>
+        <p:txBody>
+          <a:bodyPr/>
+          <a:lstStyle/>
+          <a:p>
+            <a:fld id="{02AC24A9-CCB6-4F8D-B8DB-C2F3692CFA5A}" type="datetimeFigureOut">
+              <a:rPr lang="en-US" smtClean="0"/>
+              <a:t>6/11/2024</a:t>
+            </a:fld>
+            <a:endParaRPr lang="en-US"/>
+          </a:p>
+        </p:txBody>
+      </p:sp>
+      <p:sp>
+        <p:nvSpPr>
+          <p:cNvPr id="6" name="Footer Placeholder 5">
+            <a:extLst>
+              <a:ext uri="{FF2B5EF4-FFF2-40B4-BE49-F238E27FC236}">
+                <a16:creationId xmlns:a16="http://schemas.microsoft.com/office/drawing/2014/main" id="{788CD9AD-D667-4FD4-AA34-428AA0BCD09E}"/>
+              </a:ext>
+            </a:extLst>
+          </p:cNvPr>
+          <p:cNvSpPr>
+            <a:spLocks noGrp="1"/>
+          </p:cNvSpPr>
+          <p:nvPr>
+            <p:ph type="ftr" sz="quarter" idx="11"/>
+          </p:nvPr>
+        </p:nvSpPr>
         <p:spPr/>
         <p:txBody>
           <a:bodyPr/>
           <a:lstStyle/>
           <a:p>
-            <a:fld id="{4A189AED-545C-49FC-B1A0-A2EE2FF6A84B}" type="datetimeFigureOut">
-              <a:rPr lang="en-GB" smtClean="0"/>
-              <a:t>10/06/2024</a:t>
-            </a:fld>
-            <a:endParaRPr lang="en-GB"/>
-          </a:p>
-        </p:txBody>
-      </p:sp>
-      <p:sp>
-        <p:nvSpPr>
-          <p:cNvPr id="6" name="Footer Placeholder 5">
-            <a:extLst>
-              <a:ext uri="{FF2B5EF4-FFF2-40B4-BE49-F238E27FC236}">
-                <a16:creationId xmlns:a16="http://schemas.microsoft.com/office/drawing/2014/main" id="{9318510B-4719-5E6F-491C-D0C2355B792E}"/>
-              </a:ext>
-            </a:extLst>
-          </p:cNvPr>
-          <p:cNvSpPr>
-            <a:spLocks noGrp="1"/>
-          </p:cNvSpPr>
-          <p:nvPr>
-            <p:ph type="ftr" sz="quarter" idx="11"/>
+            <a:endParaRPr lang="en-US"/>
+          </a:p>
+        </p:txBody>
+      </p:sp>
+      <p:sp>
+        <p:nvSpPr>
+          <p:cNvPr id="7" name="Slide Number Placeholder 6">
+            <a:extLst>
+              <a:ext uri="{FF2B5EF4-FFF2-40B4-BE49-F238E27FC236}">
+                <a16:creationId xmlns:a16="http://schemas.microsoft.com/office/drawing/2014/main" id="{18770FB6-F273-4BA6-8B97-9835AC537871}"/>
+              </a:ext>
+            </a:extLst>
+          </p:cNvPr>
+          <p:cNvSpPr>
+            <a:spLocks noGrp="1"/>
+          </p:cNvSpPr>
+          <p:nvPr>
+            <p:ph type="sldNum" sz="quarter" idx="12"/>
           </p:nvPr>
         </p:nvSpPr>
         <p:spPr/>
@@ -2709,43 +4469,18 @@
           <a:bodyPr/>
           <a:lstStyle/>
           <a:p>
-            <a:endParaRPr lang="en-GB"/>
-          </a:p>
-        </p:txBody>
-      </p:sp>
-      <p:sp>
-        <p:nvSpPr>
-          <p:cNvPr id="7" name="Slide Number Placeholder 6">
-            <a:extLst>
-              <a:ext uri="{FF2B5EF4-FFF2-40B4-BE49-F238E27FC236}">
-                <a16:creationId xmlns:a16="http://schemas.microsoft.com/office/drawing/2014/main" id="{B546298C-6D99-3990-5490-9136D428DE02}"/>
-              </a:ext>
-            </a:extLst>
-          </p:cNvPr>
-          <p:cNvSpPr>
-            <a:spLocks noGrp="1"/>
-          </p:cNvSpPr>
-          <p:nvPr>
-            <p:ph type="sldNum" sz="quarter" idx="12"/>
-          </p:nvPr>
-        </p:nvSpPr>
-        <p:spPr/>
-        <p:txBody>
-          <a:bodyPr/>
-          <a:lstStyle/>
-          <a:p>
-            <a:fld id="{6A54BB81-1D11-4914-ABC9-854FDD7008E8}" type="slidenum">
-              <a:rPr lang="en-GB" smtClean="0"/>
+            <a:fld id="{B2DC25EE-239B-4C5F-AAD1-255A7D5F1EE2}" type="slidenum">
+              <a:rPr lang="en-US" smtClean="0"/>
               <a:t>‹#›</a:t>
             </a:fld>
-            <a:endParaRPr lang="en-GB"/>
+            <a:endParaRPr lang="en-US"/>
           </a:p>
         </p:txBody>
       </p:sp>
     </p:spTree>
     <p:extLst>
       <p:ext uri="{BB962C8B-B14F-4D97-AF65-F5344CB8AC3E}">
-        <p14:creationId xmlns:p14="http://schemas.microsoft.com/office/powerpoint/2010/main" val="4225999482"/>
+        <p14:creationId xmlns:p14="http://schemas.microsoft.com/office/powerpoint/2010/main" val="2348932970"/>
       </p:ext>
     </p:extLst>
   </p:cSld>
@@ -2782,7 +4517,7 @@
           <p:cNvPr id="2" name="Title Placeholder 1">
             <a:extLst>
               <a:ext uri="{FF2B5EF4-FFF2-40B4-BE49-F238E27FC236}">
-                <a16:creationId xmlns:a16="http://schemas.microsoft.com/office/drawing/2014/main" id="{479B74D6-7359-6198-C28F-86E47D7B7F2E}"/>
+                <a16:creationId xmlns:a16="http://schemas.microsoft.com/office/drawing/2014/main" id="{BB325BDE-35A4-4AAD-960B-C1415864ADD9}"/>
               </a:ext>
             </a:extLst>
           </p:cNvPr>
@@ -2812,7 +4547,7 @@
               <a:rPr lang="en-US"/>
               <a:t>Click to edit Master title style</a:t>
             </a:r>
-            <a:endParaRPr lang="en-GB"/>
+            <a:endParaRPr lang="en-US" dirty="0"/>
           </a:p>
         </p:txBody>
       </p:sp>
@@ -2821,7 +4556,7 @@
           <p:cNvPr id="3" name="Text Placeholder 2">
             <a:extLst>
               <a:ext uri="{FF2B5EF4-FFF2-40B4-BE49-F238E27FC236}">
-                <a16:creationId xmlns:a16="http://schemas.microsoft.com/office/drawing/2014/main" id="{D7D6954F-3D5F-6B99-535C-7BC26FABCFB4}"/>
+                <a16:creationId xmlns:a16="http://schemas.microsoft.com/office/drawing/2014/main" id="{BE459C78-0CC4-4552-93DD-49B4194D005D}"/>
               </a:ext>
             </a:extLst>
           </p:cNvPr>
@@ -2880,7 +4615,7 @@
               <a:rPr lang="en-US"/>
               <a:t>Fifth level</a:t>
             </a:r>
-            <a:endParaRPr lang="en-GB"/>
+            <a:endParaRPr lang="en-US" dirty="0"/>
           </a:p>
         </p:txBody>
       </p:sp>
@@ -2889,7 +4624,7 @@
           <p:cNvPr id="4" name="Date Placeholder 3">
             <a:extLst>
               <a:ext uri="{FF2B5EF4-FFF2-40B4-BE49-F238E27FC236}">
-                <a16:creationId xmlns:a16="http://schemas.microsoft.com/office/drawing/2014/main" id="{F15E8DAF-23D2-6C9D-095E-C356C6E4D778}"/>
+                <a16:creationId xmlns:a16="http://schemas.microsoft.com/office/drawing/2014/main" id="{06744A3C-9C54-46A6-B3EF-5B36362423EB}"/>
               </a:ext>
             </a:extLst>
           </p:cNvPr>
@@ -2916,18 +4651,18 @@
               <a:defRPr sz="1200">
                 <a:solidFill>
                   <a:schemeClr val="tx1">
-                    <a:tint val="82000"/>
+                    <a:tint val="75000"/>
                   </a:schemeClr>
                 </a:solidFill>
               </a:defRPr>
             </a:lvl1pPr>
           </a:lstStyle>
           <a:p>
-            <a:fld id="{4A189AED-545C-49FC-B1A0-A2EE2FF6A84B}" type="datetimeFigureOut">
-              <a:rPr lang="en-GB" smtClean="0"/>
-              <a:t>10/06/2024</a:t>
+            <a:fld id="{02AC24A9-CCB6-4F8D-B8DB-C2F3692CFA5A}" type="datetimeFigureOut">
+              <a:rPr lang="en-US" smtClean="0"/>
+              <a:t>6/11/2024</a:t>
             </a:fld>
-            <a:endParaRPr lang="en-GB"/>
+            <a:endParaRPr lang="en-US"/>
           </a:p>
         </p:txBody>
       </p:sp>
@@ -2936,7 +4671,7 @@
           <p:cNvPr id="5" name="Footer Placeholder 4">
             <a:extLst>
               <a:ext uri="{FF2B5EF4-FFF2-40B4-BE49-F238E27FC236}">
-                <a16:creationId xmlns:a16="http://schemas.microsoft.com/office/drawing/2014/main" id="{AEA93E9C-26B5-BC52-51EC-867A97A6D8DC}"/>
+                <a16:creationId xmlns:a16="http://schemas.microsoft.com/office/drawing/2014/main" id="{07D5A696-7B4B-4181-A961-7D66556D507F}"/>
               </a:ext>
             </a:extLst>
           </p:cNvPr>
@@ -2963,14 +4698,14 @@
               <a:defRPr sz="1200">
                 <a:solidFill>
                   <a:schemeClr val="tx1">
-                    <a:tint val="82000"/>
+                    <a:tint val="75000"/>
                   </a:schemeClr>
                 </a:solidFill>
               </a:defRPr>
             </a:lvl1pPr>
           </a:lstStyle>
           <a:p>
-            <a:endParaRPr lang="en-GB"/>
+            <a:endParaRPr lang="en-US"/>
           </a:p>
         </p:txBody>
       </p:sp>
@@ -2979,7 +4714,7 @@
           <p:cNvPr id="6" name="Slide Number Placeholder 5">
             <a:extLst>
               <a:ext uri="{FF2B5EF4-FFF2-40B4-BE49-F238E27FC236}">
-                <a16:creationId xmlns:a16="http://schemas.microsoft.com/office/drawing/2014/main" id="{60C2B111-99B4-2A25-42FE-5DD004512A7E}"/>
+                <a16:creationId xmlns:a16="http://schemas.microsoft.com/office/drawing/2014/main" id="{23038CB5-8F4A-401D-A3A9-B27DC15B7A81}"/>
               </a:ext>
             </a:extLst>
           </p:cNvPr>
@@ -3006,41 +4741,41 @@
               <a:defRPr sz="1200">
                 <a:solidFill>
                   <a:schemeClr val="tx1">
-                    <a:tint val="82000"/>
+                    <a:tint val="75000"/>
                   </a:schemeClr>
                 </a:solidFill>
               </a:defRPr>
             </a:lvl1pPr>
           </a:lstStyle>
           <a:p>
-            <a:fld id="{6A54BB81-1D11-4914-ABC9-854FDD7008E8}" type="slidenum">
-              <a:rPr lang="en-GB" smtClean="0"/>
+            <a:fld id="{B2DC25EE-239B-4C5F-AAD1-255A7D5F1EE2}" type="slidenum">
+              <a:rPr lang="en-US" smtClean="0"/>
               <a:t>‹#›</a:t>
             </a:fld>
-            <a:endParaRPr lang="en-GB"/>
+            <a:endParaRPr lang="en-US"/>
           </a:p>
         </p:txBody>
       </p:sp>
     </p:spTree>
     <p:extLst>
       <p:ext uri="{BB962C8B-B14F-4D97-AF65-F5344CB8AC3E}">
-        <p14:creationId xmlns:p14="http://schemas.microsoft.com/office/powerpoint/2010/main" val="2113597069"/>
+        <p14:creationId xmlns:p14="http://schemas.microsoft.com/office/powerpoint/2010/main" val="2930363259"/>
       </p:ext>
     </p:extLst>
   </p:cSld>
   <p:clrMap bg1="lt1" tx1="dk1" bg2="lt2" tx2="dk2" accent1="accent1" accent2="accent2" accent3="accent3" accent4="accent4" accent5="accent5" accent6="accent6" hlink="hlink" folHlink="folHlink"/>
   <p:sldLayoutIdLst>
-    <p:sldLayoutId id="2147483649" r:id="rId1"/>
-    <p:sldLayoutId id="2147483650" r:id="rId2"/>
-    <p:sldLayoutId id="2147483651" r:id="rId3"/>
-    <p:sldLayoutId id="2147483652" r:id="rId4"/>
-    <p:sldLayoutId id="2147483653" r:id="rId5"/>
-    <p:sldLayoutId id="2147483654" r:id="rId6"/>
-    <p:sldLayoutId id="2147483655" r:id="rId7"/>
-    <p:sldLayoutId id="2147483656" r:id="rId8"/>
-    <p:sldLayoutId id="2147483657" r:id="rId9"/>
-    <p:sldLayoutId id="2147483658" r:id="rId10"/>
-    <p:sldLayoutId id="2147483659" r:id="rId11"/>
+    <p:sldLayoutId id="2147483759" r:id="rId1"/>
+    <p:sldLayoutId id="2147483760" r:id="rId2"/>
+    <p:sldLayoutId id="2147483761" r:id="rId3"/>
+    <p:sldLayoutId id="2147483762" r:id="rId4"/>
+    <p:sldLayoutId id="2147483763" r:id="rId5"/>
+    <p:sldLayoutId id="2147483757" r:id="rId6"/>
+    <p:sldLayoutId id="2147483753" r:id="rId7"/>
+    <p:sldLayoutId id="2147483754" r:id="rId8"/>
+    <p:sldLayoutId id="2147483755" r:id="rId9"/>
+    <p:sldLayoutId id="2147483756" r:id="rId10"/>
+    <p:sldLayoutId id="2147483758" r:id="rId11"/>
   </p:sldLayoutIdLst>
   <p:txStyles>
     <p:titleStyle>
@@ -3052,7 +4787,7 @@
           <a:spcPct val="0"/>
         </a:spcBef>
         <a:buNone/>
-        <a:defRPr sz="4400" kern="1200">
+        <a:defRPr sz="4000" b="1" kern="1200">
           <a:solidFill>
             <a:schemeClr val="tx1"/>
           </a:solidFill>
@@ -3065,28 +4800,10 @@
     <p:bodyStyle>
       <a:lvl1pPr marL="228600" indent="-228600" algn="l" defTabSz="914400" rtl="0" eaLnBrk="1" latinLnBrk="0" hangingPunct="1">
         <a:lnSpc>
-          <a:spcPct val="90000"/>
+          <a:spcPct val="110000"/>
         </a:lnSpc>
         <a:spcBef>
           <a:spcPts val="1000"/>
-        </a:spcBef>
-        <a:buFont typeface="Arial" panose="020B0604020202020204" pitchFamily="34" charset="0"/>
-        <a:buChar char="•"/>
-        <a:defRPr sz="2800" kern="1200">
-          <a:solidFill>
-            <a:schemeClr val="tx1"/>
-          </a:solidFill>
-          <a:latin typeface="+mn-lt"/>
-          <a:ea typeface="+mn-ea"/>
-          <a:cs typeface="+mn-cs"/>
-        </a:defRPr>
-      </a:lvl1pPr>
-      <a:lvl2pPr marL="685800" indent="-228600" algn="l" defTabSz="914400" rtl="0" eaLnBrk="1" latinLnBrk="0" hangingPunct="1">
-        <a:lnSpc>
-          <a:spcPct val="90000"/>
-        </a:lnSpc>
-        <a:spcBef>
-          <a:spcPts val="500"/>
         </a:spcBef>
         <a:buFont typeface="Arial" panose="020B0604020202020204" pitchFamily="34" charset="0"/>
         <a:buChar char="•"/>
@@ -3098,10 +4815,10 @@
           <a:ea typeface="+mn-ea"/>
           <a:cs typeface="+mn-cs"/>
         </a:defRPr>
-      </a:lvl2pPr>
-      <a:lvl3pPr marL="1143000" indent="-228600" algn="l" defTabSz="914400" rtl="0" eaLnBrk="1" latinLnBrk="0" hangingPunct="1">
+      </a:lvl1pPr>
+      <a:lvl2pPr marL="685800" indent="-228600" algn="l" defTabSz="914400" rtl="0" eaLnBrk="1" latinLnBrk="0" hangingPunct="1">
         <a:lnSpc>
-          <a:spcPct val="90000"/>
+          <a:spcPct val="110000"/>
         </a:lnSpc>
         <a:spcBef>
           <a:spcPts val="500"/>
@@ -3116,10 +4833,10 @@
           <a:ea typeface="+mn-ea"/>
           <a:cs typeface="+mn-cs"/>
         </a:defRPr>
-      </a:lvl3pPr>
-      <a:lvl4pPr marL="1600200" indent="-228600" algn="l" defTabSz="914400" rtl="0" eaLnBrk="1" latinLnBrk="0" hangingPunct="1">
+      </a:lvl2pPr>
+      <a:lvl3pPr marL="1143000" indent="-228600" algn="l" defTabSz="914400" rtl="0" eaLnBrk="1" latinLnBrk="0" hangingPunct="1">
         <a:lnSpc>
-          <a:spcPct val="90000"/>
+          <a:spcPct val="110000"/>
         </a:lnSpc>
         <a:spcBef>
           <a:spcPts val="500"/>
@@ -3134,17 +4851,35 @@
           <a:ea typeface="+mn-ea"/>
           <a:cs typeface="+mn-cs"/>
         </a:defRPr>
-      </a:lvl4pPr>
-      <a:lvl5pPr marL="2057400" indent="-228600" algn="l" defTabSz="914400" rtl="0" eaLnBrk="1" latinLnBrk="0" hangingPunct="1">
+      </a:lvl3pPr>
+      <a:lvl4pPr marL="1600200" indent="-228600" algn="l" defTabSz="914400" rtl="0" eaLnBrk="1" latinLnBrk="0" hangingPunct="1">
         <a:lnSpc>
-          <a:spcPct val="90000"/>
+          <a:spcPct val="110000"/>
         </a:lnSpc>
         <a:spcBef>
           <a:spcPts val="500"/>
         </a:spcBef>
         <a:buFont typeface="Arial" panose="020B0604020202020204" pitchFamily="34" charset="0"/>
         <a:buChar char="•"/>
-        <a:defRPr sz="1800" kern="1200">
+        <a:defRPr sz="1600" kern="1200">
+          <a:solidFill>
+            <a:schemeClr val="tx1"/>
+          </a:solidFill>
+          <a:latin typeface="+mn-lt"/>
+          <a:ea typeface="+mn-ea"/>
+          <a:cs typeface="+mn-cs"/>
+        </a:defRPr>
+      </a:lvl4pPr>
+      <a:lvl5pPr marL="2057400" indent="-228600" algn="l" defTabSz="914400" rtl="0" eaLnBrk="1" latinLnBrk="0" hangingPunct="1">
+        <a:lnSpc>
+          <a:spcPct val="110000"/>
+        </a:lnSpc>
+        <a:spcBef>
+          <a:spcPts val="500"/>
+        </a:spcBef>
+        <a:buFont typeface="Arial" panose="020B0604020202020204" pitchFamily="34" charset="0"/>
+        <a:buChar char="•"/>
+        <a:defRPr sz="1600" kern="1200">
           <a:solidFill>
             <a:schemeClr val="tx1"/>
           </a:solidFill>
@@ -3328,6 +5063,14 @@
 <file path=ppt/slides/slide1.xml><?xml version="1.0" encoding="utf-8"?>
 <p:sld xmlns:a="http://schemas.openxmlformats.org/drawingml/2006/main" xmlns:r="http://schemas.openxmlformats.org/officeDocument/2006/relationships" xmlns:p="http://schemas.openxmlformats.org/presentationml/2006/main">
   <p:cSld>
+    <p:bg>
+      <p:bgPr>
+        <a:solidFill>
+          <a:schemeClr val="bg1"/>
+        </a:solidFill>
+        <a:effectLst/>
+      </p:bgPr>
+    </p:bg>
     <p:spTree>
       <p:nvGrpSpPr>
         <p:cNvPr id="1" name=""/>
@@ -3342,32 +5085,299 @@
           <a:chExt cx="0" cy="0"/>
         </a:xfrm>
       </p:grpSpPr>
-      <p:sp>
-        <p:nvSpPr>
-          <p:cNvPr id="2" name="Title 1">
-            <a:extLst>
-              <a:ext uri="{FF2B5EF4-FFF2-40B4-BE49-F238E27FC236}">
-                <a16:creationId xmlns:a16="http://schemas.microsoft.com/office/drawing/2014/main" id="{B717B41B-38E5-9182-8288-2470740464BA}"/>
-              </a:ext>
-            </a:extLst>
-          </p:cNvPr>
-          <p:cNvSpPr>
-            <a:spLocks noGrp="1"/>
-          </p:cNvSpPr>
-          <p:nvPr>
-            <p:ph type="ctrTitle"/>
-          </p:nvPr>
-        </p:nvSpPr>
-        <p:spPr/>
-        <p:txBody>
-          <a:bodyPr/>
-          <a:lstStyle/>
-          <a:p>
-            <a:r>
-              <a:rPr lang="nl-NL"/>
-              <a:t>Break outs</a:t>
-            </a:r>
-            <a:endParaRPr lang="en-GB"/>
+      <p:sp useBgFill="1">
+        <p:nvSpPr>
+          <p:cNvPr id="1060" name="Rectangle 1059">
+            <a:extLst>
+              <a:ext uri="{FF2B5EF4-FFF2-40B4-BE49-F238E27FC236}">
+                <a16:creationId xmlns:a16="http://schemas.microsoft.com/office/drawing/2014/main" id="{33E93247-6229-44AB-A550-739E971E690B}"/>
+              </a:ext>
+              <a:ext uri="{C183D7F6-B498-43B3-948B-1728B52AA6E4}">
+                <adec:decorative xmlns:adec="http://schemas.microsoft.com/office/drawing/2017/decorative" val="1"/>
+              </a:ext>
+            </a:extLst>
+          </p:cNvPr>
+          <p:cNvSpPr>
+            <a:spLocks noGrp="1" noRot="1" noChangeAspect="1" noMove="1" noResize="1" noEditPoints="1" noAdjustHandles="1" noChangeArrowheads="1" noChangeShapeType="1" noTextEdit="1"/>
+          </p:cNvSpPr>
+          <p:nvPr>
+            <p:extLst>
+              <p:ext uri="{386F3935-93C4-4BCD-93E2-E3B085C9AB24}">
+                <p16:designElem xmlns:p16="http://schemas.microsoft.com/office/powerpoint/2015/main" val="1"/>
+              </p:ext>
+            </p:extLst>
+          </p:nvPr>
+        </p:nvSpPr>
+        <p:spPr>
+          <a:xfrm>
+            <a:off x="0" y="0"/>
+            <a:ext cx="12192000" cy="6858000"/>
+          </a:xfrm>
+          <a:prstGeom prst="rect">
+            <a:avLst/>
+          </a:prstGeom>
+          <a:ln w="12700" cap="flat" cmpd="sng" algn="ctr">
+            <a:noFill/>
+            <a:prstDash val="solid"/>
+            <a:miter lim="800000"/>
+          </a:ln>
+          <a:effectLst/>
+          <a:extLst>
+            <a:ext uri="{91240B29-F687-4F45-9708-019B960494DF}">
+              <a14:hiddenLine xmlns:a14="http://schemas.microsoft.com/office/drawing/2010/main" w="12700" cap="flat" cmpd="sng" algn="ctr">
+                <a:solidFill>
+                  <a:schemeClr val="accent1">
+                    <a:shade val="50000"/>
+                  </a:schemeClr>
+                </a:solidFill>
+                <a:prstDash val="solid"/>
+                <a:miter lim="800000"/>
+              </a14:hiddenLine>
+            </a:ext>
+          </a:extLst>
+        </p:spPr>
+        <p:style>
+          <a:lnRef idx="2">
+            <a:schemeClr val="accent1">
+              <a:shade val="50000"/>
+            </a:schemeClr>
+          </a:lnRef>
+          <a:fillRef idx="1">
+            <a:schemeClr val="accent1"/>
+          </a:fillRef>
+          <a:effectRef idx="0">
+            <a:schemeClr val="accent1"/>
+          </a:effectRef>
+          <a:fontRef idx="minor">
+            <a:schemeClr val="lt1"/>
+          </a:fontRef>
+        </p:style>
+        <p:txBody>
+          <a:bodyPr rtlCol="0" anchor="ctr"/>
+          <a:lstStyle/>
+          <a:p>
+            <a:pPr marL="0" marR="0" lvl="0" indent="0" algn="ctr" defTabSz="914400" rtl="0" eaLnBrk="1" fontAlgn="auto" latinLnBrk="0" hangingPunct="1">
+              <a:lnSpc>
+                <a:spcPct val="100000"/>
+              </a:lnSpc>
+              <a:spcBef>
+                <a:spcPts val="0"/>
+              </a:spcBef>
+              <a:spcAft>
+                <a:spcPts val="0"/>
+              </a:spcAft>
+              <a:buClrTx/>
+              <a:buSzTx/>
+              <a:buFontTx/>
+              <a:buNone/>
+              <a:tabLst/>
+              <a:defRPr/>
+            </a:pPr>
+            <a:endParaRPr kumimoji="0" lang="en-US" sz="1800" b="0" i="0" u="none" strike="noStrike" kern="1200" cap="none" spc="0" normalizeH="0" baseline="0" noProof="0">
+              <a:ln>
+                <a:noFill/>
+              </a:ln>
+              <a:solidFill>
+                <a:prstClr val="white"/>
+              </a:solidFill>
+              <a:effectLst/>
+              <a:uLnTx/>
+              <a:uFillTx/>
+              <a:latin typeface="Avenir Next LT Pro"/>
+              <a:ea typeface="+mn-ea"/>
+              <a:cs typeface="+mn-cs"/>
+            </a:endParaRPr>
+          </a:p>
+        </p:txBody>
+      </p:sp>
+      <p:cxnSp>
+        <p:nvCxnSpPr>
+          <p:cNvPr id="1062" name="Straight Connector 1061">
+            <a:extLst>
+              <a:ext uri="{FF2B5EF4-FFF2-40B4-BE49-F238E27FC236}">
+                <a16:creationId xmlns:a16="http://schemas.microsoft.com/office/drawing/2014/main" id="{EE2E603F-4A95-4FE8-BB06-211DFD75DBEF}"/>
+              </a:ext>
+              <a:ext uri="{C183D7F6-B498-43B3-948B-1728B52AA6E4}">
+                <adec:decorative xmlns:adec="http://schemas.microsoft.com/office/drawing/2017/decorative" val="1"/>
+              </a:ext>
+            </a:extLst>
+          </p:cNvPr>
+          <p:cNvCxnSpPr>
+            <a:cxnSpLocks noGrp="1" noRot="1" noChangeAspect="1" noMove="1" noResize="1" noEditPoints="1" noAdjustHandles="1" noChangeArrowheads="1" noChangeShapeType="1"/>
+          </p:cNvCxnSpPr>
+          <p:nvPr>
+            <p:extLst>
+              <p:ext uri="{386F3935-93C4-4BCD-93E2-E3B085C9AB24}">
+                <p16:designElem xmlns:p16="http://schemas.microsoft.com/office/powerpoint/2015/main" val="1"/>
+              </p:ext>
+            </p:extLst>
+          </p:nvPr>
+        </p:nvCxnSpPr>
+        <p:spPr>
+          <a:xfrm>
+            <a:off x="800100" y="723900"/>
+            <a:ext cx="1638300" cy="0"/>
+          </a:xfrm>
+          <a:prstGeom prst="line">
+            <a:avLst/>
+          </a:prstGeom>
+          <a:ln w="44450">
+            <a:solidFill>
+              <a:schemeClr val="tx1"/>
+            </a:solidFill>
+          </a:ln>
+        </p:spPr>
+        <p:style>
+          <a:lnRef idx="1">
+            <a:schemeClr val="accent1"/>
+          </a:lnRef>
+          <a:fillRef idx="0">
+            <a:schemeClr val="accent1"/>
+          </a:fillRef>
+          <a:effectRef idx="0">
+            <a:schemeClr val="accent1"/>
+          </a:effectRef>
+          <a:fontRef idx="minor">
+            <a:schemeClr val="tx1"/>
+          </a:fontRef>
+        </p:style>
+      </p:cxnSp>
+      <p:pic>
+        <p:nvPicPr>
+          <p:cNvPr id="1026" name="Picture 2" descr="Atari Breakout – Play Online at Coolmath Games">
+            <a:extLst>
+              <a:ext uri="{FF2B5EF4-FFF2-40B4-BE49-F238E27FC236}">
+                <a16:creationId xmlns:a16="http://schemas.microsoft.com/office/drawing/2014/main" id="{D7FF74A3-4125-5BCB-0161-00F860E5B868}"/>
+              </a:ext>
+            </a:extLst>
+          </p:cNvPr>
+          <p:cNvPicPr>
+            <a:picLocks noChangeAspect="1" noChangeArrowheads="1"/>
+          </p:cNvPicPr>
+          <p:nvPr/>
+        </p:nvPicPr>
+        <p:blipFill rotWithShape="1">
+          <a:blip r:embed="rId2">
+            <a:extLst>
+              <a:ext uri="{28A0092B-C50C-407E-A947-70E740481C1C}">
+                <a14:useLocalDpi xmlns:a14="http://schemas.microsoft.com/office/drawing/2010/main" val="0"/>
+              </a:ext>
+            </a:extLst>
+          </a:blip>
+          <a:srcRect b="3434"/>
+          <a:stretch/>
+        </p:blipFill>
+        <p:spPr bwMode="auto">
+          <a:xfrm>
+            <a:off x="20" y="10"/>
+            <a:ext cx="12191979" cy="6857990"/>
+          </a:xfrm>
+          <a:prstGeom prst="rect">
+            <a:avLst/>
+          </a:prstGeom>
+          <a:noFill/>
+          <a:extLst>
+            <a:ext uri="{909E8E84-426E-40DD-AFC4-6F175D3DCCD1}">
+              <a14:hiddenFill xmlns:a14="http://schemas.microsoft.com/office/drawing/2010/main">
+                <a:solidFill>
+                  <a:srgbClr val="FFFFFF"/>
+                </a:solidFill>
+              </a14:hiddenFill>
+            </a:ext>
+          </a:extLst>
+        </p:spPr>
+      </p:pic>
+      <p:sp>
+        <p:nvSpPr>
+          <p:cNvPr id="1064" name="Rectangle 1063">
+            <a:extLst>
+              <a:ext uri="{FF2B5EF4-FFF2-40B4-BE49-F238E27FC236}">
+                <a16:creationId xmlns:a16="http://schemas.microsoft.com/office/drawing/2014/main" id="{5144B498-CCDC-D4DC-B7BB-68A8A7A83CEA}"/>
+              </a:ext>
+              <a:ext uri="{C183D7F6-B498-43B3-948B-1728B52AA6E4}">
+                <adec:decorative xmlns:adec="http://schemas.microsoft.com/office/drawing/2017/decorative" val="1"/>
+              </a:ext>
+            </a:extLst>
+          </p:cNvPr>
+          <p:cNvSpPr>
+            <a:spLocks noGrp="1" noRot="1" noChangeAspect="1" noMove="1" noResize="1" noEditPoints="1" noAdjustHandles="1" noChangeArrowheads="1" noChangeShapeType="1" noTextEdit="1"/>
+          </p:cNvSpPr>
+          <p:nvPr>
+            <p:extLst>
+              <p:ext uri="{386F3935-93C4-4BCD-93E2-E3B085C9AB24}">
+                <p16:designElem xmlns:p16="http://schemas.microsoft.com/office/powerpoint/2015/main" val="1"/>
+              </p:ext>
+            </p:extLst>
+          </p:nvPr>
+        </p:nvSpPr>
+        <p:spPr>
+          <a:xfrm>
+            <a:off x="0" y="0"/>
+            <a:ext cx="4824248" cy="6858001"/>
+          </a:xfrm>
+          <a:prstGeom prst="rect">
+            <a:avLst/>
+          </a:prstGeom>
+          <a:solidFill>
+            <a:schemeClr val="bg1">
+              <a:alpha val="50000"/>
+            </a:schemeClr>
+          </a:solidFill>
+          <a:ln>
+            <a:noFill/>
+          </a:ln>
+        </p:spPr>
+        <p:style>
+          <a:lnRef idx="2">
+            <a:schemeClr val="accent1">
+              <a:shade val="50000"/>
+            </a:schemeClr>
+          </a:lnRef>
+          <a:fillRef idx="1">
+            <a:schemeClr val="accent1"/>
+          </a:fillRef>
+          <a:effectRef idx="0">
+            <a:schemeClr val="accent1"/>
+          </a:effectRef>
+          <a:fontRef idx="minor">
+            <a:schemeClr val="lt1"/>
+          </a:fontRef>
+        </p:style>
+        <p:txBody>
+          <a:bodyPr rtlCol="0" anchor="ctr"/>
+          <a:lstStyle/>
+          <a:p>
+            <a:pPr marL="0" marR="0" lvl="0" indent="0" algn="ctr" defTabSz="914400" rtl="0" eaLnBrk="1" fontAlgn="auto" latinLnBrk="0" hangingPunct="1">
+              <a:lnSpc>
+                <a:spcPct val="100000"/>
+              </a:lnSpc>
+              <a:spcBef>
+                <a:spcPts val="0"/>
+              </a:spcBef>
+              <a:spcAft>
+                <a:spcPts val="0"/>
+              </a:spcAft>
+              <a:buClrTx/>
+              <a:buSzTx/>
+              <a:buFontTx/>
+              <a:buNone/>
+              <a:tabLst/>
+              <a:defRPr/>
+            </a:pPr>
+            <a:endParaRPr kumimoji="0" lang="en-US" sz="1800" b="0" i="0" u="none" strike="noStrike" kern="1200" cap="none" spc="0" normalizeH="0" baseline="0" noProof="0">
+              <a:ln>
+                <a:noFill/>
+              </a:ln>
+              <a:solidFill>
+                <a:prstClr val="white"/>
+              </a:solidFill>
+              <a:effectLst/>
+              <a:uLnTx/>
+              <a:uFillTx/>
+              <a:latin typeface="Avenir Next LT Pro"/>
+              <a:ea typeface="+mn-ea"/>
+              <a:cs typeface="+mn-cs"/>
+            </a:endParaRPr>
           </a:p>
         </p:txBody>
       </p:sp>
@@ -3387,12 +5397,211 @@
             <p:ph type="subTitle" idx="1"/>
           </p:nvPr>
         </p:nvSpPr>
-        <p:spPr/>
-        <p:txBody>
-          <a:bodyPr/>
-          <a:lstStyle/>
-          <a:p>
-            <a:endParaRPr lang="en-GB"/>
+        <p:spPr>
+          <a:xfrm>
+            <a:off x="475488" y="4873752"/>
+            <a:ext cx="4023360" cy="1207008"/>
+          </a:xfrm>
+        </p:spPr>
+        <p:txBody>
+          <a:bodyPr anchor="t">
+            <a:normAutofit/>
+          </a:bodyPr>
+          <a:lstStyle/>
+          <a:p>
+            <a:r>
+              <a:rPr lang="nl-NL" sz="2000"/>
+              <a:t>Door: Lorenz Girgis</a:t>
+            </a:r>
+            <a:endParaRPr lang="en-GB" sz="2000"/>
+          </a:p>
+        </p:txBody>
+      </p:sp>
+      <p:sp>
+        <p:nvSpPr>
+          <p:cNvPr id="1066" name="Rectangle 1065">
+            <a:extLst>
+              <a:ext uri="{FF2B5EF4-FFF2-40B4-BE49-F238E27FC236}">
+                <a16:creationId xmlns:a16="http://schemas.microsoft.com/office/drawing/2014/main" id="{2165A4AE-FFE9-B2D5-017C-17337DDB3F3B}"/>
+              </a:ext>
+              <a:ext uri="{C183D7F6-B498-43B3-948B-1728B52AA6E4}">
+                <adec:decorative xmlns:adec="http://schemas.microsoft.com/office/drawing/2017/decorative" val="1"/>
+              </a:ext>
+            </a:extLst>
+          </p:cNvPr>
+          <p:cNvSpPr>
+            <a:spLocks noGrp="1" noRot="1" noChangeAspect="1" noMove="1" noResize="1" noEditPoints="1" noAdjustHandles="1" noChangeArrowheads="1" noChangeShapeType="1" noTextEdit="1"/>
+          </p:cNvSpPr>
+          <p:nvPr>
+            <p:extLst>
+              <p:ext uri="{386F3935-93C4-4BCD-93E2-E3B085C9AB24}">
+                <p16:designElem xmlns:p16="http://schemas.microsoft.com/office/powerpoint/2015/main" val="1"/>
+              </p:ext>
+            </p:extLst>
+          </p:nvPr>
+        </p:nvSpPr>
+        <p:spPr>
+          <a:xfrm rot="5400000">
+            <a:off x="759921" y="346791"/>
+            <a:ext cx="146304" cy="704088"/>
+          </a:xfrm>
+          <a:prstGeom prst="rect">
+            <a:avLst/>
+          </a:prstGeom>
+          <a:solidFill>
+            <a:schemeClr val="accent1"/>
+          </a:solidFill>
+          <a:ln>
+            <a:noFill/>
+          </a:ln>
+        </p:spPr>
+        <p:style>
+          <a:lnRef idx="2">
+            <a:schemeClr val="accent1">
+              <a:shade val="50000"/>
+            </a:schemeClr>
+          </a:lnRef>
+          <a:fillRef idx="1">
+            <a:schemeClr val="accent1"/>
+          </a:fillRef>
+          <a:effectRef idx="0">
+            <a:schemeClr val="accent1"/>
+          </a:effectRef>
+          <a:fontRef idx="minor">
+            <a:schemeClr val="lt1"/>
+          </a:fontRef>
+        </p:style>
+        <p:txBody>
+          <a:bodyPr rtlCol="0" anchor="ctr"/>
+          <a:lstStyle/>
+          <a:p>
+            <a:pPr marL="0" marR="0" lvl="0" indent="0" algn="ctr" defTabSz="914400" rtl="0" eaLnBrk="1" fontAlgn="auto" latinLnBrk="0" hangingPunct="1">
+              <a:lnSpc>
+                <a:spcPct val="100000"/>
+              </a:lnSpc>
+              <a:spcBef>
+                <a:spcPts val="0"/>
+              </a:spcBef>
+              <a:spcAft>
+                <a:spcPts val="0"/>
+              </a:spcAft>
+              <a:buClrTx/>
+              <a:buSzTx/>
+              <a:buFontTx/>
+              <a:buNone/>
+              <a:tabLst/>
+              <a:defRPr/>
+            </a:pPr>
+            <a:endParaRPr kumimoji="0" lang="en-US" sz="1800" b="0" i="0" u="none" strike="noStrike" kern="1200" cap="none" spc="0" normalizeH="0" baseline="0" noProof="0">
+              <a:ln>
+                <a:noFill/>
+              </a:ln>
+              <a:solidFill>
+                <a:prstClr val="white"/>
+              </a:solidFill>
+              <a:effectLst/>
+              <a:uLnTx/>
+              <a:uFillTx/>
+              <a:latin typeface="Calibri" panose="020F0502020204030204"/>
+              <a:ea typeface="+mn-ea"/>
+              <a:cs typeface="+mn-cs"/>
+            </a:endParaRPr>
+          </a:p>
+        </p:txBody>
+      </p:sp>
+      <p:sp>
+        <p:nvSpPr>
+          <p:cNvPr id="1068" name="Rectangle 1067">
+            <a:extLst>
+              <a:ext uri="{FF2B5EF4-FFF2-40B4-BE49-F238E27FC236}">
+                <a16:creationId xmlns:a16="http://schemas.microsoft.com/office/drawing/2014/main" id="{90E701D1-A34F-CF86-7316-8761C7835E03}"/>
+              </a:ext>
+              <a:ext uri="{C183D7F6-B498-43B3-948B-1728B52AA6E4}">
+                <adec:decorative xmlns:adec="http://schemas.microsoft.com/office/drawing/2017/decorative" val="1"/>
+              </a:ext>
+            </a:extLst>
+          </p:cNvPr>
+          <p:cNvSpPr>
+            <a:spLocks noGrp="1" noRot="1" noChangeAspect="1" noMove="1" noResize="1" noEditPoints="1" noAdjustHandles="1" noChangeArrowheads="1" noChangeShapeType="1" noTextEdit="1"/>
+          </p:cNvSpPr>
+          <p:nvPr>
+            <p:extLst>
+              <p:ext uri="{386F3935-93C4-4BCD-93E2-E3B085C9AB24}">
+                <p16:designElem xmlns:p16="http://schemas.microsoft.com/office/powerpoint/2015/main" val="1"/>
+              </p:ext>
+            </p:extLst>
+          </p:nvPr>
+        </p:nvSpPr>
+        <p:spPr>
+          <a:xfrm>
+            <a:off x="481029" y="4546920"/>
+            <a:ext cx="3977640" cy="18288"/>
+          </a:xfrm>
+          <a:prstGeom prst="rect">
+            <a:avLst/>
+          </a:prstGeom>
+          <a:solidFill>
+            <a:schemeClr val="tx2">
+              <a:lumMod val="25000"/>
+              <a:lumOff val="75000"/>
+            </a:schemeClr>
+          </a:solidFill>
+          <a:ln w="3175">
+            <a:noFill/>
+          </a:ln>
+          <a:effectLst/>
+        </p:spPr>
+        <p:style>
+          <a:lnRef idx="2">
+            <a:schemeClr val="accent1">
+              <a:shade val="50000"/>
+            </a:schemeClr>
+          </a:lnRef>
+          <a:fillRef idx="1">
+            <a:schemeClr val="accent1"/>
+          </a:fillRef>
+          <a:effectRef idx="0">
+            <a:schemeClr val="accent1"/>
+          </a:effectRef>
+          <a:fontRef idx="minor">
+            <a:schemeClr val="lt1"/>
+          </a:fontRef>
+        </p:style>
+        <p:txBody>
+          <a:bodyPr rtlCol="0" anchor="ctr"/>
+          <a:lstStyle/>
+          <a:p>
+            <a:pPr marL="0" marR="0" lvl="0" indent="0" algn="ctr" defTabSz="914400" rtl="0" eaLnBrk="1" fontAlgn="auto" latinLnBrk="0" hangingPunct="1">
+              <a:lnSpc>
+                <a:spcPct val="100000"/>
+              </a:lnSpc>
+              <a:spcBef>
+                <a:spcPts val="0"/>
+              </a:spcBef>
+              <a:spcAft>
+                <a:spcPts val="0"/>
+              </a:spcAft>
+              <a:buClrTx/>
+              <a:buSzTx/>
+              <a:buFontTx/>
+              <a:buNone/>
+              <a:tabLst/>
+              <a:defRPr/>
+            </a:pPr>
+            <a:endParaRPr kumimoji="0" lang="en-US" sz="1800" b="0" i="0" u="none" strike="noStrike" kern="1200" cap="none" spc="0" normalizeH="0" baseline="0" noProof="0">
+              <a:ln>
+                <a:noFill/>
+              </a:ln>
+              <a:solidFill>
+                <a:prstClr val="white"/>
+              </a:solidFill>
+              <a:effectLst/>
+              <a:uLnTx/>
+              <a:uFillTx/>
+              <a:latin typeface="Calibri" panose="020F0502020204030204"/>
+              <a:ea typeface="+mn-ea"/>
+              <a:cs typeface="+mn-cs"/>
+            </a:endParaRPr>
           </a:p>
         </p:txBody>
       </p:sp>
@@ -3400,6 +5609,186 @@
     <p:extLst>
       <p:ext uri="{BB962C8B-B14F-4D97-AF65-F5344CB8AC3E}">
         <p14:creationId xmlns:p14="http://schemas.microsoft.com/office/powerpoint/2010/main" val="1505875848"/>
+      </p:ext>
+    </p:extLst>
+  </p:cSld>
+  <p:clrMapOvr>
+    <a:overrideClrMapping bg1="dk1" tx1="lt1" bg2="dk2" tx2="lt2" accent1="accent1" accent2="accent2" accent3="accent3" accent4="accent4" accent5="accent5" accent6="accent6" hlink="hlink" folHlink="folHlink"/>
+  </p:clrMapOvr>
+  <p:timing>
+    <p:tnLst>
+      <p:par>
+        <p:cTn id="1" dur="indefinite" restart="never" nodeType="tmRoot">
+          <p:childTnLst>
+            <p:seq concurrent="1" nextAc="seek">
+              <p:cTn id="2" dur="indefinite" nodeType="mainSeq">
+                <p:childTnLst>
+                  <p:par>
+                    <p:cTn id="3" fill="hold">
+                      <p:stCondLst>
+                        <p:cond delay="indefinite"/>
+                        <p:cond evt="onBegin" delay="0">
+                          <p:tn val="2"/>
+                        </p:cond>
+                      </p:stCondLst>
+                      <p:childTnLst>
+                        <p:par>
+                          <p:cTn id="4" fill="hold">
+                            <p:stCondLst>
+                              <p:cond delay="0"/>
+                            </p:stCondLst>
+                            <p:childTnLst>
+                              <p:par>
+                                <p:cTn id="5" presetID="10" presetClass="entr" presetSubtype="0" fill="hold" grpId="0" nodeType="withEffect">
+                                  <p:stCondLst>
+                                    <p:cond delay="2000"/>
+                                  </p:stCondLst>
+                                  <p:iterate type="lt">
+                                    <p:tmPct val="10000"/>
+                                  </p:iterate>
+                                  <p:childTnLst>
+                                    <p:set>
+                                      <p:cBhvr>
+                                        <p:cTn id="6" dur="1" fill="hold">
+                                          <p:stCondLst>
+                                            <p:cond delay="0"/>
+                                          </p:stCondLst>
+                                        </p:cTn>
+                                        <p:tgtEl>
+                                          <p:spTgt spid="3">
+                                            <p:txEl>
+                                              <p:pRg st="0" end="0"/>
+                                            </p:txEl>
+                                          </p:spTgt>
+                                        </p:tgtEl>
+                                        <p:attrNameLst>
+                                          <p:attrName>style.visibility</p:attrName>
+                                        </p:attrNameLst>
+                                      </p:cBhvr>
+                                      <p:to>
+                                        <p:strVal val="visible"/>
+                                      </p:to>
+                                    </p:set>
+                                    <p:animEffect transition="in" filter="fade">
+                                      <p:cBhvr>
+                                        <p:cTn id="7" dur="400"/>
+                                        <p:tgtEl>
+                                          <p:spTgt spid="3">
+                                            <p:txEl>
+                                              <p:pRg st="0" end="0"/>
+                                            </p:txEl>
+                                          </p:spTgt>
+                                        </p:tgtEl>
+                                      </p:cBhvr>
+                                    </p:animEffect>
+                                  </p:childTnLst>
+                                </p:cTn>
+                              </p:par>
+                            </p:childTnLst>
+                          </p:cTn>
+                        </p:par>
+                      </p:childTnLst>
+                    </p:cTn>
+                  </p:par>
+                </p:childTnLst>
+              </p:cTn>
+              <p:prevCondLst>
+                <p:cond evt="onPrev" delay="0">
+                  <p:tgtEl>
+                    <p:sldTgt/>
+                  </p:tgtEl>
+                </p:cond>
+              </p:prevCondLst>
+              <p:nextCondLst>
+                <p:cond evt="onNext" delay="0">
+                  <p:tgtEl>
+                    <p:sldTgt/>
+                  </p:tgtEl>
+                </p:cond>
+              </p:nextCondLst>
+            </p:seq>
+          </p:childTnLst>
+        </p:cTn>
+      </p:par>
+    </p:tnLst>
+    <p:bldLst>
+      <p:bldP spid="3" grpId="0" build="p"/>
+    </p:bldLst>
+  </p:timing>
+</p:sld>
+</file>
+
+<file path=ppt/slides/slide2.xml><?xml version="1.0" encoding="utf-8"?>
+<p:sld xmlns:a="http://schemas.openxmlformats.org/drawingml/2006/main" xmlns:r="http://schemas.openxmlformats.org/officeDocument/2006/relationships" xmlns:p="http://schemas.openxmlformats.org/presentationml/2006/main">
+  <p:cSld>
+    <p:spTree>
+      <p:nvGrpSpPr>
+        <p:cNvPr id="1" name=""/>
+        <p:cNvGrpSpPr/>
+        <p:nvPr/>
+      </p:nvGrpSpPr>
+      <p:grpSpPr>
+        <a:xfrm>
+          <a:off x="0" y="0"/>
+          <a:ext cx="0" cy="0"/>
+          <a:chOff x="0" y="0"/>
+          <a:chExt cx="0" cy="0"/>
+        </a:xfrm>
+      </p:grpSpPr>
+      <p:sp>
+        <p:nvSpPr>
+          <p:cNvPr id="2" name="Title 1">
+            <a:extLst>
+              <a:ext uri="{FF2B5EF4-FFF2-40B4-BE49-F238E27FC236}">
+                <a16:creationId xmlns:a16="http://schemas.microsoft.com/office/drawing/2014/main" id="{407644C2-D6FF-46FA-9C62-B5AFF7620B3F}"/>
+              </a:ext>
+            </a:extLst>
+          </p:cNvPr>
+          <p:cNvSpPr>
+            <a:spLocks noGrp="1"/>
+          </p:cNvSpPr>
+          <p:nvPr>
+            <p:ph type="title"/>
+          </p:nvPr>
+        </p:nvSpPr>
+        <p:spPr/>
+        <p:txBody>
+          <a:bodyPr/>
+          <a:lstStyle/>
+          <a:p>
+            <a:endParaRPr lang="en-GB"/>
+          </a:p>
+        </p:txBody>
+      </p:sp>
+      <p:sp>
+        <p:nvSpPr>
+          <p:cNvPr id="3" name="Content Placeholder 2">
+            <a:extLst>
+              <a:ext uri="{FF2B5EF4-FFF2-40B4-BE49-F238E27FC236}">
+                <a16:creationId xmlns:a16="http://schemas.microsoft.com/office/drawing/2014/main" id="{762C9562-1C36-B29D-549E-4C64BD2134BD}"/>
+              </a:ext>
+            </a:extLst>
+          </p:cNvPr>
+          <p:cNvSpPr>
+            <a:spLocks noGrp="1"/>
+          </p:cNvSpPr>
+          <p:nvPr>
+            <p:ph idx="1"/>
+          </p:nvPr>
+        </p:nvSpPr>
+        <p:spPr/>
+        <p:txBody>
+          <a:bodyPr/>
+          <a:lstStyle/>
+          <a:p>
+            <a:endParaRPr lang="en-GB"/>
+          </a:p>
+        </p:txBody>
+      </p:sp>
+    </p:spTree>
+    <p:extLst>
+      <p:ext uri="{BB962C8B-B14F-4D97-AF65-F5344CB8AC3E}">
+        <p14:creationId xmlns:p14="http://schemas.microsoft.com/office/powerpoint/2010/main" val="2289832242"/>
       </p:ext>
     </p:extLst>
   </p:cSld>
@@ -3410,150 +5799,56 @@
 </file>
 
 <file path=ppt/theme/theme1.xml><?xml version="1.0" encoding="utf-8"?>
-<a:theme xmlns:a="http://schemas.openxmlformats.org/drawingml/2006/main" name="Office Theme">
+<a:theme xmlns:a="http://schemas.openxmlformats.org/drawingml/2006/main" name="AccentBoxVTI">
   <a:themeElements>
-    <a:clrScheme name="Office">
+    <a:clrScheme name="AccentBoxVTI">
       <a:dk1>
-        <a:sysClr val="windowText" lastClr="000000"/>
+        <a:srgbClr val="000000"/>
       </a:dk1>
       <a:lt1>
         <a:sysClr val="window" lastClr="FFFFFF"/>
       </a:lt1>
       <a:dk2>
-        <a:srgbClr val="0E2841"/>
+        <a:srgbClr val="262626"/>
       </a:dk2>
       <a:lt2>
-        <a:srgbClr val="E8E8E8"/>
+        <a:srgbClr val="FFFFFF"/>
       </a:lt2>
       <a:accent1>
-        <a:srgbClr val="156082"/>
+        <a:srgbClr val="F5A700"/>
       </a:accent1>
       <a:accent2>
-        <a:srgbClr val="E97132"/>
+        <a:srgbClr val="00A5AB"/>
       </a:accent2>
       <a:accent3>
-        <a:srgbClr val="196B24"/>
+        <a:srgbClr val="09963B"/>
       </a:accent3>
       <a:accent4>
-        <a:srgbClr val="0F9ED5"/>
+        <a:srgbClr val="E64823"/>
       </a:accent4>
       <a:accent5>
-        <a:srgbClr val="A02B93"/>
+        <a:srgbClr val="9C6A6A"/>
       </a:accent5>
       <a:accent6>
-        <a:srgbClr val="4EA72E"/>
+        <a:srgbClr val="824F8C"/>
       </a:accent6>
       <a:hlink>
-        <a:srgbClr val="467886"/>
+        <a:srgbClr val="2998E3"/>
       </a:hlink>
       <a:folHlink>
-        <a:srgbClr val="96607D"/>
+        <a:srgbClr val="7F723D"/>
       </a:folHlink>
     </a:clrScheme>
-    <a:fontScheme name="Office">
+    <a:fontScheme name="Avenir">
       <a:majorFont>
-        <a:latin typeface="Aptos Display" panose="02110004020202020204"/>
+        <a:latin typeface="Neue Haas Grotesk Text Pro"/>
         <a:ea typeface=""/>
         <a:cs typeface=""/>
-        <a:font script="Jpan" typeface="游ゴシック Light"/>
-        <a:font script="Hang" typeface="맑은 고딕"/>
-        <a:font script="Hans" typeface="等线 Light"/>
-        <a:font script="Hant" typeface="新細明體"/>
-        <a:font script="Arab" typeface="Times New Roman"/>
-        <a:font script="Hebr" typeface="Times New Roman"/>
-        <a:font script="Thai" typeface="Angsana New"/>
-        <a:font script="Ethi" typeface="Nyala"/>
-        <a:font script="Beng" typeface="Vrinda"/>
-        <a:font script="Gujr" typeface="Shruti"/>
-        <a:font script="Khmr" typeface="MoolBoran"/>
-        <a:font script="Knda" typeface="Tunga"/>
-        <a:font script="Guru" typeface="Raavi"/>
-        <a:font script="Cans" typeface="Euphemia"/>
-        <a:font script="Cher" typeface="Plantagenet Cherokee"/>
-        <a:font script="Yiii" typeface="Microsoft Yi Baiti"/>
-        <a:font script="Tibt" typeface="Microsoft Himalaya"/>
-        <a:font script="Thaa" typeface="MV Boli"/>
-        <a:font script="Deva" typeface="Mangal"/>
-        <a:font script="Telu" typeface="Gautami"/>
-        <a:font script="Taml" typeface="Latha"/>
-        <a:font script="Syrc" typeface="Estrangelo Edessa"/>
-        <a:font script="Orya" typeface="Kalinga"/>
-        <a:font script="Mlym" typeface="Kartika"/>
-        <a:font script="Laoo" typeface="DokChampa"/>
-        <a:font script="Sinh" typeface="Iskoola Pota"/>
-        <a:font script="Mong" typeface="Mongolian Baiti"/>
-        <a:font script="Viet" typeface="Times New Roman"/>
-        <a:font script="Uigh" typeface="Microsoft Uighur"/>
-        <a:font script="Geor" typeface="Sylfaen"/>
-        <a:font script="Armn" typeface="Arial"/>
-        <a:font script="Bugi" typeface="Leelawadee UI"/>
-        <a:font script="Bopo" typeface="Microsoft JhengHei"/>
-        <a:font script="Java" typeface="Javanese Text"/>
-        <a:font script="Lisu" typeface="Segoe UI"/>
-        <a:font script="Mymr" typeface="Myanmar Text"/>
-        <a:font script="Nkoo" typeface="Ebrima"/>
-        <a:font script="Olck" typeface="Nirmala UI"/>
-        <a:font script="Osma" typeface="Ebrima"/>
-        <a:font script="Phag" typeface="Phagspa"/>
-        <a:font script="Syrn" typeface="Estrangelo Edessa"/>
-        <a:font script="Syrj" typeface="Estrangelo Edessa"/>
-        <a:font script="Syre" typeface="Estrangelo Edessa"/>
-        <a:font script="Sora" typeface="Nirmala UI"/>
-        <a:font script="Tale" typeface="Microsoft Tai Le"/>
-        <a:font script="Talu" typeface="Microsoft New Tai Lue"/>
-        <a:font script="Tfng" typeface="Ebrima"/>
       </a:majorFont>
       <a:minorFont>
-        <a:latin typeface="Aptos" panose="02110004020202020204"/>
+        <a:latin typeface="Neue Haas Grotesk Text Pro"/>
         <a:ea typeface=""/>
         <a:cs typeface=""/>
-        <a:font script="Jpan" typeface="游ゴシック"/>
-        <a:font script="Hang" typeface="맑은 고딕"/>
-        <a:font script="Hans" typeface="等线"/>
-        <a:font script="Hant" typeface="新細明體"/>
-        <a:font script="Arab" typeface="Arial"/>
-        <a:font script="Hebr" typeface="Arial"/>
-        <a:font script="Thai" typeface="Cordia New"/>
-        <a:font script="Ethi" typeface="Nyala"/>
-        <a:font script="Beng" typeface="Vrinda"/>
-        <a:font script="Gujr" typeface="Shruti"/>
-        <a:font script="Khmr" typeface="DaunPenh"/>
-        <a:font script="Knda" typeface="Tunga"/>
-        <a:font script="Guru" typeface="Raavi"/>
-        <a:font script="Cans" typeface="Euphemia"/>
-        <a:font script="Cher" typeface="Plantagenet Cherokee"/>
-        <a:font script="Yiii" typeface="Microsoft Yi Baiti"/>
-        <a:font script="Tibt" typeface="Microsoft Himalaya"/>
-        <a:font script="Thaa" typeface="MV Boli"/>
-        <a:font script="Deva" typeface="Mangal"/>
-        <a:font script="Telu" typeface="Gautami"/>
-        <a:font script="Taml" typeface="Latha"/>
-        <a:font script="Syrc" typeface="Estrangelo Edessa"/>
-        <a:font script="Orya" typeface="Kalinga"/>
-        <a:font script="Mlym" typeface="Kartika"/>
-        <a:font script="Laoo" typeface="DokChampa"/>
-        <a:font script="Sinh" typeface="Iskoola Pota"/>
-        <a:font script="Mong" typeface="Mongolian Baiti"/>
-        <a:font script="Viet" typeface="Arial"/>
-        <a:font script="Uigh" typeface="Microsoft Uighur"/>
-        <a:font script="Geor" typeface="Sylfaen"/>
-        <a:font script="Armn" typeface="Arial"/>
-        <a:font script="Bugi" typeface="Leelawadee UI"/>
-        <a:font script="Bopo" typeface="Microsoft JhengHei"/>
-        <a:font script="Java" typeface="Javanese Text"/>
-        <a:font script="Lisu" typeface="Segoe UI"/>
-        <a:font script="Mymr" typeface="Myanmar Text"/>
-        <a:font script="Nkoo" typeface="Ebrima"/>
-        <a:font script="Olck" typeface="Nirmala UI"/>
-        <a:font script="Osma" typeface="Ebrima"/>
-        <a:font script="Phag" typeface="Phagspa"/>
-        <a:font script="Syrn" typeface="Estrangelo Edessa"/>
-        <a:font script="Syrj" typeface="Estrangelo Edessa"/>
-        <a:font script="Syre" typeface="Estrangelo Edessa"/>
-        <a:font script="Sora" typeface="Nirmala UI"/>
-        <a:font script="Tale" typeface="Microsoft Tai Le"/>
-        <a:font script="Talu" typeface="Microsoft New Tai Lue"/>
-        <a:font script="Tfng" typeface="Ebrima"/>
       </a:minorFont>
     </a:fontScheme>
     <a:fmtScheme name="Office">
@@ -3615,6 +5910,13 @@
         </a:gradFill>
       </a:fillStyleLst>
       <a:lnStyleLst>
+        <a:ln w="6350" cap="flat" cmpd="sng" algn="ctr">
+          <a:solidFill>
+            <a:schemeClr val="phClr"/>
+          </a:solidFill>
+          <a:prstDash val="solid"/>
+          <a:miter lim="800000"/>
+        </a:ln>
         <a:ln w="12700" cap="flat" cmpd="sng" algn="ctr">
           <a:solidFill>
             <a:schemeClr val="phClr"/>
@@ -3623,13 +5925,6 @@
           <a:miter lim="800000"/>
         </a:ln>
         <a:ln w="19050" cap="flat" cmpd="sng" algn="ctr">
-          <a:solidFill>
-            <a:schemeClr val="phClr"/>
-          </a:solidFill>
-          <a:prstDash val="solid"/>
-          <a:miter lim="800000"/>
-        </a:ln>
-        <a:ln w="25400" cap="flat" cmpd="sng" algn="ctr">
           <a:solidFill>
             <a:schemeClr val="phClr"/>
           </a:solidFill>
@@ -3694,31 +5989,11 @@
       </a:bgFillStyleLst>
     </a:fmtScheme>
   </a:themeElements>
-  <a:objectDefaults>
-    <a:lnDef>
-      <a:spPr/>
-      <a:bodyPr/>
-      <a:lstStyle/>
-      <a:style>
-        <a:lnRef idx="2">
-          <a:schemeClr val="accent1"/>
-        </a:lnRef>
-        <a:fillRef idx="0">
-          <a:schemeClr val="accent1"/>
-        </a:fillRef>
-        <a:effectRef idx="1">
-          <a:schemeClr val="accent1"/>
-        </a:effectRef>
-        <a:fontRef idx="minor">
-          <a:schemeClr val="tx1"/>
-        </a:fontRef>
-      </a:style>
-    </a:lnDef>
-  </a:objectDefaults>
+  <a:objectDefaults/>
   <a:extraClrSchemeLst/>
   <a:extLst>
     <a:ext uri="{05A4C25C-085E-4340-85A3-A5531E510DB2}">
-      <thm15:themeFamily xmlns:thm15="http://schemas.microsoft.com/office/thememl/2012/main" name="Office Theme" id="{2E142A2C-CD16-42D6-873A-C26D2A0506FA}" vid="{1BDDFF52-6CD6-40A5-AB3C-68EB2F1E4D0A}"/>
+      <thm15:themeFamily xmlns:thm15="http://schemas.microsoft.com/office/thememl/2012/main" name="AccentBoxVTI" id="{9F778A78-DC9A-453A-A82D-A75CAD503E15}" vid="{EA961113-7CC4-4569-8A6A-7BC2C1E2F401}"/>
     </a:ext>
   </a:extLst>
 </a:theme>

--- a/Break out.pptx
+++ b/Break out.pptx
@@ -7,6 +7,10 @@
   <p:sldIdLst>
     <p:sldId id="256" r:id="rId2"/>
     <p:sldId id="257" r:id="rId3"/>
+    <p:sldId id="261" r:id="rId4"/>
+    <p:sldId id="258" r:id="rId5"/>
+    <p:sldId id="259" r:id="rId6"/>
+    <p:sldId id="260" r:id="rId7"/>
   </p:sldIdLst>
   <p:sldSz cx="12192000" cy="6858000"/>
   <p:notesSz cx="6858000" cy="9144000"/>
@@ -5721,6 +5725,14 @@
 <file path=ppt/slides/slide2.xml><?xml version="1.0" encoding="utf-8"?>
 <p:sld xmlns:a="http://schemas.openxmlformats.org/drawingml/2006/main" xmlns:r="http://schemas.openxmlformats.org/officeDocument/2006/relationships" xmlns:p="http://schemas.openxmlformats.org/presentationml/2006/main">
   <p:cSld>
+    <p:bg>
+      <p:bgPr>
+        <a:solidFill>
+          <a:schemeClr val="bg1"/>
+        </a:solidFill>
+        <a:effectLst/>
+      </p:bgPr>
+    </p:bg>
     <p:spTree>
       <p:nvGrpSpPr>
         <p:cNvPr id="1" name=""/>
@@ -5737,6 +5749,384 @@
       </p:grpSpPr>
       <p:sp>
         <p:nvSpPr>
+          <p:cNvPr id="1031" name="Rectangle 1030">
+            <a:extLst>
+              <a:ext uri="{FF2B5EF4-FFF2-40B4-BE49-F238E27FC236}">
+                <a16:creationId xmlns:a16="http://schemas.microsoft.com/office/drawing/2014/main" id="{8D06CE56-3881-4ADA-8CEF-D18B02C242A3}"/>
+              </a:ext>
+              <a:ext uri="{C183D7F6-B498-43B3-948B-1728B52AA6E4}">
+                <adec:decorative xmlns:adec="http://schemas.microsoft.com/office/drawing/2017/decorative" val="1"/>
+              </a:ext>
+            </a:extLst>
+          </p:cNvPr>
+          <p:cNvSpPr>
+            <a:spLocks noGrp="1" noRot="1" noChangeAspect="1" noMove="1" noResize="1" noEditPoints="1" noAdjustHandles="1" noChangeArrowheads="1" noChangeShapeType="1" noTextEdit="1"/>
+          </p:cNvSpPr>
+          <p:nvPr>
+            <p:extLst>
+              <p:ext uri="{386F3935-93C4-4BCD-93E2-E3B085C9AB24}">
+                <p16:designElem xmlns:p16="http://schemas.microsoft.com/office/powerpoint/2015/main" val="1"/>
+              </p:ext>
+            </p:extLst>
+          </p:nvPr>
+        </p:nvSpPr>
+        <p:spPr>
+          <a:xfrm rot="5400000">
+            <a:off x="857544" y="346791"/>
+            <a:ext cx="146304" cy="704088"/>
+          </a:xfrm>
+          <a:prstGeom prst="rect">
+            <a:avLst/>
+          </a:prstGeom>
+          <a:solidFill>
+            <a:schemeClr val="accent1"/>
+          </a:solidFill>
+          <a:ln>
+            <a:noFill/>
+          </a:ln>
+        </p:spPr>
+        <p:style>
+          <a:lnRef idx="2">
+            <a:schemeClr val="accent1">
+              <a:shade val="50000"/>
+            </a:schemeClr>
+          </a:lnRef>
+          <a:fillRef idx="1">
+            <a:schemeClr val="accent1"/>
+          </a:fillRef>
+          <a:effectRef idx="0">
+            <a:schemeClr val="accent1"/>
+          </a:effectRef>
+          <a:fontRef idx="minor">
+            <a:schemeClr val="lt1"/>
+          </a:fontRef>
+        </p:style>
+        <p:txBody>
+          <a:bodyPr rtlCol="0" anchor="ctr"/>
+          <a:lstStyle/>
+          <a:p>
+            <a:pPr marL="0" marR="0" lvl="0" indent="0" algn="ctr" defTabSz="914400" rtl="0" eaLnBrk="1" fontAlgn="auto" latinLnBrk="0" hangingPunct="1">
+              <a:lnSpc>
+                <a:spcPct val="100000"/>
+              </a:lnSpc>
+              <a:spcBef>
+                <a:spcPts val="0"/>
+              </a:spcBef>
+              <a:spcAft>
+                <a:spcPts val="0"/>
+              </a:spcAft>
+              <a:buClrTx/>
+              <a:buSzTx/>
+              <a:buFontTx/>
+              <a:buNone/>
+              <a:tabLst/>
+              <a:defRPr/>
+            </a:pPr>
+            <a:endParaRPr kumimoji="0" lang="en-US" sz="1800" b="0" i="0" u="none" strike="noStrike" kern="1200" cap="none" spc="0" normalizeH="0" baseline="0" noProof="0">
+              <a:ln>
+                <a:noFill/>
+              </a:ln>
+              <a:solidFill>
+                <a:prstClr val="white"/>
+              </a:solidFill>
+              <a:effectLst/>
+              <a:uLnTx/>
+              <a:uFillTx/>
+              <a:latin typeface="Calibri" panose="020F0502020204030204"/>
+              <a:ea typeface="+mn-ea"/>
+              <a:cs typeface="+mn-cs"/>
+            </a:endParaRPr>
+          </a:p>
+        </p:txBody>
+      </p:sp>
+      <p:sp>
+        <p:nvSpPr>
+          <p:cNvPr id="1033" name="Rectangle 1032">
+            <a:extLst>
+              <a:ext uri="{FF2B5EF4-FFF2-40B4-BE49-F238E27FC236}">
+                <a16:creationId xmlns:a16="http://schemas.microsoft.com/office/drawing/2014/main" id="{79F3C543-62EC-4433-9C93-A2CD8764E9B4}"/>
+              </a:ext>
+              <a:ext uri="{C183D7F6-B498-43B3-948B-1728B52AA6E4}">
+                <adec:decorative xmlns:adec="http://schemas.microsoft.com/office/drawing/2017/decorative" val="1"/>
+              </a:ext>
+            </a:extLst>
+          </p:cNvPr>
+          <p:cNvSpPr>
+            <a:spLocks noGrp="1" noRot="1" noChangeAspect="1" noMove="1" noResize="1" noEditPoints="1" noAdjustHandles="1" noChangeArrowheads="1" noChangeShapeType="1" noTextEdit="1"/>
+          </p:cNvSpPr>
+          <p:nvPr>
+            <p:extLst>
+              <p:ext uri="{386F3935-93C4-4BCD-93E2-E3B085C9AB24}">
+                <p16:designElem xmlns:p16="http://schemas.microsoft.com/office/powerpoint/2015/main" val="1"/>
+              </p:ext>
+            </p:extLst>
+          </p:nvPr>
+        </p:nvSpPr>
+        <p:spPr>
+          <a:xfrm flipV="1">
+            <a:off x="578652" y="4501201"/>
+            <a:ext cx="11034696" cy="18288"/>
+          </a:xfrm>
+          <a:prstGeom prst="rect">
+            <a:avLst/>
+          </a:prstGeom>
+          <a:solidFill>
+            <a:schemeClr val="tx2">
+              <a:lumMod val="25000"/>
+              <a:lumOff val="75000"/>
+            </a:schemeClr>
+          </a:solidFill>
+          <a:ln w="3175">
+            <a:noFill/>
+          </a:ln>
+          <a:effectLst/>
+        </p:spPr>
+        <p:style>
+          <a:lnRef idx="2">
+            <a:schemeClr val="accent1">
+              <a:shade val="50000"/>
+            </a:schemeClr>
+          </a:lnRef>
+          <a:fillRef idx="1">
+            <a:schemeClr val="accent1"/>
+          </a:fillRef>
+          <a:effectRef idx="0">
+            <a:schemeClr val="accent1"/>
+          </a:effectRef>
+          <a:fontRef idx="minor">
+            <a:schemeClr val="lt1"/>
+          </a:fontRef>
+        </p:style>
+        <p:txBody>
+          <a:bodyPr rtlCol="0" anchor="ctr"/>
+          <a:lstStyle/>
+          <a:p>
+            <a:pPr marL="0" marR="0" lvl="0" indent="0" algn="ctr" defTabSz="914400" rtl="0" eaLnBrk="1" fontAlgn="auto" latinLnBrk="0" hangingPunct="1">
+              <a:lnSpc>
+                <a:spcPct val="100000"/>
+              </a:lnSpc>
+              <a:spcBef>
+                <a:spcPts val="0"/>
+              </a:spcBef>
+              <a:spcAft>
+                <a:spcPts val="0"/>
+              </a:spcAft>
+              <a:buClrTx/>
+              <a:buSzTx/>
+              <a:buFontTx/>
+              <a:buNone/>
+              <a:tabLst/>
+              <a:defRPr/>
+            </a:pPr>
+            <a:endParaRPr kumimoji="0" lang="en-US" sz="1800" b="0" i="0" u="none" strike="noStrike" kern="1200" cap="none" spc="0" normalizeH="0" baseline="0" noProof="0">
+              <a:ln>
+                <a:noFill/>
+              </a:ln>
+              <a:solidFill>
+                <a:prstClr val="white"/>
+              </a:solidFill>
+              <a:effectLst/>
+              <a:uLnTx/>
+              <a:uFillTx/>
+              <a:latin typeface="Calibri" panose="020F0502020204030204"/>
+              <a:ea typeface="+mn-ea"/>
+              <a:cs typeface="+mn-cs"/>
+            </a:endParaRPr>
+          </a:p>
+        </p:txBody>
+      </p:sp>
+      <p:sp useBgFill="1">
+        <p:nvSpPr>
+          <p:cNvPr id="1035" name="Rectangle 1034">
+            <a:extLst>
+              <a:ext uri="{FF2B5EF4-FFF2-40B4-BE49-F238E27FC236}">
+                <a16:creationId xmlns:a16="http://schemas.microsoft.com/office/drawing/2014/main" id="{0671A8AE-40A1-4631-A6B8-581AFF065482}"/>
+              </a:ext>
+              <a:ext uri="{C183D7F6-B498-43B3-948B-1728B52AA6E4}">
+                <adec:decorative xmlns:adec="http://schemas.microsoft.com/office/drawing/2017/decorative" val="1"/>
+              </a:ext>
+            </a:extLst>
+          </p:cNvPr>
+          <p:cNvSpPr>
+            <a:spLocks noGrp="1" noRot="1" noChangeAspect="1" noMove="1" noResize="1" noEditPoints="1" noAdjustHandles="1" noChangeArrowheads="1" noChangeShapeType="1" noTextEdit="1"/>
+          </p:cNvSpPr>
+          <p:nvPr>
+            <p:extLst>
+              <p:ext uri="{386F3935-93C4-4BCD-93E2-E3B085C9AB24}">
+                <p16:designElem xmlns:p16="http://schemas.microsoft.com/office/powerpoint/2015/main" val="1"/>
+              </p:ext>
+            </p:extLst>
+          </p:nvPr>
+        </p:nvSpPr>
+        <p:spPr>
+          <a:xfrm>
+            <a:off x="0" y="0"/>
+            <a:ext cx="12192000" cy="6858000"/>
+          </a:xfrm>
+          <a:prstGeom prst="rect">
+            <a:avLst/>
+          </a:prstGeom>
+          <a:ln>
+            <a:noFill/>
+          </a:ln>
+        </p:spPr>
+        <p:style>
+          <a:lnRef idx="2">
+            <a:schemeClr val="accent1">
+              <a:shade val="50000"/>
+            </a:schemeClr>
+          </a:lnRef>
+          <a:fillRef idx="1">
+            <a:schemeClr val="accent1"/>
+          </a:fillRef>
+          <a:effectRef idx="0">
+            <a:schemeClr val="accent1"/>
+          </a:effectRef>
+          <a:fontRef idx="minor">
+            <a:schemeClr val="lt1"/>
+          </a:fontRef>
+        </p:style>
+        <p:txBody>
+          <a:bodyPr rtlCol="0" anchor="ctr"/>
+          <a:lstStyle/>
+          <a:p>
+            <a:pPr algn="ctr"/>
+            <a:endParaRPr lang="en-US"/>
+          </a:p>
+        </p:txBody>
+      </p:sp>
+      <p:pic>
+        <p:nvPicPr>
+          <p:cNvPr id="1026" name="Picture 2" descr="Create Stunning Demo Videos with these 6 Tools - Geekflare">
+            <a:extLst>
+              <a:ext uri="{FF2B5EF4-FFF2-40B4-BE49-F238E27FC236}">
+                <a16:creationId xmlns:a16="http://schemas.microsoft.com/office/drawing/2014/main" id="{8F1E1E8A-18CD-10C8-25FE-60CE427B0C8D}"/>
+              </a:ext>
+            </a:extLst>
+          </p:cNvPr>
+          <p:cNvPicPr>
+            <a:picLocks noChangeAspect="1" noChangeArrowheads="1"/>
+          </p:cNvPicPr>
+          <p:nvPr/>
+        </p:nvPicPr>
+        <p:blipFill rotWithShape="1">
+          <a:blip r:embed="rId2">
+            <a:extLst>
+              <a:ext uri="{28A0092B-C50C-407E-A947-70E740481C1C}">
+                <a14:useLocalDpi xmlns:a14="http://schemas.microsoft.com/office/drawing/2010/main" val="0"/>
+              </a:ext>
+            </a:extLst>
+          </a:blip>
+          <a:srcRect l="3238" r="3429"/>
+          <a:stretch/>
+        </p:blipFill>
+        <p:spPr bwMode="auto">
+          <a:xfrm>
+            <a:off x="20" y="10"/>
+            <a:ext cx="12191980" cy="6857990"/>
+          </a:xfrm>
+          <a:prstGeom prst="rect">
+            <a:avLst/>
+          </a:prstGeom>
+          <a:noFill/>
+          <a:extLst>
+            <a:ext uri="{909E8E84-426E-40DD-AFC4-6F175D3DCCD1}">
+              <a14:hiddenFill xmlns:a14="http://schemas.microsoft.com/office/drawing/2010/main">
+                <a:solidFill>
+                  <a:srgbClr val="FFFFFF"/>
+                </a:solidFill>
+              </a14:hiddenFill>
+            </a:ext>
+          </a:extLst>
+        </p:spPr>
+      </p:pic>
+      <p:sp>
+        <p:nvSpPr>
+          <p:cNvPr id="1037" name="Rectangle 1036">
+            <a:extLst>
+              <a:ext uri="{FF2B5EF4-FFF2-40B4-BE49-F238E27FC236}">
+                <a16:creationId xmlns:a16="http://schemas.microsoft.com/office/drawing/2014/main" id="{A44CD100-6267-4E62-AA64-2182A3A6A1C0}"/>
+              </a:ext>
+              <a:ext uri="{C183D7F6-B498-43B3-948B-1728B52AA6E4}">
+                <adec:decorative xmlns:adec="http://schemas.microsoft.com/office/drawing/2017/decorative" val="1"/>
+              </a:ext>
+            </a:extLst>
+          </p:cNvPr>
+          <p:cNvSpPr>
+            <a:spLocks noGrp="1" noRot="1" noChangeAspect="1" noMove="1" noResize="1" noEditPoints="1" noAdjustHandles="1" noChangeArrowheads="1" noChangeShapeType="1" noTextEdit="1"/>
+          </p:cNvSpPr>
+          <p:nvPr>
+            <p:extLst>
+              <p:ext uri="{386F3935-93C4-4BCD-93E2-E3B085C9AB24}">
+                <p16:designElem xmlns:p16="http://schemas.microsoft.com/office/powerpoint/2015/main" val="1"/>
+              </p:ext>
+            </p:extLst>
+          </p:nvPr>
+        </p:nvSpPr>
+        <p:spPr>
+          <a:xfrm>
+            <a:off x="3" y="0"/>
+            <a:ext cx="9339206" cy="6858000"/>
+          </a:xfrm>
+          <a:prstGeom prst="rect">
+            <a:avLst/>
+          </a:prstGeom>
+          <a:gradFill>
+            <a:gsLst>
+              <a:gs pos="58000">
+                <a:schemeClr val="tx1">
+                  <a:alpha val="30000"/>
+                </a:schemeClr>
+              </a:gs>
+              <a:gs pos="33000">
+                <a:schemeClr val="tx1">
+                  <a:alpha val="20000"/>
+                </a:schemeClr>
+              </a:gs>
+              <a:gs pos="0">
+                <a:schemeClr val="tx1">
+                  <a:alpha val="0"/>
+                </a:schemeClr>
+              </a:gs>
+              <a:gs pos="100000">
+                <a:schemeClr val="tx1">
+                  <a:alpha val="30000"/>
+                </a:schemeClr>
+              </a:gs>
+            </a:gsLst>
+            <a:lin ang="10800000" scaled="0"/>
+          </a:gradFill>
+          <a:ln>
+            <a:noFill/>
+          </a:ln>
+        </p:spPr>
+        <p:style>
+          <a:lnRef idx="2">
+            <a:schemeClr val="accent1">
+              <a:shade val="50000"/>
+            </a:schemeClr>
+          </a:lnRef>
+          <a:fillRef idx="1">
+            <a:schemeClr val="accent1"/>
+          </a:fillRef>
+          <a:effectRef idx="0">
+            <a:schemeClr val="accent1"/>
+          </a:effectRef>
+          <a:fontRef idx="minor">
+            <a:schemeClr val="lt1"/>
+          </a:fontRef>
+        </p:style>
+        <p:txBody>
+          <a:bodyPr rtlCol="0" anchor="ctr"/>
+          <a:lstStyle/>
+          <a:p>
+            <a:pPr algn="ctr"/>
+            <a:endParaRPr lang="en-US" dirty="0"/>
+          </a:p>
+        </p:txBody>
+      </p:sp>
+      <p:sp>
+        <p:nvSpPr>
           <p:cNvPr id="2" name="Title 1">
             <a:extLst>
               <a:ext uri="{FF2B5EF4-FFF2-40B4-BE49-F238E27FC236}">
@@ -5751,37 +6141,211 @@
             <p:ph type="title"/>
           </p:nvPr>
         </p:nvSpPr>
-        <p:spPr/>
-        <p:txBody>
-          <a:bodyPr/>
-          <a:lstStyle/>
-          <a:p>
-            <a:endParaRPr lang="en-GB"/>
-          </a:p>
-        </p:txBody>
-      </p:sp>
-      <p:sp>
-        <p:nvSpPr>
-          <p:cNvPr id="3" name="Content Placeholder 2">
-            <a:extLst>
-              <a:ext uri="{FF2B5EF4-FFF2-40B4-BE49-F238E27FC236}">
-                <a16:creationId xmlns:a16="http://schemas.microsoft.com/office/drawing/2014/main" id="{762C9562-1C36-B29D-549E-4C64BD2134BD}"/>
-              </a:ext>
-            </a:extLst>
-          </p:cNvPr>
-          <p:cNvSpPr>
-            <a:spLocks noGrp="1"/>
-          </p:cNvSpPr>
-          <p:nvPr>
-            <p:ph idx="1"/>
-          </p:nvPr>
-        </p:nvSpPr>
-        <p:spPr/>
-        <p:txBody>
-          <a:bodyPr/>
-          <a:lstStyle/>
-          <a:p>
-            <a:endParaRPr lang="en-GB"/>
+        <p:spPr>
+          <a:xfrm>
+            <a:off x="477981" y="1122363"/>
+            <a:ext cx="4023360" cy="3204134"/>
+          </a:xfrm>
+        </p:spPr>
+        <p:txBody>
+          <a:bodyPr vert="horz" lIns="91440" tIns="45720" rIns="91440" bIns="45720" rtlCol="0" anchor="b">
+            <a:normAutofit/>
+          </a:bodyPr>
+          <a:lstStyle/>
+          <a:p>
+            <a:r>
+              <a:rPr lang="en-US" sz="4800" dirty="0">
+                <a:solidFill>
+                  <a:schemeClr val="bg1"/>
+                </a:solidFill>
+              </a:rPr>
+              <a:t>Demo</a:t>
+            </a:r>
+          </a:p>
+        </p:txBody>
+      </p:sp>
+      <p:sp>
+        <p:nvSpPr>
+          <p:cNvPr id="1039" name="Rectangle 1038">
+            <a:extLst>
+              <a:ext uri="{FF2B5EF4-FFF2-40B4-BE49-F238E27FC236}">
+                <a16:creationId xmlns:a16="http://schemas.microsoft.com/office/drawing/2014/main" id="{AF2F604E-43BE-4DC3-B983-E071523364F8}"/>
+              </a:ext>
+              <a:ext uri="{C183D7F6-B498-43B3-948B-1728B52AA6E4}">
+                <adec:decorative xmlns:adec="http://schemas.microsoft.com/office/drawing/2017/decorative" val="1"/>
+              </a:ext>
+            </a:extLst>
+          </p:cNvPr>
+          <p:cNvSpPr>
+            <a:spLocks noGrp="1" noRot="1" noChangeAspect="1" noMove="1" noResize="1" noEditPoints="1" noAdjustHandles="1" noChangeArrowheads="1" noChangeShapeType="1" noTextEdit="1"/>
+          </p:cNvSpPr>
+          <p:nvPr>
+            <p:extLst>
+              <p:ext uri="{386F3935-93C4-4BCD-93E2-E3B085C9AB24}">
+                <p16:designElem xmlns:p16="http://schemas.microsoft.com/office/powerpoint/2015/main" val="1"/>
+              </p:ext>
+            </p:extLst>
+          </p:nvPr>
+        </p:nvSpPr>
+        <p:spPr>
+          <a:xfrm rot="5400000">
+            <a:off x="759921" y="346791"/>
+            <a:ext cx="146304" cy="704088"/>
+          </a:xfrm>
+          <a:prstGeom prst="rect">
+            <a:avLst/>
+          </a:prstGeom>
+          <a:solidFill>
+            <a:schemeClr val="accent1"/>
+          </a:solidFill>
+          <a:ln>
+            <a:noFill/>
+          </a:ln>
+        </p:spPr>
+        <p:style>
+          <a:lnRef idx="2">
+            <a:schemeClr val="accent1">
+              <a:shade val="50000"/>
+            </a:schemeClr>
+          </a:lnRef>
+          <a:fillRef idx="1">
+            <a:schemeClr val="accent1"/>
+          </a:fillRef>
+          <a:effectRef idx="0">
+            <a:schemeClr val="accent1"/>
+          </a:effectRef>
+          <a:fontRef idx="minor">
+            <a:schemeClr val="lt1"/>
+          </a:fontRef>
+        </p:style>
+        <p:txBody>
+          <a:bodyPr rtlCol="0" anchor="ctr"/>
+          <a:lstStyle/>
+          <a:p>
+            <a:pPr marL="0" marR="0" lvl="0" indent="0" algn="ctr" defTabSz="914400" rtl="0" eaLnBrk="1" fontAlgn="auto" latinLnBrk="0" hangingPunct="1">
+              <a:lnSpc>
+                <a:spcPct val="100000"/>
+              </a:lnSpc>
+              <a:spcBef>
+                <a:spcPts val="0"/>
+              </a:spcBef>
+              <a:spcAft>
+                <a:spcPts val="0"/>
+              </a:spcAft>
+              <a:buClrTx/>
+              <a:buSzTx/>
+              <a:buFontTx/>
+              <a:buNone/>
+              <a:tabLst/>
+              <a:defRPr/>
+            </a:pPr>
+            <a:endParaRPr kumimoji="0" lang="en-US" sz="1800" b="0" i="0" u="none" strike="noStrike" kern="1200" cap="none" spc="0" normalizeH="0" baseline="0" noProof="0">
+              <a:ln>
+                <a:noFill/>
+              </a:ln>
+              <a:solidFill>
+                <a:prstClr val="white"/>
+              </a:solidFill>
+              <a:effectLst/>
+              <a:uLnTx/>
+              <a:uFillTx/>
+              <a:latin typeface="Calibri" panose="020F0502020204030204"/>
+              <a:ea typeface="+mn-ea"/>
+              <a:cs typeface="+mn-cs"/>
+            </a:endParaRPr>
+          </a:p>
+        </p:txBody>
+      </p:sp>
+      <p:sp>
+        <p:nvSpPr>
+          <p:cNvPr id="1041" name="Rectangle 1040">
+            <a:extLst>
+              <a:ext uri="{FF2B5EF4-FFF2-40B4-BE49-F238E27FC236}">
+                <a16:creationId xmlns:a16="http://schemas.microsoft.com/office/drawing/2014/main" id="{08C9B587-E65E-4B52-B37C-ABEBB6E87928}"/>
+              </a:ext>
+              <a:ext uri="{C183D7F6-B498-43B3-948B-1728B52AA6E4}">
+                <adec:decorative xmlns:adec="http://schemas.microsoft.com/office/drawing/2017/decorative" val="1"/>
+              </a:ext>
+            </a:extLst>
+          </p:cNvPr>
+          <p:cNvSpPr>
+            <a:spLocks noGrp="1" noRot="1" noChangeAspect="1" noMove="1" noResize="1" noEditPoints="1" noAdjustHandles="1" noChangeArrowheads="1" noChangeShapeType="1" noTextEdit="1"/>
+          </p:cNvSpPr>
+          <p:nvPr>
+            <p:extLst>
+              <p:ext uri="{386F3935-93C4-4BCD-93E2-E3B085C9AB24}">
+                <p16:designElem xmlns:p16="http://schemas.microsoft.com/office/powerpoint/2015/main" val="1"/>
+              </p:ext>
+            </p:extLst>
+          </p:nvPr>
+        </p:nvSpPr>
+        <p:spPr>
+          <a:xfrm>
+            <a:off x="481029" y="4546920"/>
+            <a:ext cx="3977640" cy="18288"/>
+          </a:xfrm>
+          <a:prstGeom prst="rect">
+            <a:avLst/>
+          </a:prstGeom>
+          <a:solidFill>
+            <a:schemeClr val="bg1"/>
+          </a:solidFill>
+          <a:ln w="3175">
+            <a:noFill/>
+          </a:ln>
+          <a:effectLst/>
+        </p:spPr>
+        <p:style>
+          <a:lnRef idx="2">
+            <a:schemeClr val="accent1">
+              <a:shade val="50000"/>
+            </a:schemeClr>
+          </a:lnRef>
+          <a:fillRef idx="1">
+            <a:schemeClr val="accent1"/>
+          </a:fillRef>
+          <a:effectRef idx="0">
+            <a:schemeClr val="accent1"/>
+          </a:effectRef>
+          <a:fontRef idx="minor">
+            <a:schemeClr val="lt1"/>
+          </a:fontRef>
+        </p:style>
+        <p:txBody>
+          <a:bodyPr rtlCol="0" anchor="ctr"/>
+          <a:lstStyle/>
+          <a:p>
+            <a:pPr marL="0" marR="0" lvl="0" indent="0" algn="ctr" defTabSz="914400" rtl="0" eaLnBrk="1" fontAlgn="auto" latinLnBrk="0" hangingPunct="1">
+              <a:lnSpc>
+                <a:spcPct val="100000"/>
+              </a:lnSpc>
+              <a:spcBef>
+                <a:spcPts val="0"/>
+              </a:spcBef>
+              <a:spcAft>
+                <a:spcPts val="0"/>
+              </a:spcAft>
+              <a:buClrTx/>
+              <a:buSzTx/>
+              <a:buFontTx/>
+              <a:buNone/>
+              <a:tabLst/>
+              <a:defRPr/>
+            </a:pPr>
+            <a:endParaRPr kumimoji="0" lang="en-US" sz="1800" b="0" i="0" u="none" strike="noStrike" kern="1200" cap="none" spc="0" normalizeH="0" baseline="0" noProof="0">
+              <a:ln>
+                <a:noFill/>
+              </a:ln>
+              <a:solidFill>
+                <a:prstClr val="white"/>
+              </a:solidFill>
+              <a:effectLst/>
+              <a:uLnTx/>
+              <a:uFillTx/>
+              <a:latin typeface="Calibri" panose="020F0502020204030204"/>
+              <a:ea typeface="+mn-ea"/>
+              <a:cs typeface="+mn-cs"/>
+            </a:endParaRPr>
           </a:p>
         </p:txBody>
       </p:sp>
@@ -5789,6 +6353,2227 @@
     <p:extLst>
       <p:ext uri="{BB962C8B-B14F-4D97-AF65-F5344CB8AC3E}">
         <p14:creationId xmlns:p14="http://schemas.microsoft.com/office/powerpoint/2010/main" val="2289832242"/>
+      </p:ext>
+    </p:extLst>
+  </p:cSld>
+  <p:clrMapOvr>
+    <a:masterClrMapping/>
+  </p:clrMapOvr>
+</p:sld>
+</file>
+
+<file path=ppt/slides/slide3.xml><?xml version="1.0" encoding="utf-8"?>
+<p:sld xmlns:a="http://schemas.openxmlformats.org/drawingml/2006/main" xmlns:r="http://schemas.openxmlformats.org/officeDocument/2006/relationships" xmlns:p="http://schemas.openxmlformats.org/presentationml/2006/main">
+  <p:cSld>
+    <p:bg>
+      <p:bgPr>
+        <a:solidFill>
+          <a:schemeClr val="bg1"/>
+        </a:solidFill>
+        <a:effectLst/>
+      </p:bgPr>
+    </p:bg>
+    <p:spTree>
+      <p:nvGrpSpPr>
+        <p:cNvPr id="1" name=""/>
+        <p:cNvGrpSpPr/>
+        <p:nvPr/>
+      </p:nvGrpSpPr>
+      <p:grpSpPr>
+        <a:xfrm>
+          <a:off x="0" y="0"/>
+          <a:ext cx="0" cy="0"/>
+          <a:chOff x="0" y="0"/>
+          <a:chExt cx="0" cy="0"/>
+        </a:xfrm>
+      </p:grpSpPr>
+      <p:sp useBgFill="1">
+        <p:nvSpPr>
+          <p:cNvPr id="11" name="Rectangle 10">
+            <a:extLst>
+              <a:ext uri="{FF2B5EF4-FFF2-40B4-BE49-F238E27FC236}">
+                <a16:creationId xmlns:a16="http://schemas.microsoft.com/office/drawing/2014/main" id="{726908CC-6AC4-4222-8250-B90B6072E8AC}"/>
+              </a:ext>
+              <a:ext uri="{C183D7F6-B498-43B3-948B-1728B52AA6E4}">
+                <adec:decorative xmlns:adec="http://schemas.microsoft.com/office/drawing/2017/decorative" val="1"/>
+              </a:ext>
+            </a:extLst>
+          </p:cNvPr>
+          <p:cNvSpPr>
+            <a:spLocks noGrp="1" noRot="1" noChangeAspect="1" noMove="1" noResize="1" noEditPoints="1" noAdjustHandles="1" noChangeArrowheads="1" noChangeShapeType="1" noTextEdit="1"/>
+          </p:cNvSpPr>
+          <p:nvPr>
+            <p:extLst>
+              <p:ext uri="{386F3935-93C4-4BCD-93E2-E3B085C9AB24}">
+                <p16:designElem xmlns:p16="http://schemas.microsoft.com/office/powerpoint/2015/main" val="1"/>
+              </p:ext>
+            </p:extLst>
+          </p:nvPr>
+        </p:nvSpPr>
+        <p:spPr>
+          <a:xfrm>
+            <a:off x="0" y="0"/>
+            <a:ext cx="12192000" cy="6858000"/>
+          </a:xfrm>
+          <a:prstGeom prst="rect">
+            <a:avLst/>
+          </a:prstGeom>
+          <a:ln>
+            <a:noFill/>
+          </a:ln>
+        </p:spPr>
+        <p:style>
+          <a:lnRef idx="2">
+            <a:schemeClr val="accent1">
+              <a:shade val="50000"/>
+            </a:schemeClr>
+          </a:lnRef>
+          <a:fillRef idx="1">
+            <a:schemeClr val="accent1"/>
+          </a:fillRef>
+          <a:effectRef idx="0">
+            <a:schemeClr val="accent1"/>
+          </a:effectRef>
+          <a:fontRef idx="minor">
+            <a:schemeClr val="lt1"/>
+          </a:fontRef>
+        </p:style>
+        <p:txBody>
+          <a:bodyPr rtlCol="0" anchor="ctr"/>
+          <a:lstStyle/>
+          <a:p>
+            <a:pPr algn="ctr"/>
+            <a:endParaRPr lang="en-US"/>
+          </a:p>
+        </p:txBody>
+      </p:sp>
+      <p:sp>
+        <p:nvSpPr>
+          <p:cNvPr id="13" name="Rectangle 12">
+            <a:extLst>
+              <a:ext uri="{FF2B5EF4-FFF2-40B4-BE49-F238E27FC236}">
+                <a16:creationId xmlns:a16="http://schemas.microsoft.com/office/drawing/2014/main" id="{F2F606D8-696E-4B76-BB10-43672AA1475A}"/>
+              </a:ext>
+              <a:ext uri="{C183D7F6-B498-43B3-948B-1728B52AA6E4}">
+                <adec:decorative xmlns:adec="http://schemas.microsoft.com/office/drawing/2017/decorative" val="1"/>
+              </a:ext>
+            </a:extLst>
+          </p:cNvPr>
+          <p:cNvSpPr>
+            <a:spLocks noGrp="1" noRot="1" noChangeAspect="1" noMove="1" noResize="1" noEditPoints="1" noAdjustHandles="1" noChangeArrowheads="1" noChangeShapeType="1" noTextEdit="1"/>
+          </p:cNvSpPr>
+          <p:nvPr>
+            <p:extLst>
+              <p:ext uri="{386F3935-93C4-4BCD-93E2-E3B085C9AB24}">
+                <p16:designElem xmlns:p16="http://schemas.microsoft.com/office/powerpoint/2015/main" val="1"/>
+              </p:ext>
+            </p:extLst>
+          </p:nvPr>
+        </p:nvSpPr>
+        <p:spPr>
+          <a:xfrm>
+            <a:off x="352751" y="302429"/>
+            <a:ext cx="11550506" cy="6053922"/>
+          </a:xfrm>
+          <a:prstGeom prst="rect">
+            <a:avLst/>
+          </a:prstGeom>
+          <a:solidFill>
+            <a:schemeClr val="bg1"/>
+          </a:solidFill>
+          <a:ln w="12700">
+            <a:solidFill>
+              <a:schemeClr val="tx2">
+                <a:lumMod val="10000"/>
+                <a:lumOff val="90000"/>
+              </a:schemeClr>
+            </a:solidFill>
+          </a:ln>
+          <a:effectLst>
+            <a:outerShdw blurRad="50800" dist="38100" dir="2700000" algn="tl" rotWithShape="0">
+              <a:schemeClr val="bg2">
+                <a:lumMod val="85000"/>
+                <a:alpha val="30000"/>
+              </a:schemeClr>
+            </a:outerShdw>
+          </a:effectLst>
+        </p:spPr>
+        <p:style>
+          <a:lnRef idx="2">
+            <a:schemeClr val="accent1">
+              <a:shade val="50000"/>
+            </a:schemeClr>
+          </a:lnRef>
+          <a:fillRef idx="1">
+            <a:schemeClr val="accent1"/>
+          </a:fillRef>
+          <a:effectRef idx="0">
+            <a:schemeClr val="accent1"/>
+          </a:effectRef>
+          <a:fontRef idx="minor">
+            <a:schemeClr val="lt1"/>
+          </a:fontRef>
+        </p:style>
+        <p:txBody>
+          <a:bodyPr rtlCol="0" anchor="ctr"/>
+          <a:lstStyle/>
+          <a:p>
+            <a:pPr marL="0" marR="0" lvl="0" indent="0" algn="ctr" defTabSz="914400" rtl="0" eaLnBrk="1" fontAlgn="auto" latinLnBrk="0" hangingPunct="1">
+              <a:lnSpc>
+                <a:spcPct val="100000"/>
+              </a:lnSpc>
+              <a:spcBef>
+                <a:spcPts val="0"/>
+              </a:spcBef>
+              <a:spcAft>
+                <a:spcPts val="0"/>
+              </a:spcAft>
+              <a:buClrTx/>
+              <a:buSzTx/>
+              <a:buFontTx/>
+              <a:buNone/>
+              <a:tabLst/>
+              <a:defRPr/>
+            </a:pPr>
+            <a:endParaRPr kumimoji="0" lang="en-US" sz="1800" b="0" i="0" u="none" strike="noStrike" kern="1200" cap="none" spc="0" normalizeH="0" baseline="0" noProof="0">
+              <a:ln>
+                <a:noFill/>
+              </a:ln>
+              <a:solidFill>
+                <a:prstClr val="white"/>
+              </a:solidFill>
+              <a:effectLst/>
+              <a:uLnTx/>
+              <a:uFillTx/>
+              <a:latin typeface="Calibri" panose="020F0502020204030204"/>
+              <a:ea typeface="+mn-ea"/>
+              <a:cs typeface="+mn-cs"/>
+            </a:endParaRPr>
+          </a:p>
+        </p:txBody>
+      </p:sp>
+      <p:pic>
+        <p:nvPicPr>
+          <p:cNvPr id="6" name="Picture 5">
+            <a:extLst>
+              <a:ext uri="{FF2B5EF4-FFF2-40B4-BE49-F238E27FC236}">
+                <a16:creationId xmlns:a16="http://schemas.microsoft.com/office/drawing/2014/main" id="{4500BFF0-3438-918D-0585-23C3B68F7963}"/>
+              </a:ext>
+            </a:extLst>
+          </p:cNvPr>
+          <p:cNvPicPr>
+            <a:picLocks noChangeAspect="1"/>
+          </p:cNvPicPr>
+          <p:nvPr/>
+        </p:nvPicPr>
+        <p:blipFill rotWithShape="1">
+          <a:blip r:embed="rId2"/>
+          <a:srcRect r="-1" b="5986"/>
+          <a:stretch/>
+        </p:blipFill>
+        <p:spPr>
+          <a:xfrm>
+            <a:off x="352751" y="302429"/>
+            <a:ext cx="11550506" cy="6053920"/>
+          </a:xfrm>
+          <a:prstGeom prst="rect">
+            <a:avLst/>
+          </a:prstGeom>
+        </p:spPr>
+      </p:pic>
+      <p:sp>
+        <p:nvSpPr>
+          <p:cNvPr id="15" name="Rectangle 14">
+            <a:extLst>
+              <a:ext uri="{FF2B5EF4-FFF2-40B4-BE49-F238E27FC236}">
+                <a16:creationId xmlns:a16="http://schemas.microsoft.com/office/drawing/2014/main" id="{3ABF1881-5AFD-48F9-979A-19EE2FE30A33}"/>
+              </a:ext>
+              <a:ext uri="{C183D7F6-B498-43B3-948B-1728B52AA6E4}">
+                <adec:decorative xmlns:adec="http://schemas.microsoft.com/office/drawing/2017/decorative" val="1"/>
+              </a:ext>
+            </a:extLst>
+          </p:cNvPr>
+          <p:cNvSpPr>
+            <a:spLocks noGrp="1" noRot="1" noChangeAspect="1" noMove="1" noResize="1" noEditPoints="1" noAdjustHandles="1" noChangeArrowheads="1" noChangeShapeType="1" noTextEdit="1"/>
+          </p:cNvSpPr>
+          <p:nvPr>
+            <p:extLst>
+              <p:ext uri="{386F3935-93C4-4BCD-93E2-E3B085C9AB24}">
+                <p16:designElem xmlns:p16="http://schemas.microsoft.com/office/powerpoint/2015/main" val="1"/>
+              </p:ext>
+            </p:extLst>
+          </p:nvPr>
+        </p:nvSpPr>
+        <p:spPr>
+          <a:xfrm rot="10800000">
+            <a:off x="278608" y="2735029"/>
+            <a:ext cx="148286" cy="1188720"/>
+          </a:xfrm>
+          <a:prstGeom prst="rect">
+            <a:avLst/>
+          </a:prstGeom>
+          <a:solidFill>
+            <a:schemeClr val="accent1"/>
+          </a:solidFill>
+          <a:ln>
+            <a:noFill/>
+          </a:ln>
+        </p:spPr>
+        <p:style>
+          <a:lnRef idx="2">
+            <a:schemeClr val="accent1">
+              <a:shade val="50000"/>
+            </a:schemeClr>
+          </a:lnRef>
+          <a:fillRef idx="1">
+            <a:schemeClr val="accent1"/>
+          </a:fillRef>
+          <a:effectRef idx="0">
+            <a:schemeClr val="accent1"/>
+          </a:effectRef>
+          <a:fontRef idx="minor">
+            <a:schemeClr val="lt1"/>
+          </a:fontRef>
+        </p:style>
+        <p:txBody>
+          <a:bodyPr rtlCol="0" anchor="ctr"/>
+          <a:lstStyle/>
+          <a:p>
+            <a:pPr marL="0" marR="0" lvl="0" indent="0" algn="ctr" defTabSz="914400" rtl="0" eaLnBrk="1" fontAlgn="auto" latinLnBrk="0" hangingPunct="1">
+              <a:lnSpc>
+                <a:spcPct val="100000"/>
+              </a:lnSpc>
+              <a:spcBef>
+                <a:spcPts val="0"/>
+              </a:spcBef>
+              <a:spcAft>
+                <a:spcPts val="0"/>
+              </a:spcAft>
+              <a:buClrTx/>
+              <a:buSzTx/>
+              <a:buFontTx/>
+              <a:buNone/>
+              <a:tabLst/>
+              <a:defRPr/>
+            </a:pPr>
+            <a:endParaRPr kumimoji="0" lang="en-US" sz="1800" b="0" i="0" u="none" strike="noStrike" kern="1200" cap="none" spc="0" normalizeH="0" baseline="0" noProof="0">
+              <a:ln>
+                <a:noFill/>
+              </a:ln>
+              <a:solidFill>
+                <a:prstClr val="white"/>
+              </a:solidFill>
+              <a:effectLst/>
+              <a:uLnTx/>
+              <a:uFillTx/>
+              <a:latin typeface="Calibri" panose="020F0502020204030204"/>
+              <a:ea typeface="+mn-ea"/>
+              <a:cs typeface="+mn-cs"/>
+            </a:endParaRPr>
+          </a:p>
+        </p:txBody>
+      </p:sp>
+    </p:spTree>
+    <p:extLst>
+      <p:ext uri="{BB962C8B-B14F-4D97-AF65-F5344CB8AC3E}">
+        <p14:creationId xmlns:p14="http://schemas.microsoft.com/office/powerpoint/2010/main" val="3476354177"/>
+      </p:ext>
+    </p:extLst>
+  </p:cSld>
+  <p:clrMapOvr>
+    <a:masterClrMapping/>
+  </p:clrMapOvr>
+</p:sld>
+</file>
+
+<file path=ppt/slides/slide4.xml><?xml version="1.0" encoding="utf-8"?>
+<p:sld xmlns:a="http://schemas.openxmlformats.org/drawingml/2006/main" xmlns:r="http://schemas.openxmlformats.org/officeDocument/2006/relationships" xmlns:p="http://schemas.openxmlformats.org/presentationml/2006/main">
+  <p:cSld>
+    <p:bg>
+      <p:bgPr>
+        <a:solidFill>
+          <a:schemeClr val="bg1"/>
+        </a:solidFill>
+        <a:effectLst/>
+      </p:bgPr>
+    </p:bg>
+    <p:spTree>
+      <p:nvGrpSpPr>
+        <p:cNvPr id="1" name=""/>
+        <p:cNvGrpSpPr/>
+        <p:nvPr/>
+      </p:nvGrpSpPr>
+      <p:grpSpPr>
+        <a:xfrm>
+          <a:off x="0" y="0"/>
+          <a:ext cx="0" cy="0"/>
+          <a:chOff x="0" y="0"/>
+          <a:chExt cx="0" cy="0"/>
+        </a:xfrm>
+      </p:grpSpPr>
+      <p:sp useBgFill="1">
+        <p:nvSpPr>
+          <p:cNvPr id="26" name="Rectangle 25">
+            <a:extLst>
+              <a:ext uri="{FF2B5EF4-FFF2-40B4-BE49-F238E27FC236}">
+                <a16:creationId xmlns:a16="http://schemas.microsoft.com/office/drawing/2014/main" id="{9AA72BD9-2C5A-4EDC-931F-5AA08EACA0F3}"/>
+              </a:ext>
+              <a:ext uri="{C183D7F6-B498-43B3-948B-1728B52AA6E4}">
+                <adec:decorative xmlns:adec="http://schemas.microsoft.com/office/drawing/2017/decorative" val="1"/>
+              </a:ext>
+            </a:extLst>
+          </p:cNvPr>
+          <p:cNvSpPr>
+            <a:spLocks noGrp="1" noRot="1" noChangeAspect="1" noMove="1" noResize="1" noEditPoints="1" noAdjustHandles="1" noChangeArrowheads="1" noChangeShapeType="1" noTextEdit="1"/>
+          </p:cNvSpPr>
+          <p:nvPr>
+            <p:extLst>
+              <p:ext uri="{386F3935-93C4-4BCD-93E2-E3B085C9AB24}">
+                <p16:designElem xmlns:p16="http://schemas.microsoft.com/office/powerpoint/2015/main" val="1"/>
+              </p:ext>
+            </p:extLst>
+          </p:nvPr>
+        </p:nvSpPr>
+        <p:spPr>
+          <a:xfrm>
+            <a:off x="0" y="0"/>
+            <a:ext cx="12192000" cy="6858000"/>
+          </a:xfrm>
+          <a:prstGeom prst="rect">
+            <a:avLst/>
+          </a:prstGeom>
+          <a:ln>
+            <a:noFill/>
+          </a:ln>
+        </p:spPr>
+        <p:style>
+          <a:lnRef idx="2">
+            <a:schemeClr val="accent1">
+              <a:shade val="50000"/>
+            </a:schemeClr>
+          </a:lnRef>
+          <a:fillRef idx="1">
+            <a:schemeClr val="accent1"/>
+          </a:fillRef>
+          <a:effectRef idx="0">
+            <a:schemeClr val="accent1"/>
+          </a:effectRef>
+          <a:fontRef idx="minor">
+            <a:schemeClr val="lt1"/>
+          </a:fontRef>
+        </p:style>
+        <p:txBody>
+          <a:bodyPr rtlCol="0" anchor="ctr"/>
+          <a:lstStyle/>
+          <a:p>
+            <a:pPr algn="ctr"/>
+            <a:endParaRPr lang="en-US"/>
+          </a:p>
+        </p:txBody>
+      </p:sp>
+      <p:pic>
+        <p:nvPicPr>
+          <p:cNvPr id="5" name="Picture 4" descr="Dobbelstenen en pinnen op een bordspel">
+            <a:extLst>
+              <a:ext uri="{FF2B5EF4-FFF2-40B4-BE49-F238E27FC236}">
+                <a16:creationId xmlns:a16="http://schemas.microsoft.com/office/drawing/2014/main" id="{763EE564-E242-D13B-3F4E-1C5B035FFC9D}"/>
+              </a:ext>
+            </a:extLst>
+          </p:cNvPr>
+          <p:cNvPicPr>
+            <a:picLocks noChangeAspect="1"/>
+          </p:cNvPicPr>
+          <p:nvPr/>
+        </p:nvPicPr>
+        <p:blipFill rotWithShape="1">
+          <a:blip r:embed="rId2"/>
+          <a:srcRect r="15934"/>
+          <a:stretch/>
+        </p:blipFill>
+        <p:spPr>
+          <a:xfrm>
+            <a:off x="3522468" y="10"/>
+            <a:ext cx="8669532" cy="6857990"/>
+          </a:xfrm>
+          <a:prstGeom prst="rect">
+            <a:avLst/>
+          </a:prstGeom>
+        </p:spPr>
+      </p:pic>
+      <p:sp>
+        <p:nvSpPr>
+          <p:cNvPr id="28" name="Rectangle 27">
+            <a:extLst>
+              <a:ext uri="{FF2B5EF4-FFF2-40B4-BE49-F238E27FC236}">
+                <a16:creationId xmlns:a16="http://schemas.microsoft.com/office/drawing/2014/main" id="{8A6DB0E6-E65F-4229-A5A0-2500203B6CC3}"/>
+              </a:ext>
+              <a:ext uri="{C183D7F6-B498-43B3-948B-1728B52AA6E4}">
+                <adec:decorative xmlns:adec="http://schemas.microsoft.com/office/drawing/2017/decorative" val="1"/>
+              </a:ext>
+            </a:extLst>
+          </p:cNvPr>
+          <p:cNvSpPr>
+            <a:spLocks noGrp="1" noRot="1" noChangeAspect="1" noMove="1" noResize="1" noEditPoints="1" noAdjustHandles="1" noChangeArrowheads="1" noChangeShapeType="1" noTextEdit="1"/>
+          </p:cNvSpPr>
+          <p:nvPr>
+            <p:extLst>
+              <p:ext uri="{386F3935-93C4-4BCD-93E2-E3B085C9AB24}">
+                <p16:designElem xmlns:p16="http://schemas.microsoft.com/office/powerpoint/2015/main" val="1"/>
+              </p:ext>
+            </p:extLst>
+          </p:nvPr>
+        </p:nvSpPr>
+        <p:spPr>
+          <a:xfrm>
+            <a:off x="2" y="0"/>
+            <a:ext cx="9756601" cy="6858000"/>
+          </a:xfrm>
+          <a:prstGeom prst="rect">
+            <a:avLst/>
+          </a:prstGeom>
+          <a:gradFill>
+            <a:gsLst>
+              <a:gs pos="58000">
+                <a:schemeClr val="tx1"/>
+              </a:gs>
+              <a:gs pos="35000">
+                <a:schemeClr val="tx1">
+                  <a:alpha val="78000"/>
+                </a:schemeClr>
+              </a:gs>
+              <a:gs pos="19000">
+                <a:schemeClr val="tx1">
+                  <a:alpha val="38000"/>
+                </a:schemeClr>
+              </a:gs>
+              <a:gs pos="0">
+                <a:schemeClr val="tx1">
+                  <a:alpha val="0"/>
+                </a:schemeClr>
+              </a:gs>
+              <a:gs pos="100000">
+                <a:schemeClr val="tx1"/>
+              </a:gs>
+            </a:gsLst>
+            <a:lin ang="10800000" scaled="0"/>
+          </a:gradFill>
+          <a:ln>
+            <a:noFill/>
+          </a:ln>
+        </p:spPr>
+        <p:style>
+          <a:lnRef idx="2">
+            <a:schemeClr val="accent1">
+              <a:shade val="50000"/>
+            </a:schemeClr>
+          </a:lnRef>
+          <a:fillRef idx="1">
+            <a:schemeClr val="accent1"/>
+          </a:fillRef>
+          <a:effectRef idx="0">
+            <a:schemeClr val="accent1"/>
+          </a:effectRef>
+          <a:fontRef idx="minor">
+            <a:schemeClr val="lt1"/>
+          </a:fontRef>
+        </p:style>
+        <p:txBody>
+          <a:bodyPr rtlCol="0" anchor="ctr"/>
+          <a:lstStyle/>
+          <a:p>
+            <a:pPr algn="ctr"/>
+            <a:endParaRPr lang="en-US" dirty="0"/>
+          </a:p>
+        </p:txBody>
+      </p:sp>
+      <p:sp>
+        <p:nvSpPr>
+          <p:cNvPr id="2" name="Title 1">
+            <a:extLst>
+              <a:ext uri="{FF2B5EF4-FFF2-40B4-BE49-F238E27FC236}">
+                <a16:creationId xmlns:a16="http://schemas.microsoft.com/office/drawing/2014/main" id="{739A7B22-7F09-72B7-5341-ED045BCD6FB0}"/>
+              </a:ext>
+            </a:extLst>
+          </p:cNvPr>
+          <p:cNvSpPr>
+            <a:spLocks noGrp="1"/>
+          </p:cNvSpPr>
+          <p:nvPr>
+            <p:ph type="title"/>
+          </p:nvPr>
+        </p:nvSpPr>
+        <p:spPr>
+          <a:xfrm>
+            <a:off x="371094" y="1161288"/>
+            <a:ext cx="3438144" cy="1124712"/>
+          </a:xfrm>
+        </p:spPr>
+        <p:txBody>
+          <a:bodyPr vert="horz" lIns="91440" tIns="45720" rIns="91440" bIns="45720" rtlCol="0" anchor="b">
+            <a:normAutofit/>
+          </a:bodyPr>
+          <a:lstStyle/>
+          <a:p>
+            <a:r>
+              <a:rPr lang="en-US" sz="2800">
+                <a:solidFill>
+                  <a:schemeClr val="bg1"/>
+                </a:solidFill>
+              </a:rPr>
+              <a:t>Proces van de game aanmaken</a:t>
+            </a:r>
+          </a:p>
+        </p:txBody>
+      </p:sp>
+      <p:sp>
+        <p:nvSpPr>
+          <p:cNvPr id="30" name="Rectangle 29">
+            <a:extLst>
+              <a:ext uri="{FF2B5EF4-FFF2-40B4-BE49-F238E27FC236}">
+                <a16:creationId xmlns:a16="http://schemas.microsoft.com/office/drawing/2014/main" id="{55D4142C-5077-457F-A6AD-3FECFDB39685}"/>
+              </a:ext>
+              <a:ext uri="{C183D7F6-B498-43B3-948B-1728B52AA6E4}">
+                <adec:decorative xmlns:adec="http://schemas.microsoft.com/office/drawing/2017/decorative" val="1"/>
+              </a:ext>
+            </a:extLst>
+          </p:cNvPr>
+          <p:cNvSpPr>
+            <a:spLocks noGrp="1" noRot="1" noChangeAspect="1" noMove="1" noResize="1" noEditPoints="1" noAdjustHandles="1" noChangeArrowheads="1" noChangeShapeType="1" noTextEdit="1"/>
+          </p:cNvSpPr>
+          <p:nvPr>
+            <p:extLst>
+              <p:ext uri="{386F3935-93C4-4BCD-93E2-E3B085C9AB24}">
+                <p16:designElem xmlns:p16="http://schemas.microsoft.com/office/powerpoint/2015/main" val="1"/>
+              </p:ext>
+            </p:extLst>
+          </p:nvPr>
+        </p:nvSpPr>
+        <p:spPr>
+          <a:xfrm rot="5400000">
+            <a:off x="662559" y="605790"/>
+            <a:ext cx="73152" cy="548640"/>
+          </a:xfrm>
+          <a:prstGeom prst="rect">
+            <a:avLst/>
+          </a:prstGeom>
+          <a:solidFill>
+            <a:schemeClr val="accent1"/>
+          </a:solidFill>
+          <a:ln>
+            <a:noFill/>
+          </a:ln>
+        </p:spPr>
+        <p:style>
+          <a:lnRef idx="2">
+            <a:schemeClr val="accent1">
+              <a:shade val="50000"/>
+            </a:schemeClr>
+          </a:lnRef>
+          <a:fillRef idx="1">
+            <a:schemeClr val="accent1"/>
+          </a:fillRef>
+          <a:effectRef idx="0">
+            <a:schemeClr val="accent1"/>
+          </a:effectRef>
+          <a:fontRef idx="minor">
+            <a:schemeClr val="lt1"/>
+          </a:fontRef>
+        </p:style>
+        <p:txBody>
+          <a:bodyPr rtlCol="0" anchor="ctr"/>
+          <a:lstStyle/>
+          <a:p>
+            <a:pPr marL="0" marR="0" lvl="0" indent="0" algn="ctr" defTabSz="914400" rtl="0" eaLnBrk="1" fontAlgn="auto" latinLnBrk="0" hangingPunct="1">
+              <a:lnSpc>
+                <a:spcPct val="100000"/>
+              </a:lnSpc>
+              <a:spcBef>
+                <a:spcPts val="0"/>
+              </a:spcBef>
+              <a:spcAft>
+                <a:spcPts val="0"/>
+              </a:spcAft>
+              <a:buClrTx/>
+              <a:buSzTx/>
+              <a:buFontTx/>
+              <a:buNone/>
+              <a:tabLst/>
+              <a:defRPr/>
+            </a:pPr>
+            <a:endParaRPr kumimoji="0" lang="en-US" sz="1800" b="0" i="0" u="none" strike="noStrike" kern="1200" cap="none" spc="0" normalizeH="0" baseline="0" noProof="0">
+              <a:ln>
+                <a:noFill/>
+              </a:ln>
+              <a:solidFill>
+                <a:prstClr val="white"/>
+              </a:solidFill>
+              <a:effectLst/>
+              <a:uLnTx/>
+              <a:uFillTx/>
+              <a:latin typeface="Calibri" panose="020F0502020204030204"/>
+              <a:ea typeface="+mn-ea"/>
+              <a:cs typeface="+mn-cs"/>
+            </a:endParaRPr>
+          </a:p>
+        </p:txBody>
+      </p:sp>
+      <p:sp>
+        <p:nvSpPr>
+          <p:cNvPr id="32" name="Rectangle 31">
+            <a:extLst>
+              <a:ext uri="{FF2B5EF4-FFF2-40B4-BE49-F238E27FC236}">
+                <a16:creationId xmlns:a16="http://schemas.microsoft.com/office/drawing/2014/main" id="{7A5F0580-5EE9-419F-96EE-B6529EF6E7D0}"/>
+              </a:ext>
+              <a:ext uri="{C183D7F6-B498-43B3-948B-1728B52AA6E4}">
+                <adec:decorative xmlns:adec="http://schemas.microsoft.com/office/drawing/2017/decorative" val="1"/>
+              </a:ext>
+            </a:extLst>
+          </p:cNvPr>
+          <p:cNvSpPr>
+            <a:spLocks noGrp="1" noRot="1" noChangeAspect="1" noMove="1" noResize="1" noEditPoints="1" noAdjustHandles="1" noChangeArrowheads="1" noChangeShapeType="1" noTextEdit="1"/>
+          </p:cNvSpPr>
+          <p:nvPr>
+            <p:extLst>
+              <p:ext uri="{386F3935-93C4-4BCD-93E2-E3B085C9AB24}">
+                <p16:designElem xmlns:p16="http://schemas.microsoft.com/office/powerpoint/2015/main" val="1"/>
+              </p:ext>
+            </p:extLst>
+          </p:nvPr>
+        </p:nvSpPr>
+        <p:spPr>
+          <a:xfrm>
+            <a:off x="428244" y="2443480"/>
+            <a:ext cx="3300984" cy="18288"/>
+          </a:xfrm>
+          <a:prstGeom prst="rect">
+            <a:avLst/>
+          </a:prstGeom>
+          <a:solidFill>
+            <a:schemeClr val="bg1"/>
+          </a:solidFill>
+          <a:ln w="3175">
+            <a:noFill/>
+          </a:ln>
+          <a:effectLst/>
+        </p:spPr>
+        <p:style>
+          <a:lnRef idx="2">
+            <a:schemeClr val="accent1">
+              <a:shade val="50000"/>
+            </a:schemeClr>
+          </a:lnRef>
+          <a:fillRef idx="1">
+            <a:schemeClr val="accent1"/>
+          </a:fillRef>
+          <a:effectRef idx="0">
+            <a:schemeClr val="accent1"/>
+          </a:effectRef>
+          <a:fontRef idx="minor">
+            <a:schemeClr val="lt1"/>
+          </a:fontRef>
+        </p:style>
+        <p:txBody>
+          <a:bodyPr rtlCol="0" anchor="ctr"/>
+          <a:lstStyle/>
+          <a:p>
+            <a:pPr marL="0" marR="0" lvl="0" indent="0" algn="ctr" defTabSz="914400" rtl="0" eaLnBrk="1" fontAlgn="auto" latinLnBrk="0" hangingPunct="1">
+              <a:lnSpc>
+                <a:spcPct val="100000"/>
+              </a:lnSpc>
+              <a:spcBef>
+                <a:spcPts val="0"/>
+              </a:spcBef>
+              <a:spcAft>
+                <a:spcPts val="0"/>
+              </a:spcAft>
+              <a:buClrTx/>
+              <a:buSzTx/>
+              <a:buFontTx/>
+              <a:buNone/>
+              <a:tabLst/>
+              <a:defRPr/>
+            </a:pPr>
+            <a:endParaRPr kumimoji="0" lang="en-US" sz="1800" b="0" i="0" u="none" strike="noStrike" kern="1200" cap="none" spc="0" normalizeH="0" baseline="0" noProof="0">
+              <a:ln>
+                <a:noFill/>
+              </a:ln>
+              <a:solidFill>
+                <a:prstClr val="white"/>
+              </a:solidFill>
+              <a:effectLst/>
+              <a:uLnTx/>
+              <a:uFillTx/>
+              <a:latin typeface="Calibri" panose="020F0502020204030204"/>
+              <a:ea typeface="+mn-ea"/>
+              <a:cs typeface="+mn-cs"/>
+            </a:endParaRPr>
+          </a:p>
+        </p:txBody>
+      </p:sp>
+      <p:sp>
+        <p:nvSpPr>
+          <p:cNvPr id="4" name="TextBox 3">
+            <a:extLst>
+              <a:ext uri="{FF2B5EF4-FFF2-40B4-BE49-F238E27FC236}">
+                <a16:creationId xmlns:a16="http://schemas.microsoft.com/office/drawing/2014/main" id="{271C06C6-4FCE-5F0A-217D-1BE6EFF6881B}"/>
+              </a:ext>
+            </a:extLst>
+          </p:cNvPr>
+          <p:cNvSpPr txBox="1"/>
+          <p:nvPr/>
+        </p:nvSpPr>
+        <p:spPr>
+          <a:xfrm>
+            <a:off x="371094" y="2718054"/>
+            <a:ext cx="3438906" cy="3207258"/>
+          </a:xfrm>
+          <a:prstGeom prst="rect">
+            <a:avLst/>
+          </a:prstGeom>
+        </p:spPr>
+        <p:txBody>
+          <a:bodyPr vert="horz" lIns="91440" tIns="45720" rIns="91440" bIns="45720" rtlCol="0" anchor="t">
+            <a:normAutofit/>
+          </a:bodyPr>
+          <a:lstStyle/>
+          <a:p>
+            <a:pPr marL="285750" indent="-228600">
+              <a:lnSpc>
+                <a:spcPct val="110000"/>
+              </a:lnSpc>
+              <a:spcAft>
+                <a:spcPts val="600"/>
+              </a:spcAft>
+              <a:buFont typeface="Arial" panose="020B0604020202020204" pitchFamily="34" charset="0"/>
+              <a:buChar char="•"/>
+            </a:pPr>
+            <a:r>
+              <a:rPr lang="en-US" sz="1700" dirty="0" err="1">
+                <a:solidFill>
+                  <a:schemeClr val="bg1"/>
+                </a:solidFill>
+              </a:rPr>
+              <a:t>Basisfuncties</a:t>
+            </a:r>
+            <a:endParaRPr lang="en-US" sz="1700" dirty="0">
+              <a:solidFill>
+                <a:schemeClr val="bg1"/>
+              </a:solidFill>
+            </a:endParaRPr>
+          </a:p>
+          <a:p>
+            <a:pPr marL="285750" indent="-228600">
+              <a:lnSpc>
+                <a:spcPct val="110000"/>
+              </a:lnSpc>
+              <a:spcAft>
+                <a:spcPts val="600"/>
+              </a:spcAft>
+              <a:buFont typeface="Arial" panose="020B0604020202020204" pitchFamily="34" charset="0"/>
+              <a:buChar char="•"/>
+            </a:pPr>
+            <a:r>
+              <a:rPr lang="en-US" sz="1700" dirty="0">
+                <a:solidFill>
+                  <a:schemeClr val="bg1"/>
+                </a:solidFill>
+              </a:rPr>
+              <a:t>UI </a:t>
+            </a:r>
+            <a:r>
+              <a:rPr lang="en-US" sz="1700" dirty="0" err="1">
+                <a:solidFill>
+                  <a:schemeClr val="bg1"/>
+                </a:solidFill>
+              </a:rPr>
+              <a:t>en</a:t>
+            </a:r>
+            <a:r>
+              <a:rPr lang="en-US" sz="1700" dirty="0">
+                <a:solidFill>
+                  <a:schemeClr val="bg1"/>
+                </a:solidFill>
+              </a:rPr>
+              <a:t> HUD</a:t>
+            </a:r>
+          </a:p>
+          <a:p>
+            <a:pPr marL="285750" indent="-228600">
+              <a:lnSpc>
+                <a:spcPct val="110000"/>
+              </a:lnSpc>
+              <a:spcAft>
+                <a:spcPts val="600"/>
+              </a:spcAft>
+              <a:buFont typeface="Arial" panose="020B0604020202020204" pitchFamily="34" charset="0"/>
+              <a:buChar char="•"/>
+            </a:pPr>
+            <a:r>
+              <a:rPr lang="en-US" sz="1700" dirty="0">
+                <a:solidFill>
+                  <a:schemeClr val="bg1"/>
+                </a:solidFill>
+              </a:rPr>
+              <a:t>Power-ups</a:t>
+            </a:r>
+          </a:p>
+          <a:p>
+            <a:pPr marL="285750" indent="-228600">
+              <a:lnSpc>
+                <a:spcPct val="110000"/>
+              </a:lnSpc>
+              <a:spcAft>
+                <a:spcPts val="600"/>
+              </a:spcAft>
+              <a:buFont typeface="Arial" panose="020B0604020202020204" pitchFamily="34" charset="0"/>
+              <a:buChar char="•"/>
+            </a:pPr>
+            <a:r>
+              <a:rPr lang="en-US" sz="1700" dirty="0">
+                <a:solidFill>
+                  <a:schemeClr val="bg1"/>
+                </a:solidFill>
+              </a:rPr>
+              <a:t>C#</a:t>
+            </a:r>
+          </a:p>
+          <a:p>
+            <a:pPr marL="285750" indent="-228600">
+              <a:lnSpc>
+                <a:spcPct val="110000"/>
+              </a:lnSpc>
+              <a:spcAft>
+                <a:spcPts val="600"/>
+              </a:spcAft>
+              <a:buFont typeface="Arial" panose="020B0604020202020204" pitchFamily="34" charset="0"/>
+              <a:buChar char="•"/>
+            </a:pPr>
+            <a:r>
+              <a:rPr lang="en-US" sz="1700" dirty="0" err="1">
+                <a:solidFill>
+                  <a:schemeClr val="bg1"/>
+                </a:solidFill>
+              </a:rPr>
+              <a:t>Testen</a:t>
+            </a:r>
+            <a:endParaRPr lang="en-US" sz="1700" dirty="0">
+              <a:solidFill>
+                <a:schemeClr val="bg1"/>
+              </a:solidFill>
+            </a:endParaRPr>
+          </a:p>
+          <a:p>
+            <a:pPr marL="285750" indent="-228600">
+              <a:lnSpc>
+                <a:spcPct val="110000"/>
+              </a:lnSpc>
+              <a:spcAft>
+                <a:spcPts val="600"/>
+              </a:spcAft>
+              <a:buFont typeface="Arial" panose="020B0604020202020204" pitchFamily="34" charset="0"/>
+              <a:buChar char="•"/>
+            </a:pPr>
+            <a:r>
+              <a:rPr lang="en-US" sz="1700" dirty="0" err="1">
+                <a:solidFill>
+                  <a:schemeClr val="bg1"/>
+                </a:solidFill>
+              </a:rPr>
+              <a:t>Verbeteringen</a:t>
+            </a:r>
+            <a:endParaRPr lang="en-US" sz="1700" dirty="0">
+              <a:solidFill>
+                <a:schemeClr val="bg1"/>
+              </a:solidFill>
+            </a:endParaRPr>
+          </a:p>
+          <a:p>
+            <a:pPr marL="285750" indent="-228600">
+              <a:lnSpc>
+                <a:spcPct val="110000"/>
+              </a:lnSpc>
+              <a:spcAft>
+                <a:spcPts val="600"/>
+              </a:spcAft>
+              <a:buFont typeface="Arial" panose="020B0604020202020204" pitchFamily="34" charset="0"/>
+              <a:buChar char="•"/>
+            </a:pPr>
+            <a:r>
+              <a:rPr lang="en-US" sz="1700" dirty="0" err="1">
+                <a:solidFill>
+                  <a:schemeClr val="bg1"/>
+                </a:solidFill>
+              </a:rPr>
+              <a:t>Reflectie</a:t>
+            </a:r>
+            <a:endParaRPr lang="en-US" sz="1700" dirty="0">
+              <a:solidFill>
+                <a:schemeClr val="bg1"/>
+              </a:solidFill>
+            </a:endParaRPr>
+          </a:p>
+        </p:txBody>
+      </p:sp>
+    </p:spTree>
+    <p:extLst>
+      <p:ext uri="{BB962C8B-B14F-4D97-AF65-F5344CB8AC3E}">
+        <p14:creationId xmlns:p14="http://schemas.microsoft.com/office/powerpoint/2010/main" val="2752399175"/>
+      </p:ext>
+    </p:extLst>
+  </p:cSld>
+  <p:clrMapOvr>
+    <a:overrideClrMapping bg1="lt1" tx1="dk1" bg2="lt2" tx2="dk2" accent1="accent1" accent2="accent2" accent3="accent3" accent4="accent4" accent5="accent5" accent6="accent6" hlink="hlink" folHlink="folHlink"/>
+  </p:clrMapOvr>
+</p:sld>
+</file>
+
+<file path=ppt/slides/slide5.xml><?xml version="1.0" encoding="utf-8"?>
+<p:sld xmlns:a="http://schemas.openxmlformats.org/drawingml/2006/main" xmlns:r="http://schemas.openxmlformats.org/officeDocument/2006/relationships" xmlns:p="http://schemas.openxmlformats.org/presentationml/2006/main">
+  <p:cSld>
+    <p:bg>
+      <p:bgPr>
+        <a:solidFill>
+          <a:schemeClr val="bg1"/>
+        </a:solidFill>
+        <a:effectLst/>
+      </p:bgPr>
+    </p:bg>
+    <p:spTree>
+      <p:nvGrpSpPr>
+        <p:cNvPr id="1" name=""/>
+        <p:cNvGrpSpPr/>
+        <p:nvPr/>
+      </p:nvGrpSpPr>
+      <p:grpSpPr>
+        <a:xfrm>
+          <a:off x="0" y="0"/>
+          <a:ext cx="0" cy="0"/>
+          <a:chOff x="0" y="0"/>
+          <a:chExt cx="0" cy="0"/>
+        </a:xfrm>
+      </p:grpSpPr>
+      <p:sp useBgFill="1">
+        <p:nvSpPr>
+          <p:cNvPr id="10" name="Rectangle 9">
+            <a:extLst>
+              <a:ext uri="{FF2B5EF4-FFF2-40B4-BE49-F238E27FC236}">
+                <a16:creationId xmlns:a16="http://schemas.microsoft.com/office/drawing/2014/main" id="{9AA72BD9-2C5A-4EDC-931F-5AA08EACA0F3}"/>
+              </a:ext>
+              <a:ext uri="{C183D7F6-B498-43B3-948B-1728B52AA6E4}">
+                <adec:decorative xmlns:adec="http://schemas.microsoft.com/office/drawing/2017/decorative" val="1"/>
+              </a:ext>
+            </a:extLst>
+          </p:cNvPr>
+          <p:cNvSpPr>
+            <a:spLocks noGrp="1" noRot="1" noChangeAspect="1" noMove="1" noResize="1" noEditPoints="1" noAdjustHandles="1" noChangeArrowheads="1" noChangeShapeType="1" noTextEdit="1"/>
+          </p:cNvSpPr>
+          <p:nvPr>
+            <p:extLst>
+              <p:ext uri="{386F3935-93C4-4BCD-93E2-E3B085C9AB24}">
+                <p16:designElem xmlns:p16="http://schemas.microsoft.com/office/powerpoint/2015/main" val="1"/>
+              </p:ext>
+            </p:extLst>
+          </p:nvPr>
+        </p:nvSpPr>
+        <p:spPr>
+          <a:xfrm>
+            <a:off x="0" y="0"/>
+            <a:ext cx="12192000" cy="6858000"/>
+          </a:xfrm>
+          <a:prstGeom prst="rect">
+            <a:avLst/>
+          </a:prstGeom>
+          <a:ln>
+            <a:noFill/>
+          </a:ln>
+        </p:spPr>
+        <p:style>
+          <a:lnRef idx="2">
+            <a:schemeClr val="accent1">
+              <a:shade val="50000"/>
+            </a:schemeClr>
+          </a:lnRef>
+          <a:fillRef idx="1">
+            <a:schemeClr val="accent1"/>
+          </a:fillRef>
+          <a:effectRef idx="0">
+            <a:schemeClr val="accent1"/>
+          </a:effectRef>
+          <a:fontRef idx="minor">
+            <a:schemeClr val="lt1"/>
+          </a:fontRef>
+        </p:style>
+        <p:txBody>
+          <a:bodyPr rtlCol="0" anchor="ctr"/>
+          <a:lstStyle/>
+          <a:p>
+            <a:pPr algn="ctr"/>
+            <a:endParaRPr lang="en-US"/>
+          </a:p>
+        </p:txBody>
+      </p:sp>
+      <p:pic>
+        <p:nvPicPr>
+          <p:cNvPr id="5" name="Picture 4" descr="Dobbelstenen en pinnen op een bordspel">
+            <a:extLst>
+              <a:ext uri="{FF2B5EF4-FFF2-40B4-BE49-F238E27FC236}">
+                <a16:creationId xmlns:a16="http://schemas.microsoft.com/office/drawing/2014/main" id="{763EE564-E242-D13B-3F4E-1C5B035FFC9D}"/>
+              </a:ext>
+            </a:extLst>
+          </p:cNvPr>
+          <p:cNvPicPr>
+            <a:picLocks noChangeAspect="1"/>
+          </p:cNvPicPr>
+          <p:nvPr/>
+        </p:nvPicPr>
+        <p:blipFill rotWithShape="1">
+          <a:blip r:embed="rId2"/>
+          <a:srcRect r="15934"/>
+          <a:stretch/>
+        </p:blipFill>
+        <p:spPr>
+          <a:xfrm>
+            <a:off x="3522468" y="10"/>
+            <a:ext cx="8669532" cy="6857990"/>
+          </a:xfrm>
+          <a:prstGeom prst="rect">
+            <a:avLst/>
+          </a:prstGeom>
+        </p:spPr>
+      </p:pic>
+      <p:sp>
+        <p:nvSpPr>
+          <p:cNvPr id="12" name="Rectangle 11">
+            <a:extLst>
+              <a:ext uri="{FF2B5EF4-FFF2-40B4-BE49-F238E27FC236}">
+                <a16:creationId xmlns:a16="http://schemas.microsoft.com/office/drawing/2014/main" id="{8A6DB0E6-E65F-4229-A5A0-2500203B6CC3}"/>
+              </a:ext>
+              <a:ext uri="{C183D7F6-B498-43B3-948B-1728B52AA6E4}">
+                <adec:decorative xmlns:adec="http://schemas.microsoft.com/office/drawing/2017/decorative" val="1"/>
+              </a:ext>
+            </a:extLst>
+          </p:cNvPr>
+          <p:cNvSpPr>
+            <a:spLocks noGrp="1" noRot="1" noChangeAspect="1" noMove="1" noResize="1" noEditPoints="1" noAdjustHandles="1" noChangeArrowheads="1" noChangeShapeType="1" noTextEdit="1"/>
+          </p:cNvSpPr>
+          <p:nvPr>
+            <p:extLst>
+              <p:ext uri="{386F3935-93C4-4BCD-93E2-E3B085C9AB24}">
+                <p16:designElem xmlns:p16="http://schemas.microsoft.com/office/powerpoint/2015/main" val="1"/>
+              </p:ext>
+            </p:extLst>
+          </p:nvPr>
+        </p:nvSpPr>
+        <p:spPr>
+          <a:xfrm>
+            <a:off x="2" y="0"/>
+            <a:ext cx="9756601" cy="6858000"/>
+          </a:xfrm>
+          <a:prstGeom prst="rect">
+            <a:avLst/>
+          </a:prstGeom>
+          <a:gradFill>
+            <a:gsLst>
+              <a:gs pos="58000">
+                <a:schemeClr val="tx1"/>
+              </a:gs>
+              <a:gs pos="35000">
+                <a:schemeClr val="tx1">
+                  <a:alpha val="78000"/>
+                </a:schemeClr>
+              </a:gs>
+              <a:gs pos="19000">
+                <a:schemeClr val="tx1">
+                  <a:alpha val="38000"/>
+                </a:schemeClr>
+              </a:gs>
+              <a:gs pos="0">
+                <a:schemeClr val="tx1">
+                  <a:alpha val="0"/>
+                </a:schemeClr>
+              </a:gs>
+              <a:gs pos="100000">
+                <a:schemeClr val="tx1"/>
+              </a:gs>
+            </a:gsLst>
+            <a:lin ang="10800000" scaled="0"/>
+          </a:gradFill>
+          <a:ln>
+            <a:noFill/>
+          </a:ln>
+        </p:spPr>
+        <p:style>
+          <a:lnRef idx="2">
+            <a:schemeClr val="accent1">
+              <a:shade val="50000"/>
+            </a:schemeClr>
+          </a:lnRef>
+          <a:fillRef idx="1">
+            <a:schemeClr val="accent1"/>
+          </a:fillRef>
+          <a:effectRef idx="0">
+            <a:schemeClr val="accent1"/>
+          </a:effectRef>
+          <a:fontRef idx="minor">
+            <a:schemeClr val="lt1"/>
+          </a:fontRef>
+        </p:style>
+        <p:txBody>
+          <a:bodyPr rtlCol="0" anchor="ctr"/>
+          <a:lstStyle/>
+          <a:p>
+            <a:pPr algn="ctr"/>
+            <a:endParaRPr lang="en-US" dirty="0"/>
+          </a:p>
+        </p:txBody>
+      </p:sp>
+      <p:sp>
+        <p:nvSpPr>
+          <p:cNvPr id="2" name="Title 1">
+            <a:extLst>
+              <a:ext uri="{FF2B5EF4-FFF2-40B4-BE49-F238E27FC236}">
+                <a16:creationId xmlns:a16="http://schemas.microsoft.com/office/drawing/2014/main" id="{739A7B22-7F09-72B7-5341-ED045BCD6FB0}"/>
+              </a:ext>
+            </a:extLst>
+          </p:cNvPr>
+          <p:cNvSpPr>
+            <a:spLocks noGrp="1"/>
+          </p:cNvSpPr>
+          <p:nvPr>
+            <p:ph type="title"/>
+          </p:nvPr>
+        </p:nvSpPr>
+        <p:spPr>
+          <a:xfrm>
+            <a:off x="371094" y="1161288"/>
+            <a:ext cx="3438144" cy="1124712"/>
+          </a:xfrm>
+        </p:spPr>
+        <p:txBody>
+          <a:bodyPr vert="horz" lIns="91440" tIns="45720" rIns="91440" bIns="45720" rtlCol="0" anchor="b">
+            <a:normAutofit/>
+          </a:bodyPr>
+          <a:lstStyle/>
+          <a:p>
+            <a:r>
+              <a:rPr lang="en-US" sz="2800" dirty="0" err="1">
+                <a:solidFill>
+                  <a:schemeClr val="bg1"/>
+                </a:solidFill>
+              </a:rPr>
+              <a:t>Verbeteringen</a:t>
+            </a:r>
+            <a:endParaRPr lang="en-US" sz="2800" dirty="0">
+              <a:solidFill>
+                <a:schemeClr val="bg1"/>
+              </a:solidFill>
+            </a:endParaRPr>
+          </a:p>
+        </p:txBody>
+      </p:sp>
+      <p:sp>
+        <p:nvSpPr>
+          <p:cNvPr id="14" name="Rectangle 13">
+            <a:extLst>
+              <a:ext uri="{FF2B5EF4-FFF2-40B4-BE49-F238E27FC236}">
+                <a16:creationId xmlns:a16="http://schemas.microsoft.com/office/drawing/2014/main" id="{55D4142C-5077-457F-A6AD-3FECFDB39685}"/>
+              </a:ext>
+              <a:ext uri="{C183D7F6-B498-43B3-948B-1728B52AA6E4}">
+                <adec:decorative xmlns:adec="http://schemas.microsoft.com/office/drawing/2017/decorative" val="1"/>
+              </a:ext>
+            </a:extLst>
+          </p:cNvPr>
+          <p:cNvSpPr>
+            <a:spLocks noGrp="1" noRot="1" noChangeAspect="1" noMove="1" noResize="1" noEditPoints="1" noAdjustHandles="1" noChangeArrowheads="1" noChangeShapeType="1" noTextEdit="1"/>
+          </p:cNvSpPr>
+          <p:nvPr>
+            <p:extLst>
+              <p:ext uri="{386F3935-93C4-4BCD-93E2-E3B085C9AB24}">
+                <p16:designElem xmlns:p16="http://schemas.microsoft.com/office/powerpoint/2015/main" val="1"/>
+              </p:ext>
+            </p:extLst>
+          </p:nvPr>
+        </p:nvSpPr>
+        <p:spPr>
+          <a:xfrm rot="5400000">
+            <a:off x="662559" y="605790"/>
+            <a:ext cx="73152" cy="548640"/>
+          </a:xfrm>
+          <a:prstGeom prst="rect">
+            <a:avLst/>
+          </a:prstGeom>
+          <a:solidFill>
+            <a:schemeClr val="accent1"/>
+          </a:solidFill>
+          <a:ln>
+            <a:noFill/>
+          </a:ln>
+        </p:spPr>
+        <p:style>
+          <a:lnRef idx="2">
+            <a:schemeClr val="accent1">
+              <a:shade val="50000"/>
+            </a:schemeClr>
+          </a:lnRef>
+          <a:fillRef idx="1">
+            <a:schemeClr val="accent1"/>
+          </a:fillRef>
+          <a:effectRef idx="0">
+            <a:schemeClr val="accent1"/>
+          </a:effectRef>
+          <a:fontRef idx="minor">
+            <a:schemeClr val="lt1"/>
+          </a:fontRef>
+        </p:style>
+        <p:txBody>
+          <a:bodyPr rtlCol="0" anchor="ctr"/>
+          <a:lstStyle/>
+          <a:p>
+            <a:pPr marL="0" marR="0" lvl="0" indent="0" algn="ctr" defTabSz="914400" rtl="0" eaLnBrk="1" fontAlgn="auto" latinLnBrk="0" hangingPunct="1">
+              <a:lnSpc>
+                <a:spcPct val="100000"/>
+              </a:lnSpc>
+              <a:spcBef>
+                <a:spcPts val="0"/>
+              </a:spcBef>
+              <a:spcAft>
+                <a:spcPts val="0"/>
+              </a:spcAft>
+              <a:buClrTx/>
+              <a:buSzTx/>
+              <a:buFontTx/>
+              <a:buNone/>
+              <a:tabLst/>
+              <a:defRPr/>
+            </a:pPr>
+            <a:endParaRPr kumimoji="0" lang="en-US" sz="1800" b="0" i="0" u="none" strike="noStrike" kern="1200" cap="none" spc="0" normalizeH="0" baseline="0" noProof="0">
+              <a:ln>
+                <a:noFill/>
+              </a:ln>
+              <a:solidFill>
+                <a:prstClr val="white"/>
+              </a:solidFill>
+              <a:effectLst/>
+              <a:uLnTx/>
+              <a:uFillTx/>
+              <a:latin typeface="Calibri" panose="020F0502020204030204"/>
+              <a:ea typeface="+mn-ea"/>
+              <a:cs typeface="+mn-cs"/>
+            </a:endParaRPr>
+          </a:p>
+        </p:txBody>
+      </p:sp>
+      <p:sp>
+        <p:nvSpPr>
+          <p:cNvPr id="16" name="Rectangle 15">
+            <a:extLst>
+              <a:ext uri="{FF2B5EF4-FFF2-40B4-BE49-F238E27FC236}">
+                <a16:creationId xmlns:a16="http://schemas.microsoft.com/office/drawing/2014/main" id="{7A5F0580-5EE9-419F-96EE-B6529EF6E7D0}"/>
+              </a:ext>
+              <a:ext uri="{C183D7F6-B498-43B3-948B-1728B52AA6E4}">
+                <adec:decorative xmlns:adec="http://schemas.microsoft.com/office/drawing/2017/decorative" val="1"/>
+              </a:ext>
+            </a:extLst>
+          </p:cNvPr>
+          <p:cNvSpPr>
+            <a:spLocks noGrp="1" noRot="1" noChangeAspect="1" noMove="1" noResize="1" noEditPoints="1" noAdjustHandles="1" noChangeArrowheads="1" noChangeShapeType="1" noTextEdit="1"/>
+          </p:cNvSpPr>
+          <p:nvPr>
+            <p:extLst>
+              <p:ext uri="{386F3935-93C4-4BCD-93E2-E3B085C9AB24}">
+                <p16:designElem xmlns:p16="http://schemas.microsoft.com/office/powerpoint/2015/main" val="1"/>
+              </p:ext>
+            </p:extLst>
+          </p:nvPr>
+        </p:nvSpPr>
+        <p:spPr>
+          <a:xfrm>
+            <a:off x="428244" y="2443480"/>
+            <a:ext cx="3300984" cy="18288"/>
+          </a:xfrm>
+          <a:prstGeom prst="rect">
+            <a:avLst/>
+          </a:prstGeom>
+          <a:solidFill>
+            <a:schemeClr val="bg1"/>
+          </a:solidFill>
+          <a:ln w="3175">
+            <a:noFill/>
+          </a:ln>
+          <a:effectLst/>
+        </p:spPr>
+        <p:style>
+          <a:lnRef idx="2">
+            <a:schemeClr val="accent1">
+              <a:shade val="50000"/>
+            </a:schemeClr>
+          </a:lnRef>
+          <a:fillRef idx="1">
+            <a:schemeClr val="accent1"/>
+          </a:fillRef>
+          <a:effectRef idx="0">
+            <a:schemeClr val="accent1"/>
+          </a:effectRef>
+          <a:fontRef idx="minor">
+            <a:schemeClr val="lt1"/>
+          </a:fontRef>
+        </p:style>
+        <p:txBody>
+          <a:bodyPr rtlCol="0" anchor="ctr"/>
+          <a:lstStyle/>
+          <a:p>
+            <a:pPr marL="0" marR="0" lvl="0" indent="0" algn="ctr" defTabSz="914400" rtl="0" eaLnBrk="1" fontAlgn="auto" latinLnBrk="0" hangingPunct="1">
+              <a:lnSpc>
+                <a:spcPct val="100000"/>
+              </a:lnSpc>
+              <a:spcBef>
+                <a:spcPts val="0"/>
+              </a:spcBef>
+              <a:spcAft>
+                <a:spcPts val="0"/>
+              </a:spcAft>
+              <a:buClrTx/>
+              <a:buSzTx/>
+              <a:buFontTx/>
+              <a:buNone/>
+              <a:tabLst/>
+              <a:defRPr/>
+            </a:pPr>
+            <a:endParaRPr kumimoji="0" lang="en-US" sz="1800" b="0" i="0" u="none" strike="noStrike" kern="1200" cap="none" spc="0" normalizeH="0" baseline="0" noProof="0">
+              <a:ln>
+                <a:noFill/>
+              </a:ln>
+              <a:solidFill>
+                <a:prstClr val="white"/>
+              </a:solidFill>
+              <a:effectLst/>
+              <a:uLnTx/>
+              <a:uFillTx/>
+              <a:latin typeface="Calibri" panose="020F0502020204030204"/>
+              <a:ea typeface="+mn-ea"/>
+              <a:cs typeface="+mn-cs"/>
+            </a:endParaRPr>
+          </a:p>
+        </p:txBody>
+      </p:sp>
+      <p:sp>
+        <p:nvSpPr>
+          <p:cNvPr id="4" name="TextBox 3">
+            <a:extLst>
+              <a:ext uri="{FF2B5EF4-FFF2-40B4-BE49-F238E27FC236}">
+                <a16:creationId xmlns:a16="http://schemas.microsoft.com/office/drawing/2014/main" id="{271C06C6-4FCE-5F0A-217D-1BE6EFF6881B}"/>
+              </a:ext>
+            </a:extLst>
+          </p:cNvPr>
+          <p:cNvSpPr txBox="1"/>
+          <p:nvPr/>
+        </p:nvSpPr>
+        <p:spPr>
+          <a:xfrm>
+            <a:off x="371094" y="2718054"/>
+            <a:ext cx="3438906" cy="3207258"/>
+          </a:xfrm>
+          <a:prstGeom prst="rect">
+            <a:avLst/>
+          </a:prstGeom>
+        </p:spPr>
+        <p:txBody>
+          <a:bodyPr vert="horz" lIns="91440" tIns="45720" rIns="91440" bIns="45720" rtlCol="0" anchor="t">
+            <a:normAutofit/>
+          </a:bodyPr>
+          <a:lstStyle/>
+          <a:p>
+            <a:pPr marL="285750" indent="-228600">
+              <a:lnSpc>
+                <a:spcPct val="110000"/>
+              </a:lnSpc>
+              <a:spcAft>
+                <a:spcPts val="600"/>
+              </a:spcAft>
+              <a:buFont typeface="Arial" panose="020B0604020202020204" pitchFamily="34" charset="0"/>
+              <a:buChar char="•"/>
+            </a:pPr>
+            <a:r>
+              <a:rPr lang="en-US" sz="1700" dirty="0">
+                <a:solidFill>
+                  <a:schemeClr val="bg1"/>
+                </a:solidFill>
+              </a:rPr>
+              <a:t>Emails van </a:t>
+            </a:r>
+            <a:r>
+              <a:rPr lang="en-US" sz="1700" dirty="0" err="1">
+                <a:solidFill>
+                  <a:schemeClr val="bg1"/>
+                </a:solidFill>
+              </a:rPr>
+              <a:t>spelers</a:t>
+            </a:r>
+            <a:r>
+              <a:rPr lang="en-US" sz="1700" dirty="0">
+                <a:solidFill>
+                  <a:schemeClr val="bg1"/>
+                </a:solidFill>
+              </a:rPr>
+              <a:t> </a:t>
+            </a:r>
+            <a:r>
+              <a:rPr lang="en-US" sz="1700" dirty="0" err="1">
+                <a:solidFill>
+                  <a:schemeClr val="bg1"/>
+                </a:solidFill>
+              </a:rPr>
+              <a:t>pakken</a:t>
+            </a:r>
+            <a:endParaRPr lang="en-US" sz="1700" dirty="0">
+              <a:solidFill>
+                <a:schemeClr val="bg1"/>
+              </a:solidFill>
+            </a:endParaRPr>
+          </a:p>
+          <a:p>
+            <a:pPr marL="285750" indent="-228600">
+              <a:lnSpc>
+                <a:spcPct val="110000"/>
+              </a:lnSpc>
+              <a:spcAft>
+                <a:spcPts val="600"/>
+              </a:spcAft>
+              <a:buFont typeface="Arial" panose="020B0604020202020204" pitchFamily="34" charset="0"/>
+              <a:buChar char="•"/>
+            </a:pPr>
+            <a:r>
+              <a:rPr lang="en-US" sz="1700" dirty="0">
+                <a:solidFill>
+                  <a:schemeClr val="bg1"/>
+                </a:solidFill>
+              </a:rPr>
+              <a:t>Je score laten </a:t>
+            </a:r>
+            <a:r>
+              <a:rPr lang="en-US" sz="1700" dirty="0" err="1">
+                <a:solidFill>
+                  <a:schemeClr val="bg1"/>
+                </a:solidFill>
+              </a:rPr>
+              <a:t>zien</a:t>
+            </a:r>
+            <a:r>
+              <a:rPr lang="en-US" sz="1700" dirty="0">
+                <a:solidFill>
+                  <a:schemeClr val="bg1"/>
+                </a:solidFill>
+              </a:rPr>
+              <a:t> </a:t>
+            </a:r>
+            <a:r>
+              <a:rPr lang="en-US" sz="1700" dirty="0" err="1">
+                <a:solidFill>
+                  <a:schemeClr val="bg1"/>
+                </a:solidFill>
+              </a:rPr>
+              <a:t>als</a:t>
+            </a:r>
+            <a:r>
+              <a:rPr lang="en-US" sz="1700" dirty="0">
+                <a:solidFill>
+                  <a:schemeClr val="bg1"/>
+                </a:solidFill>
+              </a:rPr>
+              <a:t> je </a:t>
+            </a:r>
+            <a:r>
+              <a:rPr lang="en-US" sz="1700" dirty="0" err="1">
+                <a:solidFill>
+                  <a:schemeClr val="bg1"/>
+                </a:solidFill>
+              </a:rPr>
+              <a:t>verliest</a:t>
+            </a:r>
+            <a:r>
+              <a:rPr lang="en-US" sz="1700" dirty="0">
+                <a:solidFill>
+                  <a:schemeClr val="bg1"/>
+                </a:solidFill>
+              </a:rPr>
+              <a:t> of </a:t>
+            </a:r>
+            <a:r>
+              <a:rPr lang="en-US" sz="1700" dirty="0" err="1">
+                <a:solidFill>
+                  <a:schemeClr val="bg1"/>
+                </a:solidFill>
+              </a:rPr>
+              <a:t>wint</a:t>
+            </a:r>
+            <a:endParaRPr lang="en-US" sz="1700" dirty="0">
+              <a:solidFill>
+                <a:schemeClr val="bg1"/>
+              </a:solidFill>
+            </a:endParaRPr>
+          </a:p>
+          <a:p>
+            <a:pPr marL="285750" indent="-228600">
+              <a:lnSpc>
+                <a:spcPct val="110000"/>
+              </a:lnSpc>
+              <a:spcAft>
+                <a:spcPts val="600"/>
+              </a:spcAft>
+              <a:buFont typeface="Arial" panose="020B0604020202020204" pitchFamily="34" charset="0"/>
+              <a:buChar char="•"/>
+            </a:pPr>
+            <a:r>
+              <a:rPr lang="en-US" sz="1700" dirty="0" err="1">
+                <a:solidFill>
+                  <a:schemeClr val="bg1"/>
+                </a:solidFill>
+              </a:rPr>
+              <a:t>Een</a:t>
+            </a:r>
+            <a:r>
+              <a:rPr lang="en-US" sz="1700" dirty="0">
+                <a:solidFill>
+                  <a:schemeClr val="bg1"/>
+                </a:solidFill>
+              </a:rPr>
+              <a:t> </a:t>
+            </a:r>
+            <a:r>
+              <a:rPr lang="en-US" sz="1700" dirty="0" err="1">
+                <a:solidFill>
+                  <a:schemeClr val="bg1"/>
+                </a:solidFill>
+              </a:rPr>
+              <a:t>onlline</a:t>
+            </a:r>
+            <a:r>
+              <a:rPr lang="en-US" sz="1700" dirty="0">
+                <a:solidFill>
+                  <a:schemeClr val="bg1"/>
+                </a:solidFill>
+              </a:rPr>
+              <a:t> Scoreboard</a:t>
+            </a:r>
+          </a:p>
+          <a:p>
+            <a:pPr marL="285750" indent="-228600">
+              <a:lnSpc>
+                <a:spcPct val="110000"/>
+              </a:lnSpc>
+              <a:spcAft>
+                <a:spcPts val="600"/>
+              </a:spcAft>
+              <a:buFont typeface="Arial" panose="020B0604020202020204" pitchFamily="34" charset="0"/>
+              <a:buChar char="•"/>
+            </a:pPr>
+            <a:r>
+              <a:rPr lang="en-US" sz="1700" dirty="0">
+                <a:solidFill>
+                  <a:schemeClr val="bg1"/>
+                </a:solidFill>
+              </a:rPr>
+              <a:t>Meer Levels met </a:t>
+            </a:r>
+            <a:r>
+              <a:rPr lang="en-US" sz="1700" dirty="0" err="1">
+                <a:solidFill>
+                  <a:schemeClr val="bg1"/>
+                </a:solidFill>
+              </a:rPr>
+              <a:t>andere</a:t>
+            </a:r>
+            <a:r>
+              <a:rPr lang="en-US" sz="1700" dirty="0">
+                <a:solidFill>
+                  <a:schemeClr val="bg1"/>
+                </a:solidFill>
+              </a:rPr>
+              <a:t> powerups </a:t>
+            </a:r>
+            <a:r>
+              <a:rPr lang="en-US" sz="1700" dirty="0" err="1">
+                <a:solidFill>
+                  <a:schemeClr val="bg1"/>
+                </a:solidFill>
+              </a:rPr>
+              <a:t>en</a:t>
+            </a:r>
+            <a:r>
+              <a:rPr lang="en-US" sz="1700" dirty="0">
+                <a:solidFill>
+                  <a:schemeClr val="bg1"/>
+                </a:solidFill>
+              </a:rPr>
+              <a:t> </a:t>
+            </a:r>
+            <a:r>
+              <a:rPr lang="en-US" sz="1700" dirty="0" err="1">
+                <a:solidFill>
+                  <a:schemeClr val="bg1"/>
+                </a:solidFill>
+              </a:rPr>
+              <a:t>moeilijkheidsgraad</a:t>
+            </a:r>
+            <a:endParaRPr lang="en-US" sz="1700" dirty="0">
+              <a:solidFill>
+                <a:schemeClr val="bg1"/>
+              </a:solidFill>
+            </a:endParaRPr>
+          </a:p>
+        </p:txBody>
+      </p:sp>
+    </p:spTree>
+    <p:extLst>
+      <p:ext uri="{BB962C8B-B14F-4D97-AF65-F5344CB8AC3E}">
+        <p14:creationId xmlns:p14="http://schemas.microsoft.com/office/powerpoint/2010/main" val="345882673"/>
+      </p:ext>
+    </p:extLst>
+  </p:cSld>
+  <p:clrMapOvr>
+    <a:masterClrMapping/>
+  </p:clrMapOvr>
+</p:sld>
+</file>
+
+<file path=ppt/slides/slide6.xml><?xml version="1.0" encoding="utf-8"?>
+<p:sld xmlns:a="http://schemas.openxmlformats.org/drawingml/2006/main" xmlns:r="http://schemas.openxmlformats.org/officeDocument/2006/relationships" xmlns:p="http://schemas.openxmlformats.org/presentationml/2006/main">
+  <p:cSld>
+    <p:bg>
+      <p:bgPr>
+        <a:solidFill>
+          <a:schemeClr val="bg1"/>
+        </a:solidFill>
+        <a:effectLst/>
+      </p:bgPr>
+    </p:bg>
+    <p:spTree>
+      <p:nvGrpSpPr>
+        <p:cNvPr id="1" name=""/>
+        <p:cNvGrpSpPr/>
+        <p:nvPr/>
+      </p:nvGrpSpPr>
+      <p:grpSpPr>
+        <a:xfrm>
+          <a:off x="0" y="0"/>
+          <a:ext cx="0" cy="0"/>
+          <a:chOff x="0" y="0"/>
+          <a:chExt cx="0" cy="0"/>
+        </a:xfrm>
+      </p:grpSpPr>
+      <p:sp>
+        <p:nvSpPr>
+          <p:cNvPr id="21" name="Rectangle 20">
+            <a:extLst>
+              <a:ext uri="{FF2B5EF4-FFF2-40B4-BE49-F238E27FC236}">
+                <a16:creationId xmlns:a16="http://schemas.microsoft.com/office/drawing/2014/main" id="{8D06CE56-3881-4ADA-8CEF-D18B02C242A3}"/>
+              </a:ext>
+              <a:ext uri="{C183D7F6-B498-43B3-948B-1728B52AA6E4}">
+                <adec:decorative xmlns:adec="http://schemas.microsoft.com/office/drawing/2017/decorative" val="1"/>
+              </a:ext>
+            </a:extLst>
+          </p:cNvPr>
+          <p:cNvSpPr>
+            <a:spLocks noGrp="1" noRot="1" noChangeAspect="1" noMove="1" noResize="1" noEditPoints="1" noAdjustHandles="1" noChangeArrowheads="1" noChangeShapeType="1" noTextEdit="1"/>
+          </p:cNvSpPr>
+          <p:nvPr>
+            <p:extLst>
+              <p:ext uri="{386F3935-93C4-4BCD-93E2-E3B085C9AB24}">
+                <p16:designElem xmlns:p16="http://schemas.microsoft.com/office/powerpoint/2015/main" val="1"/>
+              </p:ext>
+            </p:extLst>
+          </p:nvPr>
+        </p:nvSpPr>
+        <p:spPr>
+          <a:xfrm rot="5400000">
+            <a:off x="857544" y="346791"/>
+            <a:ext cx="146304" cy="704088"/>
+          </a:xfrm>
+          <a:prstGeom prst="rect">
+            <a:avLst/>
+          </a:prstGeom>
+          <a:solidFill>
+            <a:schemeClr val="accent1"/>
+          </a:solidFill>
+          <a:ln>
+            <a:noFill/>
+          </a:ln>
+        </p:spPr>
+        <p:style>
+          <a:lnRef idx="2">
+            <a:schemeClr val="accent1">
+              <a:shade val="50000"/>
+            </a:schemeClr>
+          </a:lnRef>
+          <a:fillRef idx="1">
+            <a:schemeClr val="accent1"/>
+          </a:fillRef>
+          <a:effectRef idx="0">
+            <a:schemeClr val="accent1"/>
+          </a:effectRef>
+          <a:fontRef idx="minor">
+            <a:schemeClr val="lt1"/>
+          </a:fontRef>
+        </p:style>
+        <p:txBody>
+          <a:bodyPr rtlCol="0" anchor="ctr"/>
+          <a:lstStyle/>
+          <a:p>
+            <a:pPr marL="0" marR="0" lvl="0" indent="0" algn="ctr" defTabSz="914400" rtl="0" eaLnBrk="1" fontAlgn="auto" latinLnBrk="0" hangingPunct="1">
+              <a:lnSpc>
+                <a:spcPct val="100000"/>
+              </a:lnSpc>
+              <a:spcBef>
+                <a:spcPts val="0"/>
+              </a:spcBef>
+              <a:spcAft>
+                <a:spcPts val="0"/>
+              </a:spcAft>
+              <a:buClrTx/>
+              <a:buSzTx/>
+              <a:buFontTx/>
+              <a:buNone/>
+              <a:tabLst/>
+              <a:defRPr/>
+            </a:pPr>
+            <a:endParaRPr kumimoji="0" lang="en-US" sz="1800" b="0" i="0" u="none" strike="noStrike" kern="1200" cap="none" spc="0" normalizeH="0" baseline="0" noProof="0">
+              <a:ln>
+                <a:noFill/>
+              </a:ln>
+              <a:solidFill>
+                <a:prstClr val="white"/>
+              </a:solidFill>
+              <a:effectLst/>
+              <a:uLnTx/>
+              <a:uFillTx/>
+              <a:latin typeface="Calibri" panose="020F0502020204030204"/>
+              <a:ea typeface="+mn-ea"/>
+              <a:cs typeface="+mn-cs"/>
+            </a:endParaRPr>
+          </a:p>
+        </p:txBody>
+      </p:sp>
+      <p:sp>
+        <p:nvSpPr>
+          <p:cNvPr id="23" name="Rectangle 22">
+            <a:extLst>
+              <a:ext uri="{FF2B5EF4-FFF2-40B4-BE49-F238E27FC236}">
+                <a16:creationId xmlns:a16="http://schemas.microsoft.com/office/drawing/2014/main" id="{79F3C543-62EC-4433-9C93-A2CD8764E9B4}"/>
+              </a:ext>
+              <a:ext uri="{C183D7F6-B498-43B3-948B-1728B52AA6E4}">
+                <adec:decorative xmlns:adec="http://schemas.microsoft.com/office/drawing/2017/decorative" val="1"/>
+              </a:ext>
+            </a:extLst>
+          </p:cNvPr>
+          <p:cNvSpPr>
+            <a:spLocks noGrp="1" noRot="1" noChangeAspect="1" noMove="1" noResize="1" noEditPoints="1" noAdjustHandles="1" noChangeArrowheads="1" noChangeShapeType="1" noTextEdit="1"/>
+          </p:cNvSpPr>
+          <p:nvPr>
+            <p:extLst>
+              <p:ext uri="{386F3935-93C4-4BCD-93E2-E3B085C9AB24}">
+                <p16:designElem xmlns:p16="http://schemas.microsoft.com/office/powerpoint/2015/main" val="1"/>
+              </p:ext>
+            </p:extLst>
+          </p:nvPr>
+        </p:nvSpPr>
+        <p:spPr>
+          <a:xfrm flipV="1">
+            <a:off x="578652" y="4501201"/>
+            <a:ext cx="11034696" cy="18288"/>
+          </a:xfrm>
+          <a:prstGeom prst="rect">
+            <a:avLst/>
+          </a:prstGeom>
+          <a:solidFill>
+            <a:schemeClr val="tx2">
+              <a:lumMod val="25000"/>
+              <a:lumOff val="75000"/>
+            </a:schemeClr>
+          </a:solidFill>
+          <a:ln w="3175">
+            <a:noFill/>
+          </a:ln>
+          <a:effectLst/>
+        </p:spPr>
+        <p:style>
+          <a:lnRef idx="2">
+            <a:schemeClr val="accent1">
+              <a:shade val="50000"/>
+            </a:schemeClr>
+          </a:lnRef>
+          <a:fillRef idx="1">
+            <a:schemeClr val="accent1"/>
+          </a:fillRef>
+          <a:effectRef idx="0">
+            <a:schemeClr val="accent1"/>
+          </a:effectRef>
+          <a:fontRef idx="minor">
+            <a:schemeClr val="lt1"/>
+          </a:fontRef>
+        </p:style>
+        <p:txBody>
+          <a:bodyPr rtlCol="0" anchor="ctr"/>
+          <a:lstStyle/>
+          <a:p>
+            <a:pPr marL="0" marR="0" lvl="0" indent="0" algn="ctr" defTabSz="914400" rtl="0" eaLnBrk="1" fontAlgn="auto" latinLnBrk="0" hangingPunct="1">
+              <a:lnSpc>
+                <a:spcPct val="100000"/>
+              </a:lnSpc>
+              <a:spcBef>
+                <a:spcPts val="0"/>
+              </a:spcBef>
+              <a:spcAft>
+                <a:spcPts val="0"/>
+              </a:spcAft>
+              <a:buClrTx/>
+              <a:buSzTx/>
+              <a:buFontTx/>
+              <a:buNone/>
+              <a:tabLst/>
+              <a:defRPr/>
+            </a:pPr>
+            <a:endParaRPr kumimoji="0" lang="en-US" sz="1800" b="0" i="0" u="none" strike="noStrike" kern="1200" cap="none" spc="0" normalizeH="0" baseline="0" noProof="0">
+              <a:ln>
+                <a:noFill/>
+              </a:ln>
+              <a:solidFill>
+                <a:prstClr val="white"/>
+              </a:solidFill>
+              <a:effectLst/>
+              <a:uLnTx/>
+              <a:uFillTx/>
+              <a:latin typeface="Calibri" panose="020F0502020204030204"/>
+              <a:ea typeface="+mn-ea"/>
+              <a:cs typeface="+mn-cs"/>
+            </a:endParaRPr>
+          </a:p>
+        </p:txBody>
+      </p:sp>
+      <p:sp useBgFill="1">
+        <p:nvSpPr>
+          <p:cNvPr id="25" name="Rectangle 24">
+            <a:extLst>
+              <a:ext uri="{FF2B5EF4-FFF2-40B4-BE49-F238E27FC236}">
+                <a16:creationId xmlns:a16="http://schemas.microsoft.com/office/drawing/2014/main" id="{5A59F003-E00A-43F9-91DC-CC54E3B87466}"/>
+              </a:ext>
+              <a:ext uri="{C183D7F6-B498-43B3-948B-1728B52AA6E4}">
+                <adec:decorative xmlns:adec="http://schemas.microsoft.com/office/drawing/2017/decorative" val="1"/>
+              </a:ext>
+            </a:extLst>
+          </p:cNvPr>
+          <p:cNvSpPr>
+            <a:spLocks noGrp="1" noRot="1" noChangeAspect="1" noMove="1" noResize="1" noEditPoints="1" noAdjustHandles="1" noChangeArrowheads="1" noChangeShapeType="1" noTextEdit="1"/>
+          </p:cNvSpPr>
+          <p:nvPr>
+            <p:extLst>
+              <p:ext uri="{386F3935-93C4-4BCD-93E2-E3B085C9AB24}">
+                <p16:designElem xmlns:p16="http://schemas.microsoft.com/office/powerpoint/2015/main" val="1"/>
+              </p:ext>
+            </p:extLst>
+          </p:nvPr>
+        </p:nvSpPr>
+        <p:spPr>
+          <a:xfrm>
+            <a:off x="0" y="0"/>
+            <a:ext cx="12192000" cy="6858000"/>
+          </a:xfrm>
+          <a:prstGeom prst="rect">
+            <a:avLst/>
+          </a:prstGeom>
+          <a:ln>
+            <a:noFill/>
+          </a:ln>
+        </p:spPr>
+        <p:style>
+          <a:lnRef idx="2">
+            <a:schemeClr val="accent1">
+              <a:shade val="50000"/>
+            </a:schemeClr>
+          </a:lnRef>
+          <a:fillRef idx="1">
+            <a:schemeClr val="accent1"/>
+          </a:fillRef>
+          <a:effectRef idx="0">
+            <a:schemeClr val="accent1"/>
+          </a:effectRef>
+          <a:fontRef idx="minor">
+            <a:schemeClr val="lt1"/>
+          </a:fontRef>
+        </p:style>
+        <p:txBody>
+          <a:bodyPr rtlCol="0" anchor="ctr"/>
+          <a:lstStyle/>
+          <a:p>
+            <a:pPr algn="ctr"/>
+            <a:endParaRPr lang="en-US"/>
+          </a:p>
+        </p:txBody>
+      </p:sp>
+      <p:pic>
+        <p:nvPicPr>
+          <p:cNvPr id="5" name="Picture 4" descr="Dobbelstenen en pinnen op een bordspel">
+            <a:extLst>
+              <a:ext uri="{FF2B5EF4-FFF2-40B4-BE49-F238E27FC236}">
+                <a16:creationId xmlns:a16="http://schemas.microsoft.com/office/drawing/2014/main" id="{763EE564-E242-D13B-3F4E-1C5B035FFC9D}"/>
+              </a:ext>
+            </a:extLst>
+          </p:cNvPr>
+          <p:cNvPicPr>
+            <a:picLocks noChangeAspect="1"/>
+          </p:cNvPicPr>
+          <p:nvPr/>
+        </p:nvPicPr>
+        <p:blipFill rotWithShape="1">
+          <a:blip r:embed="rId2"/>
+          <a:srcRect t="15413"/>
+          <a:stretch/>
+        </p:blipFill>
+        <p:spPr>
+          <a:xfrm>
+            <a:off x="20" y="10"/>
+            <a:ext cx="12191981" cy="6857990"/>
+          </a:xfrm>
+          <a:prstGeom prst="rect">
+            <a:avLst/>
+          </a:prstGeom>
+        </p:spPr>
+      </p:pic>
+      <p:sp>
+        <p:nvSpPr>
+          <p:cNvPr id="27" name="Rectangle 26">
+            <a:extLst>
+              <a:ext uri="{FF2B5EF4-FFF2-40B4-BE49-F238E27FC236}">
+                <a16:creationId xmlns:a16="http://schemas.microsoft.com/office/drawing/2014/main" id="{D74A4382-E3AD-430A-9A1F-DFA3E0E77A7D}"/>
+              </a:ext>
+              <a:ext uri="{C183D7F6-B498-43B3-948B-1728B52AA6E4}">
+                <adec:decorative xmlns:adec="http://schemas.microsoft.com/office/drawing/2017/decorative" val="1"/>
+              </a:ext>
+            </a:extLst>
+          </p:cNvPr>
+          <p:cNvSpPr>
+            <a:spLocks noGrp="1" noRot="1" noChangeAspect="1" noMove="1" noResize="1" noEditPoints="1" noAdjustHandles="1" noChangeArrowheads="1" noChangeShapeType="1" noTextEdit="1"/>
+          </p:cNvSpPr>
+          <p:nvPr>
+            <p:extLst>
+              <p:ext uri="{386F3935-93C4-4BCD-93E2-E3B085C9AB24}">
+                <p16:designElem xmlns:p16="http://schemas.microsoft.com/office/powerpoint/2015/main" val="1"/>
+              </p:ext>
+            </p:extLst>
+          </p:nvPr>
+        </p:nvSpPr>
+        <p:spPr>
+          <a:xfrm rot="16200000">
+            <a:off x="3799868" y="-1534136"/>
+            <a:ext cx="4592270" cy="12192001"/>
+          </a:xfrm>
+          <a:prstGeom prst="rect">
+            <a:avLst/>
+          </a:prstGeom>
+          <a:gradFill>
+            <a:gsLst>
+              <a:gs pos="35000">
+                <a:schemeClr val="tx1">
+                  <a:alpha val="46000"/>
+                </a:schemeClr>
+              </a:gs>
+              <a:gs pos="21000">
+                <a:schemeClr val="tx1">
+                  <a:alpha val="30000"/>
+                </a:schemeClr>
+              </a:gs>
+              <a:gs pos="0">
+                <a:schemeClr val="tx1">
+                  <a:alpha val="0"/>
+                </a:schemeClr>
+              </a:gs>
+              <a:gs pos="100000">
+                <a:schemeClr val="tx1">
+                  <a:alpha val="90000"/>
+                </a:schemeClr>
+              </a:gs>
+            </a:gsLst>
+            <a:lin ang="10800000" scaled="0"/>
+          </a:gradFill>
+          <a:ln>
+            <a:noFill/>
+          </a:ln>
+        </p:spPr>
+        <p:style>
+          <a:lnRef idx="2">
+            <a:schemeClr val="accent1">
+              <a:shade val="50000"/>
+            </a:schemeClr>
+          </a:lnRef>
+          <a:fillRef idx="1">
+            <a:schemeClr val="accent1"/>
+          </a:fillRef>
+          <a:effectRef idx="0">
+            <a:schemeClr val="accent1"/>
+          </a:effectRef>
+          <a:fontRef idx="minor">
+            <a:schemeClr val="lt1"/>
+          </a:fontRef>
+        </p:style>
+        <p:txBody>
+          <a:bodyPr rtlCol="0" anchor="ctr"/>
+          <a:lstStyle/>
+          <a:p>
+            <a:pPr algn="ctr"/>
+            <a:endParaRPr lang="en-US" dirty="0"/>
+          </a:p>
+        </p:txBody>
+      </p:sp>
+      <p:sp>
+        <p:nvSpPr>
+          <p:cNvPr id="2" name="Title 1">
+            <a:extLst>
+              <a:ext uri="{FF2B5EF4-FFF2-40B4-BE49-F238E27FC236}">
+                <a16:creationId xmlns:a16="http://schemas.microsoft.com/office/drawing/2014/main" id="{739A7B22-7F09-72B7-5341-ED045BCD6FB0}"/>
+              </a:ext>
+            </a:extLst>
+          </p:cNvPr>
+          <p:cNvSpPr>
+            <a:spLocks noGrp="1"/>
+          </p:cNvSpPr>
+          <p:nvPr>
+            <p:ph type="title"/>
+          </p:nvPr>
+        </p:nvSpPr>
+        <p:spPr>
+          <a:xfrm>
+            <a:off x="404553" y="3091928"/>
+            <a:ext cx="9078562" cy="2387600"/>
+          </a:xfrm>
+        </p:spPr>
+        <p:txBody>
+          <a:bodyPr vert="horz" lIns="91440" tIns="45720" rIns="91440" bIns="45720" rtlCol="0" anchor="b">
+            <a:normAutofit/>
+          </a:bodyPr>
+          <a:lstStyle/>
+          <a:p>
+            <a:r>
+              <a:rPr lang="en-US" sz="6600">
+                <a:solidFill>
+                  <a:schemeClr val="bg1"/>
+                </a:solidFill>
+              </a:rPr>
+              <a:t>Vragen?</a:t>
+            </a:r>
+          </a:p>
+        </p:txBody>
+      </p:sp>
+      <p:sp>
+        <p:nvSpPr>
+          <p:cNvPr id="29" name="Rectangle: Rounded Corners 28">
+            <a:extLst>
+              <a:ext uri="{FF2B5EF4-FFF2-40B4-BE49-F238E27FC236}">
+                <a16:creationId xmlns:a16="http://schemas.microsoft.com/office/drawing/2014/main" id="{79F40191-0F44-4FD1-82CC-ACB507C14BE6}"/>
+              </a:ext>
+              <a:ext uri="{C183D7F6-B498-43B3-948B-1728B52AA6E4}">
+                <adec:decorative xmlns:adec="http://schemas.microsoft.com/office/drawing/2017/decorative" val="1"/>
+              </a:ext>
+            </a:extLst>
+          </p:cNvPr>
+          <p:cNvSpPr>
+            <a:spLocks noGrp="1" noRot="1" noChangeAspect="1" noMove="1" noResize="1" noEditPoints="1" noAdjustHandles="1" noChangeArrowheads="1" noChangeShapeType="1" noTextEdit="1"/>
+          </p:cNvSpPr>
+          <p:nvPr>
+            <p:extLst>
+              <p:ext uri="{386F3935-93C4-4BCD-93E2-E3B085C9AB24}">
+                <p16:designElem xmlns:p16="http://schemas.microsoft.com/office/powerpoint/2015/main" val="1"/>
+              </p:ext>
+            </p:extLst>
+          </p:nvPr>
+        </p:nvSpPr>
+        <p:spPr>
+          <a:xfrm>
+            <a:off x="0" y="5575039"/>
+            <a:ext cx="9785897" cy="685800"/>
+          </a:xfrm>
+          <a:prstGeom prst="roundRect">
+            <a:avLst>
+              <a:gd name="adj" fmla="val 0"/>
+            </a:avLst>
+          </a:prstGeom>
+          <a:solidFill>
+            <a:schemeClr val="accent1"/>
+          </a:solidFill>
+          <a:ln>
+            <a:noFill/>
+          </a:ln>
+        </p:spPr>
+        <p:style>
+          <a:lnRef idx="2">
+            <a:schemeClr val="accent1">
+              <a:shade val="50000"/>
+            </a:schemeClr>
+          </a:lnRef>
+          <a:fillRef idx="1">
+            <a:schemeClr val="accent1"/>
+          </a:fillRef>
+          <a:effectRef idx="0">
+            <a:schemeClr val="accent1"/>
+          </a:effectRef>
+          <a:fontRef idx="minor">
+            <a:schemeClr val="lt1"/>
+          </a:fontRef>
+        </p:style>
+        <p:txBody>
+          <a:bodyPr rtlCol="0" anchor="ctr"/>
+          <a:lstStyle/>
+          <a:p>
+            <a:pPr algn="ctr"/>
+            <a:endParaRPr lang="en-US"/>
+          </a:p>
+        </p:txBody>
+      </p:sp>
+      <p:sp>
+        <p:nvSpPr>
+          <p:cNvPr id="4" name="TextBox 3">
+            <a:extLst>
+              <a:ext uri="{FF2B5EF4-FFF2-40B4-BE49-F238E27FC236}">
+                <a16:creationId xmlns:a16="http://schemas.microsoft.com/office/drawing/2014/main" id="{271C06C6-4FCE-5F0A-217D-1BE6EFF6881B}"/>
+              </a:ext>
+            </a:extLst>
+          </p:cNvPr>
+          <p:cNvSpPr txBox="1"/>
+          <p:nvPr/>
+        </p:nvSpPr>
+        <p:spPr>
+          <a:xfrm>
+            <a:off x="371094" y="2718054"/>
+            <a:ext cx="3438906" cy="3207258"/>
+          </a:xfrm>
+          <a:prstGeom prst="rect">
+            <a:avLst/>
+          </a:prstGeom>
+        </p:spPr>
+        <p:txBody>
+          <a:bodyPr vert="horz" lIns="91440" tIns="45720" rIns="91440" bIns="45720" rtlCol="0" anchor="t">
+            <a:normAutofit/>
+          </a:bodyPr>
+          <a:lstStyle/>
+          <a:p>
+            <a:pPr marL="57150">
+              <a:lnSpc>
+                <a:spcPct val="110000"/>
+              </a:lnSpc>
+              <a:spcAft>
+                <a:spcPts val="600"/>
+              </a:spcAft>
+            </a:pPr>
+            <a:endParaRPr lang="en-US" sz="1700" dirty="0">
+              <a:solidFill>
+                <a:schemeClr val="bg1"/>
+              </a:solidFill>
+            </a:endParaRPr>
+          </a:p>
+        </p:txBody>
+      </p:sp>
+    </p:spTree>
+    <p:extLst>
+      <p:ext uri="{BB962C8B-B14F-4D97-AF65-F5344CB8AC3E}">
+        <p14:creationId xmlns:p14="http://schemas.microsoft.com/office/powerpoint/2010/main" val="4030645280"/>
       </p:ext>
     </p:extLst>
   </p:cSld>

--- a/Break out.pptx
+++ b/Break out.pptx
@@ -273,7 +273,7 @@
           <a:p>
             <a:fld id="{02AC24A9-CCB6-4F8D-B8DB-C2F3692CFA5A}" type="datetimeFigureOut">
               <a:rPr lang="en-US" smtClean="0"/>
-              <a:t>6/11/2024</a:t>
+              <a:t>6/12/2024</a:t>
             </a:fld>
             <a:endParaRPr lang="en-US" dirty="0"/>
           </a:p>
@@ -643,7 +643,7 @@
           <a:p>
             <a:fld id="{02AC24A9-CCB6-4F8D-B8DB-C2F3692CFA5A}" type="datetimeFigureOut">
               <a:rPr lang="en-US" smtClean="0"/>
-              <a:t>6/11/2024</a:t>
+              <a:t>6/12/2024</a:t>
             </a:fld>
             <a:endParaRPr lang="en-US"/>
           </a:p>
@@ -852,7 +852,7 @@
           <a:p>
             <a:fld id="{02AC24A9-CCB6-4F8D-B8DB-C2F3692CFA5A}" type="datetimeFigureOut">
               <a:rPr lang="en-US" smtClean="0"/>
-              <a:t>6/11/2024</a:t>
+              <a:t>6/12/2024</a:t>
             </a:fld>
             <a:endParaRPr lang="en-US"/>
           </a:p>
@@ -1322,7 +1322,7 @@
           <a:p>
             <a:fld id="{02AC24A9-CCB6-4F8D-B8DB-C2F3692CFA5A}" type="datetimeFigureOut">
               <a:rPr lang="en-US" smtClean="0"/>
-              <a:t>6/11/2024</a:t>
+              <a:t>6/12/2024</a:t>
             </a:fld>
             <a:endParaRPr lang="en-US"/>
           </a:p>
@@ -1776,7 +1776,7 @@
           <a:p>
             <a:fld id="{02AC24A9-CCB6-4F8D-B8DB-C2F3692CFA5A}" type="datetimeFigureOut">
               <a:rPr lang="en-US" smtClean="0"/>
-              <a:t>6/11/2024</a:t>
+              <a:t>6/12/2024</a:t>
             </a:fld>
             <a:endParaRPr lang="en-US"/>
           </a:p>
@@ -2308,7 +2308,7 @@
           <a:p>
             <a:fld id="{02AC24A9-CCB6-4F8D-B8DB-C2F3692CFA5A}" type="datetimeFigureOut">
               <a:rPr lang="en-US" smtClean="0"/>
-              <a:t>6/11/2024</a:t>
+              <a:t>6/12/2024</a:t>
             </a:fld>
             <a:endParaRPr lang="en-US"/>
           </a:p>
@@ -3007,7 +3007,7 @@
           <a:p>
             <a:fld id="{02AC24A9-CCB6-4F8D-B8DB-C2F3692CFA5A}" type="datetimeFigureOut">
               <a:rPr lang="en-US" smtClean="0"/>
-              <a:t>6/11/2024</a:t>
+              <a:t>6/12/2024</a:t>
             </a:fld>
             <a:endParaRPr lang="en-US"/>
           </a:p>
@@ -3336,7 +3336,7 @@
           <a:p>
             <a:fld id="{02AC24A9-CCB6-4F8D-B8DB-C2F3692CFA5A}" type="datetimeFigureOut">
               <a:rPr lang="en-US" smtClean="0"/>
-              <a:t>6/11/2024</a:t>
+              <a:t>6/12/2024</a:t>
             </a:fld>
             <a:endParaRPr lang="en-US"/>
           </a:p>
@@ -3449,7 +3449,7 @@
           <a:p>
             <a:fld id="{02AC24A9-CCB6-4F8D-B8DB-C2F3692CFA5A}" type="datetimeFigureOut">
               <a:rPr lang="en-US" smtClean="0"/>
-              <a:t>6/11/2024</a:t>
+              <a:t>6/12/2024</a:t>
             </a:fld>
             <a:endParaRPr lang="en-US"/>
           </a:p>
@@ -3944,7 +3944,7 @@
           <a:p>
             <a:fld id="{02AC24A9-CCB6-4F8D-B8DB-C2F3692CFA5A}" type="datetimeFigureOut">
               <a:rPr lang="en-US" smtClean="0"/>
-              <a:t>6/11/2024</a:t>
+              <a:t>6/12/2024</a:t>
             </a:fld>
             <a:endParaRPr lang="en-US" dirty="0"/>
           </a:p>
@@ -4421,7 +4421,7 @@
           <a:p>
             <a:fld id="{02AC24A9-CCB6-4F8D-B8DB-C2F3692CFA5A}" type="datetimeFigureOut">
               <a:rPr lang="en-US" smtClean="0"/>
-              <a:t>6/11/2024</a:t>
+              <a:t>6/12/2024</a:t>
             </a:fld>
             <a:endParaRPr lang="en-US"/>
           </a:p>
@@ -4664,7 +4664,7 @@
           <a:p>
             <a:fld id="{02AC24A9-CCB6-4F8D-B8DB-C2F3692CFA5A}" type="datetimeFigureOut">
               <a:rPr lang="en-US" smtClean="0"/>
-              <a:t>6/11/2024</a:t>
+              <a:t>6/12/2024</a:t>
             </a:fld>
             <a:endParaRPr lang="en-US"/>
           </a:p>
@@ -6552,35 +6552,6 @@
           </a:p>
         </p:txBody>
       </p:sp>
-      <p:pic>
-        <p:nvPicPr>
-          <p:cNvPr id="6" name="Picture 5">
-            <a:extLst>
-              <a:ext uri="{FF2B5EF4-FFF2-40B4-BE49-F238E27FC236}">
-                <a16:creationId xmlns:a16="http://schemas.microsoft.com/office/drawing/2014/main" id="{4500BFF0-3438-918D-0585-23C3B68F7963}"/>
-              </a:ext>
-            </a:extLst>
-          </p:cNvPr>
-          <p:cNvPicPr>
-            <a:picLocks noChangeAspect="1"/>
-          </p:cNvPicPr>
-          <p:nvPr/>
-        </p:nvPicPr>
-        <p:blipFill rotWithShape="1">
-          <a:blip r:embed="rId2"/>
-          <a:srcRect r="-1" b="5986"/>
-          <a:stretch/>
-        </p:blipFill>
-        <p:spPr>
-          <a:xfrm>
-            <a:off x="352751" y="302429"/>
-            <a:ext cx="11550506" cy="6053920"/>
-          </a:xfrm>
-          <a:prstGeom prst="rect">
-            <a:avLst/>
-          </a:prstGeom>
-        </p:spPr>
-      </p:pic>
       <p:sp>
         <p:nvSpPr>
           <p:cNvPr id="15" name="Rectangle 14">
@@ -6673,6 +6644,36 @@
           </a:p>
         </p:txBody>
       </p:sp>
+      <p:pic>
+        <p:nvPicPr>
+          <p:cNvPr id="3" name="Picture 2">
+            <a:extLst>
+              <a:ext uri="{FF2B5EF4-FFF2-40B4-BE49-F238E27FC236}">
+                <a16:creationId xmlns:a16="http://schemas.microsoft.com/office/drawing/2014/main" id="{FD2712C3-8025-6CFC-67F4-DDBF608F0694}"/>
+              </a:ext>
+            </a:extLst>
+          </p:cNvPr>
+          <p:cNvPicPr>
+            <a:picLocks noChangeAspect="1"/>
+          </p:cNvPicPr>
+          <p:nvPr/>
+        </p:nvPicPr>
+        <p:blipFill>
+          <a:blip r:embed="rId2"/>
+          <a:stretch>
+            <a:fillRect/>
+          </a:stretch>
+        </p:blipFill>
+        <p:spPr>
+          <a:xfrm>
+            <a:off x="823176" y="428206"/>
+            <a:ext cx="10545647" cy="6001588"/>
+          </a:xfrm>
+          <a:prstGeom prst="rect">
+            <a:avLst/>
+          </a:prstGeom>
+        </p:spPr>
+      </p:pic>
     </p:spTree>
     <p:extLst>
       <p:ext uri="{BB962C8B-B14F-4D97-AF65-F5344CB8AC3E}">

--- a/Break out.pptx
+++ b/Break out.pptx
@@ -6,11 +6,12 @@
   </p:sldMasterIdLst>
   <p:sldIdLst>
     <p:sldId id="256" r:id="rId2"/>
-    <p:sldId id="257" r:id="rId3"/>
-    <p:sldId id="261" r:id="rId4"/>
-    <p:sldId id="258" r:id="rId5"/>
-    <p:sldId id="259" r:id="rId6"/>
-    <p:sldId id="260" r:id="rId7"/>
+    <p:sldId id="262" r:id="rId3"/>
+    <p:sldId id="257" r:id="rId4"/>
+    <p:sldId id="261" r:id="rId5"/>
+    <p:sldId id="258" r:id="rId6"/>
+    <p:sldId id="259" r:id="rId7"/>
+    <p:sldId id="260" r:id="rId8"/>
   </p:sldIdLst>
   <p:sldSz cx="12192000" cy="6858000"/>
   <p:notesSz cx="6858000" cy="9144000"/>
@@ -5747,12 +5748,12 @@
           <a:chExt cx="0" cy="0"/>
         </a:xfrm>
       </p:grpSpPr>
-      <p:sp>
-        <p:nvSpPr>
-          <p:cNvPr id="1031" name="Rectangle 1030">
-            <a:extLst>
-              <a:ext uri="{FF2B5EF4-FFF2-40B4-BE49-F238E27FC236}">
-                <a16:creationId xmlns:a16="http://schemas.microsoft.com/office/drawing/2014/main" id="{8D06CE56-3881-4ADA-8CEF-D18B02C242A3}"/>
+      <p:sp useBgFill="1">
+        <p:nvSpPr>
+          <p:cNvPr id="10" name="Rectangle 9">
+            <a:extLst>
+              <a:ext uri="{FF2B5EF4-FFF2-40B4-BE49-F238E27FC236}">
+                <a16:creationId xmlns:a16="http://schemas.microsoft.com/office/drawing/2014/main" id="{9AA72BD9-2C5A-4EDC-931F-5AA08EACA0F3}"/>
               </a:ext>
               <a:ext uri="{C183D7F6-B498-43B3-948B-1728B52AA6E4}">
                 <adec:decorative xmlns:adec="http://schemas.microsoft.com/office/drawing/2017/decorative" val="1"/>
@@ -5771,9 +5772,231 @@
           </p:nvPr>
         </p:nvSpPr>
         <p:spPr>
+          <a:xfrm>
+            <a:off x="0" y="0"/>
+            <a:ext cx="12192000" cy="6858000"/>
+          </a:xfrm>
+          <a:prstGeom prst="rect">
+            <a:avLst/>
+          </a:prstGeom>
+          <a:ln>
+            <a:noFill/>
+          </a:ln>
+        </p:spPr>
+        <p:style>
+          <a:lnRef idx="2">
+            <a:schemeClr val="accent1">
+              <a:shade val="50000"/>
+            </a:schemeClr>
+          </a:lnRef>
+          <a:fillRef idx="1">
+            <a:schemeClr val="accent1"/>
+          </a:fillRef>
+          <a:effectRef idx="0">
+            <a:schemeClr val="accent1"/>
+          </a:effectRef>
+          <a:fontRef idx="minor">
+            <a:schemeClr val="lt1"/>
+          </a:fontRef>
+        </p:style>
+        <p:txBody>
+          <a:bodyPr rtlCol="0" anchor="ctr"/>
+          <a:lstStyle/>
+          <a:p>
+            <a:pPr algn="ctr"/>
+            <a:endParaRPr lang="en-US"/>
+          </a:p>
+        </p:txBody>
+      </p:sp>
+      <p:pic>
+        <p:nvPicPr>
+          <p:cNvPr id="5" name="Picture 4" descr="Dobbelstenen en pinnen op een bordspel">
+            <a:extLst>
+              <a:ext uri="{FF2B5EF4-FFF2-40B4-BE49-F238E27FC236}">
+                <a16:creationId xmlns:a16="http://schemas.microsoft.com/office/drawing/2014/main" id="{763EE564-E242-D13B-3F4E-1C5B035FFC9D}"/>
+              </a:ext>
+            </a:extLst>
+          </p:cNvPr>
+          <p:cNvPicPr>
+            <a:picLocks noChangeAspect="1"/>
+          </p:cNvPicPr>
+          <p:nvPr/>
+        </p:nvPicPr>
+        <p:blipFill rotWithShape="1">
+          <a:blip r:embed="rId2"/>
+          <a:srcRect r="15934"/>
+          <a:stretch/>
+        </p:blipFill>
+        <p:spPr>
+          <a:xfrm>
+            <a:off x="3522468" y="10"/>
+            <a:ext cx="8669532" cy="6857990"/>
+          </a:xfrm>
+          <a:prstGeom prst="rect">
+            <a:avLst/>
+          </a:prstGeom>
+        </p:spPr>
+      </p:pic>
+      <p:sp>
+        <p:nvSpPr>
+          <p:cNvPr id="12" name="Rectangle 11">
+            <a:extLst>
+              <a:ext uri="{FF2B5EF4-FFF2-40B4-BE49-F238E27FC236}">
+                <a16:creationId xmlns:a16="http://schemas.microsoft.com/office/drawing/2014/main" id="{8A6DB0E6-E65F-4229-A5A0-2500203B6CC3}"/>
+              </a:ext>
+              <a:ext uri="{C183D7F6-B498-43B3-948B-1728B52AA6E4}">
+                <adec:decorative xmlns:adec="http://schemas.microsoft.com/office/drawing/2017/decorative" val="1"/>
+              </a:ext>
+            </a:extLst>
+          </p:cNvPr>
+          <p:cNvSpPr>
+            <a:spLocks noGrp="1" noRot="1" noChangeAspect="1" noMove="1" noResize="1" noEditPoints="1" noAdjustHandles="1" noChangeArrowheads="1" noChangeShapeType="1" noTextEdit="1"/>
+          </p:cNvSpPr>
+          <p:nvPr>
+            <p:extLst>
+              <p:ext uri="{386F3935-93C4-4BCD-93E2-E3B085C9AB24}">
+                <p16:designElem xmlns:p16="http://schemas.microsoft.com/office/powerpoint/2015/main" val="1"/>
+              </p:ext>
+            </p:extLst>
+          </p:nvPr>
+        </p:nvSpPr>
+        <p:spPr>
+          <a:xfrm>
+            <a:off x="2" y="0"/>
+            <a:ext cx="9756601" cy="6858000"/>
+          </a:xfrm>
+          <a:prstGeom prst="rect">
+            <a:avLst/>
+          </a:prstGeom>
+          <a:gradFill>
+            <a:gsLst>
+              <a:gs pos="58000">
+                <a:schemeClr val="tx1"/>
+              </a:gs>
+              <a:gs pos="35000">
+                <a:schemeClr val="tx1">
+                  <a:alpha val="78000"/>
+                </a:schemeClr>
+              </a:gs>
+              <a:gs pos="19000">
+                <a:schemeClr val="tx1">
+                  <a:alpha val="38000"/>
+                </a:schemeClr>
+              </a:gs>
+              <a:gs pos="0">
+                <a:schemeClr val="tx1">
+                  <a:alpha val="0"/>
+                </a:schemeClr>
+              </a:gs>
+              <a:gs pos="100000">
+                <a:schemeClr val="tx1"/>
+              </a:gs>
+            </a:gsLst>
+            <a:lin ang="10800000" scaled="0"/>
+          </a:gradFill>
+          <a:ln>
+            <a:noFill/>
+          </a:ln>
+        </p:spPr>
+        <p:style>
+          <a:lnRef idx="2">
+            <a:schemeClr val="accent1">
+              <a:shade val="50000"/>
+            </a:schemeClr>
+          </a:lnRef>
+          <a:fillRef idx="1">
+            <a:schemeClr val="accent1"/>
+          </a:fillRef>
+          <a:effectRef idx="0">
+            <a:schemeClr val="accent1"/>
+          </a:effectRef>
+          <a:fontRef idx="minor">
+            <a:schemeClr val="lt1"/>
+          </a:fontRef>
+        </p:style>
+        <p:txBody>
+          <a:bodyPr rtlCol="0" anchor="ctr"/>
+          <a:lstStyle/>
+          <a:p>
+            <a:pPr algn="ctr"/>
+            <a:endParaRPr lang="en-US" dirty="0"/>
+          </a:p>
+        </p:txBody>
+      </p:sp>
+      <p:sp>
+        <p:nvSpPr>
+          <p:cNvPr id="2" name="Title 1">
+            <a:extLst>
+              <a:ext uri="{FF2B5EF4-FFF2-40B4-BE49-F238E27FC236}">
+                <a16:creationId xmlns:a16="http://schemas.microsoft.com/office/drawing/2014/main" id="{739A7B22-7F09-72B7-5341-ED045BCD6FB0}"/>
+              </a:ext>
+            </a:extLst>
+          </p:cNvPr>
+          <p:cNvSpPr>
+            <a:spLocks noGrp="1"/>
+          </p:cNvSpPr>
+          <p:nvPr>
+            <p:ph type="title"/>
+          </p:nvPr>
+        </p:nvSpPr>
+        <p:spPr>
+          <a:xfrm>
+            <a:off x="371094" y="1161288"/>
+            <a:ext cx="3438144" cy="1124712"/>
+          </a:xfrm>
+        </p:spPr>
+        <p:txBody>
+          <a:bodyPr vert="horz" lIns="91440" tIns="45720" rIns="91440" bIns="45720" rtlCol="0" anchor="b">
+            <a:normAutofit/>
+          </a:bodyPr>
+          <a:lstStyle/>
+          <a:p>
+            <a:r>
+              <a:rPr lang="en-US" sz="2800" dirty="0" err="1">
+                <a:solidFill>
+                  <a:schemeClr val="bg1"/>
+                </a:solidFill>
+              </a:rPr>
+              <a:t>Inhoud</a:t>
+            </a:r>
+            <a:r>
+              <a:rPr lang="en-US" sz="2800" dirty="0">
+                <a:solidFill>
+                  <a:schemeClr val="bg1"/>
+                </a:solidFill>
+              </a:rPr>
+              <a:t>	</a:t>
+            </a:r>
+          </a:p>
+        </p:txBody>
+      </p:sp>
+      <p:sp>
+        <p:nvSpPr>
+          <p:cNvPr id="14" name="Rectangle 13">
+            <a:extLst>
+              <a:ext uri="{FF2B5EF4-FFF2-40B4-BE49-F238E27FC236}">
+                <a16:creationId xmlns:a16="http://schemas.microsoft.com/office/drawing/2014/main" id="{55D4142C-5077-457F-A6AD-3FECFDB39685}"/>
+              </a:ext>
+              <a:ext uri="{C183D7F6-B498-43B3-948B-1728B52AA6E4}">
+                <adec:decorative xmlns:adec="http://schemas.microsoft.com/office/drawing/2017/decorative" val="1"/>
+              </a:ext>
+            </a:extLst>
+          </p:cNvPr>
+          <p:cNvSpPr>
+            <a:spLocks noGrp="1" noRot="1" noChangeAspect="1" noMove="1" noResize="1" noEditPoints="1" noAdjustHandles="1" noChangeArrowheads="1" noChangeShapeType="1" noTextEdit="1"/>
+          </p:cNvSpPr>
+          <p:nvPr>
+            <p:extLst>
+              <p:ext uri="{386F3935-93C4-4BCD-93E2-E3B085C9AB24}">
+                <p16:designElem xmlns:p16="http://schemas.microsoft.com/office/powerpoint/2015/main" val="1"/>
+              </p:ext>
+            </p:extLst>
+          </p:nvPr>
+        </p:nvSpPr>
+        <p:spPr>
           <a:xfrm rot="5400000">
-            <a:off x="857544" y="346791"/>
-            <a:ext cx="146304" cy="704088"/>
+            <a:off x="662559" y="605790"/>
+            <a:ext cx="73152" cy="548640"/>
           </a:xfrm>
           <a:prstGeom prst="rect">
             <a:avLst/>
@@ -5841,10 +6064,10 @@
       </p:sp>
       <p:sp>
         <p:nvSpPr>
-          <p:cNvPr id="1033" name="Rectangle 1032">
-            <a:extLst>
-              <a:ext uri="{FF2B5EF4-FFF2-40B4-BE49-F238E27FC236}">
-                <a16:creationId xmlns:a16="http://schemas.microsoft.com/office/drawing/2014/main" id="{79F3C543-62EC-4433-9C93-A2CD8764E9B4}"/>
+          <p:cNvPr id="16" name="Rectangle 15">
+            <a:extLst>
+              <a:ext uri="{FF2B5EF4-FFF2-40B4-BE49-F238E27FC236}">
+                <a16:creationId xmlns:a16="http://schemas.microsoft.com/office/drawing/2014/main" id="{7A5F0580-5EE9-419F-96EE-B6529EF6E7D0}"/>
               </a:ext>
               <a:ext uri="{C183D7F6-B498-43B3-948B-1728B52AA6E4}">
                 <adec:decorative xmlns:adec="http://schemas.microsoft.com/office/drawing/2017/decorative" val="1"/>
@@ -5863,18 +6086,15 @@
           </p:nvPr>
         </p:nvSpPr>
         <p:spPr>
-          <a:xfrm flipV="1">
-            <a:off x="578652" y="4501201"/>
-            <a:ext cx="11034696" cy="18288"/>
+          <a:xfrm>
+            <a:off x="428244" y="2443480"/>
+            <a:ext cx="3300984" cy="18288"/>
           </a:xfrm>
           <a:prstGeom prst="rect">
             <a:avLst/>
           </a:prstGeom>
           <a:solidFill>
-            <a:schemeClr val="tx2">
-              <a:lumMod val="25000"/>
-              <a:lumOff val="75000"/>
-            </a:schemeClr>
+            <a:schemeClr val="bg1"/>
           </a:solidFill>
           <a:ln w="3175">
             <a:noFill/>
@@ -5935,226 +6155,45 @@
           </a:p>
         </p:txBody>
       </p:sp>
-      <p:sp useBgFill="1">
-        <p:nvSpPr>
-          <p:cNvPr id="1035" name="Rectangle 1034">
-            <a:extLst>
-              <a:ext uri="{FF2B5EF4-FFF2-40B4-BE49-F238E27FC236}">
-                <a16:creationId xmlns:a16="http://schemas.microsoft.com/office/drawing/2014/main" id="{0671A8AE-40A1-4631-A6B8-581AFF065482}"/>
-              </a:ext>
-              <a:ext uri="{C183D7F6-B498-43B3-948B-1728B52AA6E4}">
-                <adec:decorative xmlns:adec="http://schemas.microsoft.com/office/drawing/2017/decorative" val="1"/>
-              </a:ext>
-            </a:extLst>
-          </p:cNvPr>
-          <p:cNvSpPr>
-            <a:spLocks noGrp="1" noRot="1" noChangeAspect="1" noMove="1" noResize="1" noEditPoints="1" noAdjustHandles="1" noChangeArrowheads="1" noChangeShapeType="1" noTextEdit="1"/>
-          </p:cNvSpPr>
-          <p:nvPr>
-            <p:extLst>
-              <p:ext uri="{386F3935-93C4-4BCD-93E2-E3B085C9AB24}">
-                <p16:designElem xmlns:p16="http://schemas.microsoft.com/office/powerpoint/2015/main" val="1"/>
-              </p:ext>
-            </p:extLst>
-          </p:nvPr>
+      <p:sp>
+        <p:nvSpPr>
+          <p:cNvPr id="4" name="TextBox 3">
+            <a:extLst>
+              <a:ext uri="{FF2B5EF4-FFF2-40B4-BE49-F238E27FC236}">
+                <a16:creationId xmlns:a16="http://schemas.microsoft.com/office/drawing/2014/main" id="{271C06C6-4FCE-5F0A-217D-1BE6EFF6881B}"/>
+              </a:ext>
+            </a:extLst>
+          </p:cNvPr>
+          <p:cNvSpPr txBox="1"/>
+          <p:nvPr/>
         </p:nvSpPr>
         <p:spPr>
           <a:xfrm>
-            <a:off x="0" y="0"/>
-            <a:ext cx="12192000" cy="6858000"/>
+            <a:off x="371094" y="2718054"/>
+            <a:ext cx="3438906" cy="3207258"/>
           </a:xfrm>
           <a:prstGeom prst="rect">
             <a:avLst/>
           </a:prstGeom>
-          <a:ln>
-            <a:noFill/>
-          </a:ln>
-        </p:spPr>
-        <p:style>
-          <a:lnRef idx="2">
-            <a:schemeClr val="accent1">
-              <a:shade val="50000"/>
-            </a:schemeClr>
-          </a:lnRef>
-          <a:fillRef idx="1">
-            <a:schemeClr val="accent1"/>
-          </a:fillRef>
-          <a:effectRef idx="0">
-            <a:schemeClr val="accent1"/>
-          </a:effectRef>
-          <a:fontRef idx="minor">
-            <a:schemeClr val="lt1"/>
-          </a:fontRef>
-        </p:style>
-        <p:txBody>
-          <a:bodyPr rtlCol="0" anchor="ctr"/>
-          <a:lstStyle/>
-          <a:p>
-            <a:pPr algn="ctr"/>
-            <a:endParaRPr lang="en-US"/>
-          </a:p>
-        </p:txBody>
-      </p:sp>
-      <p:pic>
-        <p:nvPicPr>
-          <p:cNvPr id="1026" name="Picture 2" descr="Create Stunning Demo Videos with these 6 Tools - Geekflare">
-            <a:extLst>
-              <a:ext uri="{FF2B5EF4-FFF2-40B4-BE49-F238E27FC236}">
-                <a16:creationId xmlns:a16="http://schemas.microsoft.com/office/drawing/2014/main" id="{8F1E1E8A-18CD-10C8-25FE-60CE427B0C8D}"/>
-              </a:ext>
-            </a:extLst>
-          </p:cNvPr>
-          <p:cNvPicPr>
-            <a:picLocks noChangeAspect="1" noChangeArrowheads="1"/>
-          </p:cNvPicPr>
-          <p:nvPr/>
-        </p:nvPicPr>
-        <p:blipFill rotWithShape="1">
-          <a:blip r:embed="rId2">
-            <a:extLst>
-              <a:ext uri="{28A0092B-C50C-407E-A947-70E740481C1C}">
-                <a14:useLocalDpi xmlns:a14="http://schemas.microsoft.com/office/drawing/2010/main" val="0"/>
-              </a:ext>
-            </a:extLst>
-          </a:blip>
-          <a:srcRect l="3238" r="3429"/>
-          <a:stretch/>
-        </p:blipFill>
-        <p:spPr bwMode="auto">
-          <a:xfrm>
-            <a:off x="20" y="10"/>
-            <a:ext cx="12191980" cy="6857990"/>
-          </a:xfrm>
-          <a:prstGeom prst="rect">
-            <a:avLst/>
-          </a:prstGeom>
-          <a:noFill/>
-          <a:extLst>
-            <a:ext uri="{909E8E84-426E-40DD-AFC4-6F175D3DCCD1}">
-              <a14:hiddenFill xmlns:a14="http://schemas.microsoft.com/office/drawing/2010/main">
-                <a:solidFill>
-                  <a:srgbClr val="FFFFFF"/>
-                </a:solidFill>
-              </a14:hiddenFill>
-            </a:ext>
-          </a:extLst>
-        </p:spPr>
-      </p:pic>
-      <p:sp>
-        <p:nvSpPr>
-          <p:cNvPr id="1037" name="Rectangle 1036">
-            <a:extLst>
-              <a:ext uri="{FF2B5EF4-FFF2-40B4-BE49-F238E27FC236}">
-                <a16:creationId xmlns:a16="http://schemas.microsoft.com/office/drawing/2014/main" id="{A44CD100-6267-4E62-AA64-2182A3A6A1C0}"/>
-              </a:ext>
-              <a:ext uri="{C183D7F6-B498-43B3-948B-1728B52AA6E4}">
-                <adec:decorative xmlns:adec="http://schemas.microsoft.com/office/drawing/2017/decorative" val="1"/>
-              </a:ext>
-            </a:extLst>
-          </p:cNvPr>
-          <p:cNvSpPr>
-            <a:spLocks noGrp="1" noRot="1" noChangeAspect="1" noMove="1" noResize="1" noEditPoints="1" noAdjustHandles="1" noChangeArrowheads="1" noChangeShapeType="1" noTextEdit="1"/>
-          </p:cNvSpPr>
-          <p:nvPr>
-            <p:extLst>
-              <p:ext uri="{386F3935-93C4-4BCD-93E2-E3B085C9AB24}">
-                <p16:designElem xmlns:p16="http://schemas.microsoft.com/office/powerpoint/2015/main" val="1"/>
-              </p:ext>
-            </p:extLst>
-          </p:nvPr>
-        </p:nvSpPr>
-        <p:spPr>
-          <a:xfrm>
-            <a:off x="3" y="0"/>
-            <a:ext cx="9339206" cy="6858000"/>
-          </a:xfrm>
-          <a:prstGeom prst="rect">
-            <a:avLst/>
-          </a:prstGeom>
-          <a:gradFill>
-            <a:gsLst>
-              <a:gs pos="58000">
-                <a:schemeClr val="tx1">
-                  <a:alpha val="30000"/>
-                </a:schemeClr>
-              </a:gs>
-              <a:gs pos="33000">
-                <a:schemeClr val="tx1">
-                  <a:alpha val="20000"/>
-                </a:schemeClr>
-              </a:gs>
-              <a:gs pos="0">
-                <a:schemeClr val="tx1">
-                  <a:alpha val="0"/>
-                </a:schemeClr>
-              </a:gs>
-              <a:gs pos="100000">
-                <a:schemeClr val="tx1">
-                  <a:alpha val="30000"/>
-                </a:schemeClr>
-              </a:gs>
-            </a:gsLst>
-            <a:lin ang="10800000" scaled="0"/>
-          </a:gradFill>
-          <a:ln>
-            <a:noFill/>
-          </a:ln>
-        </p:spPr>
-        <p:style>
-          <a:lnRef idx="2">
-            <a:schemeClr val="accent1">
-              <a:shade val="50000"/>
-            </a:schemeClr>
-          </a:lnRef>
-          <a:fillRef idx="1">
-            <a:schemeClr val="accent1"/>
-          </a:fillRef>
-          <a:effectRef idx="0">
-            <a:schemeClr val="accent1"/>
-          </a:effectRef>
-          <a:fontRef idx="minor">
-            <a:schemeClr val="lt1"/>
-          </a:fontRef>
-        </p:style>
-        <p:txBody>
-          <a:bodyPr rtlCol="0" anchor="ctr"/>
-          <a:lstStyle/>
-          <a:p>
-            <a:pPr algn="ctr"/>
-            <a:endParaRPr lang="en-US" dirty="0"/>
-          </a:p>
-        </p:txBody>
-      </p:sp>
-      <p:sp>
-        <p:nvSpPr>
-          <p:cNvPr id="2" name="Title 1">
-            <a:extLst>
-              <a:ext uri="{FF2B5EF4-FFF2-40B4-BE49-F238E27FC236}">
-                <a16:creationId xmlns:a16="http://schemas.microsoft.com/office/drawing/2014/main" id="{407644C2-D6FF-46FA-9C62-B5AFF7620B3F}"/>
-              </a:ext>
-            </a:extLst>
-          </p:cNvPr>
-          <p:cNvSpPr>
-            <a:spLocks noGrp="1"/>
-          </p:cNvSpPr>
-          <p:nvPr>
-            <p:ph type="title"/>
-          </p:nvPr>
-        </p:nvSpPr>
-        <p:spPr>
-          <a:xfrm>
-            <a:off x="477981" y="1122363"/>
-            <a:ext cx="4023360" cy="3204134"/>
-          </a:xfrm>
-        </p:spPr>
-        <p:txBody>
-          <a:bodyPr vert="horz" lIns="91440" tIns="45720" rIns="91440" bIns="45720" rtlCol="0" anchor="b">
+        </p:spPr>
+        <p:txBody>
+          <a:bodyPr vert="horz" lIns="91440" tIns="45720" rIns="91440" bIns="45720" rtlCol="0" anchor="t">
             <a:normAutofit/>
           </a:bodyPr>
           <a:lstStyle/>
           <a:p>
-            <a:r>
-              <a:rPr lang="en-US" sz="4800" dirty="0">
+            <a:pPr marL="285750" indent="-228600">
+              <a:lnSpc>
+                <a:spcPct val="110000"/>
+              </a:lnSpc>
+              <a:spcAft>
+                <a:spcPts val="600"/>
+              </a:spcAft>
+              <a:buFont typeface="Arial" panose="020B0604020202020204" pitchFamily="34" charset="0"/>
+              <a:buChar char="•"/>
+            </a:pPr>
+            <a:r>
+              <a:rPr lang="en-US" sz="1700" dirty="0">
                 <a:solidFill>
                   <a:schemeClr val="bg1"/>
                 </a:solidFill>
@@ -6162,189 +6201,88 @@
               <a:t>Demo</a:t>
             </a:r>
           </a:p>
-        </p:txBody>
-      </p:sp>
-      <p:sp>
-        <p:nvSpPr>
-          <p:cNvPr id="1039" name="Rectangle 1038">
-            <a:extLst>
-              <a:ext uri="{FF2B5EF4-FFF2-40B4-BE49-F238E27FC236}">
-                <a16:creationId xmlns:a16="http://schemas.microsoft.com/office/drawing/2014/main" id="{AF2F604E-43BE-4DC3-B983-E071523364F8}"/>
-              </a:ext>
-              <a:ext uri="{C183D7F6-B498-43B3-948B-1728B52AA6E4}">
-                <adec:decorative xmlns:adec="http://schemas.microsoft.com/office/drawing/2017/decorative" val="1"/>
-              </a:ext>
-            </a:extLst>
-          </p:cNvPr>
-          <p:cNvSpPr>
-            <a:spLocks noGrp="1" noRot="1" noChangeAspect="1" noMove="1" noResize="1" noEditPoints="1" noAdjustHandles="1" noChangeArrowheads="1" noChangeShapeType="1" noTextEdit="1"/>
-          </p:cNvSpPr>
-          <p:nvPr>
-            <p:extLst>
-              <p:ext uri="{386F3935-93C4-4BCD-93E2-E3B085C9AB24}">
-                <p16:designElem xmlns:p16="http://schemas.microsoft.com/office/powerpoint/2015/main" val="1"/>
-              </p:ext>
-            </p:extLst>
-          </p:nvPr>
-        </p:nvSpPr>
-        <p:spPr>
-          <a:xfrm rot="5400000">
-            <a:off x="759921" y="346791"/>
-            <a:ext cx="146304" cy="704088"/>
-          </a:xfrm>
-          <a:prstGeom prst="rect">
-            <a:avLst/>
-          </a:prstGeom>
-          <a:solidFill>
-            <a:schemeClr val="accent1"/>
-          </a:solidFill>
-          <a:ln>
-            <a:noFill/>
-          </a:ln>
-        </p:spPr>
-        <p:style>
-          <a:lnRef idx="2">
-            <a:schemeClr val="accent1">
-              <a:shade val="50000"/>
-            </a:schemeClr>
-          </a:lnRef>
-          <a:fillRef idx="1">
-            <a:schemeClr val="accent1"/>
-          </a:fillRef>
-          <a:effectRef idx="0">
-            <a:schemeClr val="accent1"/>
-          </a:effectRef>
-          <a:fontRef idx="minor">
-            <a:schemeClr val="lt1"/>
-          </a:fontRef>
-        </p:style>
-        <p:txBody>
-          <a:bodyPr rtlCol="0" anchor="ctr"/>
-          <a:lstStyle/>
-          <a:p>
-            <a:pPr marL="0" marR="0" lvl="0" indent="0" algn="ctr" defTabSz="914400" rtl="0" eaLnBrk="1" fontAlgn="auto" latinLnBrk="0" hangingPunct="1">
+          <a:p>
+            <a:pPr marL="285750" indent="-228600">
               <a:lnSpc>
-                <a:spcPct val="100000"/>
+                <a:spcPct val="110000"/>
               </a:lnSpc>
-              <a:spcBef>
-                <a:spcPts val="0"/>
-              </a:spcBef>
               <a:spcAft>
-                <a:spcPts val="0"/>
+                <a:spcPts val="600"/>
               </a:spcAft>
-              <a:buClrTx/>
-              <a:buSzTx/>
-              <a:buFontTx/>
-              <a:buNone/>
-              <a:tabLst/>
-              <a:defRPr/>
+              <a:buFont typeface="Arial" panose="020B0604020202020204" pitchFamily="34" charset="0"/>
+              <a:buChar char="•"/>
             </a:pPr>
-            <a:endParaRPr kumimoji="0" lang="en-US" sz="1800" b="0" i="0" u="none" strike="noStrike" kern="1200" cap="none" spc="0" normalizeH="0" baseline="0" noProof="0">
-              <a:ln>
-                <a:noFill/>
-              </a:ln>
+            <a:r>
+              <a:rPr lang="en-US" sz="1700" dirty="0" err="1">
+                <a:solidFill>
+                  <a:schemeClr val="bg1"/>
+                </a:solidFill>
+              </a:rPr>
+              <a:t>Proces</a:t>
+            </a:r>
+            <a:endParaRPr lang="en-US" sz="1700" dirty="0">
               <a:solidFill>
-                <a:prstClr val="white"/>
+                <a:schemeClr val="bg1"/>
               </a:solidFill>
-              <a:effectLst/>
-              <a:uLnTx/>
-              <a:uFillTx/>
-              <a:latin typeface="Calibri" panose="020F0502020204030204"/>
-              <a:ea typeface="+mn-ea"/>
-              <a:cs typeface="+mn-cs"/>
             </a:endParaRPr>
           </a:p>
-        </p:txBody>
-      </p:sp>
-      <p:sp>
-        <p:nvSpPr>
-          <p:cNvPr id="1041" name="Rectangle 1040">
-            <a:extLst>
-              <a:ext uri="{FF2B5EF4-FFF2-40B4-BE49-F238E27FC236}">
-                <a16:creationId xmlns:a16="http://schemas.microsoft.com/office/drawing/2014/main" id="{08C9B587-E65E-4B52-B37C-ABEBB6E87928}"/>
-              </a:ext>
-              <a:ext uri="{C183D7F6-B498-43B3-948B-1728B52AA6E4}">
-                <adec:decorative xmlns:adec="http://schemas.microsoft.com/office/drawing/2017/decorative" val="1"/>
-              </a:ext>
-            </a:extLst>
-          </p:cNvPr>
-          <p:cNvSpPr>
-            <a:spLocks noGrp="1" noRot="1" noChangeAspect="1" noMove="1" noResize="1" noEditPoints="1" noAdjustHandles="1" noChangeArrowheads="1" noChangeShapeType="1" noTextEdit="1"/>
-          </p:cNvSpPr>
-          <p:nvPr>
-            <p:extLst>
-              <p:ext uri="{386F3935-93C4-4BCD-93E2-E3B085C9AB24}">
-                <p16:designElem xmlns:p16="http://schemas.microsoft.com/office/powerpoint/2015/main" val="1"/>
-              </p:ext>
-            </p:extLst>
-          </p:nvPr>
-        </p:nvSpPr>
-        <p:spPr>
-          <a:xfrm>
-            <a:off x="481029" y="4546920"/>
-            <a:ext cx="3977640" cy="18288"/>
-          </a:xfrm>
-          <a:prstGeom prst="rect">
-            <a:avLst/>
-          </a:prstGeom>
-          <a:solidFill>
-            <a:schemeClr val="bg1"/>
-          </a:solidFill>
-          <a:ln w="3175">
-            <a:noFill/>
-          </a:ln>
-          <a:effectLst/>
-        </p:spPr>
-        <p:style>
-          <a:lnRef idx="2">
-            <a:schemeClr val="accent1">
-              <a:shade val="50000"/>
-            </a:schemeClr>
-          </a:lnRef>
-          <a:fillRef idx="1">
-            <a:schemeClr val="accent1"/>
-          </a:fillRef>
-          <a:effectRef idx="0">
-            <a:schemeClr val="accent1"/>
-          </a:effectRef>
-          <a:fontRef idx="minor">
-            <a:schemeClr val="lt1"/>
-          </a:fontRef>
-        </p:style>
-        <p:txBody>
-          <a:bodyPr rtlCol="0" anchor="ctr"/>
-          <a:lstStyle/>
-          <a:p>
-            <a:pPr marL="0" marR="0" lvl="0" indent="0" algn="ctr" defTabSz="914400" rtl="0" eaLnBrk="1" fontAlgn="auto" latinLnBrk="0" hangingPunct="1">
+          <a:p>
+            <a:pPr marL="285750" indent="-228600">
               <a:lnSpc>
-                <a:spcPct val="100000"/>
+                <a:spcPct val="110000"/>
               </a:lnSpc>
-              <a:spcBef>
-                <a:spcPts val="0"/>
-              </a:spcBef>
               <a:spcAft>
-                <a:spcPts val="0"/>
+                <a:spcPts val="600"/>
               </a:spcAft>
-              <a:buClrTx/>
-              <a:buSzTx/>
-              <a:buFontTx/>
-              <a:buNone/>
-              <a:tabLst/>
-              <a:defRPr/>
+              <a:buFont typeface="Arial" panose="020B0604020202020204" pitchFamily="34" charset="0"/>
+              <a:buChar char="•"/>
             </a:pPr>
-            <a:endParaRPr kumimoji="0" lang="en-US" sz="1800" b="0" i="0" u="none" strike="noStrike" kern="1200" cap="none" spc="0" normalizeH="0" baseline="0" noProof="0">
-              <a:ln>
-                <a:noFill/>
-              </a:ln>
+            <a:r>
+              <a:rPr lang="en-US" sz="1700" dirty="0" err="1">
+                <a:solidFill>
+                  <a:schemeClr val="bg1"/>
+                </a:solidFill>
+              </a:rPr>
+              <a:t>Verbeteringen</a:t>
+            </a:r>
+            <a:endParaRPr lang="en-US" sz="1700" dirty="0">
               <a:solidFill>
-                <a:prstClr val="white"/>
+                <a:schemeClr val="bg1"/>
               </a:solidFill>
-              <a:effectLst/>
-              <a:uLnTx/>
-              <a:uFillTx/>
-              <a:latin typeface="Calibri" panose="020F0502020204030204"/>
-              <a:ea typeface="+mn-ea"/>
-              <a:cs typeface="+mn-cs"/>
+            </a:endParaRPr>
+          </a:p>
+          <a:p>
+            <a:pPr marL="285750" indent="-228600">
+              <a:lnSpc>
+                <a:spcPct val="110000"/>
+              </a:lnSpc>
+              <a:spcAft>
+                <a:spcPts val="600"/>
+              </a:spcAft>
+              <a:buFont typeface="Arial" panose="020B0604020202020204" pitchFamily="34" charset="0"/>
+              <a:buChar char="•"/>
+            </a:pPr>
+            <a:endParaRPr lang="en-US" sz="1700" dirty="0">
+              <a:solidFill>
+                <a:schemeClr val="bg1"/>
+              </a:solidFill>
+            </a:endParaRPr>
+          </a:p>
+          <a:p>
+            <a:pPr marL="285750" indent="-228600">
+              <a:lnSpc>
+                <a:spcPct val="110000"/>
+              </a:lnSpc>
+              <a:spcAft>
+                <a:spcPts val="600"/>
+              </a:spcAft>
+              <a:buFont typeface="Arial" panose="020B0604020202020204" pitchFamily="34" charset="0"/>
+              <a:buChar char="•"/>
+            </a:pPr>
+            <a:endParaRPr lang="en-US" sz="1700" dirty="0">
+              <a:solidFill>
+                <a:schemeClr val="bg1"/>
+              </a:solidFill>
             </a:endParaRPr>
           </a:p>
         </p:txBody>
@@ -6352,7 +6290,7 @@
     </p:spTree>
     <p:extLst>
       <p:ext uri="{BB962C8B-B14F-4D97-AF65-F5344CB8AC3E}">
-        <p14:creationId xmlns:p14="http://schemas.microsoft.com/office/powerpoint/2010/main" val="2289832242"/>
+        <p14:creationId xmlns:p14="http://schemas.microsoft.com/office/powerpoint/2010/main" val="2589680846"/>
       </p:ext>
     </p:extLst>
   </p:cSld>
@@ -6387,12 +6325,12 @@
           <a:chExt cx="0" cy="0"/>
         </a:xfrm>
       </p:grpSpPr>
-      <p:sp useBgFill="1">
-        <p:nvSpPr>
-          <p:cNvPr id="11" name="Rectangle 10">
-            <a:extLst>
-              <a:ext uri="{FF2B5EF4-FFF2-40B4-BE49-F238E27FC236}">
-                <a16:creationId xmlns:a16="http://schemas.microsoft.com/office/drawing/2014/main" id="{726908CC-6AC4-4222-8250-B90B6072E8AC}"/>
+      <p:sp>
+        <p:nvSpPr>
+          <p:cNvPr id="1031" name="Rectangle 1030">
+            <a:extLst>
+              <a:ext uri="{FF2B5EF4-FFF2-40B4-BE49-F238E27FC236}">
+                <a16:creationId xmlns:a16="http://schemas.microsoft.com/office/drawing/2014/main" id="{8D06CE56-3881-4ADA-8CEF-D18B02C242A3}"/>
               </a:ext>
               <a:ext uri="{C183D7F6-B498-43B3-948B-1728B52AA6E4}">
                 <adec:decorative xmlns:adec="http://schemas.microsoft.com/office/drawing/2017/decorative" val="1"/>
@@ -6411,92 +6349,19 @@
           </p:nvPr>
         </p:nvSpPr>
         <p:spPr>
-          <a:xfrm>
-            <a:off x="0" y="0"/>
-            <a:ext cx="12192000" cy="6858000"/>
-          </a:xfrm>
-          <a:prstGeom prst="rect">
-            <a:avLst/>
-          </a:prstGeom>
-          <a:ln>
-            <a:noFill/>
-          </a:ln>
-        </p:spPr>
-        <p:style>
-          <a:lnRef idx="2">
-            <a:schemeClr val="accent1">
-              <a:shade val="50000"/>
-            </a:schemeClr>
-          </a:lnRef>
-          <a:fillRef idx="1">
-            <a:schemeClr val="accent1"/>
-          </a:fillRef>
-          <a:effectRef idx="0">
-            <a:schemeClr val="accent1"/>
-          </a:effectRef>
-          <a:fontRef idx="minor">
-            <a:schemeClr val="lt1"/>
-          </a:fontRef>
-        </p:style>
-        <p:txBody>
-          <a:bodyPr rtlCol="0" anchor="ctr"/>
-          <a:lstStyle/>
-          <a:p>
-            <a:pPr algn="ctr"/>
-            <a:endParaRPr lang="en-US"/>
-          </a:p>
-        </p:txBody>
-      </p:sp>
-      <p:sp>
-        <p:nvSpPr>
-          <p:cNvPr id="13" name="Rectangle 12">
-            <a:extLst>
-              <a:ext uri="{FF2B5EF4-FFF2-40B4-BE49-F238E27FC236}">
-                <a16:creationId xmlns:a16="http://schemas.microsoft.com/office/drawing/2014/main" id="{F2F606D8-696E-4B76-BB10-43672AA1475A}"/>
-              </a:ext>
-              <a:ext uri="{C183D7F6-B498-43B3-948B-1728B52AA6E4}">
-                <adec:decorative xmlns:adec="http://schemas.microsoft.com/office/drawing/2017/decorative" val="1"/>
-              </a:ext>
-            </a:extLst>
-          </p:cNvPr>
-          <p:cNvSpPr>
-            <a:spLocks noGrp="1" noRot="1" noChangeAspect="1" noMove="1" noResize="1" noEditPoints="1" noAdjustHandles="1" noChangeArrowheads="1" noChangeShapeType="1" noTextEdit="1"/>
-          </p:cNvSpPr>
-          <p:nvPr>
-            <p:extLst>
-              <p:ext uri="{386F3935-93C4-4BCD-93E2-E3B085C9AB24}">
-                <p16:designElem xmlns:p16="http://schemas.microsoft.com/office/powerpoint/2015/main" val="1"/>
-              </p:ext>
-            </p:extLst>
-          </p:nvPr>
-        </p:nvSpPr>
-        <p:spPr>
-          <a:xfrm>
-            <a:off x="352751" y="302429"/>
-            <a:ext cx="11550506" cy="6053922"/>
+          <a:xfrm rot="5400000">
+            <a:off x="857544" y="346791"/>
+            <a:ext cx="146304" cy="704088"/>
           </a:xfrm>
           <a:prstGeom prst="rect">
             <a:avLst/>
           </a:prstGeom>
           <a:solidFill>
-            <a:schemeClr val="bg1"/>
+            <a:schemeClr val="accent1"/>
           </a:solidFill>
-          <a:ln w="12700">
-            <a:solidFill>
-              <a:schemeClr val="tx2">
-                <a:lumMod val="10000"/>
-                <a:lumOff val="90000"/>
-              </a:schemeClr>
-            </a:solidFill>
+          <a:ln>
+            <a:noFill/>
           </a:ln>
-          <a:effectLst>
-            <a:outerShdw blurRad="50800" dist="38100" dir="2700000" algn="tl" rotWithShape="0">
-              <a:schemeClr val="bg2">
-                <a:lumMod val="85000"/>
-                <a:alpha val="30000"/>
-              </a:schemeClr>
-            </a:outerShdw>
-          </a:effectLst>
         </p:spPr>
         <p:style>
           <a:lnRef idx="2">
@@ -6554,10 +6419,10 @@
       </p:sp>
       <p:sp>
         <p:nvSpPr>
-          <p:cNvPr id="15" name="Rectangle 14">
-            <a:extLst>
-              <a:ext uri="{FF2B5EF4-FFF2-40B4-BE49-F238E27FC236}">
-                <a16:creationId xmlns:a16="http://schemas.microsoft.com/office/drawing/2014/main" id="{3ABF1881-5AFD-48F9-979A-19EE2FE30A33}"/>
+          <p:cNvPr id="1033" name="Rectangle 1032">
+            <a:extLst>
+              <a:ext uri="{FF2B5EF4-FFF2-40B4-BE49-F238E27FC236}">
+                <a16:creationId xmlns:a16="http://schemas.microsoft.com/office/drawing/2014/main" id="{79F3C543-62EC-4433-9C93-A2CD8764E9B4}"/>
               </a:ext>
               <a:ext uri="{C183D7F6-B498-43B3-948B-1728B52AA6E4}">
                 <adec:decorative xmlns:adec="http://schemas.microsoft.com/office/drawing/2017/decorative" val="1"/>
@@ -6576,19 +6441,23 @@
           </p:nvPr>
         </p:nvSpPr>
         <p:spPr>
-          <a:xfrm rot="10800000">
-            <a:off x="278608" y="2735029"/>
-            <a:ext cx="148286" cy="1188720"/>
+          <a:xfrm flipV="1">
+            <a:off x="578652" y="4501201"/>
+            <a:ext cx="11034696" cy="18288"/>
           </a:xfrm>
           <a:prstGeom prst="rect">
             <a:avLst/>
           </a:prstGeom>
           <a:solidFill>
-            <a:schemeClr val="accent1"/>
+            <a:schemeClr val="tx2">
+              <a:lumMod val="25000"/>
+              <a:lumOff val="75000"/>
+            </a:schemeClr>
           </a:solidFill>
-          <a:ln>
+          <a:ln w="3175">
             <a:noFill/>
           </a:ln>
+          <a:effectLst/>
         </p:spPr>
         <p:style>
           <a:lnRef idx="2">
@@ -6644,40 +6513,424 @@
           </a:p>
         </p:txBody>
       </p:sp>
+      <p:sp useBgFill="1">
+        <p:nvSpPr>
+          <p:cNvPr id="1035" name="Rectangle 1034">
+            <a:extLst>
+              <a:ext uri="{FF2B5EF4-FFF2-40B4-BE49-F238E27FC236}">
+                <a16:creationId xmlns:a16="http://schemas.microsoft.com/office/drawing/2014/main" id="{0671A8AE-40A1-4631-A6B8-581AFF065482}"/>
+              </a:ext>
+              <a:ext uri="{C183D7F6-B498-43B3-948B-1728B52AA6E4}">
+                <adec:decorative xmlns:adec="http://schemas.microsoft.com/office/drawing/2017/decorative" val="1"/>
+              </a:ext>
+            </a:extLst>
+          </p:cNvPr>
+          <p:cNvSpPr>
+            <a:spLocks noGrp="1" noRot="1" noChangeAspect="1" noMove="1" noResize="1" noEditPoints="1" noAdjustHandles="1" noChangeArrowheads="1" noChangeShapeType="1" noTextEdit="1"/>
+          </p:cNvSpPr>
+          <p:nvPr>
+            <p:extLst>
+              <p:ext uri="{386F3935-93C4-4BCD-93E2-E3B085C9AB24}">
+                <p16:designElem xmlns:p16="http://schemas.microsoft.com/office/powerpoint/2015/main" val="1"/>
+              </p:ext>
+            </p:extLst>
+          </p:nvPr>
+        </p:nvSpPr>
+        <p:spPr>
+          <a:xfrm>
+            <a:off x="0" y="0"/>
+            <a:ext cx="12192000" cy="6858000"/>
+          </a:xfrm>
+          <a:prstGeom prst="rect">
+            <a:avLst/>
+          </a:prstGeom>
+          <a:ln>
+            <a:noFill/>
+          </a:ln>
+        </p:spPr>
+        <p:style>
+          <a:lnRef idx="2">
+            <a:schemeClr val="accent1">
+              <a:shade val="50000"/>
+            </a:schemeClr>
+          </a:lnRef>
+          <a:fillRef idx="1">
+            <a:schemeClr val="accent1"/>
+          </a:fillRef>
+          <a:effectRef idx="0">
+            <a:schemeClr val="accent1"/>
+          </a:effectRef>
+          <a:fontRef idx="minor">
+            <a:schemeClr val="lt1"/>
+          </a:fontRef>
+        </p:style>
+        <p:txBody>
+          <a:bodyPr rtlCol="0" anchor="ctr"/>
+          <a:lstStyle/>
+          <a:p>
+            <a:pPr algn="ctr"/>
+            <a:endParaRPr lang="en-US"/>
+          </a:p>
+        </p:txBody>
+      </p:sp>
       <p:pic>
         <p:nvPicPr>
-          <p:cNvPr id="3" name="Picture 2">
-            <a:extLst>
-              <a:ext uri="{FF2B5EF4-FFF2-40B4-BE49-F238E27FC236}">
-                <a16:creationId xmlns:a16="http://schemas.microsoft.com/office/drawing/2014/main" id="{FD2712C3-8025-6CFC-67F4-DDBF608F0694}"/>
+          <p:cNvPr id="1026" name="Picture 2" descr="Create Stunning Demo Videos with these 6 Tools - Geekflare">
+            <a:extLst>
+              <a:ext uri="{FF2B5EF4-FFF2-40B4-BE49-F238E27FC236}">
+                <a16:creationId xmlns:a16="http://schemas.microsoft.com/office/drawing/2014/main" id="{8F1E1E8A-18CD-10C8-25FE-60CE427B0C8D}"/>
               </a:ext>
             </a:extLst>
           </p:cNvPr>
           <p:cNvPicPr>
-            <a:picLocks noChangeAspect="1"/>
+            <a:picLocks noChangeAspect="1" noChangeArrowheads="1"/>
           </p:cNvPicPr>
           <p:nvPr/>
         </p:nvPicPr>
-        <p:blipFill>
-          <a:blip r:embed="rId2"/>
-          <a:stretch>
-            <a:fillRect/>
-          </a:stretch>
+        <p:blipFill rotWithShape="1">
+          <a:blip r:embed="rId2">
+            <a:extLst>
+              <a:ext uri="{28A0092B-C50C-407E-A947-70E740481C1C}">
+                <a14:useLocalDpi xmlns:a14="http://schemas.microsoft.com/office/drawing/2010/main" val="0"/>
+              </a:ext>
+            </a:extLst>
+          </a:blip>
+          <a:srcRect l="3238" r="3429"/>
+          <a:stretch/>
         </p:blipFill>
-        <p:spPr>
+        <p:spPr bwMode="auto">
           <a:xfrm>
-            <a:off x="823176" y="428206"/>
-            <a:ext cx="10545647" cy="6001588"/>
+            <a:off x="20" y="10"/>
+            <a:ext cx="12191980" cy="6857990"/>
           </a:xfrm>
           <a:prstGeom prst="rect">
             <a:avLst/>
           </a:prstGeom>
+          <a:noFill/>
+          <a:extLst>
+            <a:ext uri="{909E8E84-426E-40DD-AFC4-6F175D3DCCD1}">
+              <a14:hiddenFill xmlns:a14="http://schemas.microsoft.com/office/drawing/2010/main">
+                <a:solidFill>
+                  <a:srgbClr val="FFFFFF"/>
+                </a:solidFill>
+              </a14:hiddenFill>
+            </a:ext>
+          </a:extLst>
         </p:spPr>
       </p:pic>
+      <p:sp>
+        <p:nvSpPr>
+          <p:cNvPr id="1037" name="Rectangle 1036">
+            <a:extLst>
+              <a:ext uri="{FF2B5EF4-FFF2-40B4-BE49-F238E27FC236}">
+                <a16:creationId xmlns:a16="http://schemas.microsoft.com/office/drawing/2014/main" id="{A44CD100-6267-4E62-AA64-2182A3A6A1C0}"/>
+              </a:ext>
+              <a:ext uri="{C183D7F6-B498-43B3-948B-1728B52AA6E4}">
+                <adec:decorative xmlns:adec="http://schemas.microsoft.com/office/drawing/2017/decorative" val="1"/>
+              </a:ext>
+            </a:extLst>
+          </p:cNvPr>
+          <p:cNvSpPr>
+            <a:spLocks noGrp="1" noRot="1" noChangeAspect="1" noMove="1" noResize="1" noEditPoints="1" noAdjustHandles="1" noChangeArrowheads="1" noChangeShapeType="1" noTextEdit="1"/>
+          </p:cNvSpPr>
+          <p:nvPr>
+            <p:extLst>
+              <p:ext uri="{386F3935-93C4-4BCD-93E2-E3B085C9AB24}">
+                <p16:designElem xmlns:p16="http://schemas.microsoft.com/office/powerpoint/2015/main" val="1"/>
+              </p:ext>
+            </p:extLst>
+          </p:nvPr>
+        </p:nvSpPr>
+        <p:spPr>
+          <a:xfrm>
+            <a:off x="3" y="0"/>
+            <a:ext cx="9339206" cy="6858000"/>
+          </a:xfrm>
+          <a:prstGeom prst="rect">
+            <a:avLst/>
+          </a:prstGeom>
+          <a:gradFill>
+            <a:gsLst>
+              <a:gs pos="58000">
+                <a:schemeClr val="tx1">
+                  <a:alpha val="30000"/>
+                </a:schemeClr>
+              </a:gs>
+              <a:gs pos="33000">
+                <a:schemeClr val="tx1">
+                  <a:alpha val="20000"/>
+                </a:schemeClr>
+              </a:gs>
+              <a:gs pos="0">
+                <a:schemeClr val="tx1">
+                  <a:alpha val="0"/>
+                </a:schemeClr>
+              </a:gs>
+              <a:gs pos="100000">
+                <a:schemeClr val="tx1">
+                  <a:alpha val="30000"/>
+                </a:schemeClr>
+              </a:gs>
+            </a:gsLst>
+            <a:lin ang="10800000" scaled="0"/>
+          </a:gradFill>
+          <a:ln>
+            <a:noFill/>
+          </a:ln>
+        </p:spPr>
+        <p:style>
+          <a:lnRef idx="2">
+            <a:schemeClr val="accent1">
+              <a:shade val="50000"/>
+            </a:schemeClr>
+          </a:lnRef>
+          <a:fillRef idx="1">
+            <a:schemeClr val="accent1"/>
+          </a:fillRef>
+          <a:effectRef idx="0">
+            <a:schemeClr val="accent1"/>
+          </a:effectRef>
+          <a:fontRef idx="minor">
+            <a:schemeClr val="lt1"/>
+          </a:fontRef>
+        </p:style>
+        <p:txBody>
+          <a:bodyPr rtlCol="0" anchor="ctr"/>
+          <a:lstStyle/>
+          <a:p>
+            <a:pPr algn="ctr"/>
+            <a:endParaRPr lang="en-US" dirty="0"/>
+          </a:p>
+        </p:txBody>
+      </p:sp>
+      <p:sp>
+        <p:nvSpPr>
+          <p:cNvPr id="2" name="Title 1">
+            <a:extLst>
+              <a:ext uri="{FF2B5EF4-FFF2-40B4-BE49-F238E27FC236}">
+                <a16:creationId xmlns:a16="http://schemas.microsoft.com/office/drawing/2014/main" id="{407644C2-D6FF-46FA-9C62-B5AFF7620B3F}"/>
+              </a:ext>
+            </a:extLst>
+          </p:cNvPr>
+          <p:cNvSpPr>
+            <a:spLocks noGrp="1"/>
+          </p:cNvSpPr>
+          <p:nvPr>
+            <p:ph type="title"/>
+          </p:nvPr>
+        </p:nvSpPr>
+        <p:spPr>
+          <a:xfrm>
+            <a:off x="477981" y="1122363"/>
+            <a:ext cx="4023360" cy="3204134"/>
+          </a:xfrm>
+        </p:spPr>
+        <p:txBody>
+          <a:bodyPr vert="horz" lIns="91440" tIns="45720" rIns="91440" bIns="45720" rtlCol="0" anchor="b">
+            <a:normAutofit/>
+          </a:bodyPr>
+          <a:lstStyle/>
+          <a:p>
+            <a:r>
+              <a:rPr lang="en-US" sz="4800" dirty="0">
+                <a:solidFill>
+                  <a:schemeClr val="bg1"/>
+                </a:solidFill>
+              </a:rPr>
+              <a:t>Demo</a:t>
+            </a:r>
+          </a:p>
+        </p:txBody>
+      </p:sp>
+      <p:sp>
+        <p:nvSpPr>
+          <p:cNvPr id="1039" name="Rectangle 1038">
+            <a:extLst>
+              <a:ext uri="{FF2B5EF4-FFF2-40B4-BE49-F238E27FC236}">
+                <a16:creationId xmlns:a16="http://schemas.microsoft.com/office/drawing/2014/main" id="{AF2F604E-43BE-4DC3-B983-E071523364F8}"/>
+              </a:ext>
+              <a:ext uri="{C183D7F6-B498-43B3-948B-1728B52AA6E4}">
+                <adec:decorative xmlns:adec="http://schemas.microsoft.com/office/drawing/2017/decorative" val="1"/>
+              </a:ext>
+            </a:extLst>
+          </p:cNvPr>
+          <p:cNvSpPr>
+            <a:spLocks noGrp="1" noRot="1" noChangeAspect="1" noMove="1" noResize="1" noEditPoints="1" noAdjustHandles="1" noChangeArrowheads="1" noChangeShapeType="1" noTextEdit="1"/>
+          </p:cNvSpPr>
+          <p:nvPr>
+            <p:extLst>
+              <p:ext uri="{386F3935-93C4-4BCD-93E2-E3B085C9AB24}">
+                <p16:designElem xmlns:p16="http://schemas.microsoft.com/office/powerpoint/2015/main" val="1"/>
+              </p:ext>
+            </p:extLst>
+          </p:nvPr>
+        </p:nvSpPr>
+        <p:spPr>
+          <a:xfrm rot="5400000">
+            <a:off x="759921" y="346791"/>
+            <a:ext cx="146304" cy="704088"/>
+          </a:xfrm>
+          <a:prstGeom prst="rect">
+            <a:avLst/>
+          </a:prstGeom>
+          <a:solidFill>
+            <a:schemeClr val="accent1"/>
+          </a:solidFill>
+          <a:ln>
+            <a:noFill/>
+          </a:ln>
+        </p:spPr>
+        <p:style>
+          <a:lnRef idx="2">
+            <a:schemeClr val="accent1">
+              <a:shade val="50000"/>
+            </a:schemeClr>
+          </a:lnRef>
+          <a:fillRef idx="1">
+            <a:schemeClr val="accent1"/>
+          </a:fillRef>
+          <a:effectRef idx="0">
+            <a:schemeClr val="accent1"/>
+          </a:effectRef>
+          <a:fontRef idx="minor">
+            <a:schemeClr val="lt1"/>
+          </a:fontRef>
+        </p:style>
+        <p:txBody>
+          <a:bodyPr rtlCol="0" anchor="ctr"/>
+          <a:lstStyle/>
+          <a:p>
+            <a:pPr marL="0" marR="0" lvl="0" indent="0" algn="ctr" defTabSz="914400" rtl="0" eaLnBrk="1" fontAlgn="auto" latinLnBrk="0" hangingPunct="1">
+              <a:lnSpc>
+                <a:spcPct val="100000"/>
+              </a:lnSpc>
+              <a:spcBef>
+                <a:spcPts val="0"/>
+              </a:spcBef>
+              <a:spcAft>
+                <a:spcPts val="0"/>
+              </a:spcAft>
+              <a:buClrTx/>
+              <a:buSzTx/>
+              <a:buFontTx/>
+              <a:buNone/>
+              <a:tabLst/>
+              <a:defRPr/>
+            </a:pPr>
+            <a:endParaRPr kumimoji="0" lang="en-US" sz="1800" b="0" i="0" u="none" strike="noStrike" kern="1200" cap="none" spc="0" normalizeH="0" baseline="0" noProof="0">
+              <a:ln>
+                <a:noFill/>
+              </a:ln>
+              <a:solidFill>
+                <a:prstClr val="white"/>
+              </a:solidFill>
+              <a:effectLst/>
+              <a:uLnTx/>
+              <a:uFillTx/>
+              <a:latin typeface="Calibri" panose="020F0502020204030204"/>
+              <a:ea typeface="+mn-ea"/>
+              <a:cs typeface="+mn-cs"/>
+            </a:endParaRPr>
+          </a:p>
+        </p:txBody>
+      </p:sp>
+      <p:sp>
+        <p:nvSpPr>
+          <p:cNvPr id="1041" name="Rectangle 1040">
+            <a:extLst>
+              <a:ext uri="{FF2B5EF4-FFF2-40B4-BE49-F238E27FC236}">
+                <a16:creationId xmlns:a16="http://schemas.microsoft.com/office/drawing/2014/main" id="{08C9B587-E65E-4B52-B37C-ABEBB6E87928}"/>
+              </a:ext>
+              <a:ext uri="{C183D7F6-B498-43B3-948B-1728B52AA6E4}">
+                <adec:decorative xmlns:adec="http://schemas.microsoft.com/office/drawing/2017/decorative" val="1"/>
+              </a:ext>
+            </a:extLst>
+          </p:cNvPr>
+          <p:cNvSpPr>
+            <a:spLocks noGrp="1" noRot="1" noChangeAspect="1" noMove="1" noResize="1" noEditPoints="1" noAdjustHandles="1" noChangeArrowheads="1" noChangeShapeType="1" noTextEdit="1"/>
+          </p:cNvSpPr>
+          <p:nvPr>
+            <p:extLst>
+              <p:ext uri="{386F3935-93C4-4BCD-93E2-E3B085C9AB24}">
+                <p16:designElem xmlns:p16="http://schemas.microsoft.com/office/powerpoint/2015/main" val="1"/>
+              </p:ext>
+            </p:extLst>
+          </p:nvPr>
+        </p:nvSpPr>
+        <p:spPr>
+          <a:xfrm>
+            <a:off x="481029" y="4546920"/>
+            <a:ext cx="3977640" cy="18288"/>
+          </a:xfrm>
+          <a:prstGeom prst="rect">
+            <a:avLst/>
+          </a:prstGeom>
+          <a:solidFill>
+            <a:schemeClr val="bg1"/>
+          </a:solidFill>
+          <a:ln w="3175">
+            <a:noFill/>
+          </a:ln>
+          <a:effectLst/>
+        </p:spPr>
+        <p:style>
+          <a:lnRef idx="2">
+            <a:schemeClr val="accent1">
+              <a:shade val="50000"/>
+            </a:schemeClr>
+          </a:lnRef>
+          <a:fillRef idx="1">
+            <a:schemeClr val="accent1"/>
+          </a:fillRef>
+          <a:effectRef idx="0">
+            <a:schemeClr val="accent1"/>
+          </a:effectRef>
+          <a:fontRef idx="minor">
+            <a:schemeClr val="lt1"/>
+          </a:fontRef>
+        </p:style>
+        <p:txBody>
+          <a:bodyPr rtlCol="0" anchor="ctr"/>
+          <a:lstStyle/>
+          <a:p>
+            <a:pPr marL="0" marR="0" lvl="0" indent="0" algn="ctr" defTabSz="914400" rtl="0" eaLnBrk="1" fontAlgn="auto" latinLnBrk="0" hangingPunct="1">
+              <a:lnSpc>
+                <a:spcPct val="100000"/>
+              </a:lnSpc>
+              <a:spcBef>
+                <a:spcPts val="0"/>
+              </a:spcBef>
+              <a:spcAft>
+                <a:spcPts val="0"/>
+              </a:spcAft>
+              <a:buClrTx/>
+              <a:buSzTx/>
+              <a:buFontTx/>
+              <a:buNone/>
+              <a:tabLst/>
+              <a:defRPr/>
+            </a:pPr>
+            <a:endParaRPr kumimoji="0" lang="en-US" sz="1800" b="0" i="0" u="none" strike="noStrike" kern="1200" cap="none" spc="0" normalizeH="0" baseline="0" noProof="0">
+              <a:ln>
+                <a:noFill/>
+              </a:ln>
+              <a:solidFill>
+                <a:prstClr val="white"/>
+              </a:solidFill>
+              <a:effectLst/>
+              <a:uLnTx/>
+              <a:uFillTx/>
+              <a:latin typeface="Calibri" panose="020F0502020204030204"/>
+              <a:ea typeface="+mn-ea"/>
+              <a:cs typeface="+mn-cs"/>
+            </a:endParaRPr>
+          </a:p>
+        </p:txBody>
+      </p:sp>
     </p:spTree>
     <p:extLst>
       <p:ext uri="{BB962C8B-B14F-4D97-AF65-F5344CB8AC3E}">
-        <p14:creationId xmlns:p14="http://schemas.microsoft.com/office/powerpoint/2010/main" val="3476354177"/>
+        <p14:creationId xmlns:p14="http://schemas.microsoft.com/office/powerpoint/2010/main" val="2289832242"/>
       </p:ext>
     </p:extLst>
   </p:cSld>
@@ -6714,6 +6967,331 @@
       </p:grpSpPr>
       <p:sp useBgFill="1">
         <p:nvSpPr>
+          <p:cNvPr id="11" name="Rectangle 10">
+            <a:extLst>
+              <a:ext uri="{FF2B5EF4-FFF2-40B4-BE49-F238E27FC236}">
+                <a16:creationId xmlns:a16="http://schemas.microsoft.com/office/drawing/2014/main" id="{726908CC-6AC4-4222-8250-B90B6072E8AC}"/>
+              </a:ext>
+              <a:ext uri="{C183D7F6-B498-43B3-948B-1728B52AA6E4}">
+                <adec:decorative xmlns:adec="http://schemas.microsoft.com/office/drawing/2017/decorative" val="1"/>
+              </a:ext>
+            </a:extLst>
+          </p:cNvPr>
+          <p:cNvSpPr>
+            <a:spLocks noGrp="1" noRot="1" noChangeAspect="1" noMove="1" noResize="1" noEditPoints="1" noAdjustHandles="1" noChangeArrowheads="1" noChangeShapeType="1" noTextEdit="1"/>
+          </p:cNvSpPr>
+          <p:nvPr>
+            <p:extLst>
+              <p:ext uri="{386F3935-93C4-4BCD-93E2-E3B085C9AB24}">
+                <p16:designElem xmlns:p16="http://schemas.microsoft.com/office/powerpoint/2015/main" val="1"/>
+              </p:ext>
+            </p:extLst>
+          </p:nvPr>
+        </p:nvSpPr>
+        <p:spPr>
+          <a:xfrm>
+            <a:off x="0" y="0"/>
+            <a:ext cx="12192000" cy="6858000"/>
+          </a:xfrm>
+          <a:prstGeom prst="rect">
+            <a:avLst/>
+          </a:prstGeom>
+          <a:ln>
+            <a:noFill/>
+          </a:ln>
+        </p:spPr>
+        <p:style>
+          <a:lnRef idx="2">
+            <a:schemeClr val="accent1">
+              <a:shade val="50000"/>
+            </a:schemeClr>
+          </a:lnRef>
+          <a:fillRef idx="1">
+            <a:schemeClr val="accent1"/>
+          </a:fillRef>
+          <a:effectRef idx="0">
+            <a:schemeClr val="accent1"/>
+          </a:effectRef>
+          <a:fontRef idx="minor">
+            <a:schemeClr val="lt1"/>
+          </a:fontRef>
+        </p:style>
+        <p:txBody>
+          <a:bodyPr rtlCol="0" anchor="ctr"/>
+          <a:lstStyle/>
+          <a:p>
+            <a:pPr algn="ctr"/>
+            <a:endParaRPr lang="en-US"/>
+          </a:p>
+        </p:txBody>
+      </p:sp>
+      <p:sp>
+        <p:nvSpPr>
+          <p:cNvPr id="13" name="Rectangle 12">
+            <a:extLst>
+              <a:ext uri="{FF2B5EF4-FFF2-40B4-BE49-F238E27FC236}">
+                <a16:creationId xmlns:a16="http://schemas.microsoft.com/office/drawing/2014/main" id="{F2F606D8-696E-4B76-BB10-43672AA1475A}"/>
+              </a:ext>
+              <a:ext uri="{C183D7F6-B498-43B3-948B-1728B52AA6E4}">
+                <adec:decorative xmlns:adec="http://schemas.microsoft.com/office/drawing/2017/decorative" val="1"/>
+              </a:ext>
+            </a:extLst>
+          </p:cNvPr>
+          <p:cNvSpPr>
+            <a:spLocks noGrp="1" noRot="1" noChangeAspect="1" noMove="1" noResize="1" noEditPoints="1" noAdjustHandles="1" noChangeArrowheads="1" noChangeShapeType="1" noTextEdit="1"/>
+          </p:cNvSpPr>
+          <p:nvPr>
+            <p:extLst>
+              <p:ext uri="{386F3935-93C4-4BCD-93E2-E3B085C9AB24}">
+                <p16:designElem xmlns:p16="http://schemas.microsoft.com/office/powerpoint/2015/main" val="1"/>
+              </p:ext>
+            </p:extLst>
+          </p:nvPr>
+        </p:nvSpPr>
+        <p:spPr>
+          <a:xfrm>
+            <a:off x="352751" y="302429"/>
+            <a:ext cx="11550506" cy="6053922"/>
+          </a:xfrm>
+          <a:prstGeom prst="rect">
+            <a:avLst/>
+          </a:prstGeom>
+          <a:solidFill>
+            <a:schemeClr val="bg1"/>
+          </a:solidFill>
+          <a:ln w="12700">
+            <a:solidFill>
+              <a:schemeClr val="tx2">
+                <a:lumMod val="10000"/>
+                <a:lumOff val="90000"/>
+              </a:schemeClr>
+            </a:solidFill>
+          </a:ln>
+          <a:effectLst>
+            <a:outerShdw blurRad="50800" dist="38100" dir="2700000" algn="tl" rotWithShape="0">
+              <a:schemeClr val="bg2">
+                <a:lumMod val="85000"/>
+                <a:alpha val="30000"/>
+              </a:schemeClr>
+            </a:outerShdw>
+          </a:effectLst>
+        </p:spPr>
+        <p:style>
+          <a:lnRef idx="2">
+            <a:schemeClr val="accent1">
+              <a:shade val="50000"/>
+            </a:schemeClr>
+          </a:lnRef>
+          <a:fillRef idx="1">
+            <a:schemeClr val="accent1"/>
+          </a:fillRef>
+          <a:effectRef idx="0">
+            <a:schemeClr val="accent1"/>
+          </a:effectRef>
+          <a:fontRef idx="minor">
+            <a:schemeClr val="lt1"/>
+          </a:fontRef>
+        </p:style>
+        <p:txBody>
+          <a:bodyPr rtlCol="0" anchor="ctr"/>
+          <a:lstStyle/>
+          <a:p>
+            <a:pPr marL="0" marR="0" lvl="0" indent="0" algn="ctr" defTabSz="914400" rtl="0" eaLnBrk="1" fontAlgn="auto" latinLnBrk="0" hangingPunct="1">
+              <a:lnSpc>
+                <a:spcPct val="100000"/>
+              </a:lnSpc>
+              <a:spcBef>
+                <a:spcPts val="0"/>
+              </a:spcBef>
+              <a:spcAft>
+                <a:spcPts val="0"/>
+              </a:spcAft>
+              <a:buClrTx/>
+              <a:buSzTx/>
+              <a:buFontTx/>
+              <a:buNone/>
+              <a:tabLst/>
+              <a:defRPr/>
+            </a:pPr>
+            <a:endParaRPr kumimoji="0" lang="en-US" sz="1800" b="0" i="0" u="none" strike="noStrike" kern="1200" cap="none" spc="0" normalizeH="0" baseline="0" noProof="0">
+              <a:ln>
+                <a:noFill/>
+              </a:ln>
+              <a:solidFill>
+                <a:prstClr val="white"/>
+              </a:solidFill>
+              <a:effectLst/>
+              <a:uLnTx/>
+              <a:uFillTx/>
+              <a:latin typeface="Calibri" panose="020F0502020204030204"/>
+              <a:ea typeface="+mn-ea"/>
+              <a:cs typeface="+mn-cs"/>
+            </a:endParaRPr>
+          </a:p>
+        </p:txBody>
+      </p:sp>
+      <p:sp>
+        <p:nvSpPr>
+          <p:cNvPr id="15" name="Rectangle 14">
+            <a:extLst>
+              <a:ext uri="{FF2B5EF4-FFF2-40B4-BE49-F238E27FC236}">
+                <a16:creationId xmlns:a16="http://schemas.microsoft.com/office/drawing/2014/main" id="{3ABF1881-5AFD-48F9-979A-19EE2FE30A33}"/>
+              </a:ext>
+              <a:ext uri="{C183D7F6-B498-43B3-948B-1728B52AA6E4}">
+                <adec:decorative xmlns:adec="http://schemas.microsoft.com/office/drawing/2017/decorative" val="1"/>
+              </a:ext>
+            </a:extLst>
+          </p:cNvPr>
+          <p:cNvSpPr>
+            <a:spLocks noGrp="1" noRot="1" noChangeAspect="1" noMove="1" noResize="1" noEditPoints="1" noAdjustHandles="1" noChangeArrowheads="1" noChangeShapeType="1" noTextEdit="1"/>
+          </p:cNvSpPr>
+          <p:nvPr>
+            <p:extLst>
+              <p:ext uri="{386F3935-93C4-4BCD-93E2-E3B085C9AB24}">
+                <p16:designElem xmlns:p16="http://schemas.microsoft.com/office/powerpoint/2015/main" val="1"/>
+              </p:ext>
+            </p:extLst>
+          </p:nvPr>
+        </p:nvSpPr>
+        <p:spPr>
+          <a:xfrm rot="10800000">
+            <a:off x="278608" y="2735029"/>
+            <a:ext cx="148286" cy="1188720"/>
+          </a:xfrm>
+          <a:prstGeom prst="rect">
+            <a:avLst/>
+          </a:prstGeom>
+          <a:solidFill>
+            <a:schemeClr val="accent1"/>
+          </a:solidFill>
+          <a:ln>
+            <a:noFill/>
+          </a:ln>
+        </p:spPr>
+        <p:style>
+          <a:lnRef idx="2">
+            <a:schemeClr val="accent1">
+              <a:shade val="50000"/>
+            </a:schemeClr>
+          </a:lnRef>
+          <a:fillRef idx="1">
+            <a:schemeClr val="accent1"/>
+          </a:fillRef>
+          <a:effectRef idx="0">
+            <a:schemeClr val="accent1"/>
+          </a:effectRef>
+          <a:fontRef idx="minor">
+            <a:schemeClr val="lt1"/>
+          </a:fontRef>
+        </p:style>
+        <p:txBody>
+          <a:bodyPr rtlCol="0" anchor="ctr"/>
+          <a:lstStyle/>
+          <a:p>
+            <a:pPr marL="0" marR="0" lvl="0" indent="0" algn="ctr" defTabSz="914400" rtl="0" eaLnBrk="1" fontAlgn="auto" latinLnBrk="0" hangingPunct="1">
+              <a:lnSpc>
+                <a:spcPct val="100000"/>
+              </a:lnSpc>
+              <a:spcBef>
+                <a:spcPts val="0"/>
+              </a:spcBef>
+              <a:spcAft>
+                <a:spcPts val="0"/>
+              </a:spcAft>
+              <a:buClrTx/>
+              <a:buSzTx/>
+              <a:buFontTx/>
+              <a:buNone/>
+              <a:tabLst/>
+              <a:defRPr/>
+            </a:pPr>
+            <a:endParaRPr kumimoji="0" lang="en-US" sz="1800" b="0" i="0" u="none" strike="noStrike" kern="1200" cap="none" spc="0" normalizeH="0" baseline="0" noProof="0">
+              <a:ln>
+                <a:noFill/>
+              </a:ln>
+              <a:solidFill>
+                <a:prstClr val="white"/>
+              </a:solidFill>
+              <a:effectLst/>
+              <a:uLnTx/>
+              <a:uFillTx/>
+              <a:latin typeface="Calibri" panose="020F0502020204030204"/>
+              <a:ea typeface="+mn-ea"/>
+              <a:cs typeface="+mn-cs"/>
+            </a:endParaRPr>
+          </a:p>
+        </p:txBody>
+      </p:sp>
+      <p:pic>
+        <p:nvPicPr>
+          <p:cNvPr id="3" name="Picture 2">
+            <a:extLst>
+              <a:ext uri="{FF2B5EF4-FFF2-40B4-BE49-F238E27FC236}">
+                <a16:creationId xmlns:a16="http://schemas.microsoft.com/office/drawing/2014/main" id="{FD2712C3-8025-6CFC-67F4-DDBF608F0694}"/>
+              </a:ext>
+            </a:extLst>
+          </p:cNvPr>
+          <p:cNvPicPr>
+            <a:picLocks noChangeAspect="1"/>
+          </p:cNvPicPr>
+          <p:nvPr/>
+        </p:nvPicPr>
+        <p:blipFill>
+          <a:blip r:embed="rId2"/>
+          <a:stretch>
+            <a:fillRect/>
+          </a:stretch>
+        </p:blipFill>
+        <p:spPr>
+          <a:xfrm>
+            <a:off x="823176" y="428206"/>
+            <a:ext cx="10545647" cy="6001588"/>
+          </a:xfrm>
+          <a:prstGeom prst="rect">
+            <a:avLst/>
+          </a:prstGeom>
+        </p:spPr>
+      </p:pic>
+    </p:spTree>
+    <p:extLst>
+      <p:ext uri="{BB962C8B-B14F-4D97-AF65-F5344CB8AC3E}">
+        <p14:creationId xmlns:p14="http://schemas.microsoft.com/office/powerpoint/2010/main" val="3476354177"/>
+      </p:ext>
+    </p:extLst>
+  </p:cSld>
+  <p:clrMapOvr>
+    <a:masterClrMapping/>
+  </p:clrMapOvr>
+</p:sld>
+</file>
+
+<file path=ppt/slides/slide5.xml><?xml version="1.0" encoding="utf-8"?>
+<p:sld xmlns:a="http://schemas.openxmlformats.org/drawingml/2006/main" xmlns:r="http://schemas.openxmlformats.org/officeDocument/2006/relationships" xmlns:p="http://schemas.openxmlformats.org/presentationml/2006/main">
+  <p:cSld>
+    <p:bg>
+      <p:bgPr>
+        <a:solidFill>
+          <a:schemeClr val="bg1"/>
+        </a:solidFill>
+        <a:effectLst/>
+      </p:bgPr>
+    </p:bg>
+    <p:spTree>
+      <p:nvGrpSpPr>
+        <p:cNvPr id="1" name=""/>
+        <p:cNvGrpSpPr/>
+        <p:nvPr/>
+      </p:nvGrpSpPr>
+      <p:grpSpPr>
+        <a:xfrm>
+          <a:off x="0" y="0"/>
+          <a:ext cx="0" cy="0"/>
+          <a:chOff x="0" y="0"/>
+          <a:chExt cx="0" cy="0"/>
+        </a:xfrm>
+      </p:grpSpPr>
+      <p:sp useBgFill="1">
+        <p:nvSpPr>
           <p:cNvPr id="26" name="Rectangle 25">
             <a:extLst>
               <a:ext uri="{FF2B5EF4-FFF2-40B4-BE49-F238E27FC236}">
@@ -7328,7 +7906,7 @@
 </p:sld>
 </file>
 
-<file path=ppt/slides/slide5.xml><?xml version="1.0" encoding="utf-8"?>
+<file path=ppt/slides/slide6.xml><?xml version="1.0" encoding="utf-8"?>
 <p:sld xmlns:a="http://schemas.openxmlformats.org/drawingml/2006/main" xmlns:r="http://schemas.openxmlformats.org/officeDocument/2006/relationships" xmlns:p="http://schemas.openxmlformats.org/presentationml/2006/main">
   <p:cSld>
     <p:bg>
@@ -8024,6 +8602,50 @@
           </a:p>
         </p:txBody>
       </p:sp>
+      <p:sp>
+        <p:nvSpPr>
+          <p:cNvPr id="6" name="TextBox 5">
+            <a:extLst>
+              <a:ext uri="{FF2B5EF4-FFF2-40B4-BE49-F238E27FC236}">
+                <a16:creationId xmlns:a16="http://schemas.microsoft.com/office/drawing/2014/main" id="{F305AF59-454E-CFBC-CD0F-583AC7C08978}"/>
+              </a:ext>
+            </a:extLst>
+          </p:cNvPr>
+          <p:cNvSpPr txBox="1"/>
+          <p:nvPr/>
+        </p:nvSpPr>
+        <p:spPr>
+          <a:xfrm>
+            <a:off x="3048000" y="3232043"/>
+            <a:ext cx="6096000" cy="369332"/>
+          </a:xfrm>
+          <a:prstGeom prst="rect">
+            <a:avLst/>
+          </a:prstGeom>
+          <a:noFill/>
+        </p:spPr>
+        <p:txBody>
+          <a:bodyPr wrap="square">
+            <a:spAutoFit/>
+          </a:bodyPr>
+          <a:lstStyle/>
+          <a:p>
+            <a:r>
+              <a:rPr lang="en-GB" dirty="0" err="1"/>
+              <a:t>git@github.com:LorenzGirgis</a:t>
+            </a:r>
+            <a:r>
+              <a:rPr lang="en-GB" dirty="0"/>
+              <a:t>/Game-</a:t>
+            </a:r>
+            <a:r>
+              <a:rPr lang="en-GB" dirty="0" err="1"/>
+              <a:t>Development.git</a:t>
+            </a:r>
+            <a:endParaRPr lang="en-GB" dirty="0"/>
+          </a:p>
+        </p:txBody>
+      </p:sp>
     </p:spTree>
     <p:extLst>
       <p:ext uri="{BB962C8B-B14F-4D97-AF65-F5344CB8AC3E}">
@@ -8037,7 +8659,7 @@
 </p:sld>
 </file>
 
-<file path=ppt/slides/slide6.xml><?xml version="1.0" encoding="utf-8"?>
+<file path=ppt/slides/slide7.xml><?xml version="1.0" encoding="utf-8"?>
 <p:sld xmlns:a="http://schemas.openxmlformats.org/drawingml/2006/main" xmlns:r="http://schemas.openxmlformats.org/officeDocument/2006/relationships" xmlns:p="http://schemas.openxmlformats.org/presentationml/2006/main">
   <p:cSld>
     <p:bg>

--- a/Break out.pptx
+++ b/Break out.pptx
@@ -4,6 +4,9 @@
   <p:sldMasterIdLst>
     <p:sldMasterId id="2147483764" r:id="rId1"/>
   </p:sldMasterIdLst>
+  <p:notesMasterIdLst>
+    <p:notesMasterId r:id="rId9"/>
+  </p:notesMasterIdLst>
   <p:sldIdLst>
     <p:sldId id="256" r:id="rId2"/>
     <p:sldId id="262" r:id="rId3"/>
@@ -116,6 +119,617 @@
     </p:ext>
   </p:extLst>
 </p:presentation>
+</file>
+
+<file path=ppt/notesMasters/notesMaster1.xml><?xml version="1.0" encoding="utf-8"?>
+<p:notesMaster xmlns:a="http://schemas.openxmlformats.org/drawingml/2006/main" xmlns:r="http://schemas.openxmlformats.org/officeDocument/2006/relationships" xmlns:p="http://schemas.openxmlformats.org/presentationml/2006/main">
+  <p:cSld>
+    <p:bg>
+      <p:bgRef idx="1001">
+        <a:schemeClr val="bg1"/>
+      </p:bgRef>
+    </p:bg>
+    <p:spTree>
+      <p:nvGrpSpPr>
+        <p:cNvPr id="1" name=""/>
+        <p:cNvGrpSpPr/>
+        <p:nvPr/>
+      </p:nvGrpSpPr>
+      <p:grpSpPr>
+        <a:xfrm>
+          <a:off x="0" y="0"/>
+          <a:ext cx="0" cy="0"/>
+          <a:chOff x="0" y="0"/>
+          <a:chExt cx="0" cy="0"/>
+        </a:xfrm>
+      </p:grpSpPr>
+      <p:sp>
+        <p:nvSpPr>
+          <p:cNvPr id="2" name="Header Placeholder 1"/>
+          <p:cNvSpPr>
+            <a:spLocks noGrp="1"/>
+          </p:cNvSpPr>
+          <p:nvPr>
+            <p:ph type="hdr" sz="quarter"/>
+          </p:nvPr>
+        </p:nvSpPr>
+        <p:spPr>
+          <a:xfrm>
+            <a:off x="0" y="0"/>
+            <a:ext cx="2971800" cy="458788"/>
+          </a:xfrm>
+          <a:prstGeom prst="rect">
+            <a:avLst/>
+          </a:prstGeom>
+        </p:spPr>
+        <p:txBody>
+          <a:bodyPr vert="horz" lIns="91440" tIns="45720" rIns="91440" bIns="45720" rtlCol="0"/>
+          <a:lstStyle>
+            <a:lvl1pPr algn="l">
+              <a:defRPr sz="1200"/>
+            </a:lvl1pPr>
+          </a:lstStyle>
+          <a:p>
+            <a:endParaRPr lang="en-GB"/>
+          </a:p>
+        </p:txBody>
+      </p:sp>
+      <p:sp>
+        <p:nvSpPr>
+          <p:cNvPr id="3" name="Date Placeholder 2"/>
+          <p:cNvSpPr>
+            <a:spLocks noGrp="1"/>
+          </p:cNvSpPr>
+          <p:nvPr>
+            <p:ph type="dt" idx="1"/>
+          </p:nvPr>
+        </p:nvSpPr>
+        <p:spPr>
+          <a:xfrm>
+            <a:off x="3884613" y="0"/>
+            <a:ext cx="2971800" cy="458788"/>
+          </a:xfrm>
+          <a:prstGeom prst="rect">
+            <a:avLst/>
+          </a:prstGeom>
+        </p:spPr>
+        <p:txBody>
+          <a:bodyPr vert="horz" lIns="91440" tIns="45720" rIns="91440" bIns="45720" rtlCol="0"/>
+          <a:lstStyle>
+            <a:lvl1pPr algn="r">
+              <a:defRPr sz="1200"/>
+            </a:lvl1pPr>
+          </a:lstStyle>
+          <a:p>
+            <a:fld id="{8249EC54-5CE7-4B82-8527-3E320080FD7D}" type="datetimeFigureOut">
+              <a:rPr lang="en-GB" smtClean="0"/>
+              <a:t>12/06/2024</a:t>
+            </a:fld>
+            <a:endParaRPr lang="en-GB"/>
+          </a:p>
+        </p:txBody>
+      </p:sp>
+      <p:sp>
+        <p:nvSpPr>
+          <p:cNvPr id="4" name="Slide Image Placeholder 3"/>
+          <p:cNvSpPr>
+            <a:spLocks noGrp="1" noRot="1" noChangeAspect="1"/>
+          </p:cNvSpPr>
+          <p:nvPr>
+            <p:ph type="sldImg" idx="2"/>
+          </p:nvPr>
+        </p:nvSpPr>
+        <p:spPr>
+          <a:xfrm>
+            <a:off x="685800" y="1143000"/>
+            <a:ext cx="5486400" cy="3086100"/>
+          </a:xfrm>
+          <a:prstGeom prst="rect">
+            <a:avLst/>
+          </a:prstGeom>
+          <a:noFill/>
+          <a:ln w="12700">
+            <a:solidFill>
+              <a:prstClr val="black"/>
+            </a:solidFill>
+          </a:ln>
+        </p:spPr>
+        <p:txBody>
+          <a:bodyPr vert="horz" lIns="91440" tIns="45720" rIns="91440" bIns="45720" rtlCol="0" anchor="ctr"/>
+          <a:lstStyle/>
+          <a:p>
+            <a:endParaRPr lang="en-GB"/>
+          </a:p>
+        </p:txBody>
+      </p:sp>
+      <p:sp>
+        <p:nvSpPr>
+          <p:cNvPr id="5" name="Notes Placeholder 4"/>
+          <p:cNvSpPr>
+            <a:spLocks noGrp="1"/>
+          </p:cNvSpPr>
+          <p:nvPr>
+            <p:ph type="body" sz="quarter" idx="3"/>
+          </p:nvPr>
+        </p:nvSpPr>
+        <p:spPr>
+          <a:xfrm>
+            <a:off x="685800" y="4400550"/>
+            <a:ext cx="5486400" cy="3600450"/>
+          </a:xfrm>
+          <a:prstGeom prst="rect">
+            <a:avLst/>
+          </a:prstGeom>
+        </p:spPr>
+        <p:txBody>
+          <a:bodyPr vert="horz" lIns="91440" tIns="45720" rIns="91440" bIns="45720" rtlCol="0"/>
+          <a:lstStyle/>
+          <a:p>
+            <a:pPr lvl="0"/>
+            <a:r>
+              <a:rPr lang="en-US"/>
+              <a:t>Click to edit Master text styles</a:t>
+            </a:r>
+          </a:p>
+          <a:p>
+            <a:pPr lvl="1"/>
+            <a:r>
+              <a:rPr lang="en-US"/>
+              <a:t>Second level</a:t>
+            </a:r>
+          </a:p>
+          <a:p>
+            <a:pPr lvl="2"/>
+            <a:r>
+              <a:rPr lang="en-US"/>
+              <a:t>Third level</a:t>
+            </a:r>
+          </a:p>
+          <a:p>
+            <a:pPr lvl="3"/>
+            <a:r>
+              <a:rPr lang="en-US"/>
+              <a:t>Fourth level</a:t>
+            </a:r>
+          </a:p>
+          <a:p>
+            <a:pPr lvl="4"/>
+            <a:r>
+              <a:rPr lang="en-US"/>
+              <a:t>Fifth level</a:t>
+            </a:r>
+            <a:endParaRPr lang="en-GB"/>
+          </a:p>
+        </p:txBody>
+      </p:sp>
+      <p:sp>
+        <p:nvSpPr>
+          <p:cNvPr id="6" name="Footer Placeholder 5"/>
+          <p:cNvSpPr>
+            <a:spLocks noGrp="1"/>
+          </p:cNvSpPr>
+          <p:nvPr>
+            <p:ph type="ftr" sz="quarter" idx="4"/>
+          </p:nvPr>
+        </p:nvSpPr>
+        <p:spPr>
+          <a:xfrm>
+            <a:off x="0" y="8685213"/>
+            <a:ext cx="2971800" cy="458787"/>
+          </a:xfrm>
+          <a:prstGeom prst="rect">
+            <a:avLst/>
+          </a:prstGeom>
+        </p:spPr>
+        <p:txBody>
+          <a:bodyPr vert="horz" lIns="91440" tIns="45720" rIns="91440" bIns="45720" rtlCol="0" anchor="b"/>
+          <a:lstStyle>
+            <a:lvl1pPr algn="l">
+              <a:defRPr sz="1200"/>
+            </a:lvl1pPr>
+          </a:lstStyle>
+          <a:p>
+            <a:endParaRPr lang="en-GB"/>
+          </a:p>
+        </p:txBody>
+      </p:sp>
+      <p:sp>
+        <p:nvSpPr>
+          <p:cNvPr id="7" name="Slide Number Placeholder 6"/>
+          <p:cNvSpPr>
+            <a:spLocks noGrp="1"/>
+          </p:cNvSpPr>
+          <p:nvPr>
+            <p:ph type="sldNum" sz="quarter" idx="5"/>
+          </p:nvPr>
+        </p:nvSpPr>
+        <p:spPr>
+          <a:xfrm>
+            <a:off x="3884613" y="8685213"/>
+            <a:ext cx="2971800" cy="458787"/>
+          </a:xfrm>
+          <a:prstGeom prst="rect">
+            <a:avLst/>
+          </a:prstGeom>
+        </p:spPr>
+        <p:txBody>
+          <a:bodyPr vert="horz" lIns="91440" tIns="45720" rIns="91440" bIns="45720" rtlCol="0" anchor="b"/>
+          <a:lstStyle>
+            <a:lvl1pPr algn="r">
+              <a:defRPr sz="1200"/>
+            </a:lvl1pPr>
+          </a:lstStyle>
+          <a:p>
+            <a:fld id="{6B677CC5-10FF-48F1-B75A-048E299789EE}" type="slidenum">
+              <a:rPr lang="en-GB" smtClean="0"/>
+              <a:t>‹#›</a:t>
+            </a:fld>
+            <a:endParaRPr lang="en-GB"/>
+          </a:p>
+        </p:txBody>
+      </p:sp>
+    </p:spTree>
+    <p:extLst>
+      <p:ext uri="{BB962C8B-B14F-4D97-AF65-F5344CB8AC3E}">
+        <p14:creationId xmlns:p14="http://schemas.microsoft.com/office/powerpoint/2010/main" val="3057205864"/>
+      </p:ext>
+    </p:extLst>
+  </p:cSld>
+  <p:clrMap bg1="lt1" tx1="dk1" bg2="lt2" tx2="dk2" accent1="accent1" accent2="accent2" accent3="accent3" accent4="accent4" accent5="accent5" accent6="accent6" hlink="hlink" folHlink="folHlink"/>
+  <p:notesStyle>
+    <a:lvl1pPr marL="0" algn="l" defTabSz="914400" rtl="0" eaLnBrk="1" latinLnBrk="0" hangingPunct="1">
+      <a:defRPr sz="1200" kern="1200">
+        <a:solidFill>
+          <a:schemeClr val="tx1"/>
+        </a:solidFill>
+        <a:latin typeface="+mn-lt"/>
+        <a:ea typeface="+mn-ea"/>
+        <a:cs typeface="+mn-cs"/>
+      </a:defRPr>
+    </a:lvl1pPr>
+    <a:lvl2pPr marL="457200" algn="l" defTabSz="914400" rtl="0" eaLnBrk="1" latinLnBrk="0" hangingPunct="1">
+      <a:defRPr sz="1200" kern="1200">
+        <a:solidFill>
+          <a:schemeClr val="tx1"/>
+        </a:solidFill>
+        <a:latin typeface="+mn-lt"/>
+        <a:ea typeface="+mn-ea"/>
+        <a:cs typeface="+mn-cs"/>
+      </a:defRPr>
+    </a:lvl2pPr>
+    <a:lvl3pPr marL="914400" algn="l" defTabSz="914400" rtl="0" eaLnBrk="1" latinLnBrk="0" hangingPunct="1">
+      <a:defRPr sz="1200" kern="1200">
+        <a:solidFill>
+          <a:schemeClr val="tx1"/>
+        </a:solidFill>
+        <a:latin typeface="+mn-lt"/>
+        <a:ea typeface="+mn-ea"/>
+        <a:cs typeface="+mn-cs"/>
+      </a:defRPr>
+    </a:lvl3pPr>
+    <a:lvl4pPr marL="1371600" algn="l" defTabSz="914400" rtl="0" eaLnBrk="1" latinLnBrk="0" hangingPunct="1">
+      <a:defRPr sz="1200" kern="1200">
+        <a:solidFill>
+          <a:schemeClr val="tx1"/>
+        </a:solidFill>
+        <a:latin typeface="+mn-lt"/>
+        <a:ea typeface="+mn-ea"/>
+        <a:cs typeface="+mn-cs"/>
+      </a:defRPr>
+    </a:lvl4pPr>
+    <a:lvl5pPr marL="1828800" algn="l" defTabSz="914400" rtl="0" eaLnBrk="1" latinLnBrk="0" hangingPunct="1">
+      <a:defRPr sz="1200" kern="1200">
+        <a:solidFill>
+          <a:schemeClr val="tx1"/>
+        </a:solidFill>
+        <a:latin typeface="+mn-lt"/>
+        <a:ea typeface="+mn-ea"/>
+        <a:cs typeface="+mn-cs"/>
+      </a:defRPr>
+    </a:lvl5pPr>
+    <a:lvl6pPr marL="2286000" algn="l" defTabSz="914400" rtl="0" eaLnBrk="1" latinLnBrk="0" hangingPunct="1">
+      <a:defRPr sz="1200" kern="1200">
+        <a:solidFill>
+          <a:schemeClr val="tx1"/>
+        </a:solidFill>
+        <a:latin typeface="+mn-lt"/>
+        <a:ea typeface="+mn-ea"/>
+        <a:cs typeface="+mn-cs"/>
+      </a:defRPr>
+    </a:lvl6pPr>
+    <a:lvl7pPr marL="2743200" algn="l" defTabSz="914400" rtl="0" eaLnBrk="1" latinLnBrk="0" hangingPunct="1">
+      <a:defRPr sz="1200" kern="1200">
+        <a:solidFill>
+          <a:schemeClr val="tx1"/>
+        </a:solidFill>
+        <a:latin typeface="+mn-lt"/>
+        <a:ea typeface="+mn-ea"/>
+        <a:cs typeface="+mn-cs"/>
+      </a:defRPr>
+    </a:lvl7pPr>
+    <a:lvl8pPr marL="3200400" algn="l" defTabSz="914400" rtl="0" eaLnBrk="1" latinLnBrk="0" hangingPunct="1">
+      <a:defRPr sz="1200" kern="1200">
+        <a:solidFill>
+          <a:schemeClr val="tx1"/>
+        </a:solidFill>
+        <a:latin typeface="+mn-lt"/>
+        <a:ea typeface="+mn-ea"/>
+        <a:cs typeface="+mn-cs"/>
+      </a:defRPr>
+    </a:lvl8pPr>
+    <a:lvl9pPr marL="3657600" algn="l" defTabSz="914400" rtl="0" eaLnBrk="1" latinLnBrk="0" hangingPunct="1">
+      <a:defRPr sz="1200" kern="1200">
+        <a:solidFill>
+          <a:schemeClr val="tx1"/>
+        </a:solidFill>
+        <a:latin typeface="+mn-lt"/>
+        <a:ea typeface="+mn-ea"/>
+        <a:cs typeface="+mn-cs"/>
+      </a:defRPr>
+    </a:lvl9pPr>
+  </p:notesStyle>
+</p:notesMaster>
+</file>
+
+<file path=ppt/notesSlides/notesSlide1.xml><?xml version="1.0" encoding="utf-8"?>
+<p:notes xmlns:a="http://schemas.openxmlformats.org/drawingml/2006/main" xmlns:r="http://schemas.openxmlformats.org/officeDocument/2006/relationships" xmlns:p="http://schemas.openxmlformats.org/presentationml/2006/main">
+  <p:cSld>
+    <p:spTree>
+      <p:nvGrpSpPr>
+        <p:cNvPr id="1" name=""/>
+        <p:cNvGrpSpPr/>
+        <p:nvPr/>
+      </p:nvGrpSpPr>
+      <p:grpSpPr>
+        <a:xfrm>
+          <a:off x="0" y="0"/>
+          <a:ext cx="0" cy="0"/>
+          <a:chOff x="0" y="0"/>
+          <a:chExt cx="0" cy="0"/>
+        </a:xfrm>
+      </p:grpSpPr>
+      <p:sp>
+        <p:nvSpPr>
+          <p:cNvPr id="2" name="Slide Image Placeholder 1"/>
+          <p:cNvSpPr>
+            <a:spLocks noGrp="1" noRot="1" noChangeAspect="1"/>
+          </p:cNvSpPr>
+          <p:nvPr>
+            <p:ph type="sldImg"/>
+          </p:nvPr>
+        </p:nvSpPr>
+        <p:spPr/>
+      </p:sp>
+      <p:sp>
+        <p:nvSpPr>
+          <p:cNvPr id="3" name="Notes Placeholder 2"/>
+          <p:cNvSpPr>
+            <a:spLocks noGrp="1"/>
+          </p:cNvSpPr>
+          <p:nvPr>
+            <p:ph type="body" idx="1"/>
+          </p:nvPr>
+        </p:nvSpPr>
+        <p:spPr/>
+        <p:txBody>
+          <a:bodyPr/>
+          <a:lstStyle/>
+          <a:p>
+            <a:pPr algn="l" fontAlgn="base">
+              <a:buFont typeface="Arial" panose="020B0604020202020204" pitchFamily="34" charset="0"/>
+              <a:buChar char="•"/>
+            </a:pPr>
+            <a:r>
+              <a:rPr lang="nl-NL" b="0" i="0" dirty="0">
+                <a:effectLst/>
+                <a:latin typeface="gg sans"/>
+              </a:rPr>
+              <a:t>Ik heb dus een break out game gemaakt met unity en c# ik zal jullie nu een demo laten zien: </a:t>
+            </a:r>
+            <a:r>
+              <a:rPr lang="nl-NL" b="0" i="0" dirty="0">
+                <a:effectLst/>
+                <a:latin typeface="inherit"/>
+              </a:rPr>
+              <a:t>start scherm logo slogan naam</a:t>
+            </a:r>
+          </a:p>
+          <a:p>
+            <a:pPr algn="l" fontAlgn="base">
+              <a:buFont typeface="Arial" panose="020B0604020202020204" pitchFamily="34" charset="0"/>
+              <a:buChar char="•"/>
+            </a:pPr>
+            <a:r>
+              <a:rPr lang="nl-NL" b="0" i="0" dirty="0">
+                <a:effectLst/>
+                <a:latin typeface="inherit"/>
+              </a:rPr>
+              <a:t>brick hitten geluid</a:t>
+            </a:r>
+          </a:p>
+          <a:p>
+            <a:pPr algn="l" fontAlgn="base">
+              <a:buFont typeface="Arial" panose="020B0604020202020204" pitchFamily="34" charset="0"/>
+              <a:buChar char="•"/>
+            </a:pPr>
+            <a:r>
+              <a:rPr lang="nl-NL" b="0" i="0" dirty="0">
+                <a:effectLst/>
+                <a:latin typeface="inherit"/>
+              </a:rPr>
+              <a:t>3 levens</a:t>
+            </a:r>
+          </a:p>
+          <a:p>
+            <a:pPr algn="l" fontAlgn="base">
+              <a:buFont typeface="Arial" panose="020B0604020202020204" pitchFamily="34" charset="0"/>
+              <a:buChar char="•"/>
+            </a:pPr>
+            <a:r>
+              <a:rPr lang="nl-NL" b="0" i="0" dirty="0">
+                <a:effectLst/>
+                <a:latin typeface="inherit"/>
+              </a:rPr>
+              <a:t>socre</a:t>
+            </a:r>
+          </a:p>
+          <a:p>
+            <a:pPr algn="l" fontAlgn="base">
+              <a:buFont typeface="Arial" panose="020B0604020202020204" pitchFamily="34" charset="0"/>
+              <a:buChar char="•"/>
+            </a:pPr>
+            <a:r>
+              <a:rPr lang="nl-NL" b="0" i="0" dirty="0">
+                <a:effectLst/>
+                <a:latin typeface="inherit"/>
+              </a:rPr>
+              <a:t>power up</a:t>
+            </a:r>
+          </a:p>
+          <a:p>
+            <a:pPr algn="l" fontAlgn="base">
+              <a:buFont typeface="Arial" panose="020B0604020202020204" pitchFamily="34" charset="0"/>
+              <a:buChar char="•"/>
+            </a:pPr>
+            <a:r>
+              <a:rPr lang="nl-NL" b="0" i="0" dirty="0">
+                <a:effectLst/>
+                <a:latin typeface="inherit"/>
+              </a:rPr>
+              <a:t>pauzeren</a:t>
+            </a:r>
+          </a:p>
+          <a:p>
+            <a:pPr algn="l" fontAlgn="base">
+              <a:buFont typeface="Arial" panose="020B0604020202020204" pitchFamily="34" charset="0"/>
+              <a:buChar char="•"/>
+            </a:pPr>
+            <a:r>
+              <a:rPr lang="nl-NL" b="0" i="0" dirty="0">
+                <a:effectLst/>
+                <a:latin typeface="inherit"/>
+              </a:rPr>
+              <a:t>verliezen geluid</a:t>
+            </a:r>
+          </a:p>
+          <a:p>
+            <a:pPr algn="l" fontAlgn="base">
+              <a:buFont typeface="Arial" panose="020B0604020202020204" pitchFamily="34" charset="0"/>
+              <a:buChar char="•"/>
+            </a:pPr>
+            <a:r>
+              <a:rPr lang="nl-NL" b="0" i="0" dirty="0">
+                <a:effectLst/>
+                <a:latin typeface="inherit"/>
+              </a:rPr>
+              <a:t>winnen geluid</a:t>
+            </a:r>
+          </a:p>
+          <a:p>
+            <a:pPr algn="l" fontAlgn="base">
+              <a:buFont typeface="Arial" panose="020B0604020202020204" pitchFamily="34" charset="0"/>
+              <a:buChar char="•"/>
+            </a:pPr>
+            <a:r>
+              <a:rPr lang="nl-NL" b="0" i="0" dirty="0">
+                <a:effectLst/>
+                <a:latin typeface="gg sans"/>
+              </a:rPr>
+              <a:t>proces was eerst de basisfuncties dan de UI en HUD daaarna de Power ups en de could haves daarna testen met klasgenoten op basis daarvan de game verbeteren refecletie wat kon beter was dat ik paar dingen over het hoofd zag en dat ik het leuk vond om deze game te bouwen heb veel geleerd in een korte tijd wat kan er nog toegevoegd worden toekomste features nou: </a:t>
+            </a:r>
+            <a:r>
+              <a:rPr lang="nl-NL" b="0" i="0" dirty="0">
+                <a:effectLst/>
+                <a:latin typeface="inherit"/>
+              </a:rPr>
+              <a:t>De emails van de spelers pakken</a:t>
+            </a:r>
+          </a:p>
+          <a:p>
+            <a:pPr algn="l" fontAlgn="base">
+              <a:buFont typeface="Arial" panose="020B0604020202020204" pitchFamily="34" charset="0"/>
+              <a:buChar char="•"/>
+            </a:pPr>
+            <a:r>
+              <a:rPr lang="nl-NL" b="0" i="0" dirty="0">
+                <a:effectLst/>
+                <a:latin typeface="inherit"/>
+              </a:rPr>
+              <a:t>Je score zien als je wint of verliest</a:t>
+            </a:r>
+          </a:p>
+          <a:p>
+            <a:pPr algn="l" fontAlgn="base">
+              <a:buFont typeface="Arial" panose="020B0604020202020204" pitchFamily="34" charset="0"/>
+              <a:buChar char="•"/>
+            </a:pPr>
+            <a:r>
+              <a:rPr lang="nl-NL" b="0" i="0" dirty="0">
+                <a:effectLst/>
+                <a:latin typeface="inherit"/>
+              </a:rPr>
+              <a:t>Meer Levels met andere powerups en moeilijkheidsgraad</a:t>
+            </a:r>
+          </a:p>
+          <a:p>
+            <a:pPr algn="l" fontAlgn="base">
+              <a:buFont typeface="Arial" panose="020B0604020202020204" pitchFamily="34" charset="0"/>
+              <a:buChar char="•"/>
+            </a:pPr>
+            <a:r>
+              <a:rPr lang="nl-NL" b="0" i="0" dirty="0">
+                <a:effectLst/>
+                <a:latin typeface="inherit"/>
+              </a:rPr>
+              <a:t>En een online scoreboard</a:t>
+            </a:r>
+          </a:p>
+          <a:p>
+            <a:r>
+              <a:rPr lang="nl-NL" b="0" i="0" dirty="0">
+                <a:effectLst/>
+                <a:latin typeface="gg sans"/>
+              </a:rPr>
+              <a:t>zijn er nog vragen</a:t>
+            </a:r>
+            <a:endParaRPr lang="en-GB" dirty="0"/>
+          </a:p>
+        </p:txBody>
+      </p:sp>
+      <p:sp>
+        <p:nvSpPr>
+          <p:cNvPr id="4" name="Slide Number Placeholder 3"/>
+          <p:cNvSpPr>
+            <a:spLocks noGrp="1"/>
+          </p:cNvSpPr>
+          <p:nvPr>
+            <p:ph type="sldNum" sz="quarter" idx="5"/>
+          </p:nvPr>
+        </p:nvSpPr>
+        <p:spPr/>
+        <p:txBody>
+          <a:bodyPr/>
+          <a:lstStyle/>
+          <a:p>
+            <a:fld id="{6B677CC5-10FF-48F1-B75A-048E299789EE}" type="slidenum">
+              <a:rPr lang="en-GB" smtClean="0"/>
+              <a:t>3</a:t>
+            </a:fld>
+            <a:endParaRPr lang="en-GB"/>
+          </a:p>
+        </p:txBody>
+      </p:sp>
+    </p:spTree>
+    <p:extLst>
+      <p:ext uri="{BB962C8B-B14F-4D97-AF65-F5344CB8AC3E}">
+        <p14:creationId xmlns:p14="http://schemas.microsoft.com/office/powerpoint/2010/main" val="222907244"/>
+      </p:ext>
+    </p:extLst>
+  </p:cSld>
+  <p:clrMapOvr>
+    <a:masterClrMapping/>
+  </p:clrMapOvr>
+</p:notes>
 </file>
 
 <file path=ppt/slideLayouts/slideLayout1.xml><?xml version="1.0" encoding="utf-8"?>
@@ -6588,7 +7202,7 @@
           <p:nvPr/>
         </p:nvPicPr>
         <p:blipFill rotWithShape="1">
-          <a:blip r:embed="rId2">
+          <a:blip r:embed="rId3">
             <a:extLst>
               <a:ext uri="{28A0092B-C50C-407E-A947-70E740481C1C}">
                 <a14:useLocalDpi xmlns:a14="http://schemas.microsoft.com/office/drawing/2010/main" val="0"/>
@@ -8599,50 +9213,6 @@
                 <a:schemeClr val="bg1"/>
               </a:solidFill>
             </a:endParaRPr>
-          </a:p>
-        </p:txBody>
-      </p:sp>
-      <p:sp>
-        <p:nvSpPr>
-          <p:cNvPr id="6" name="TextBox 5">
-            <a:extLst>
-              <a:ext uri="{FF2B5EF4-FFF2-40B4-BE49-F238E27FC236}">
-                <a16:creationId xmlns:a16="http://schemas.microsoft.com/office/drawing/2014/main" id="{F305AF59-454E-CFBC-CD0F-583AC7C08978}"/>
-              </a:ext>
-            </a:extLst>
-          </p:cNvPr>
-          <p:cNvSpPr txBox="1"/>
-          <p:nvPr/>
-        </p:nvSpPr>
-        <p:spPr>
-          <a:xfrm>
-            <a:off x="3048000" y="3232043"/>
-            <a:ext cx="6096000" cy="369332"/>
-          </a:xfrm>
-          <a:prstGeom prst="rect">
-            <a:avLst/>
-          </a:prstGeom>
-          <a:noFill/>
-        </p:spPr>
-        <p:txBody>
-          <a:bodyPr wrap="square">
-            <a:spAutoFit/>
-          </a:bodyPr>
-          <a:lstStyle/>
-          <a:p>
-            <a:r>
-              <a:rPr lang="en-GB" dirty="0" err="1"/>
-              <a:t>git@github.com:LorenzGirgis</a:t>
-            </a:r>
-            <a:r>
-              <a:rPr lang="en-GB" dirty="0"/>
-              <a:t>/Game-</a:t>
-            </a:r>
-            <a:r>
-              <a:rPr lang="en-GB" dirty="0" err="1"/>
-              <a:t>Development.git</a:t>
-            </a:r>
-            <a:endParaRPr lang="en-GB" dirty="0"/>
           </a:p>
         </p:txBody>
       </p:sp>
@@ -9405,4 +9975,319 @@
     </a:ext>
   </a:extLst>
 </a:theme>
+</file>
+
+<file path=ppt/theme/theme2.xml><?xml version="1.0" encoding="utf-8"?>
+<a:theme xmlns:a="http://schemas.openxmlformats.org/drawingml/2006/main" name="Office Theme">
+  <a:themeElements>
+    <a:clrScheme name="Office">
+      <a:dk1>
+        <a:sysClr val="windowText" lastClr="000000"/>
+      </a:dk1>
+      <a:lt1>
+        <a:sysClr val="window" lastClr="FFFFFF"/>
+      </a:lt1>
+      <a:dk2>
+        <a:srgbClr val="0E2841"/>
+      </a:dk2>
+      <a:lt2>
+        <a:srgbClr val="E8E8E8"/>
+      </a:lt2>
+      <a:accent1>
+        <a:srgbClr val="156082"/>
+      </a:accent1>
+      <a:accent2>
+        <a:srgbClr val="E97132"/>
+      </a:accent2>
+      <a:accent3>
+        <a:srgbClr val="196B24"/>
+      </a:accent3>
+      <a:accent4>
+        <a:srgbClr val="0F9ED5"/>
+      </a:accent4>
+      <a:accent5>
+        <a:srgbClr val="A02B93"/>
+      </a:accent5>
+      <a:accent6>
+        <a:srgbClr val="4EA72E"/>
+      </a:accent6>
+      <a:hlink>
+        <a:srgbClr val="467886"/>
+      </a:hlink>
+      <a:folHlink>
+        <a:srgbClr val="96607D"/>
+      </a:folHlink>
+    </a:clrScheme>
+    <a:fontScheme name="Office">
+      <a:majorFont>
+        <a:latin typeface="Aptos Display" panose="02110004020202020204"/>
+        <a:ea typeface=""/>
+        <a:cs typeface=""/>
+        <a:font script="Jpan" typeface="游ゴシック Light"/>
+        <a:font script="Hang" typeface="맑은 고딕"/>
+        <a:font script="Hans" typeface="等线 Light"/>
+        <a:font script="Hant" typeface="新細明體"/>
+        <a:font script="Arab" typeface="Times New Roman"/>
+        <a:font script="Hebr" typeface="Times New Roman"/>
+        <a:font script="Thai" typeface="Angsana New"/>
+        <a:font script="Ethi" typeface="Nyala"/>
+        <a:font script="Beng" typeface="Vrinda"/>
+        <a:font script="Gujr" typeface="Shruti"/>
+        <a:font script="Khmr" typeface="MoolBoran"/>
+        <a:font script="Knda" typeface="Tunga"/>
+        <a:font script="Guru" typeface="Raavi"/>
+        <a:font script="Cans" typeface="Euphemia"/>
+        <a:font script="Cher" typeface="Plantagenet Cherokee"/>
+        <a:font script="Yiii" typeface="Microsoft Yi Baiti"/>
+        <a:font script="Tibt" typeface="Microsoft Himalaya"/>
+        <a:font script="Thaa" typeface="MV Boli"/>
+        <a:font script="Deva" typeface="Mangal"/>
+        <a:font script="Telu" typeface="Gautami"/>
+        <a:font script="Taml" typeface="Latha"/>
+        <a:font script="Syrc" typeface="Estrangelo Edessa"/>
+        <a:font script="Orya" typeface="Kalinga"/>
+        <a:font script="Mlym" typeface="Kartika"/>
+        <a:font script="Laoo" typeface="DokChampa"/>
+        <a:font script="Sinh" typeface="Iskoola Pota"/>
+        <a:font script="Mong" typeface="Mongolian Baiti"/>
+        <a:font script="Viet" typeface="Times New Roman"/>
+        <a:font script="Uigh" typeface="Microsoft Uighur"/>
+        <a:font script="Geor" typeface="Sylfaen"/>
+        <a:font script="Armn" typeface="Arial"/>
+        <a:font script="Bugi" typeface="Leelawadee UI"/>
+        <a:font script="Bopo" typeface="Microsoft JhengHei"/>
+        <a:font script="Java" typeface="Javanese Text"/>
+        <a:font script="Lisu" typeface="Segoe UI"/>
+        <a:font script="Mymr" typeface="Myanmar Text"/>
+        <a:font script="Nkoo" typeface="Ebrima"/>
+        <a:font script="Olck" typeface="Nirmala UI"/>
+        <a:font script="Osma" typeface="Ebrima"/>
+        <a:font script="Phag" typeface="Phagspa"/>
+        <a:font script="Syrn" typeface="Estrangelo Edessa"/>
+        <a:font script="Syrj" typeface="Estrangelo Edessa"/>
+        <a:font script="Syre" typeface="Estrangelo Edessa"/>
+        <a:font script="Sora" typeface="Nirmala UI"/>
+        <a:font script="Tale" typeface="Microsoft Tai Le"/>
+        <a:font script="Talu" typeface="Microsoft New Tai Lue"/>
+        <a:font script="Tfng" typeface="Ebrima"/>
+      </a:majorFont>
+      <a:minorFont>
+        <a:latin typeface="Aptos" panose="02110004020202020204"/>
+        <a:ea typeface=""/>
+        <a:cs typeface=""/>
+        <a:font script="Jpan" typeface="游ゴシック"/>
+        <a:font script="Hang" typeface="맑은 고딕"/>
+        <a:font script="Hans" typeface="等线"/>
+        <a:font script="Hant" typeface="新細明體"/>
+        <a:font script="Arab" typeface="Arial"/>
+        <a:font script="Hebr" typeface="Arial"/>
+        <a:font script="Thai" typeface="Cordia New"/>
+        <a:font script="Ethi" typeface="Nyala"/>
+        <a:font script="Beng" typeface="Vrinda"/>
+        <a:font script="Gujr" typeface="Shruti"/>
+        <a:font script="Khmr" typeface="DaunPenh"/>
+        <a:font script="Knda" typeface="Tunga"/>
+        <a:font script="Guru" typeface="Raavi"/>
+        <a:font script="Cans" typeface="Euphemia"/>
+        <a:font script="Cher" typeface="Plantagenet Cherokee"/>
+        <a:font script="Yiii" typeface="Microsoft Yi Baiti"/>
+        <a:font script="Tibt" typeface="Microsoft Himalaya"/>
+        <a:font script="Thaa" typeface="MV Boli"/>
+        <a:font script="Deva" typeface="Mangal"/>
+        <a:font script="Telu" typeface="Gautami"/>
+        <a:font script="Taml" typeface="Latha"/>
+        <a:font script="Syrc" typeface="Estrangelo Edessa"/>
+        <a:font script="Orya" typeface="Kalinga"/>
+        <a:font script="Mlym" typeface="Kartika"/>
+        <a:font script="Laoo" typeface="DokChampa"/>
+        <a:font script="Sinh" typeface="Iskoola Pota"/>
+        <a:font script="Mong" typeface="Mongolian Baiti"/>
+        <a:font script="Viet" typeface="Arial"/>
+        <a:font script="Uigh" typeface="Microsoft Uighur"/>
+        <a:font script="Geor" typeface="Sylfaen"/>
+        <a:font script="Armn" typeface="Arial"/>
+        <a:font script="Bugi" typeface="Leelawadee UI"/>
+        <a:font script="Bopo" typeface="Microsoft JhengHei"/>
+        <a:font script="Java" typeface="Javanese Text"/>
+        <a:font script="Lisu" typeface="Segoe UI"/>
+        <a:font script="Mymr" typeface="Myanmar Text"/>
+        <a:font script="Nkoo" typeface="Ebrima"/>
+        <a:font script="Olck" typeface="Nirmala UI"/>
+        <a:font script="Osma" typeface="Ebrima"/>
+        <a:font script="Phag" typeface="Phagspa"/>
+        <a:font script="Syrn" typeface="Estrangelo Edessa"/>
+        <a:font script="Syrj" typeface="Estrangelo Edessa"/>
+        <a:font script="Syre" typeface="Estrangelo Edessa"/>
+        <a:font script="Sora" typeface="Nirmala UI"/>
+        <a:font script="Tale" typeface="Microsoft Tai Le"/>
+        <a:font script="Talu" typeface="Microsoft New Tai Lue"/>
+        <a:font script="Tfng" typeface="Ebrima"/>
+      </a:minorFont>
+    </a:fontScheme>
+    <a:fmtScheme name="Office">
+      <a:fillStyleLst>
+        <a:solidFill>
+          <a:schemeClr val="phClr"/>
+        </a:solidFill>
+        <a:gradFill rotWithShape="1">
+          <a:gsLst>
+            <a:gs pos="0">
+              <a:schemeClr val="phClr">
+                <a:lumMod val="110000"/>
+                <a:satMod val="105000"/>
+                <a:tint val="67000"/>
+              </a:schemeClr>
+            </a:gs>
+            <a:gs pos="50000">
+              <a:schemeClr val="phClr">
+                <a:lumMod val="105000"/>
+                <a:satMod val="103000"/>
+                <a:tint val="73000"/>
+              </a:schemeClr>
+            </a:gs>
+            <a:gs pos="100000">
+              <a:schemeClr val="phClr">
+                <a:lumMod val="105000"/>
+                <a:satMod val="109000"/>
+                <a:tint val="81000"/>
+              </a:schemeClr>
+            </a:gs>
+          </a:gsLst>
+          <a:lin ang="5400000" scaled="0"/>
+        </a:gradFill>
+        <a:gradFill rotWithShape="1">
+          <a:gsLst>
+            <a:gs pos="0">
+              <a:schemeClr val="phClr">
+                <a:satMod val="103000"/>
+                <a:lumMod val="102000"/>
+                <a:tint val="94000"/>
+              </a:schemeClr>
+            </a:gs>
+            <a:gs pos="50000">
+              <a:schemeClr val="phClr">
+                <a:satMod val="110000"/>
+                <a:lumMod val="100000"/>
+                <a:shade val="100000"/>
+              </a:schemeClr>
+            </a:gs>
+            <a:gs pos="100000">
+              <a:schemeClr val="phClr">
+                <a:lumMod val="99000"/>
+                <a:satMod val="120000"/>
+                <a:shade val="78000"/>
+              </a:schemeClr>
+            </a:gs>
+          </a:gsLst>
+          <a:lin ang="5400000" scaled="0"/>
+        </a:gradFill>
+      </a:fillStyleLst>
+      <a:lnStyleLst>
+        <a:ln w="12700" cap="flat" cmpd="sng" algn="ctr">
+          <a:solidFill>
+            <a:schemeClr val="phClr"/>
+          </a:solidFill>
+          <a:prstDash val="solid"/>
+          <a:miter lim="800000"/>
+        </a:ln>
+        <a:ln w="19050" cap="flat" cmpd="sng" algn="ctr">
+          <a:solidFill>
+            <a:schemeClr val="phClr"/>
+          </a:solidFill>
+          <a:prstDash val="solid"/>
+          <a:miter lim="800000"/>
+        </a:ln>
+        <a:ln w="25400" cap="flat" cmpd="sng" algn="ctr">
+          <a:solidFill>
+            <a:schemeClr val="phClr"/>
+          </a:solidFill>
+          <a:prstDash val="solid"/>
+          <a:miter lim="800000"/>
+        </a:ln>
+      </a:lnStyleLst>
+      <a:effectStyleLst>
+        <a:effectStyle>
+          <a:effectLst/>
+        </a:effectStyle>
+        <a:effectStyle>
+          <a:effectLst/>
+        </a:effectStyle>
+        <a:effectStyle>
+          <a:effectLst>
+            <a:outerShdw blurRad="57150" dist="19050" dir="5400000" algn="ctr" rotWithShape="0">
+              <a:srgbClr val="000000">
+                <a:alpha val="63000"/>
+              </a:srgbClr>
+            </a:outerShdw>
+          </a:effectLst>
+        </a:effectStyle>
+      </a:effectStyleLst>
+      <a:bgFillStyleLst>
+        <a:solidFill>
+          <a:schemeClr val="phClr"/>
+        </a:solidFill>
+        <a:solidFill>
+          <a:schemeClr val="phClr">
+            <a:tint val="95000"/>
+            <a:satMod val="170000"/>
+          </a:schemeClr>
+        </a:solidFill>
+        <a:gradFill rotWithShape="1">
+          <a:gsLst>
+            <a:gs pos="0">
+              <a:schemeClr val="phClr">
+                <a:tint val="93000"/>
+                <a:satMod val="150000"/>
+                <a:shade val="98000"/>
+                <a:lumMod val="102000"/>
+              </a:schemeClr>
+            </a:gs>
+            <a:gs pos="50000">
+              <a:schemeClr val="phClr">
+                <a:tint val="98000"/>
+                <a:satMod val="130000"/>
+                <a:shade val="90000"/>
+                <a:lumMod val="103000"/>
+              </a:schemeClr>
+            </a:gs>
+            <a:gs pos="100000">
+              <a:schemeClr val="phClr">
+                <a:shade val="63000"/>
+                <a:satMod val="120000"/>
+              </a:schemeClr>
+            </a:gs>
+          </a:gsLst>
+          <a:lin ang="5400000" scaled="0"/>
+        </a:gradFill>
+      </a:bgFillStyleLst>
+    </a:fmtScheme>
+  </a:themeElements>
+  <a:objectDefaults>
+    <a:lnDef>
+      <a:spPr/>
+      <a:bodyPr/>
+      <a:lstStyle/>
+      <a:style>
+        <a:lnRef idx="2">
+          <a:schemeClr val="accent1"/>
+        </a:lnRef>
+        <a:fillRef idx="0">
+          <a:schemeClr val="accent1"/>
+        </a:fillRef>
+        <a:effectRef idx="1">
+          <a:schemeClr val="accent1"/>
+        </a:effectRef>
+        <a:fontRef idx="minor">
+          <a:schemeClr val="tx1"/>
+        </a:fontRef>
+      </a:style>
+    </a:lnDef>
+  </a:objectDefaults>
+  <a:extraClrSchemeLst/>
+  <a:extLst>
+    <a:ext uri="{05A4C25C-085E-4340-85A3-A5531E510DB2}">
+      <thm15:themeFamily xmlns:thm15="http://schemas.microsoft.com/office/thememl/2012/main" name="Office Theme" id="{2E142A2C-CD16-42D6-873A-C26D2A0506FA}" vid="{1BDDFF52-6CD6-40A5-AB3C-68EB2F1E4D0A}"/>
+    </a:ext>
+  </a:extLst>
+</a:theme>
 </file>